--- a/Exercise_2/Exercie2_slides.pptx
+++ b/Exercise_2/Exercie2_slides.pptx
@@ -5,13 +5,17 @@
     <p:sldMasterId id="2147483648" r:id="rId1"/>
   </p:sldMasterIdLst>
   <p:notesMasterIdLst>
-    <p:notesMasterId r:id="rId4"/>
+    <p:notesMasterId r:id="rId8"/>
   </p:notesMasterIdLst>
   <p:handoutMasterIdLst>
-    <p:handoutMasterId r:id="rId5"/>
+    <p:handoutMasterId r:id="rId9"/>
   </p:handoutMasterIdLst>
   <p:sldIdLst>
     <p:sldId id="256" r:id="rId3"/>
+    <p:sldId id="258" r:id="rId4"/>
+    <p:sldId id="260" r:id="rId5"/>
+    <p:sldId id="261" r:id="rId6"/>
+    <p:sldId id="257" r:id="rId7"/>
   </p:sldIdLst>
   <p:sldSz cx="12192000" cy="6858000"/>
   <p:notesSz cx="7103745" cy="10234295"/>
@@ -3548,32 +3552,374 @@
         </p:nvSpPr>
         <p:spPr/>
         <p:txBody>
+          <a:bodyPr>
+            <a:normAutofit fontScale="90000"/>
+          </a:bodyPr>
+          <a:lstStyle/>
+          <a:p>
+            <a:r>
+              <a:rPr lang="de-DE" altLang="zh-CN">
+                <a:latin typeface="Calibri" charset="0"/>
+              </a:rPr>
+              <a:t>Exercise 2</a:t>
+            </a:r>
+            <a:br>
+              <a:rPr lang="de-DE" altLang="zh-CN">
+                <a:latin typeface="Calibri" charset="0"/>
+              </a:rPr>
+            </a:br>
+            <a:r>
+              <a:rPr lang="de-DE" altLang="zh-CN">
+                <a:latin typeface="Calibri" charset="0"/>
+              </a:rPr>
+              <a:t>Random Forest</a:t>
+            </a:r>
+            <a:endParaRPr lang="de-DE" altLang="zh-CN">
+              <a:latin typeface="Calibri" charset="0"/>
+            </a:endParaRPr>
+          </a:p>
+        </p:txBody>
+      </p:sp>
+      <p:sp>
+        <p:nvSpPr>
+          <p:cNvPr id="5" name="副标题 4"/>
+          <p:cNvSpPr>
+            <a:spLocks noGrp="1"/>
+          </p:cNvSpPr>
+          <p:nvPr>
+            <p:ph type="subTitle" idx="1"/>
+          </p:nvPr>
+        </p:nvSpPr>
+        <p:spPr>
+          <a:xfrm>
+            <a:off x="1569085" y="3969385"/>
+            <a:ext cx="9053195" cy="1529715"/>
+          </a:xfrm>
+        </p:spPr>
+        <p:txBody>
           <a:bodyPr/>
           <a:lstStyle/>
           <a:p>
-            <a:endParaRPr lang="zh-CN" altLang="en-US"/>
-          </a:p>
-        </p:txBody>
-      </p:sp>
-      <p:sp>
-        <p:nvSpPr>
-          <p:cNvPr id="5" name="副标题 4"/>
-          <p:cNvSpPr>
-            <a:spLocks noGrp="1"/>
-          </p:cNvSpPr>
-          <p:nvPr>
-            <p:ph type="subTitle" idx="1"/>
+            <a:r>
+              <a:rPr lang="de-DE" altLang="zh-CN">
+                <a:latin typeface="Calibri" charset="0"/>
+              </a:rPr>
+              <a:t>Lukas Sichert -12114770</a:t>
+            </a:r>
+            <a:endParaRPr lang="de-DE" altLang="zh-CN">
+              <a:latin typeface="Calibri" charset="0"/>
+            </a:endParaRPr>
+          </a:p>
+          <a:p>
+            <a:r>
+              <a:rPr lang="de-DE" altLang="zh-CN">
+                <a:latin typeface="Calibri" charset="0"/>
+              </a:rPr>
+              <a:t>Kristof Dadac - </a:t>
+            </a:r>
+            <a:endParaRPr lang="de-DE" altLang="zh-CN">
+              <a:latin typeface="Calibri" charset="0"/>
+            </a:endParaRPr>
+          </a:p>
+          <a:p>
+            <a:r>
+              <a:rPr lang="de-DE" altLang="zh-CN">
+                <a:latin typeface="Calibri" charset="0"/>
+              </a:rPr>
+              <a:t>Florian Engl -</a:t>
+            </a:r>
+            <a:endParaRPr lang="de-DE" altLang="zh-CN">
+              <a:latin typeface="Calibri" charset="0"/>
+            </a:endParaRPr>
+          </a:p>
+        </p:txBody>
+      </p:sp>
+    </p:spTree>
+  </p:cSld>
+  <p:clrMapOvr>
+    <a:masterClrMapping/>
+  </p:clrMapOvr>
+</p:sld>
+</file>
+
+<file path=ppt/slides/slide2.xml><?xml version="1.0" encoding="utf-8"?>
+<p:sld xmlns:a="http://schemas.openxmlformats.org/drawingml/2006/main" xmlns:r="http://schemas.openxmlformats.org/officeDocument/2006/relationships" xmlns:p="http://schemas.openxmlformats.org/presentationml/2006/main">
+  <p:cSld>
+    <p:spTree>
+      <p:nvGrpSpPr>
+        <p:cNvPr id="1" name=""/>
+        <p:cNvGrpSpPr/>
+        <p:nvPr/>
+      </p:nvGrpSpPr>
+      <p:grpSpPr/>
+      <p:sp>
+        <p:nvSpPr>
+          <p:cNvPr id="2" name="Title 1"/>
+          <p:cNvSpPr>
+            <a:spLocks noGrp="1"/>
+          </p:cNvSpPr>
+          <p:nvPr>
+            <p:ph type="title"/>
           </p:nvPr>
         </p:nvSpPr>
         <p:spPr/>
         <p:txBody>
           <a:bodyPr/>
-          <a:lstStyle/>
-          <a:p>
-            <a:endParaRPr lang="zh-CN" altLang="en-US"/>
-          </a:p>
-        </p:txBody>
-      </p:sp>
+          <a:p>
+            <a:pPr algn="ctr" fontAlgn="auto"/>
+            <a:r>
+              <a:rPr lang="de-DE" altLang="en-US">
+                <a:latin typeface="Calibri" charset="0"/>
+              </a:rPr>
+              <a:t>Regression Tree Code Overview</a:t>
+            </a:r>
+            <a:endParaRPr lang="de-DE" altLang="en-US">
+              <a:latin typeface="Calibri" charset="0"/>
+            </a:endParaRPr>
+          </a:p>
+        </p:txBody>
+      </p:sp>
+      <p:pic>
+        <p:nvPicPr>
+          <p:cNvPr id="4" name="Content Placeholder 3"/>
+          <p:cNvPicPr>
+            <a:picLocks noChangeAspect="1"/>
+          </p:cNvPicPr>
+          <p:nvPr>
+            <p:ph idx="1"/>
+          </p:nvPr>
+        </p:nvPicPr>
+        <p:blipFill>
+          <a:blip r:embed="rId1"/>
+          <a:stretch>
+            <a:fillRect/>
+          </a:stretch>
+        </p:blipFill>
+        <p:spPr>
+          <a:xfrm>
+            <a:off x="1894840" y="2262505"/>
+            <a:ext cx="8020050" cy="3476625"/>
+          </a:xfrm>
+          <a:prstGeom prst="rect">
+            <a:avLst/>
+          </a:prstGeom>
+        </p:spPr>
+      </p:pic>
+    </p:spTree>
+  </p:cSld>
+  <p:clrMapOvr>
+    <a:masterClrMapping/>
+  </p:clrMapOvr>
+</p:sld>
+</file>
+
+<file path=ppt/slides/slide3.xml><?xml version="1.0" encoding="utf-8"?>
+<p:sld xmlns:a="http://schemas.openxmlformats.org/drawingml/2006/main" xmlns:r="http://schemas.openxmlformats.org/officeDocument/2006/relationships" xmlns:p="http://schemas.openxmlformats.org/presentationml/2006/main">
+  <p:cSld>
+    <p:spTree>
+      <p:nvGrpSpPr>
+        <p:cNvPr id="1" name=""/>
+        <p:cNvGrpSpPr/>
+        <p:nvPr/>
+      </p:nvGrpSpPr>
+      <p:grpSpPr/>
+      <p:sp>
+        <p:nvSpPr>
+          <p:cNvPr id="2" name="Title 1"/>
+          <p:cNvSpPr>
+            <a:spLocks noGrp="1"/>
+          </p:cNvSpPr>
+          <p:nvPr>
+            <p:ph type="title"/>
+          </p:nvPr>
+        </p:nvSpPr>
+        <p:spPr/>
+        <p:txBody>
+          <a:bodyPr/>
+          <a:p>
+            <a:pPr algn="ctr" fontAlgn="auto"/>
+            <a:r>
+              <a:rPr lang="de-DE" altLang="en-US">
+                <a:latin typeface="Calibri" charset="0"/>
+              </a:rPr>
+              <a:t>Regression Tree - build_tree function </a:t>
+            </a:r>
+            <a:endParaRPr lang="de-DE" altLang="en-US">
+              <a:latin typeface="Calibri" charset="0"/>
+            </a:endParaRPr>
+          </a:p>
+        </p:txBody>
+      </p:sp>
+      <p:pic>
+        <p:nvPicPr>
+          <p:cNvPr id="4" name="Content Placeholder 3"/>
+          <p:cNvPicPr>
+            <a:picLocks noChangeAspect="1"/>
+          </p:cNvPicPr>
+          <p:nvPr>
+            <p:ph idx="1"/>
+          </p:nvPr>
+        </p:nvPicPr>
+        <p:blipFill>
+          <a:blip r:embed="rId1"/>
+          <a:stretch>
+            <a:fillRect/>
+          </a:stretch>
+        </p:blipFill>
+        <p:spPr>
+          <a:xfrm>
+            <a:off x="2496185" y="1825625"/>
+            <a:ext cx="6817995" cy="4351655"/>
+          </a:xfrm>
+          <a:prstGeom prst="rect">
+            <a:avLst/>
+          </a:prstGeom>
+        </p:spPr>
+      </p:pic>
+    </p:spTree>
+  </p:cSld>
+  <p:clrMapOvr>
+    <a:masterClrMapping/>
+  </p:clrMapOvr>
+</p:sld>
+</file>
+
+<file path=ppt/slides/slide4.xml><?xml version="1.0" encoding="utf-8"?>
+<p:sld xmlns:a="http://schemas.openxmlformats.org/drawingml/2006/main" xmlns:r="http://schemas.openxmlformats.org/officeDocument/2006/relationships" xmlns:p="http://schemas.openxmlformats.org/presentationml/2006/main">
+  <p:cSld>
+    <p:spTree>
+      <p:nvGrpSpPr>
+        <p:cNvPr id="1" name=""/>
+        <p:cNvGrpSpPr/>
+        <p:nvPr/>
+      </p:nvGrpSpPr>
+      <p:grpSpPr/>
+      <p:sp>
+        <p:nvSpPr>
+          <p:cNvPr id="2" name="Title 1"/>
+          <p:cNvSpPr>
+            <a:spLocks noGrp="1"/>
+          </p:cNvSpPr>
+          <p:nvPr>
+            <p:ph type="title"/>
+          </p:nvPr>
+        </p:nvSpPr>
+        <p:spPr/>
+        <p:txBody>
+          <a:bodyPr/>
+          <a:p>
+            <a:pPr algn="ctr" fontAlgn="auto"/>
+            <a:r>
+              <a:rPr lang="de-DE" altLang="en-US">
+                <a:latin typeface="Calibri" charset="0"/>
+              </a:rPr>
+              <a:t>Random Forest Code Overview</a:t>
+            </a:r>
+            <a:endParaRPr lang="de-DE" altLang="en-US">
+              <a:latin typeface="Calibri" charset="0"/>
+            </a:endParaRPr>
+          </a:p>
+        </p:txBody>
+      </p:sp>
+      <p:pic>
+        <p:nvPicPr>
+          <p:cNvPr id="4" name="Content Placeholder 3"/>
+          <p:cNvPicPr>
+            <a:picLocks noChangeAspect="1"/>
+          </p:cNvPicPr>
+          <p:nvPr>
+            <p:ph idx="1"/>
+          </p:nvPr>
+        </p:nvPicPr>
+        <p:blipFill>
+          <a:blip r:embed="rId1"/>
+          <a:stretch>
+            <a:fillRect/>
+          </a:stretch>
+        </p:blipFill>
+        <p:spPr>
+          <a:xfrm>
+            <a:off x="647700" y="2980055"/>
+            <a:ext cx="10515600" cy="2042160"/>
+          </a:xfrm>
+          <a:prstGeom prst="rect">
+            <a:avLst/>
+          </a:prstGeom>
+        </p:spPr>
+      </p:pic>
+    </p:spTree>
+  </p:cSld>
+  <p:clrMapOvr>
+    <a:masterClrMapping/>
+  </p:clrMapOvr>
+</p:sld>
+</file>
+
+<file path=ppt/slides/slide5.xml><?xml version="1.0" encoding="utf-8"?>
+<p:sld xmlns:a="http://schemas.openxmlformats.org/drawingml/2006/main" xmlns:r="http://schemas.openxmlformats.org/officeDocument/2006/relationships" xmlns:p="http://schemas.openxmlformats.org/presentationml/2006/main">
+  <p:cSld>
+    <p:spTree>
+      <p:nvGrpSpPr>
+        <p:cNvPr id="1" name=""/>
+        <p:cNvGrpSpPr/>
+        <p:nvPr/>
+      </p:nvGrpSpPr>
+      <p:grpSpPr/>
+      <p:sp>
+        <p:nvSpPr>
+          <p:cNvPr id="2" name="Title 1"/>
+          <p:cNvSpPr>
+            <a:spLocks noGrp="1"/>
+          </p:cNvSpPr>
+          <p:nvPr>
+            <p:ph type="title"/>
+          </p:nvPr>
+        </p:nvSpPr>
+        <p:spPr/>
+        <p:txBody>
+          <a:bodyPr/>
+          <a:p>
+            <a:pPr algn="ctr" fontAlgn="auto"/>
+            <a:r>
+              <a:rPr lang="de-DE" altLang="en-US">
+                <a:effectLst/>
+                <a:latin typeface="Calibri" charset="0"/>
+              </a:rPr>
+              <a:t>Mean Squared Error Comparison - Concrete Dataset</a:t>
+            </a:r>
+            <a:endParaRPr lang="de-DE" altLang="en-US">
+              <a:effectLst/>
+              <a:latin typeface="Calibri" charset="0"/>
+            </a:endParaRPr>
+          </a:p>
+        </p:txBody>
+      </p:sp>
+      <p:pic>
+        <p:nvPicPr>
+          <p:cNvPr id="4" name="Content Placeholder 3"/>
+          <p:cNvPicPr>
+            <a:picLocks noChangeAspect="1"/>
+          </p:cNvPicPr>
+          <p:nvPr>
+            <p:ph idx="1"/>
+          </p:nvPr>
+        </p:nvPicPr>
+        <p:blipFill>
+          <a:blip r:embed="rId1"/>
+          <a:stretch>
+            <a:fillRect/>
+          </a:stretch>
+        </p:blipFill>
+        <p:spPr>
+          <a:xfrm>
+            <a:off x="2297430" y="1825625"/>
+            <a:ext cx="7215505" cy="4351655"/>
+          </a:xfrm>
+          <a:prstGeom prst="rect">
+            <a:avLst/>
+          </a:prstGeom>
+        </p:spPr>
+      </p:pic>
     </p:spTree>
   </p:cSld>
   <p:clrMapOvr>

--- a/Exercise_2/Exercie2_slides.pptx
+++ b/Exercise_2/Exercie2_slides.pptx
@@ -5,17 +5,27 @@
     <p:sldMasterId id="2147483648" r:id="rId1"/>
   </p:sldMasterIdLst>
   <p:notesMasterIdLst>
-    <p:notesMasterId r:id="rId8"/>
+    <p:notesMasterId r:id="rId18"/>
   </p:notesMasterIdLst>
   <p:handoutMasterIdLst>
-    <p:handoutMasterId r:id="rId9"/>
+    <p:handoutMasterId r:id="rId19"/>
   </p:handoutMasterIdLst>
   <p:sldIdLst>
     <p:sldId id="256" r:id="rId3"/>
     <p:sldId id="258" r:id="rId4"/>
     <p:sldId id="260" r:id="rId5"/>
     <p:sldId id="261" r:id="rId6"/>
-    <p:sldId id="257" r:id="rId7"/>
+    <p:sldId id="266" r:id="rId7"/>
+    <p:sldId id="263" r:id="rId8"/>
+    <p:sldId id="264" r:id="rId9"/>
+    <p:sldId id="273" r:id="rId10"/>
+    <p:sldId id="267" r:id="rId11"/>
+    <p:sldId id="257" r:id="rId12"/>
+    <p:sldId id="274" r:id="rId13"/>
+    <p:sldId id="268" r:id="rId14"/>
+    <p:sldId id="272" r:id="rId15"/>
+    <p:sldId id="265" r:id="rId16"/>
+    <p:sldId id="269" r:id="rId17"/>
   </p:sldIdLst>
   <p:sldSz cx="12192000" cy="6858000"/>
   <p:notesSz cx="7103745" cy="10234295"/>
@@ -2980,7 +2990,7 @@
     <p:bg>
       <p:bgPr>
         <a:solidFill>
-          <a:schemeClr val="bg1"/>
+          <a:srgbClr val="1F1F1F"/>
         </a:solidFill>
         <a:effectLst/>
       </p:bgPr>
@@ -3559,22 +3569,34 @@
           <a:p>
             <a:r>
               <a:rPr lang="de-DE" altLang="zh-CN">
+                <a:solidFill>
+                  <a:srgbClr val="61A5C2"/>
+                </a:solidFill>
                 <a:latin typeface="Calibri" charset="0"/>
               </a:rPr>
               <a:t>Exercise 2</a:t>
             </a:r>
             <a:br>
               <a:rPr lang="de-DE" altLang="zh-CN">
+                <a:solidFill>
+                  <a:srgbClr val="61A5C2"/>
+                </a:solidFill>
                 <a:latin typeface="Calibri" charset="0"/>
               </a:rPr>
             </a:br>
             <a:r>
               <a:rPr lang="de-DE" altLang="zh-CN">
+                <a:solidFill>
+                  <a:srgbClr val="61A5C2"/>
+                </a:solidFill>
                 <a:latin typeface="Calibri" charset="0"/>
               </a:rPr>
               <a:t>Random Forest</a:t>
             </a:r>
             <a:endParaRPr lang="de-DE" altLang="zh-CN">
+              <a:solidFill>
+                <a:srgbClr val="61A5C2"/>
+              </a:solidFill>
               <a:latin typeface="Calibri" charset="0"/>
             </a:endParaRPr>
           </a:p>
@@ -3602,38 +3624,545 @@
           <a:p>
             <a:r>
               <a:rPr lang="de-DE" altLang="zh-CN">
+                <a:solidFill>
+                  <a:srgbClr val="61A5C2"/>
+                </a:solidFill>
                 <a:latin typeface="Calibri" charset="0"/>
               </a:rPr>
               <a:t>Lukas Sichert -12114770</a:t>
             </a:r>
             <a:endParaRPr lang="de-DE" altLang="zh-CN">
+              <a:solidFill>
+                <a:srgbClr val="61A5C2"/>
+              </a:solidFill>
               <a:latin typeface="Calibri" charset="0"/>
             </a:endParaRPr>
           </a:p>
           <a:p>
             <a:r>
               <a:rPr lang="de-DE" altLang="zh-CN">
+                <a:solidFill>
+                  <a:srgbClr val="61A5C2"/>
+                </a:solidFill>
                 <a:latin typeface="Calibri" charset="0"/>
               </a:rPr>
-              <a:t>Kristof Dadac - </a:t>
+              <a:t>Kristof Dadac - 12105475</a:t>
             </a:r>
             <a:endParaRPr lang="de-DE" altLang="zh-CN">
+              <a:solidFill>
+                <a:srgbClr val="61A5C2"/>
+              </a:solidFill>
               <a:latin typeface="Calibri" charset="0"/>
             </a:endParaRPr>
           </a:p>
           <a:p>
             <a:r>
               <a:rPr lang="de-DE" altLang="zh-CN">
+                <a:solidFill>
+                  <a:srgbClr val="61A5C2"/>
+                </a:solidFill>
                 <a:latin typeface="Calibri" charset="0"/>
               </a:rPr>
               <a:t>Florian Engl -</a:t>
             </a:r>
             <a:endParaRPr lang="de-DE" altLang="zh-CN">
+              <a:solidFill>
+                <a:srgbClr val="61A5C2"/>
+              </a:solidFill>
               <a:latin typeface="Calibri" charset="0"/>
             </a:endParaRPr>
           </a:p>
         </p:txBody>
       </p:sp>
+    </p:spTree>
+  </p:cSld>
+  <p:clrMapOvr>
+    <a:masterClrMapping/>
+  </p:clrMapOvr>
+</p:sld>
+</file>
+
+<file path=ppt/slides/slide10.xml><?xml version="1.0" encoding="utf-8"?>
+<p:sld xmlns:a="http://schemas.openxmlformats.org/drawingml/2006/main" xmlns:r="http://schemas.openxmlformats.org/officeDocument/2006/relationships" xmlns:p="http://schemas.openxmlformats.org/presentationml/2006/main">
+  <p:cSld>
+    <p:spTree>
+      <p:nvGrpSpPr>
+        <p:cNvPr id="1" name=""/>
+        <p:cNvGrpSpPr/>
+        <p:nvPr/>
+      </p:nvGrpSpPr>
+      <p:grpSpPr/>
+      <p:sp>
+        <p:nvSpPr>
+          <p:cNvPr id="2" name="Title 1"/>
+          <p:cNvSpPr>
+            <a:spLocks noGrp="1"/>
+          </p:cNvSpPr>
+          <p:nvPr>
+            <p:ph type="title"/>
+          </p:nvPr>
+        </p:nvSpPr>
+        <p:spPr/>
+        <p:txBody>
+          <a:bodyPr/>
+          <a:p>
+            <a:pPr algn="ctr" fontAlgn="auto"/>
+            <a:r>
+              <a:rPr lang="de-DE" altLang="en-US">
+                <a:solidFill>
+                  <a:srgbClr val="61A5C2"/>
+                </a:solidFill>
+                <a:effectLst/>
+                <a:latin typeface="Calibri" charset="0"/>
+              </a:rPr>
+              <a:t>Mean Squared Error Comparison - Concrete Dataset</a:t>
+            </a:r>
+            <a:endParaRPr lang="de-DE" altLang="en-US">
+              <a:solidFill>
+                <a:srgbClr val="61A5C2"/>
+              </a:solidFill>
+              <a:effectLst/>
+              <a:latin typeface="Calibri" charset="0"/>
+            </a:endParaRPr>
+          </a:p>
+        </p:txBody>
+      </p:sp>
+      <p:pic>
+        <p:nvPicPr>
+          <p:cNvPr id="4" name="Content Placeholder 3"/>
+          <p:cNvPicPr>
+            <a:picLocks noChangeAspect="1"/>
+          </p:cNvPicPr>
+          <p:nvPr>
+            <p:ph idx="1"/>
+          </p:nvPr>
+        </p:nvPicPr>
+        <p:blipFill>
+          <a:blip r:embed="rId1"/>
+          <a:stretch>
+            <a:fillRect/>
+          </a:stretch>
+        </p:blipFill>
+        <p:spPr>
+          <a:xfrm>
+            <a:off x="2297430" y="1825625"/>
+            <a:ext cx="7215505" cy="4351655"/>
+          </a:xfrm>
+          <a:prstGeom prst="rect">
+            <a:avLst/>
+          </a:prstGeom>
+        </p:spPr>
+      </p:pic>
+    </p:spTree>
+  </p:cSld>
+  <p:clrMapOvr>
+    <a:masterClrMapping/>
+  </p:clrMapOvr>
+</p:sld>
+</file>
+
+<file path=ppt/slides/slide11.xml><?xml version="1.0" encoding="utf-8"?>
+<p:sld xmlns:a="http://schemas.openxmlformats.org/drawingml/2006/main" xmlns:r="http://schemas.openxmlformats.org/officeDocument/2006/relationships" xmlns:p="http://schemas.openxmlformats.org/presentationml/2006/main">
+  <p:cSld>
+    <p:spTree>
+      <p:nvGrpSpPr>
+        <p:cNvPr id="1" name=""/>
+        <p:cNvGrpSpPr/>
+        <p:nvPr/>
+      </p:nvGrpSpPr>
+      <p:grpSpPr/>
+      <p:sp>
+        <p:nvSpPr>
+          <p:cNvPr id="2" name="Title 1"/>
+          <p:cNvSpPr>
+            <a:spLocks noGrp="1"/>
+          </p:cNvSpPr>
+          <p:nvPr>
+            <p:ph type="title"/>
+          </p:nvPr>
+        </p:nvSpPr>
+        <p:spPr/>
+        <p:txBody>
+          <a:bodyPr/>
+          <a:p>
+            <a:pPr algn="ctr" fontAlgn="auto"/>
+            <a:r>
+              <a:rPr lang="de-DE" altLang="en-US">
+                <a:solidFill>
+                  <a:srgbClr val="61A5C2"/>
+                </a:solidFill>
+                <a:latin typeface="Calibri" charset="0"/>
+              </a:rPr>
+              <a:t>Sensitivity Plots - Concrete</a:t>
+            </a:r>
+            <a:endParaRPr lang="de-DE" altLang="en-US">
+              <a:solidFill>
+                <a:srgbClr val="61A5C2"/>
+              </a:solidFill>
+              <a:latin typeface="Calibri" charset="0"/>
+            </a:endParaRPr>
+          </a:p>
+        </p:txBody>
+      </p:sp>
+      <p:pic>
+        <p:nvPicPr>
+          <p:cNvPr id="4" name="Content Placeholder 3"/>
+          <p:cNvPicPr>
+            <a:picLocks noChangeAspect="1"/>
+          </p:cNvPicPr>
+          <p:nvPr>
+            <p:ph idx="1"/>
+          </p:nvPr>
+        </p:nvPicPr>
+        <p:blipFill>
+          <a:blip r:embed="rId1"/>
+          <a:stretch>
+            <a:fillRect/>
+          </a:stretch>
+        </p:blipFill>
+        <p:spPr>
+          <a:xfrm>
+            <a:off x="1198880" y="1231265"/>
+            <a:ext cx="3985895" cy="2726690"/>
+          </a:xfrm>
+          <a:prstGeom prst="rect">
+            <a:avLst/>
+          </a:prstGeom>
+        </p:spPr>
+      </p:pic>
+      <p:pic>
+        <p:nvPicPr>
+          <p:cNvPr id="7" name="Picture 6"/>
+          <p:cNvPicPr>
+            <a:picLocks noChangeAspect="1"/>
+          </p:cNvPicPr>
+          <p:nvPr/>
+        </p:nvPicPr>
+        <p:blipFill>
+          <a:blip r:embed="rId2"/>
+          <a:stretch>
+            <a:fillRect/>
+          </a:stretch>
+        </p:blipFill>
+        <p:spPr>
+          <a:xfrm>
+            <a:off x="7239635" y="1198245"/>
+            <a:ext cx="3839845" cy="2759710"/>
+          </a:xfrm>
+          <a:prstGeom prst="rect">
+            <a:avLst/>
+          </a:prstGeom>
+        </p:spPr>
+      </p:pic>
+    </p:spTree>
+  </p:cSld>
+  <p:clrMapOvr>
+    <a:masterClrMapping/>
+  </p:clrMapOvr>
+</p:sld>
+</file>
+
+<file path=ppt/slides/slide12.xml><?xml version="1.0" encoding="utf-8"?>
+<p:sld xmlns:a="http://schemas.openxmlformats.org/drawingml/2006/main" xmlns:r="http://schemas.openxmlformats.org/officeDocument/2006/relationships" xmlns:p="http://schemas.openxmlformats.org/presentationml/2006/main">
+  <p:cSld>
+    <p:spTree>
+      <p:nvGrpSpPr>
+        <p:cNvPr id="1" name=""/>
+        <p:cNvGrpSpPr/>
+        <p:nvPr/>
+      </p:nvGrpSpPr>
+      <p:grpSpPr/>
+      <p:sp>
+        <p:nvSpPr>
+          <p:cNvPr id="2" name="Title 1"/>
+          <p:cNvSpPr>
+            <a:spLocks noGrp="1"/>
+          </p:cNvSpPr>
+          <p:nvPr>
+            <p:ph type="title"/>
+          </p:nvPr>
+        </p:nvSpPr>
+        <p:spPr/>
+        <p:txBody>
+          <a:bodyPr/>
+          <a:p>
+            <a:pPr algn="ctr" fontAlgn="auto"/>
+            <a:r>
+              <a:rPr lang="de-DE" altLang="en-US">
+                <a:solidFill>
+                  <a:srgbClr val="61A5C2"/>
+                </a:solidFill>
+                <a:latin typeface="Calibri" charset="0"/>
+              </a:rPr>
+              <a:t>Runtime - Concrete Dataset</a:t>
+            </a:r>
+            <a:endParaRPr lang="de-DE" altLang="en-US">
+              <a:solidFill>
+                <a:srgbClr val="61A5C2"/>
+              </a:solidFill>
+              <a:latin typeface="Calibri" charset="0"/>
+            </a:endParaRPr>
+          </a:p>
+        </p:txBody>
+      </p:sp>
+      <p:pic>
+        <p:nvPicPr>
+          <p:cNvPr id="4" name="Content Placeholder 3"/>
+          <p:cNvPicPr>
+            <a:picLocks noChangeAspect="1"/>
+          </p:cNvPicPr>
+          <p:nvPr>
+            <p:ph idx="1"/>
+          </p:nvPr>
+        </p:nvPicPr>
+        <p:blipFill>
+          <a:blip r:embed="rId1"/>
+          <a:srcRect l="10783" t="18797"/>
+          <a:stretch>
+            <a:fillRect/>
+          </a:stretch>
+        </p:blipFill>
+        <p:spPr>
+          <a:xfrm>
+            <a:off x="2538095" y="2538095"/>
+            <a:ext cx="7115175" cy="2453005"/>
+          </a:xfrm>
+          <a:prstGeom prst="rect">
+            <a:avLst/>
+          </a:prstGeom>
+        </p:spPr>
+      </p:pic>
+    </p:spTree>
+  </p:cSld>
+  <p:clrMapOvr>
+    <a:masterClrMapping/>
+  </p:clrMapOvr>
+</p:sld>
+</file>
+
+<file path=ppt/slides/slide13.xml><?xml version="1.0" encoding="utf-8"?>
+<p:sld xmlns:a="http://schemas.openxmlformats.org/drawingml/2006/main" xmlns:r="http://schemas.openxmlformats.org/officeDocument/2006/relationships" xmlns:p="http://schemas.openxmlformats.org/presentationml/2006/main">
+  <p:cSld>
+    <p:spTree>
+      <p:nvGrpSpPr>
+        <p:cNvPr id="1" name=""/>
+        <p:cNvGrpSpPr/>
+        <p:nvPr/>
+      </p:nvGrpSpPr>
+      <p:grpSpPr/>
+      <p:sp>
+        <p:nvSpPr>
+          <p:cNvPr id="2" name="Title 1"/>
+          <p:cNvSpPr>
+            <a:spLocks noGrp="1"/>
+          </p:cNvSpPr>
+          <p:nvPr>
+            <p:ph type="title"/>
+          </p:nvPr>
+        </p:nvSpPr>
+        <p:spPr/>
+        <p:txBody>
+          <a:bodyPr/>
+          <a:p>
+            <a:pPr algn="ctr" fontAlgn="auto"/>
+            <a:r>
+              <a:rPr lang="de-DE" altLang="en-US">
+                <a:solidFill>
+                  <a:srgbClr val="61A5C2"/>
+                </a:solidFill>
+                <a:latin typeface="Calibri" charset="0"/>
+              </a:rPr>
+              <a:t>Cross Validation Restults - Supercoductivity Dataset</a:t>
+            </a:r>
+            <a:endParaRPr lang="de-DE" altLang="en-US">
+              <a:solidFill>
+                <a:srgbClr val="61A5C2"/>
+              </a:solidFill>
+              <a:latin typeface="Calibri" charset="0"/>
+            </a:endParaRPr>
+          </a:p>
+        </p:txBody>
+      </p:sp>
+      <p:pic>
+        <p:nvPicPr>
+          <p:cNvPr id="4" name="Content Placeholder 3"/>
+          <p:cNvPicPr>
+            <a:picLocks noChangeAspect="1"/>
+          </p:cNvPicPr>
+          <p:nvPr>
+            <p:ph idx="1"/>
+          </p:nvPr>
+        </p:nvPicPr>
+        <p:blipFill>
+          <a:blip r:embed="rId1"/>
+          <a:stretch>
+            <a:fillRect/>
+          </a:stretch>
+        </p:blipFill>
+        <p:spPr>
+          <a:xfrm>
+            <a:off x="4104640" y="2515235"/>
+            <a:ext cx="3600450" cy="2971800"/>
+          </a:xfrm>
+          <a:prstGeom prst="rect">
+            <a:avLst/>
+          </a:prstGeom>
+        </p:spPr>
+      </p:pic>
+    </p:spTree>
+  </p:cSld>
+  <p:clrMapOvr>
+    <a:masterClrMapping/>
+  </p:clrMapOvr>
+</p:sld>
+</file>
+
+<file path=ppt/slides/slide14.xml><?xml version="1.0" encoding="utf-8"?>
+<p:sld xmlns:a="http://schemas.openxmlformats.org/drawingml/2006/main" xmlns:r="http://schemas.openxmlformats.org/officeDocument/2006/relationships" xmlns:p="http://schemas.openxmlformats.org/presentationml/2006/main">
+  <p:cSld>
+    <p:spTree>
+      <p:nvGrpSpPr>
+        <p:cNvPr id="1" name=""/>
+        <p:cNvGrpSpPr/>
+        <p:nvPr/>
+      </p:nvGrpSpPr>
+      <p:grpSpPr/>
+      <p:sp>
+        <p:nvSpPr>
+          <p:cNvPr id="2" name="Title 1"/>
+          <p:cNvSpPr>
+            <a:spLocks noGrp="1"/>
+          </p:cNvSpPr>
+          <p:nvPr>
+            <p:ph type="title"/>
+          </p:nvPr>
+        </p:nvSpPr>
+        <p:spPr/>
+        <p:txBody>
+          <a:bodyPr/>
+          <a:p>
+            <a:pPr algn="ctr" fontAlgn="auto"/>
+            <a:r>
+              <a:rPr lang="de-DE" altLang="en-US">
+                <a:solidFill>
+                  <a:srgbClr val="61A5C2"/>
+                </a:solidFill>
+                <a:latin typeface="Calibri" charset="0"/>
+              </a:rPr>
+              <a:t>Relative Squared Error - Superconductivity Dataset</a:t>
+            </a:r>
+            <a:endParaRPr lang="de-DE" altLang="en-US">
+              <a:solidFill>
+                <a:srgbClr val="61A5C2"/>
+              </a:solidFill>
+              <a:latin typeface="Calibri" charset="0"/>
+            </a:endParaRPr>
+          </a:p>
+        </p:txBody>
+      </p:sp>
+      <p:pic>
+        <p:nvPicPr>
+          <p:cNvPr id="4" name="Content Placeholder 3"/>
+          <p:cNvPicPr>
+            <a:picLocks noChangeAspect="1"/>
+          </p:cNvPicPr>
+          <p:nvPr>
+            <p:ph idx="1"/>
+          </p:nvPr>
+        </p:nvPicPr>
+        <p:blipFill>
+          <a:blip r:embed="rId1"/>
+          <a:stretch>
+            <a:fillRect/>
+          </a:stretch>
+        </p:blipFill>
+        <p:spPr>
+          <a:xfrm>
+            <a:off x="2270125" y="1825625"/>
+            <a:ext cx="7270115" cy="4351655"/>
+          </a:xfrm>
+          <a:prstGeom prst="rect">
+            <a:avLst/>
+          </a:prstGeom>
+        </p:spPr>
+      </p:pic>
+    </p:spTree>
+  </p:cSld>
+  <p:clrMapOvr>
+    <a:masterClrMapping/>
+  </p:clrMapOvr>
+</p:sld>
+</file>
+
+<file path=ppt/slides/slide15.xml><?xml version="1.0" encoding="utf-8"?>
+<p:sld xmlns:a="http://schemas.openxmlformats.org/drawingml/2006/main" xmlns:r="http://schemas.openxmlformats.org/officeDocument/2006/relationships" xmlns:p="http://schemas.openxmlformats.org/presentationml/2006/main">
+  <p:cSld>
+    <p:spTree>
+      <p:nvGrpSpPr>
+        <p:cNvPr id="1" name=""/>
+        <p:cNvGrpSpPr/>
+        <p:nvPr/>
+      </p:nvGrpSpPr>
+      <p:grpSpPr/>
+      <p:sp>
+        <p:nvSpPr>
+          <p:cNvPr id="2" name="Title 1"/>
+          <p:cNvSpPr>
+            <a:spLocks noGrp="1"/>
+          </p:cNvSpPr>
+          <p:nvPr>
+            <p:ph type="title"/>
+          </p:nvPr>
+        </p:nvSpPr>
+        <p:spPr/>
+        <p:txBody>
+          <a:bodyPr/>
+          <a:p>
+            <a:pPr algn="ctr" fontAlgn="auto"/>
+            <a:r>
+              <a:rPr lang="de-DE" altLang="en-US">
+                <a:solidFill>
+                  <a:srgbClr val="61A5C2"/>
+                </a:solidFill>
+                <a:latin typeface="Calibri" charset="0"/>
+              </a:rPr>
+              <a:t>Runtime - Superconductivity</a:t>
+            </a:r>
+            <a:endParaRPr lang="de-DE" altLang="en-US">
+              <a:solidFill>
+                <a:srgbClr val="61A5C2"/>
+              </a:solidFill>
+              <a:latin typeface="Calibri" charset="0"/>
+            </a:endParaRPr>
+          </a:p>
+        </p:txBody>
+      </p:sp>
+      <p:pic>
+        <p:nvPicPr>
+          <p:cNvPr id="4" name="Content Placeholder 3"/>
+          <p:cNvPicPr>
+            <a:picLocks noChangeAspect="1"/>
+          </p:cNvPicPr>
+          <p:nvPr>
+            <p:ph idx="1"/>
+          </p:nvPr>
+        </p:nvPicPr>
+        <p:blipFill>
+          <a:blip r:embed="rId1"/>
+          <a:stretch>
+            <a:fillRect/>
+          </a:stretch>
+        </p:blipFill>
+        <p:spPr>
+          <a:xfrm>
+            <a:off x="3442970" y="3067685"/>
+            <a:ext cx="4924425" cy="1866900"/>
+          </a:xfrm>
+          <a:prstGeom prst="rect">
+            <a:avLst/>
+          </a:prstGeom>
+        </p:spPr>
+      </p:pic>
     </p:spTree>
   </p:cSld>
   <p:clrMapOvr>
@@ -3669,11 +4198,19 @@
             <a:pPr algn="ctr" fontAlgn="auto"/>
             <a:r>
               <a:rPr lang="de-DE" altLang="en-US">
+                <a:solidFill>
+                  <a:srgbClr val="61A5C2"/>
+                </a:solidFill>
+                <a:effectLst/>
                 <a:latin typeface="Calibri" charset="0"/>
               </a:rPr>
               <a:t>Regression Tree Code Overview</a:t>
             </a:r>
             <a:endParaRPr lang="de-DE" altLang="en-US">
+              <a:solidFill>
+                <a:srgbClr val="61A5C2"/>
+              </a:solidFill>
+              <a:effectLst/>
               <a:latin typeface="Calibri" charset="0"/>
             </a:endParaRPr>
           </a:p>
@@ -3697,7 +4234,7 @@
         </p:blipFill>
         <p:spPr>
           <a:xfrm>
-            <a:off x="1894840" y="2262505"/>
+            <a:off x="1895475" y="2262505"/>
             <a:ext cx="8020050" cy="3476625"/>
           </a:xfrm>
           <a:prstGeom prst="rect">
@@ -3740,9 +4277,18 @@
             <a:pPr algn="ctr" fontAlgn="auto"/>
             <a:r>
               <a:rPr lang="de-DE" altLang="en-US">
+                <a:solidFill>
+                  <a:srgbClr val="61A5C2"/>
+                </a:solidFill>
                 <a:latin typeface="Calibri" charset="0"/>
               </a:rPr>
-              <a:t>Regression Tree - build_tree function </a:t>
+              <a:t>Regression Tree - build_tree function</a:t>
+            </a:r>
+            <a:r>
+              <a:rPr lang="de-DE" altLang="en-US">
+                <a:latin typeface="Calibri" charset="0"/>
+              </a:rPr>
+              <a:t> </a:t>
             </a:r>
             <a:endParaRPr lang="de-DE" altLang="en-US">
               <a:latin typeface="Calibri" charset="0"/>
@@ -3752,7 +4298,7 @@
       </p:sp>
       <p:pic>
         <p:nvPicPr>
-          <p:cNvPr id="4" name="Content Placeholder 3"/>
+          <p:cNvPr id="5" name="Content Placeholder 4"/>
           <p:cNvPicPr>
             <a:picLocks noChangeAspect="1"/>
           </p:cNvPicPr>
@@ -3768,8 +4314,8 @@
         </p:blipFill>
         <p:spPr>
           <a:xfrm>
-            <a:off x="2496185" y="1825625"/>
-            <a:ext cx="6817995" cy="4351655"/>
+            <a:off x="2512060" y="1825625"/>
+            <a:ext cx="6786245" cy="4351655"/>
           </a:xfrm>
           <a:prstGeom prst="rect">
             <a:avLst/>
@@ -3811,11 +4357,17 @@
             <a:pPr algn="ctr" fontAlgn="auto"/>
             <a:r>
               <a:rPr lang="de-DE" altLang="en-US">
+                <a:solidFill>
+                  <a:srgbClr val="61A5C2"/>
+                </a:solidFill>
                 <a:latin typeface="Calibri" charset="0"/>
               </a:rPr>
               <a:t>Random Forest Code Overview</a:t>
             </a:r>
             <a:endParaRPr lang="de-DE" altLang="en-US">
+              <a:solidFill>
+                <a:srgbClr val="61A5C2"/>
+              </a:solidFill>
               <a:latin typeface="Calibri" charset="0"/>
             </a:endParaRPr>
           </a:p>
@@ -3882,13 +4434,17 @@
             <a:pPr algn="ctr" fontAlgn="auto"/>
             <a:r>
               <a:rPr lang="de-DE" altLang="en-US">
-                <a:effectLst/>
+                <a:solidFill>
+                  <a:srgbClr val="61A5C2"/>
+                </a:solidFill>
                 <a:latin typeface="Calibri" charset="0"/>
               </a:rPr>
-              <a:t>Mean Squared Error Comparison - Concrete Dataset</a:t>
+              <a:t>Random Forest - fit function</a:t>
             </a:r>
             <a:endParaRPr lang="de-DE" altLang="en-US">
-              <a:effectLst/>
+              <a:solidFill>
+                <a:srgbClr val="61A5C2"/>
+              </a:solidFill>
               <a:latin typeface="Calibri" charset="0"/>
             </a:endParaRPr>
           </a:p>
@@ -3912,8 +4468,400 @@
         </p:blipFill>
         <p:spPr>
           <a:xfrm>
-            <a:off x="2297430" y="1825625"/>
-            <a:ext cx="7215505" cy="4351655"/>
+            <a:off x="1199515" y="2329180"/>
+            <a:ext cx="9410700" cy="3343275"/>
+          </a:xfrm>
+          <a:prstGeom prst="rect">
+            <a:avLst/>
+          </a:prstGeom>
+        </p:spPr>
+      </p:pic>
+    </p:spTree>
+  </p:cSld>
+  <p:clrMapOvr>
+    <a:masterClrMapping/>
+  </p:clrMapOvr>
+</p:sld>
+</file>
+
+<file path=ppt/slides/slide6.xml><?xml version="1.0" encoding="utf-8"?>
+<p:sld xmlns:a="http://schemas.openxmlformats.org/drawingml/2006/main" xmlns:r="http://schemas.openxmlformats.org/officeDocument/2006/relationships" xmlns:p="http://schemas.openxmlformats.org/presentationml/2006/main">
+  <p:cSld>
+    <p:spTree>
+      <p:nvGrpSpPr>
+        <p:cNvPr id="1" name=""/>
+        <p:cNvGrpSpPr/>
+        <p:nvPr/>
+      </p:nvGrpSpPr>
+      <p:grpSpPr/>
+      <p:sp>
+        <p:nvSpPr>
+          <p:cNvPr id="2" name="Title 1"/>
+          <p:cNvSpPr>
+            <a:spLocks noGrp="1"/>
+          </p:cNvSpPr>
+          <p:nvPr>
+            <p:ph type="title"/>
+          </p:nvPr>
+        </p:nvSpPr>
+        <p:spPr/>
+        <p:txBody>
+          <a:bodyPr/>
+          <a:p>
+            <a:pPr algn="ctr" fontAlgn="auto"/>
+            <a:r>
+              <a:rPr lang="de-DE" altLang="en-US">
+                <a:solidFill>
+                  <a:srgbClr val="61A5C2"/>
+                </a:solidFill>
+                <a:latin typeface="Calibri" charset="0"/>
+              </a:rPr>
+              <a:t>LLM Tree - _build_tree function</a:t>
+            </a:r>
+            <a:endParaRPr lang="de-DE" altLang="en-US">
+              <a:solidFill>
+                <a:srgbClr val="61A5C2"/>
+              </a:solidFill>
+              <a:latin typeface="Calibri" charset="0"/>
+            </a:endParaRPr>
+          </a:p>
+        </p:txBody>
+      </p:sp>
+      <p:pic>
+        <p:nvPicPr>
+          <p:cNvPr id="4" name="Content Placeholder 3"/>
+          <p:cNvPicPr>
+            <a:picLocks noChangeAspect="1"/>
+          </p:cNvPicPr>
+          <p:nvPr>
+            <p:ph idx="1"/>
+          </p:nvPr>
+        </p:nvPicPr>
+        <p:blipFill>
+          <a:blip r:embed="rId1"/>
+          <a:stretch>
+            <a:fillRect/>
+          </a:stretch>
+        </p:blipFill>
+        <p:spPr>
+          <a:xfrm>
+            <a:off x="375285" y="1962150"/>
+            <a:ext cx="5963920" cy="2553970"/>
+          </a:xfrm>
+          <a:prstGeom prst="rect">
+            <a:avLst/>
+          </a:prstGeom>
+        </p:spPr>
+      </p:pic>
+      <p:pic>
+        <p:nvPicPr>
+          <p:cNvPr id="5" name="Picture 4"/>
+          <p:cNvPicPr>
+            <a:picLocks noChangeAspect="1"/>
+          </p:cNvPicPr>
+          <p:nvPr/>
+        </p:nvPicPr>
+        <p:blipFill>
+          <a:blip r:embed="rId2"/>
+          <a:stretch>
+            <a:fillRect/>
+          </a:stretch>
+        </p:blipFill>
+        <p:spPr>
+          <a:xfrm>
+            <a:off x="6339205" y="1346200"/>
+            <a:ext cx="5045710" cy="3786505"/>
+          </a:xfrm>
+          <a:prstGeom prst="rect">
+            <a:avLst/>
+          </a:prstGeom>
+        </p:spPr>
+      </p:pic>
+    </p:spTree>
+  </p:cSld>
+  <p:clrMapOvr>
+    <a:masterClrMapping/>
+  </p:clrMapOvr>
+</p:sld>
+</file>
+
+<file path=ppt/slides/slide7.xml><?xml version="1.0" encoding="utf-8"?>
+<p:sld xmlns:a="http://schemas.openxmlformats.org/drawingml/2006/main" xmlns:r="http://schemas.openxmlformats.org/officeDocument/2006/relationships" xmlns:p="http://schemas.openxmlformats.org/presentationml/2006/main">
+  <p:cSld>
+    <p:spTree>
+      <p:nvGrpSpPr>
+        <p:cNvPr id="1" name=""/>
+        <p:cNvGrpSpPr/>
+        <p:nvPr/>
+      </p:nvGrpSpPr>
+      <p:grpSpPr/>
+      <p:sp>
+        <p:nvSpPr>
+          <p:cNvPr id="2" name="Title 1"/>
+          <p:cNvSpPr>
+            <a:spLocks noGrp="1"/>
+          </p:cNvSpPr>
+          <p:nvPr>
+            <p:ph type="title"/>
+          </p:nvPr>
+        </p:nvSpPr>
+        <p:spPr/>
+        <p:txBody>
+          <a:bodyPr/>
+          <a:p>
+            <a:pPr algn="ctr" fontAlgn="auto"/>
+            <a:r>
+              <a:rPr lang="de-DE" altLang="en-US">
+                <a:solidFill>
+                  <a:srgbClr val="61A5C2"/>
+                </a:solidFill>
+                <a:latin typeface="Calibri" charset="0"/>
+              </a:rPr>
+              <a:t>LLM - Random_Forest fit function</a:t>
+            </a:r>
+            <a:endParaRPr lang="de-DE" altLang="en-US">
+              <a:solidFill>
+                <a:srgbClr val="61A5C2"/>
+              </a:solidFill>
+              <a:latin typeface="Calibri" charset="0"/>
+            </a:endParaRPr>
+          </a:p>
+        </p:txBody>
+      </p:sp>
+      <p:pic>
+        <p:nvPicPr>
+          <p:cNvPr id="4" name="Content Placeholder 3"/>
+          <p:cNvPicPr>
+            <a:picLocks noChangeAspect="1"/>
+          </p:cNvPicPr>
+          <p:nvPr>
+            <p:ph idx="1"/>
+          </p:nvPr>
+        </p:nvPicPr>
+        <p:blipFill>
+          <a:blip r:embed="rId1"/>
+          <a:stretch>
+            <a:fillRect/>
+          </a:stretch>
+        </p:blipFill>
+        <p:spPr>
+          <a:xfrm>
+            <a:off x="2926080" y="1825625"/>
+            <a:ext cx="5957570" cy="4351655"/>
+          </a:xfrm>
+          <a:prstGeom prst="rect">
+            <a:avLst/>
+          </a:prstGeom>
+        </p:spPr>
+      </p:pic>
+    </p:spTree>
+  </p:cSld>
+  <p:clrMapOvr>
+    <a:masterClrMapping/>
+  </p:clrMapOvr>
+</p:sld>
+</file>
+
+<file path=ppt/slides/slide8.xml><?xml version="1.0" encoding="utf-8"?>
+<p:sld xmlns:a="http://schemas.openxmlformats.org/drawingml/2006/main" xmlns:r="http://schemas.openxmlformats.org/officeDocument/2006/relationships" xmlns:p="http://schemas.openxmlformats.org/presentationml/2006/main">
+  <p:cSld>
+    <p:spTree>
+      <p:nvGrpSpPr>
+        <p:cNvPr id="1" name=""/>
+        <p:cNvGrpSpPr/>
+        <p:nvPr/>
+      </p:nvGrpSpPr>
+      <p:grpSpPr/>
+      <p:sp>
+        <p:nvSpPr>
+          <p:cNvPr id="2" name="Title 1"/>
+          <p:cNvSpPr>
+            <a:spLocks noGrp="1"/>
+          </p:cNvSpPr>
+          <p:nvPr>
+            <p:ph type="title"/>
+          </p:nvPr>
+        </p:nvSpPr>
+        <p:spPr/>
+        <p:txBody>
+          <a:bodyPr/>
+          <a:p>
+            <a:pPr algn="ctr" fontAlgn="auto"/>
+            <a:r>
+              <a:rPr lang="de-DE" altLang="en-US">
+                <a:solidFill>
+                  <a:srgbClr val="61A5C2"/>
+                </a:solidFill>
+                <a:latin typeface="Calibri" charset="0"/>
+              </a:rPr>
+              <a:t>Key Differences - our Implementation vs. LLM</a:t>
+            </a:r>
+            <a:endParaRPr lang="de-DE" altLang="en-US">
+              <a:solidFill>
+                <a:srgbClr val="61A5C2"/>
+              </a:solidFill>
+              <a:latin typeface="Calibri" charset="0"/>
+            </a:endParaRPr>
+          </a:p>
+        </p:txBody>
+      </p:sp>
+      <p:sp>
+        <p:nvSpPr>
+          <p:cNvPr id="3" name="Content Placeholder 2"/>
+          <p:cNvSpPr>
+            <a:spLocks noGrp="1"/>
+          </p:cNvSpPr>
+          <p:nvPr>
+            <p:ph idx="1"/>
+          </p:nvPr>
+        </p:nvSpPr>
+        <p:spPr/>
+        <p:txBody>
+          <a:bodyPr/>
+          <a:p>
+            <a:r>
+              <a:rPr lang="de-DE" altLang="en-US">
+                <a:solidFill>
+                  <a:srgbClr val="61A5C2"/>
+                </a:solidFill>
+                <a:latin typeface="Calibri" charset="0"/>
+              </a:rPr>
+              <a:t>random feature selection: </a:t>
+            </a:r>
+            <a:endParaRPr lang="de-DE" altLang="en-US">
+              <a:solidFill>
+                <a:srgbClr val="61A5C2"/>
+              </a:solidFill>
+              <a:latin typeface="Calibri" charset="0"/>
+            </a:endParaRPr>
+          </a:p>
+          <a:p>
+            <a:pPr lvl="1"/>
+            <a:r>
+              <a:rPr lang="de-DE" altLang="en-US">
+                <a:solidFill>
+                  <a:srgbClr val="61A5C2"/>
+                </a:solidFill>
+                <a:latin typeface="Calibri" charset="0"/>
+              </a:rPr>
+              <a:t>at each node vs. once per tree</a:t>
+            </a:r>
+            <a:endParaRPr lang="de-DE" altLang="en-US">
+              <a:solidFill>
+                <a:srgbClr val="61A5C2"/>
+              </a:solidFill>
+              <a:latin typeface="Calibri" charset="0"/>
+            </a:endParaRPr>
+          </a:p>
+          <a:p>
+            <a:pPr lvl="0"/>
+            <a:r>
+              <a:rPr lang="de-DE" altLang="en-US">
+                <a:solidFill>
+                  <a:srgbClr val="61A5C2"/>
+                </a:solidFill>
+                <a:latin typeface="Calibri" charset="0"/>
+              </a:rPr>
+              <a:t>LLM not parallelized </a:t>
+            </a:r>
+            <a:endParaRPr lang="de-DE" altLang="en-US">
+              <a:solidFill>
+                <a:srgbClr val="61A5C2"/>
+              </a:solidFill>
+              <a:latin typeface="Calibri" charset="0"/>
+            </a:endParaRPr>
+          </a:p>
+          <a:p>
+            <a:pPr lvl="0"/>
+            <a:r>
+              <a:rPr lang="de-DE" altLang="en-US">
+                <a:solidFill>
+                  <a:srgbClr val="61A5C2"/>
+                </a:solidFill>
+                <a:latin typeface="Calibri" charset="0"/>
+              </a:rPr>
+              <a:t>integration of a boottype variable</a:t>
+            </a:r>
+            <a:endParaRPr lang="de-DE" altLang="en-US">
+              <a:solidFill>
+                <a:srgbClr val="61A5C2"/>
+              </a:solidFill>
+              <a:latin typeface="Calibri" charset="0"/>
+            </a:endParaRPr>
+          </a:p>
+        </p:txBody>
+      </p:sp>
+    </p:spTree>
+  </p:cSld>
+  <p:clrMapOvr>
+    <a:masterClrMapping/>
+  </p:clrMapOvr>
+</p:sld>
+</file>
+
+<file path=ppt/slides/slide9.xml><?xml version="1.0" encoding="utf-8"?>
+<p:sld xmlns:a="http://schemas.openxmlformats.org/drawingml/2006/main" xmlns:r="http://schemas.openxmlformats.org/officeDocument/2006/relationships" xmlns:p="http://schemas.openxmlformats.org/presentationml/2006/main">
+  <p:cSld>
+    <p:spTree>
+      <p:nvGrpSpPr>
+        <p:cNvPr id="1" name=""/>
+        <p:cNvGrpSpPr/>
+        <p:nvPr/>
+      </p:nvGrpSpPr>
+      <p:grpSpPr/>
+      <p:sp>
+        <p:nvSpPr>
+          <p:cNvPr id="2" name="Title 1"/>
+          <p:cNvSpPr>
+            <a:spLocks noGrp="1"/>
+          </p:cNvSpPr>
+          <p:nvPr>
+            <p:ph type="title"/>
+          </p:nvPr>
+        </p:nvSpPr>
+        <p:spPr/>
+        <p:txBody>
+          <a:bodyPr/>
+          <a:p>
+            <a:pPr algn="ctr" fontAlgn="auto"/>
+            <a:r>
+              <a:rPr lang="de-DE" altLang="en-US">
+                <a:solidFill>
+                  <a:srgbClr val="61A5C2"/>
+                </a:solidFill>
+                <a:latin typeface="Calibri" charset="0"/>
+              </a:rPr>
+              <a:t>Cross Validation Results - Concrete Dataset</a:t>
+            </a:r>
+            <a:endParaRPr lang="de-DE" altLang="en-US">
+              <a:solidFill>
+                <a:srgbClr val="61A5C2"/>
+              </a:solidFill>
+              <a:latin typeface="Calibri" charset="0"/>
+            </a:endParaRPr>
+          </a:p>
+        </p:txBody>
+      </p:sp>
+      <p:pic>
+        <p:nvPicPr>
+          <p:cNvPr id="12" name="Content Placeholder 11"/>
+          <p:cNvPicPr>
+            <a:picLocks noChangeAspect="1"/>
+          </p:cNvPicPr>
+          <p:nvPr>
+            <p:ph idx="1"/>
+          </p:nvPr>
+        </p:nvPicPr>
+        <p:blipFill>
+          <a:blip r:embed="rId1"/>
+          <a:stretch>
+            <a:fillRect/>
+          </a:stretch>
+        </p:blipFill>
+        <p:spPr>
+          <a:xfrm>
+            <a:off x="3873500" y="1688465"/>
+            <a:ext cx="4445000" cy="4500880"/>
           </a:xfrm>
           <a:prstGeom prst="rect">
             <a:avLst/>

--- a/Exercise_2/Exercie2_slides.pptx
+++ b/Exercise_2/Exercie2_slides.pptx
@@ -5,30 +5,33 @@
     <p:sldMasterId id="2147483648" r:id="rId1"/>
   </p:sldMasterIdLst>
   <p:notesMasterIdLst>
-    <p:notesMasterId r:id="rId18"/>
+    <p:notesMasterId r:id="rId20"/>
   </p:notesMasterIdLst>
   <p:handoutMasterIdLst>
-    <p:handoutMasterId r:id="rId19"/>
+    <p:handoutMasterId r:id="rId21"/>
   </p:handoutMasterIdLst>
   <p:sldIdLst>
-    <p:sldId id="256" r:id="rId3"/>
-    <p:sldId id="258" r:id="rId4"/>
-    <p:sldId id="260" r:id="rId5"/>
-    <p:sldId id="261" r:id="rId6"/>
-    <p:sldId id="266" r:id="rId7"/>
-    <p:sldId id="263" r:id="rId8"/>
-    <p:sldId id="264" r:id="rId9"/>
-    <p:sldId id="273" r:id="rId10"/>
-    <p:sldId id="267" r:id="rId11"/>
-    <p:sldId id="257" r:id="rId12"/>
-    <p:sldId id="274" r:id="rId13"/>
-    <p:sldId id="268" r:id="rId14"/>
-    <p:sldId id="272" r:id="rId15"/>
-    <p:sldId id="265" r:id="rId16"/>
-    <p:sldId id="269" r:id="rId17"/>
+    <p:sldId id="256" r:id="rId2"/>
+    <p:sldId id="258" r:id="rId3"/>
+    <p:sldId id="260" r:id="rId4"/>
+    <p:sldId id="261" r:id="rId5"/>
+    <p:sldId id="266" r:id="rId6"/>
+    <p:sldId id="263" r:id="rId7"/>
+    <p:sldId id="264" r:id="rId8"/>
+    <p:sldId id="273" r:id="rId9"/>
+    <p:sldId id="267" r:id="rId10"/>
+    <p:sldId id="257" r:id="rId11"/>
+    <p:sldId id="274" r:id="rId12"/>
+    <p:sldId id="276" r:id="rId13"/>
+    <p:sldId id="278" r:id="rId14"/>
+    <p:sldId id="277" r:id="rId15"/>
+    <p:sldId id="268" r:id="rId16"/>
+    <p:sldId id="272" r:id="rId17"/>
+    <p:sldId id="265" r:id="rId18"/>
+    <p:sldId id="269" r:id="rId19"/>
   </p:sldIdLst>
   <p:sldSz cx="12192000" cy="6858000"/>
-  <p:notesSz cx="7103745" cy="10234295"/>
+  <p:notesSz cx="7104063" cy="10234613"/>
   <p:defaultTextStyle>
     <a:defPPr>
       <a:defRPr lang="zh-CN"/>
@@ -124,6 +127,22 @@
       </a:defRPr>
     </a:lvl9pPr>
   </p:defaultTextStyle>
+  <p:extLst>
+    <p:ext uri="{EFAFB233-063F-42B5-8137-9DF3F51BA10A}">
+      <p15:sldGuideLst xmlns:p15="http://schemas.microsoft.com/office/powerpoint/2012/main">
+        <p15:guide id="1" orient="horz" pos="2160">
+          <p15:clr>
+            <a:srgbClr val="A4A3A4"/>
+          </p15:clr>
+        </p15:guide>
+        <p15:guide id="2" pos="3840">
+          <p15:clr>
+            <a:srgbClr val="A4A3A4"/>
+          </p15:clr>
+        </p15:guide>
+      </p15:sldGuideLst>
+    </p:ext>
+  </p:extLst>
 </p:presentation>
 </file>
 
@@ -209,6 +228,7 @@
           <a:p>
             <a:fld id="{0F9B84EA-7D68-4D60-9CB1-D50884785D1C}" type="datetimeFigureOut">
               <a:rPr lang="zh-CN" altLang="en-US" smtClean="0"/>
+              <a:t>2024/12/14</a:t>
             </a:fld>
             <a:endParaRPr lang="zh-CN" altLang="en-US"/>
           </a:p>
@@ -274,12 +294,18 @@
           <a:p>
             <a:fld id="{8D4E0FC9-F1F8-4FAE-9988-3BA365CFD46F}" type="slidenum">
               <a:rPr lang="zh-CN" altLang="en-US" smtClean="0"/>
+              <a:t>‹Nr.›</a:t>
             </a:fld>
             <a:endParaRPr lang="zh-CN" altLang="en-US"/>
           </a:p>
         </p:txBody>
       </p:sp>
     </p:spTree>
+    <p:extLst>
+      <p:ext uri="{BB962C8B-B14F-4D97-AF65-F5344CB8AC3E}">
+        <p14:creationId xmlns:p14="http://schemas.microsoft.com/office/powerpoint/2010/main" val="1"/>
+      </p:ext>
+    </p:extLst>
   </p:cSld>
   <p:clrMap bg1="lt1" tx1="dk1" bg2="lt2" tx2="dk2" accent1="accent1" accent2="accent2" accent3="accent3" accent4="accent4" accent5="accent5" accent6="accent6" hlink="hlink" folHlink="folHlink"/>
 </p:handoutMaster>
@@ -367,6 +393,7 @@
           <a:p>
             <a:fld id="{D6C8D182-E4C8-4120-9249-FC9774456FFA}" type="datetimeFigureOut">
               <a:rPr lang="zh-CN" altLang="en-US" smtClean="0"/>
+              <a:t>2024/12/14</a:t>
             </a:fld>
             <a:endParaRPr lang="zh-CN" altLang="en-US"/>
           </a:p>
@@ -433,7 +460,6 @@
               <a:rPr lang="zh-CN" altLang="en-US"/>
               <a:t>编辑母版文本样式</a:t>
             </a:r>
-            <a:endParaRPr lang="zh-CN" altLang="en-US"/>
           </a:p>
           <a:p>
             <a:pPr lvl="1"/>
@@ -441,7 +467,6 @@
               <a:rPr lang="zh-CN" altLang="en-US"/>
               <a:t>第二级</a:t>
             </a:r>
-            <a:endParaRPr lang="zh-CN" altLang="en-US"/>
           </a:p>
           <a:p>
             <a:pPr lvl="2"/>
@@ -449,7 +474,6 @@
               <a:rPr lang="zh-CN" altLang="en-US"/>
               <a:t>第三级</a:t>
             </a:r>
-            <a:endParaRPr lang="zh-CN" altLang="en-US"/>
           </a:p>
           <a:p>
             <a:pPr lvl="3"/>
@@ -457,7 +481,6 @@
               <a:rPr lang="zh-CN" altLang="en-US"/>
               <a:t>第四级</a:t>
             </a:r>
-            <a:endParaRPr lang="zh-CN" altLang="en-US"/>
           </a:p>
           <a:p>
             <a:pPr lvl="4"/>
@@ -465,7 +488,6 @@
               <a:rPr lang="zh-CN" altLang="en-US"/>
               <a:t>第五级</a:t>
             </a:r>
-            <a:endParaRPr lang="zh-CN" altLang="en-US"/>
           </a:p>
         </p:txBody>
       </p:sp>
@@ -529,6 +551,7 @@
           <a:p>
             <a:fld id="{85D0DACE-38E0-42D2-9336-2B707D34BC6D}" type="slidenum">
               <a:rPr lang="zh-CN" altLang="en-US" smtClean="0"/>
+              <a:t>‹Nr.›</a:t>
             </a:fld>
             <a:endParaRPr lang="zh-CN" altLang="en-US"/>
           </a:p>
@@ -692,9 +715,6 @@
               </a:rPr>
               <a:t>Click to edit Master title style</a:t>
             </a:r>
-            <a:endParaRPr lang="zh-CN" altLang="en-US" dirty="0">
-              <a:sym typeface="+mn-ea"/>
-            </a:endParaRPr>
           </a:p>
         </p:txBody>
       </p:sp>
@@ -715,6 +735,7 @@
           <a:p>
             <a:fld id="{760FBDFE-C587-4B4C-A407-44438C67B59E}" type="datetimeFigureOut">
               <a:rPr lang="zh-CN" altLang="en-US" smtClean="0"/>
+              <a:t>2024/12/14</a:t>
             </a:fld>
             <a:endParaRPr lang="zh-CN" altLang="en-US"/>
           </a:p>
@@ -756,6 +777,7 @@
           <a:p>
             <a:fld id="{49AE70B2-8BF9-45C0-BB95-33D1B9D3A854}" type="slidenum">
               <a:rPr lang="zh-CN" altLang="en-US" smtClean="0"/>
+              <a:t>‹Nr.›</a:t>
             </a:fld>
             <a:endParaRPr lang="zh-CN" altLang="en-US"/>
           </a:p>
@@ -834,7 +856,6 @@
               <a:rPr lang="zh-CN" altLang="en-US" dirty="0"/>
               <a:t>Click to edit Master subtitle style</a:t>
             </a:r>
-            <a:endParaRPr lang="zh-CN" altLang="en-US" dirty="0"/>
           </a:p>
         </p:txBody>
       </p:sp>
@@ -880,6 +901,7 @@
           <a:p>
             <a:fld id="{760FBDFE-C587-4B4C-A407-44438C67B59E}" type="datetimeFigureOut">
               <a:rPr lang="zh-CN" altLang="en-US" smtClean="0"/>
+              <a:t>2024/12/14</a:t>
             </a:fld>
             <a:endParaRPr lang="zh-CN" altLang="en-US"/>
           </a:p>
@@ -921,6 +943,7 @@
           <a:p>
             <a:fld id="{49AE70B2-8BF9-45C0-BB95-33D1B9D3A854}" type="slidenum">
               <a:rPr lang="zh-CN" altLang="en-US" smtClean="0"/>
+              <a:t>‹Nr.›</a:t>
             </a:fld>
             <a:endParaRPr lang="zh-CN" altLang="en-US"/>
           </a:p>
@@ -953,9 +976,6 @@
               </a:rPr>
               <a:t>Click to edit Master text styles</a:t>
             </a:r>
-            <a:endParaRPr lang="zh-CN" altLang="en-US" dirty="0">
-              <a:sym typeface="+mn-ea"/>
-            </a:endParaRPr>
           </a:p>
           <a:p>
             <a:pPr lvl="1"/>
@@ -963,7 +983,6 @@
               <a:rPr lang="zh-CN" altLang="en-US" dirty="0"/>
               <a:t>Second level</a:t>
             </a:r>
-            <a:endParaRPr lang="zh-CN" altLang="en-US" dirty="0"/>
           </a:p>
           <a:p>
             <a:pPr lvl="2"/>
@@ -971,7 +990,6 @@
               <a:rPr lang="zh-CN" altLang="en-US" dirty="0"/>
               <a:t>Third level</a:t>
             </a:r>
-            <a:endParaRPr lang="zh-CN" altLang="en-US" dirty="0"/>
           </a:p>
           <a:p>
             <a:pPr lvl="3"/>
@@ -979,7 +997,6 @@
               <a:rPr lang="zh-CN" altLang="en-US" dirty="0"/>
               <a:t>Fourth level</a:t>
             </a:r>
-            <a:endParaRPr lang="zh-CN" altLang="en-US" dirty="0"/>
           </a:p>
           <a:p>
             <a:pPr lvl="4"/>
@@ -987,7 +1004,6 @@
               <a:rPr lang="zh-CN" altLang="en-US" dirty="0"/>
               <a:t>Fifth level</a:t>
             </a:r>
-            <a:endParaRPr lang="zh-CN" altLang="en-US" dirty="0"/>
           </a:p>
         </p:txBody>
       </p:sp>
@@ -1054,7 +1070,6 @@
               <a:rPr lang="zh-CN" altLang="en-US" dirty="0"/>
               <a:t>Click to edit Master title style</a:t>
             </a:r>
-            <a:endParaRPr lang="zh-CN" altLang="en-US" dirty="0"/>
           </a:p>
         </p:txBody>
       </p:sp>
@@ -1138,9 +1153,6 @@
               </a:rPr>
               <a:t>Click to edit Master text styles</a:t>
             </a:r>
-            <a:endParaRPr lang="zh-CN" altLang="en-US" dirty="0">
-              <a:sym typeface="+mn-ea"/>
-            </a:endParaRPr>
           </a:p>
           <a:p>
             <a:pPr lvl="1"/>
@@ -1148,7 +1160,6 @@
               <a:rPr lang="zh-CN" altLang="en-US" dirty="0"/>
               <a:t>Second level</a:t>
             </a:r>
-            <a:endParaRPr lang="zh-CN" altLang="en-US" dirty="0"/>
           </a:p>
           <a:p>
             <a:pPr lvl="2"/>
@@ -1156,7 +1167,6 @@
               <a:rPr lang="zh-CN" altLang="en-US" dirty="0"/>
               <a:t>Third level</a:t>
             </a:r>
-            <a:endParaRPr lang="zh-CN" altLang="en-US" dirty="0"/>
           </a:p>
           <a:p>
             <a:pPr lvl="3"/>
@@ -1164,7 +1174,6 @@
               <a:rPr lang="zh-CN" altLang="en-US" dirty="0"/>
               <a:t>Fourth level</a:t>
             </a:r>
-            <a:endParaRPr lang="zh-CN" altLang="en-US" dirty="0"/>
           </a:p>
           <a:p>
             <a:pPr lvl="4"/>
@@ -1172,7 +1181,6 @@
               <a:rPr lang="zh-CN" altLang="en-US" dirty="0"/>
               <a:t>Fifth level</a:t>
             </a:r>
-            <a:endParaRPr lang="zh-CN" altLang="en-US" dirty="0"/>
           </a:p>
         </p:txBody>
       </p:sp>
@@ -1193,6 +1201,7 @@
           <a:p>
             <a:fld id="{760FBDFE-C587-4B4C-A407-44438C67B59E}" type="datetimeFigureOut">
               <a:rPr lang="zh-CN" altLang="en-US" smtClean="0"/>
+              <a:t>2024/12/14</a:t>
             </a:fld>
             <a:endParaRPr lang="zh-CN" altLang="en-US"/>
           </a:p>
@@ -1234,6 +1243,7 @@
           <a:p>
             <a:fld id="{49AE70B2-8BF9-45C0-BB95-33D1B9D3A854}" type="slidenum">
               <a:rPr lang="zh-CN" altLang="en-US" smtClean="0"/>
+              <a:t>‹Nr.›</a:t>
             </a:fld>
             <a:endParaRPr lang="zh-CN" altLang="en-US"/>
           </a:p>
@@ -1302,7 +1312,6 @@
               <a:rPr lang="zh-CN" altLang="en-US" dirty="0"/>
               <a:t>Click to edit Master title style</a:t>
             </a:r>
-            <a:endParaRPr lang="zh-CN" altLang="en-US" dirty="0"/>
           </a:p>
         </p:txBody>
       </p:sp>
@@ -1424,9 +1433,6 @@
               </a:rPr>
               <a:t>Click to edit Master text styles</a:t>
             </a:r>
-            <a:endParaRPr lang="zh-CN" altLang="en-US" dirty="0">
-              <a:sym typeface="+mn-ea"/>
-            </a:endParaRPr>
           </a:p>
         </p:txBody>
       </p:sp>
@@ -1447,6 +1453,7 @@
           <a:p>
             <a:fld id="{760FBDFE-C587-4B4C-A407-44438C67B59E}" type="datetimeFigureOut">
               <a:rPr lang="zh-CN" altLang="en-US" smtClean="0"/>
+              <a:t>2024/12/14</a:t>
             </a:fld>
             <a:endParaRPr lang="zh-CN" altLang="en-US"/>
           </a:p>
@@ -1488,6 +1495,7 @@
           <a:p>
             <a:fld id="{49AE70B2-8BF9-45C0-BB95-33D1B9D3A854}" type="slidenum">
               <a:rPr lang="zh-CN" altLang="en-US" smtClean="0"/>
+              <a:t>‹Nr.›</a:t>
             </a:fld>
             <a:endParaRPr lang="zh-CN" altLang="en-US"/>
           </a:p>
@@ -1556,7 +1564,6 @@
               <a:rPr lang="zh-CN" altLang="en-US" dirty="0"/>
               <a:t>Click to edit Master title style</a:t>
             </a:r>
-            <a:endParaRPr lang="zh-CN" altLang="en-US" dirty="0"/>
           </a:p>
         </p:txBody>
       </p:sp>
@@ -1655,9 +1662,6 @@
               </a:rPr>
               <a:t>Click to edit Master text styles</a:t>
             </a:r>
-            <a:endParaRPr lang="zh-CN" altLang="en-US" dirty="0">
-              <a:sym typeface="+mn-ea"/>
-            </a:endParaRPr>
           </a:p>
           <a:p>
             <a:pPr lvl="1"/>
@@ -1665,7 +1669,6 @@
               <a:rPr lang="zh-CN" altLang="en-US" dirty="0"/>
               <a:t>Second level</a:t>
             </a:r>
-            <a:endParaRPr lang="zh-CN" altLang="en-US" dirty="0"/>
           </a:p>
           <a:p>
             <a:pPr lvl="2"/>
@@ -1673,7 +1676,6 @@
               <a:rPr lang="zh-CN" altLang="en-US" dirty="0"/>
               <a:t>Third level</a:t>
             </a:r>
-            <a:endParaRPr lang="zh-CN" altLang="en-US" dirty="0"/>
           </a:p>
           <a:p>
             <a:pPr lvl="3"/>
@@ -1681,7 +1683,6 @@
               <a:rPr lang="zh-CN" altLang="en-US" dirty="0"/>
               <a:t>Fourth level</a:t>
             </a:r>
-            <a:endParaRPr lang="zh-CN" altLang="en-US" dirty="0"/>
           </a:p>
           <a:p>
             <a:pPr lvl="4"/>
@@ -1689,7 +1690,6 @@
               <a:rPr lang="zh-CN" altLang="en-US" dirty="0"/>
               <a:t>Fifth level</a:t>
             </a:r>
-            <a:endParaRPr lang="zh-CN" altLang="en-US" dirty="0"/>
           </a:p>
         </p:txBody>
       </p:sp>
@@ -1788,9 +1788,6 @@
               </a:rPr>
               <a:t>Click to edit Master text styles</a:t>
             </a:r>
-            <a:endParaRPr lang="zh-CN" altLang="en-US" dirty="0">
-              <a:sym typeface="+mn-ea"/>
-            </a:endParaRPr>
           </a:p>
           <a:p>
             <a:pPr lvl="1"/>
@@ -1798,7 +1795,6 @@
               <a:rPr lang="zh-CN" altLang="en-US" dirty="0"/>
               <a:t>Second level</a:t>
             </a:r>
-            <a:endParaRPr lang="zh-CN" altLang="en-US" dirty="0"/>
           </a:p>
           <a:p>
             <a:pPr lvl="2"/>
@@ -1806,7 +1802,6 @@
               <a:rPr lang="zh-CN" altLang="en-US" dirty="0"/>
               <a:t>Third level</a:t>
             </a:r>
-            <a:endParaRPr lang="zh-CN" altLang="en-US" dirty="0"/>
           </a:p>
           <a:p>
             <a:pPr lvl="3"/>
@@ -1814,7 +1809,6 @@
               <a:rPr lang="zh-CN" altLang="en-US" dirty="0"/>
               <a:t>Fourth level</a:t>
             </a:r>
-            <a:endParaRPr lang="zh-CN" altLang="en-US" dirty="0"/>
           </a:p>
           <a:p>
             <a:pPr lvl="4"/>
@@ -1822,7 +1816,6 @@
               <a:rPr lang="zh-CN" altLang="en-US" dirty="0"/>
               <a:t>Fifth level</a:t>
             </a:r>
-            <a:endParaRPr lang="zh-CN" altLang="en-US" dirty="0"/>
           </a:p>
         </p:txBody>
       </p:sp>
@@ -1843,6 +1836,7 @@
           <a:p>
             <a:fld id="{760FBDFE-C587-4B4C-A407-44438C67B59E}" type="datetimeFigureOut">
               <a:rPr lang="zh-CN" altLang="en-US" smtClean="0"/>
+              <a:t>2024/12/14</a:t>
             </a:fld>
             <a:endParaRPr lang="zh-CN" altLang="en-US"/>
           </a:p>
@@ -1884,6 +1878,7 @@
           <a:p>
             <a:fld id="{49AE70B2-8BF9-45C0-BB95-33D1B9D3A854}" type="slidenum">
               <a:rPr lang="zh-CN" altLang="en-US" smtClean="0"/>
+              <a:t>‹Nr.›</a:t>
             </a:fld>
             <a:endParaRPr lang="zh-CN" altLang="en-US"/>
           </a:p>
@@ -1938,7 +1933,6 @@
               <a:rPr lang="zh-CN" altLang="en-US"/>
               <a:t>Click to edit Master title style</a:t>
             </a:r>
-            <a:endParaRPr lang="zh-CN" altLang="en-US"/>
           </a:p>
         </p:txBody>
       </p:sp>
@@ -2006,9 +2000,6 @@
               </a:rPr>
               <a:t>Click to edit Master text styles</a:t>
             </a:r>
-            <a:endParaRPr lang="zh-CN" altLang="en-US" dirty="0">
-              <a:sym typeface="+mn-ea"/>
-            </a:endParaRPr>
           </a:p>
         </p:txBody>
       </p:sp>
@@ -2039,9 +2030,6 @@
               </a:rPr>
               <a:t>Click to edit Master text styles</a:t>
             </a:r>
-            <a:endParaRPr lang="zh-CN" altLang="en-US" dirty="0">
-              <a:sym typeface="+mn-ea"/>
-            </a:endParaRPr>
           </a:p>
           <a:p>
             <a:pPr lvl="1"/>
@@ -2049,7 +2037,6 @@
               <a:rPr lang="zh-CN" altLang="en-US" dirty="0"/>
               <a:t>Second level</a:t>
             </a:r>
-            <a:endParaRPr lang="zh-CN" altLang="en-US" dirty="0"/>
           </a:p>
           <a:p>
             <a:pPr lvl="2"/>
@@ -2057,7 +2044,6 @@
               <a:rPr lang="zh-CN" altLang="en-US" dirty="0"/>
               <a:t>Third level</a:t>
             </a:r>
-            <a:endParaRPr lang="zh-CN" altLang="en-US" dirty="0"/>
           </a:p>
           <a:p>
             <a:pPr lvl="3"/>
@@ -2065,7 +2051,6 @@
               <a:rPr lang="zh-CN" altLang="en-US" dirty="0"/>
               <a:t>Fourth level</a:t>
             </a:r>
-            <a:endParaRPr lang="zh-CN" altLang="en-US" dirty="0"/>
           </a:p>
           <a:p>
             <a:pPr lvl="4"/>
@@ -2073,7 +2058,6 @@
               <a:rPr lang="zh-CN" altLang="en-US" dirty="0"/>
               <a:t>Fifth level</a:t>
             </a:r>
-            <a:endParaRPr lang="zh-CN" altLang="en-US" dirty="0"/>
           </a:p>
         </p:txBody>
       </p:sp>
@@ -2141,9 +2125,6 @@
               </a:rPr>
               <a:t>Click to edit Master text styles</a:t>
             </a:r>
-            <a:endParaRPr lang="zh-CN" altLang="en-US" dirty="0">
-              <a:sym typeface="+mn-ea"/>
-            </a:endParaRPr>
           </a:p>
         </p:txBody>
       </p:sp>
@@ -2174,9 +2155,6 @@
               </a:rPr>
               <a:t>Click to edit Master text styles</a:t>
             </a:r>
-            <a:endParaRPr lang="zh-CN" altLang="en-US" dirty="0">
-              <a:sym typeface="+mn-ea"/>
-            </a:endParaRPr>
           </a:p>
           <a:p>
             <a:pPr lvl="1"/>
@@ -2184,7 +2162,6 @@
               <a:rPr lang="zh-CN" altLang="en-US" dirty="0"/>
               <a:t>Second level</a:t>
             </a:r>
-            <a:endParaRPr lang="zh-CN" altLang="en-US" dirty="0"/>
           </a:p>
           <a:p>
             <a:pPr lvl="2"/>
@@ -2192,7 +2169,6 @@
               <a:rPr lang="zh-CN" altLang="en-US" dirty="0"/>
               <a:t>Third level</a:t>
             </a:r>
-            <a:endParaRPr lang="zh-CN" altLang="en-US" dirty="0"/>
           </a:p>
           <a:p>
             <a:pPr lvl="3"/>
@@ -2200,7 +2176,6 @@
               <a:rPr lang="zh-CN" altLang="en-US" dirty="0"/>
               <a:t>Fourth level</a:t>
             </a:r>
-            <a:endParaRPr lang="zh-CN" altLang="en-US" dirty="0"/>
           </a:p>
           <a:p>
             <a:pPr lvl="4"/>
@@ -2208,7 +2183,6 @@
               <a:rPr lang="zh-CN" altLang="en-US" dirty="0"/>
               <a:t>Fifth level</a:t>
             </a:r>
-            <a:endParaRPr lang="zh-CN" altLang="en-US" dirty="0"/>
           </a:p>
         </p:txBody>
       </p:sp>
@@ -2229,6 +2203,7 @@
           <a:p>
             <a:fld id="{760FBDFE-C587-4B4C-A407-44438C67B59E}" type="datetimeFigureOut">
               <a:rPr lang="zh-CN" altLang="en-US" smtClean="0"/>
+              <a:t>2024/12/14</a:t>
             </a:fld>
             <a:endParaRPr lang="zh-CN" altLang="en-US"/>
           </a:p>
@@ -2270,6 +2245,7 @@
           <a:p>
             <a:fld id="{49AE70B2-8BF9-45C0-BB95-33D1B9D3A854}" type="slidenum">
               <a:rPr lang="zh-CN" altLang="en-US" smtClean="0"/>
+              <a:t>‹Nr.›</a:t>
             </a:fld>
             <a:endParaRPr lang="zh-CN" altLang="en-US"/>
           </a:p>
@@ -2338,7 +2314,6 @@
               <a:rPr lang="zh-CN" altLang="en-US" dirty="0"/>
               <a:t>Click to edit Master title style</a:t>
             </a:r>
-            <a:endParaRPr lang="zh-CN" altLang="en-US" dirty="0"/>
           </a:p>
         </p:txBody>
       </p:sp>
@@ -2359,6 +2334,7 @@
           <a:p>
             <a:fld id="{760FBDFE-C587-4B4C-A407-44438C67B59E}" type="datetimeFigureOut">
               <a:rPr lang="zh-CN" altLang="en-US" smtClean="0"/>
+              <a:t>2024/12/14</a:t>
             </a:fld>
             <a:endParaRPr lang="zh-CN" altLang="en-US"/>
           </a:p>
@@ -2400,6 +2376,7 @@
           <a:p>
             <a:fld id="{49AE70B2-8BF9-45C0-BB95-33D1B9D3A854}" type="slidenum">
               <a:rPr lang="zh-CN" altLang="en-US" smtClean="0"/>
+              <a:t>‹Nr.›</a:t>
             </a:fld>
             <a:endParaRPr lang="zh-CN" altLang="en-US"/>
           </a:p>
@@ -2447,6 +2424,7 @@
           <a:p>
             <a:fld id="{760FBDFE-C587-4B4C-A407-44438C67B59E}" type="datetimeFigureOut">
               <a:rPr lang="zh-CN" altLang="en-US" smtClean="0"/>
+              <a:t>2024/12/14</a:t>
             </a:fld>
             <a:endParaRPr lang="zh-CN" altLang="en-US"/>
           </a:p>
@@ -2488,6 +2466,7 @@
           <a:p>
             <a:fld id="{49AE70B2-8BF9-45C0-BB95-33D1B9D3A854}" type="slidenum">
               <a:rPr lang="zh-CN" altLang="en-US" smtClean="0"/>
+              <a:t>‹Nr.›</a:t>
             </a:fld>
             <a:endParaRPr lang="zh-CN" altLang="en-US"/>
           </a:p>
@@ -2558,9 +2537,6 @@
               </a:rPr>
               <a:t>Click to edit Master title style</a:t>
             </a:r>
-            <a:endParaRPr lang="zh-CN" altLang="en-US" dirty="0">
-              <a:sym typeface="+mn-ea"/>
-            </a:endParaRPr>
           </a:p>
         </p:txBody>
       </p:sp>
@@ -2692,7 +2668,6 @@
               <a:rPr lang="zh-CN" altLang="en-US" dirty="0"/>
               <a:t>Click to edit Master text styles</a:t>
             </a:r>
-            <a:endParaRPr lang="zh-CN" altLang="en-US" dirty="0"/>
           </a:p>
         </p:txBody>
       </p:sp>
@@ -2713,6 +2688,7 @@
           <a:p>
             <a:fld id="{9EFD9D74-47D9-4702-A33C-335B63B48DBF}" type="datetimeFigureOut">
               <a:rPr lang="zh-CN" altLang="en-US" smtClean="0"/>
+              <a:t>2024/12/14</a:t>
             </a:fld>
             <a:endParaRPr lang="zh-CN" altLang="en-US" dirty="0"/>
           </a:p>
@@ -2754,6 +2730,7 @@
           <a:p>
             <a:fld id="{FABC47A4-756D-490B-A52F-7D9E2C9FC05F}" type="slidenum">
               <a:rPr lang="zh-CN" altLang="en-US" smtClean="0"/>
+              <a:t>‹Nr.›</a:t>
             </a:fld>
             <a:endParaRPr lang="zh-CN" altLang="en-US"/>
           </a:p>
@@ -2844,7 +2821,6 @@
               <a:rPr lang="zh-CN" altLang="en-US"/>
               <a:t>Click to edit Master title style</a:t>
             </a:r>
-            <a:endParaRPr lang="zh-CN" altLang="en-US"/>
           </a:p>
         </p:txBody>
       </p:sp>
@@ -2875,9 +2851,6 @@
               </a:rPr>
               <a:t>Click to edit Master text styles</a:t>
             </a:r>
-            <a:endParaRPr lang="zh-CN" altLang="en-US" dirty="0">
-              <a:sym typeface="+mn-ea"/>
-            </a:endParaRPr>
           </a:p>
           <a:p>
             <a:pPr lvl="1"/>
@@ -2885,7 +2858,6 @@
               <a:rPr lang="zh-CN" altLang="en-US" dirty="0"/>
               <a:t>Second level</a:t>
             </a:r>
-            <a:endParaRPr lang="zh-CN" altLang="en-US" dirty="0"/>
           </a:p>
           <a:p>
             <a:pPr lvl="2"/>
@@ -2893,7 +2865,6 @@
               <a:rPr lang="zh-CN" altLang="en-US" dirty="0"/>
               <a:t>Third level</a:t>
             </a:r>
-            <a:endParaRPr lang="zh-CN" altLang="en-US" dirty="0"/>
           </a:p>
           <a:p>
             <a:pPr lvl="3"/>
@@ -2901,7 +2872,6 @@
               <a:rPr lang="zh-CN" altLang="en-US" dirty="0"/>
               <a:t>Fourth level</a:t>
             </a:r>
-            <a:endParaRPr lang="zh-CN" altLang="en-US" dirty="0"/>
           </a:p>
           <a:p>
             <a:pPr lvl="4"/>
@@ -2909,7 +2879,6 @@
               <a:rPr lang="zh-CN" altLang="en-US" dirty="0"/>
               <a:t>Fifth level</a:t>
             </a:r>
-            <a:endParaRPr lang="zh-CN" altLang="en-US" dirty="0"/>
           </a:p>
         </p:txBody>
       </p:sp>
@@ -2930,6 +2899,7 @@
           <a:p>
             <a:fld id="{760FBDFE-C587-4B4C-A407-44438C67B59E}" type="datetimeFigureOut">
               <a:rPr lang="zh-CN" altLang="en-US" smtClean="0"/>
+              <a:t>2024/12/14</a:t>
             </a:fld>
             <a:endParaRPr lang="zh-CN" altLang="en-US"/>
           </a:p>
@@ -2971,6 +2941,7 @@
           <a:p>
             <a:fld id="{49AE70B2-8BF9-45C0-BB95-33D1B9D3A854}" type="slidenum">
               <a:rPr lang="zh-CN" altLang="en-US" smtClean="0"/>
+              <a:t>‹Nr.›</a:t>
             </a:fld>
             <a:endParaRPr lang="zh-CN" altLang="en-US"/>
           </a:p>
@@ -3038,7 +3009,6 @@
               <a:rPr lang="zh-CN" altLang="en-US" dirty="0"/>
               <a:t>Click to edit Master title style</a:t>
             </a:r>
-            <a:endParaRPr lang="zh-CN" altLang="en-US" dirty="0"/>
           </a:p>
         </p:txBody>
       </p:sp>
@@ -3074,9 +3044,6 @@
               </a:rPr>
               <a:t>Click to edit Master text styles</a:t>
             </a:r>
-            <a:endParaRPr lang="zh-CN" altLang="en-US" dirty="0">
-              <a:sym typeface="+mn-ea"/>
-            </a:endParaRPr>
           </a:p>
           <a:p>
             <a:pPr lvl="1"/>
@@ -3084,7 +3051,6 @@
               <a:rPr lang="zh-CN" altLang="en-US" dirty="0"/>
               <a:t>Second level</a:t>
             </a:r>
-            <a:endParaRPr lang="zh-CN" altLang="en-US" dirty="0"/>
           </a:p>
           <a:p>
             <a:pPr lvl="2"/>
@@ -3092,7 +3058,6 @@
               <a:rPr lang="zh-CN" altLang="en-US" dirty="0"/>
               <a:t>Third level</a:t>
             </a:r>
-            <a:endParaRPr lang="zh-CN" altLang="en-US" dirty="0"/>
           </a:p>
           <a:p>
             <a:pPr lvl="3"/>
@@ -3100,7 +3065,6 @@
               <a:rPr lang="zh-CN" altLang="en-US" dirty="0"/>
               <a:t>Fourth level</a:t>
             </a:r>
-            <a:endParaRPr lang="zh-CN" altLang="en-US" dirty="0"/>
           </a:p>
           <a:p>
             <a:pPr lvl="4"/>
@@ -3108,7 +3072,6 @@
               <a:rPr lang="zh-CN" altLang="en-US" dirty="0"/>
               <a:t>Fifth level</a:t>
             </a:r>
-            <a:endParaRPr lang="zh-CN" altLang="en-US" dirty="0"/>
           </a:p>
         </p:txBody>
       </p:sp>
@@ -3149,6 +3112,7 @@
           <a:p>
             <a:fld id="{760FBDFE-C587-4B4C-A407-44438C67B59E}" type="datetimeFigureOut">
               <a:rPr lang="zh-CN" altLang="en-US" smtClean="0"/>
+              <a:t>2024/12/14</a:t>
             </a:fld>
             <a:endParaRPr lang="zh-CN" altLang="en-US"/>
           </a:p>
@@ -3230,6 +3194,7 @@
           <a:p>
             <a:fld id="{49AE70B2-8BF9-45C0-BB95-33D1B9D3A854}" type="slidenum">
               <a:rPr lang="zh-CN" altLang="en-US" smtClean="0"/>
+              <a:t>‹Nr.›</a:t>
             </a:fld>
             <a:endParaRPr lang="zh-CN" altLang="en-US"/>
           </a:p>
@@ -3593,12 +3558,6 @@
               </a:rPr>
               <a:t>Random Forest</a:t>
             </a:r>
-            <a:endParaRPr lang="de-DE" altLang="zh-CN">
-              <a:solidFill>
-                <a:srgbClr val="61A5C2"/>
-              </a:solidFill>
-              <a:latin typeface="Calibri" charset="0"/>
-            </a:endParaRPr>
           </a:p>
         </p:txBody>
       </p:sp>
@@ -3631,12 +3590,6 @@
               </a:rPr>
               <a:t>Lukas Sichert -12114770</a:t>
             </a:r>
-            <a:endParaRPr lang="de-DE" altLang="zh-CN">
-              <a:solidFill>
-                <a:srgbClr val="61A5C2"/>
-              </a:solidFill>
-              <a:latin typeface="Calibri" charset="0"/>
-            </a:endParaRPr>
           </a:p>
           <a:p>
             <a:r>
@@ -3648,12 +3601,6 @@
               </a:rPr>
               <a:t>Kristof Dadac - 12105475</a:t>
             </a:r>
-            <a:endParaRPr lang="de-DE" altLang="zh-CN">
-              <a:solidFill>
-                <a:srgbClr val="61A5C2"/>
-              </a:solidFill>
-              <a:latin typeface="Calibri" charset="0"/>
-            </a:endParaRPr>
           </a:p>
           <a:p>
             <a:r>
@@ -3665,12 +3612,6 @@
               </a:rPr>
               <a:t>Florian Engl -</a:t>
             </a:r>
-            <a:endParaRPr lang="de-DE" altLang="zh-CN">
-              <a:solidFill>
-                <a:srgbClr val="61A5C2"/>
-              </a:solidFill>
-              <a:latin typeface="Calibri" charset="0"/>
-            </a:endParaRPr>
           </a:p>
         </p:txBody>
       </p:sp>
@@ -3691,7 +3632,14 @@
         <p:cNvGrpSpPr/>
         <p:nvPr/>
       </p:nvGrpSpPr>
-      <p:grpSpPr/>
+      <p:grpSpPr>
+        <a:xfrm>
+          <a:off x="0" y="0"/>
+          <a:ext cx="0" cy="0"/>
+          <a:chOff x="0" y="0"/>
+          <a:chExt cx="0" cy="0"/>
+        </a:xfrm>
+      </p:grpSpPr>
       <p:sp>
         <p:nvSpPr>
           <p:cNvPr id="2" name="Title 1"/>
@@ -3705,25 +3653,59 @@
         <p:spPr/>
         <p:txBody>
           <a:bodyPr/>
+          <a:lstStyle/>
           <a:p>
             <a:pPr algn="ctr" fontAlgn="auto"/>
             <a:r>
-              <a:rPr lang="de-DE" altLang="en-US">
+              <a:rPr lang="de-DE" altLang="en-US" dirty="0">
                 <a:solidFill>
                   <a:srgbClr val="61A5C2"/>
                 </a:solidFill>
                 <a:effectLst/>
                 <a:latin typeface="Calibri" charset="0"/>
               </a:rPr>
-              <a:t>Mean Squared Error Comparison - Concrete Dataset</a:t>
-            </a:r>
-            <a:endParaRPr lang="de-DE" altLang="en-US">
-              <a:solidFill>
-                <a:srgbClr val="61A5C2"/>
-              </a:solidFill>
-              <a:effectLst/>
-              <a:latin typeface="Calibri" charset="0"/>
-            </a:endParaRPr>
+              <a:t>MSE </a:t>
+            </a:r>
+            <a:r>
+              <a:rPr lang="de-DE" altLang="en-US" dirty="0" err="1">
+                <a:solidFill>
+                  <a:srgbClr val="61A5C2"/>
+                </a:solidFill>
+                <a:effectLst/>
+                <a:latin typeface="Calibri" charset="0"/>
+              </a:rPr>
+              <a:t>Comparison</a:t>
+            </a:r>
+            <a:r>
+              <a:rPr lang="de-DE" altLang="en-US" dirty="0">
+                <a:solidFill>
+                  <a:srgbClr val="61A5C2"/>
+                </a:solidFill>
+                <a:effectLst/>
+                <a:latin typeface="Calibri" charset="0"/>
+              </a:rPr>
+              <a:t> - </a:t>
+            </a:r>
+            <a:r>
+              <a:rPr lang="de-DE" altLang="en-US" dirty="0" err="1">
+                <a:solidFill>
+                  <a:srgbClr val="61A5C2"/>
+                </a:solidFill>
+                <a:effectLst/>
+                <a:latin typeface="Calibri" charset="0"/>
+              </a:rPr>
+              <a:t>Concrete</a:t>
+            </a:r>
+            <a:r>
+              <a:rPr lang="de-DE" altLang="en-US" dirty="0">
+                <a:solidFill>
+                  <a:srgbClr val="61A5C2"/>
+                </a:solidFill>
+                <a:effectLst/>
+                <a:latin typeface="Calibri" charset="0"/>
+              </a:rPr>
+              <a:t> Dataset</a:t>
+            </a:r>
           </a:p>
         </p:txBody>
       </p:sp>
@@ -3731,14 +3713,14 @@
         <p:nvPicPr>
           <p:cNvPr id="4" name="Content Placeholder 3"/>
           <p:cNvPicPr>
-            <a:picLocks noChangeAspect="1"/>
+            <a:picLocks noGrp="1" noChangeAspect="1"/>
           </p:cNvPicPr>
           <p:nvPr>
             <p:ph idx="1"/>
           </p:nvPr>
         </p:nvPicPr>
         <p:blipFill>
-          <a:blip r:embed="rId1"/>
+          <a:blip r:embed="rId2"/>
           <a:stretch>
             <a:fillRect/>
           </a:stretch>
@@ -3764,90 +3746,347 @@
 <file path=ppt/slides/slide11.xml><?xml version="1.0" encoding="utf-8"?>
 <p:sld xmlns:a="http://schemas.openxmlformats.org/drawingml/2006/main" xmlns:r="http://schemas.openxmlformats.org/officeDocument/2006/relationships" xmlns:p="http://schemas.openxmlformats.org/presentationml/2006/main">
   <p:cSld>
+    <p:bg>
+      <p:bgPr>
+        <a:solidFill>
+          <a:srgbClr val="1F1F1F"/>
+        </a:solidFill>
+        <a:effectLst/>
+      </p:bgPr>
+    </p:bg>
     <p:spTree>
       <p:nvGrpSpPr>
         <p:cNvPr id="1" name=""/>
         <p:cNvGrpSpPr/>
         <p:nvPr/>
       </p:nvGrpSpPr>
-      <p:grpSpPr/>
-      <p:sp>
-        <p:nvSpPr>
-          <p:cNvPr id="2" name="Title 1"/>
-          <p:cNvSpPr>
-            <a:spLocks noGrp="1"/>
-          </p:cNvSpPr>
-          <p:nvPr>
-            <p:ph type="title"/>
-          </p:nvPr>
-        </p:nvSpPr>
-        <p:spPr/>
-        <p:txBody>
-          <a:bodyPr/>
-          <a:p>
-            <a:pPr algn="ctr" fontAlgn="auto"/>
-            <a:r>
-              <a:rPr lang="de-DE" altLang="en-US">
-                <a:solidFill>
-                  <a:srgbClr val="61A5C2"/>
-                </a:solidFill>
-                <a:latin typeface="Calibri" charset="0"/>
-              </a:rPr>
-              <a:t>Sensitivity Plots - Concrete</a:t>
-            </a:r>
-            <a:endParaRPr lang="de-DE" altLang="en-US">
-              <a:solidFill>
-                <a:srgbClr val="61A5C2"/>
-              </a:solidFill>
-              <a:latin typeface="Calibri" charset="0"/>
-            </a:endParaRPr>
-          </a:p>
-        </p:txBody>
-      </p:sp>
-      <p:pic>
-        <p:nvPicPr>
-          <p:cNvPr id="4" name="Content Placeholder 3"/>
-          <p:cNvPicPr>
-            <a:picLocks noChangeAspect="1"/>
-          </p:cNvPicPr>
-          <p:nvPr>
-            <p:ph idx="1"/>
-          </p:nvPr>
-        </p:nvPicPr>
-        <p:blipFill>
-          <a:blip r:embed="rId1"/>
-          <a:stretch>
-            <a:fillRect/>
-          </a:stretch>
-        </p:blipFill>
-        <p:spPr>
-          <a:xfrm>
-            <a:off x="1198880" y="1231265"/>
-            <a:ext cx="3985895" cy="2726690"/>
+      <p:grpSpPr>
+        <a:xfrm>
+          <a:off x="0" y="0"/>
+          <a:ext cx="0" cy="0"/>
+          <a:chOff x="0" y="0"/>
+          <a:chExt cx="0" cy="0"/>
+        </a:xfrm>
+      </p:grpSpPr>
+      <p:sp>
+        <p:nvSpPr>
+          <p:cNvPr id="20" name="Rechteck 19">
+            <a:extLst>
+              <a:ext uri="{FF2B5EF4-FFF2-40B4-BE49-F238E27FC236}">
+                <a16:creationId xmlns:a16="http://schemas.microsoft.com/office/drawing/2014/main" id="{1A1073F4-D945-E6A1-05D7-F41DA84C1921}"/>
+              </a:ext>
+            </a:extLst>
+          </p:cNvPr>
+          <p:cNvSpPr/>
+          <p:nvPr/>
+        </p:nvSpPr>
+        <p:spPr>
+          <a:xfrm>
+            <a:off x="0" y="1"/>
+            <a:ext cx="8123068" cy="6858000"/>
           </a:xfrm>
           <a:prstGeom prst="rect">
             <a:avLst/>
           </a:prstGeom>
         </p:spPr>
-      </p:pic>
+        <p:style>
+          <a:lnRef idx="2">
+            <a:schemeClr val="dk1"/>
+          </a:lnRef>
+          <a:fillRef idx="1">
+            <a:schemeClr val="lt1"/>
+          </a:fillRef>
+          <a:effectRef idx="0">
+            <a:schemeClr val="dk1"/>
+          </a:effectRef>
+          <a:fontRef idx="minor">
+            <a:schemeClr val="dk1"/>
+          </a:fontRef>
+        </p:style>
+        <p:txBody>
+          <a:bodyPr rtlCol="0" anchor="ctr"/>
+          <a:lstStyle/>
+          <a:p>
+            <a:pPr algn="ctr"/>
+            <a:endParaRPr lang="en-AT"/>
+          </a:p>
+        </p:txBody>
+      </p:sp>
       <p:pic>
         <p:nvPicPr>
-          <p:cNvPr id="7" name="Picture 6"/>
+          <p:cNvPr id="10" name="Grafik 9" descr="Ein Bild, das Text, Diagramm, Reihe, Screenshot enthält.&#10;&#10;Automatisch generierte Beschreibung">
+            <a:extLst>
+              <a:ext uri="{FF2B5EF4-FFF2-40B4-BE49-F238E27FC236}">
+                <a16:creationId xmlns:a16="http://schemas.microsoft.com/office/drawing/2014/main" id="{C19AA15F-EEFA-8A8E-7CE0-09421AC7AA0E}"/>
+              </a:ext>
+            </a:extLst>
+          </p:cNvPr>
           <p:cNvPicPr>
             <a:picLocks noChangeAspect="1"/>
           </p:cNvPicPr>
           <p:nvPr/>
         </p:nvPicPr>
         <p:blipFill>
-          <a:blip r:embed="rId2"/>
-          <a:stretch>
-            <a:fillRect/>
-          </a:stretch>
+          <a:blip r:embed="rId2" cstate="print">
+            <a:extLst>
+              <a:ext uri="{28A0092B-C50C-407E-A947-70E740481C1C}">
+                <a14:useLocalDpi xmlns:a14="http://schemas.microsoft.com/office/drawing/2010/main" val="0"/>
+              </a:ext>
+            </a:extLst>
+          </a:blip>
+          <a:srcRect t="2171" b="-1"/>
+          <a:stretch/>
         </p:blipFill>
         <p:spPr>
           <a:xfrm>
-            <a:off x="7239635" y="1198245"/>
-            <a:ext cx="3839845" cy="2759710"/>
+            <a:off x="480265" y="93802"/>
+            <a:ext cx="3025152" cy="2116048"/>
+          </a:xfrm>
+          <a:prstGeom prst="rect">
+            <a:avLst/>
+          </a:prstGeom>
+        </p:spPr>
+      </p:pic>
+      <p:pic>
+        <p:nvPicPr>
+          <p:cNvPr id="14" name="Grafik 13" descr="Ein Bild, das Text, Screenshot, Reihe, Diagramm enthält.&#10;&#10;Automatisch generierte Beschreibung">
+            <a:extLst>
+              <a:ext uri="{FF2B5EF4-FFF2-40B4-BE49-F238E27FC236}">
+                <a16:creationId xmlns:a16="http://schemas.microsoft.com/office/drawing/2014/main" id="{AC73D028-6CBD-ADC5-0943-629158EA0F0C}"/>
+              </a:ext>
+            </a:extLst>
+          </p:cNvPr>
+          <p:cNvPicPr>
+            <a:picLocks noChangeAspect="1"/>
+          </p:cNvPicPr>
+          <p:nvPr/>
+        </p:nvPicPr>
+        <p:blipFill>
+          <a:blip r:embed="rId3" cstate="print">
+            <a:extLst>
+              <a:ext uri="{28A0092B-C50C-407E-A947-70E740481C1C}">
+                <a14:useLocalDpi xmlns:a14="http://schemas.microsoft.com/office/drawing/2010/main" val="0"/>
+              </a:ext>
+            </a:extLst>
+          </a:blip>
+          <a:srcRect t="1953" b="-1"/>
+          <a:stretch/>
+        </p:blipFill>
+        <p:spPr>
+          <a:xfrm>
+            <a:off x="4583424" y="89086"/>
+            <a:ext cx="3025152" cy="2120764"/>
+          </a:xfrm>
+          <a:prstGeom prst="rect">
+            <a:avLst/>
+          </a:prstGeom>
+        </p:spPr>
+      </p:pic>
+      <p:pic>
+        <p:nvPicPr>
+          <p:cNvPr id="12" name="Grafik 11" descr="Ein Bild, das Text, Reihe, Screenshot, Diagramm enthält.&#10;&#10;Automatisch generierte Beschreibung">
+            <a:extLst>
+              <a:ext uri="{FF2B5EF4-FFF2-40B4-BE49-F238E27FC236}">
+                <a16:creationId xmlns:a16="http://schemas.microsoft.com/office/drawing/2014/main" id="{43484075-B40D-4F18-1D14-CC2FB9D50139}"/>
+              </a:ext>
+            </a:extLst>
+          </p:cNvPr>
+          <p:cNvPicPr>
+            <a:picLocks noChangeAspect="1"/>
+          </p:cNvPicPr>
+          <p:nvPr/>
+        </p:nvPicPr>
+        <p:blipFill>
+          <a:blip r:embed="rId4" cstate="print">
+            <a:extLst>
+              <a:ext uri="{28A0092B-C50C-407E-A947-70E740481C1C}">
+                <a14:useLocalDpi xmlns:a14="http://schemas.microsoft.com/office/drawing/2010/main" val="0"/>
+              </a:ext>
+            </a:extLst>
+          </a:blip>
+          <a:srcRect t="3260"/>
+          <a:stretch/>
+        </p:blipFill>
+        <p:spPr>
+          <a:xfrm>
+            <a:off x="480263" y="2375204"/>
+            <a:ext cx="3025154" cy="2092472"/>
+          </a:xfrm>
+          <a:prstGeom prst="rect">
+            <a:avLst/>
+          </a:prstGeom>
+        </p:spPr>
+      </p:pic>
+      <p:pic>
+        <p:nvPicPr>
+          <p:cNvPr id="18" name="Grafik 17" descr="Ein Bild, das Text, Diagramm, Reihe, Screenshot enthält.&#10;&#10;Automatisch generierte Beschreibung">
+            <a:extLst>
+              <a:ext uri="{FF2B5EF4-FFF2-40B4-BE49-F238E27FC236}">
+                <a16:creationId xmlns:a16="http://schemas.microsoft.com/office/drawing/2014/main" id="{06192F1C-A63F-5E9C-9C5B-EFDE7BDF3AD0}"/>
+              </a:ext>
+            </a:extLst>
+          </p:cNvPr>
+          <p:cNvPicPr>
+            <a:picLocks noChangeAspect="1"/>
+          </p:cNvPicPr>
+          <p:nvPr/>
+        </p:nvPicPr>
+        <p:blipFill>
+          <a:blip r:embed="rId5" cstate="print">
+            <a:extLst>
+              <a:ext uri="{28A0092B-C50C-407E-A947-70E740481C1C}">
+                <a14:useLocalDpi xmlns:a14="http://schemas.microsoft.com/office/drawing/2010/main" val="0"/>
+              </a:ext>
+            </a:extLst>
+          </a:blip>
+          <a:srcRect t="2764" b="-811"/>
+          <a:stretch/>
+        </p:blipFill>
+        <p:spPr>
+          <a:xfrm>
+            <a:off x="480263" y="4659938"/>
+            <a:ext cx="3025157" cy="2120744"/>
+          </a:xfrm>
+          <a:prstGeom prst="rect">
+            <a:avLst/>
+          </a:prstGeom>
+        </p:spPr>
+      </p:pic>
+      <p:sp>
+        <p:nvSpPr>
+          <p:cNvPr id="2" name="Title 1"/>
+          <p:cNvSpPr>
+            <a:spLocks noGrp="1"/>
+          </p:cNvSpPr>
+          <p:nvPr>
+            <p:ph type="ctrTitle"/>
+          </p:nvPr>
+        </p:nvSpPr>
+        <p:spPr>
+          <a:xfrm>
+            <a:off x="8520112" y="2745578"/>
+            <a:ext cx="3334970" cy="1366841"/>
+          </a:xfrm>
+        </p:spPr>
+        <p:txBody>
+          <a:bodyPr vert="horz" lIns="91440" tIns="45720" rIns="91440" bIns="45720" rtlCol="0" anchor="b">
+            <a:normAutofit fontScale="90000"/>
+          </a:bodyPr>
+          <a:lstStyle/>
+          <a:p>
+            <a:pPr fontAlgn="auto"/>
+            <a:r>
+              <a:rPr lang="en-US" altLang="en-US" sz="2400" b="1" dirty="0">
+                <a:solidFill>
+                  <a:srgbClr val="61A5C2"/>
+                </a:solidFill>
+                <a:latin typeface="Calibri" charset="0"/>
+              </a:rPr>
+              <a:t>Sensitivity Plots</a:t>
+            </a:r>
+            <a:br>
+              <a:rPr lang="en-US" altLang="en-US" sz="2400" b="1" dirty="0">
+                <a:solidFill>
+                  <a:srgbClr val="61A5C2"/>
+                </a:solidFill>
+                <a:latin typeface="Calibri" charset="0"/>
+              </a:rPr>
+            </a:br>
+            <a:r>
+              <a:rPr lang="en-US" altLang="en-US" sz="2400" b="1" dirty="0">
+                <a:solidFill>
+                  <a:srgbClr val="61A5C2"/>
+                </a:solidFill>
+                <a:latin typeface="Calibri" charset="0"/>
+              </a:rPr>
+              <a:t> Concrete Dataset</a:t>
+            </a:r>
+            <a:br>
+              <a:rPr lang="en-US" altLang="en-US" sz="2400" b="1" dirty="0">
+                <a:solidFill>
+                  <a:srgbClr val="61A5C2"/>
+                </a:solidFill>
+                <a:latin typeface="Calibri" charset="0"/>
+              </a:rPr>
+            </a:br>
+            <a:r>
+              <a:rPr lang="en-US" altLang="en-US" sz="2400" b="1" dirty="0">
+                <a:solidFill>
+                  <a:srgbClr val="61A5C2"/>
+                </a:solidFill>
+                <a:latin typeface="Calibri" charset="0"/>
+              </a:rPr>
+              <a:t> Our Implementation</a:t>
+            </a:r>
+          </a:p>
+        </p:txBody>
+      </p:sp>
+      <p:pic>
+        <p:nvPicPr>
+          <p:cNvPr id="8" name="Inhaltsplatzhalter 7" descr="Ein Bild, das Text, Reihe, Diagramm, Zahl enthält.&#10;&#10;Automatisch generierte Beschreibung">
+            <a:extLst>
+              <a:ext uri="{FF2B5EF4-FFF2-40B4-BE49-F238E27FC236}">
+                <a16:creationId xmlns:a16="http://schemas.microsoft.com/office/drawing/2014/main" id="{B3143622-3E7E-1B94-E7B8-28E14E86E98B}"/>
+              </a:ext>
+            </a:extLst>
+          </p:cNvPr>
+          <p:cNvPicPr>
+            <a:picLocks noGrp="1" noChangeAspect="1"/>
+          </p:cNvPicPr>
+          <p:nvPr>
+            <p:ph idx="4294967295"/>
+          </p:nvPr>
+        </p:nvPicPr>
+        <p:blipFill>
+          <a:blip r:embed="rId6" cstate="print">
+            <a:extLst>
+              <a:ext uri="{28A0092B-C50C-407E-A947-70E740481C1C}">
+                <a14:useLocalDpi xmlns:a14="http://schemas.microsoft.com/office/drawing/2010/main" val="0"/>
+              </a:ext>
+            </a:extLst>
+          </a:blip>
+          <a:srcRect t="2171" b="-1"/>
+          <a:stretch/>
+        </p:blipFill>
+        <p:spPr>
+          <a:xfrm>
+            <a:off x="4591889" y="4659938"/>
+            <a:ext cx="3025154" cy="2114671"/>
+          </a:xfrm>
+          <a:prstGeom prst="rect">
+            <a:avLst/>
+          </a:prstGeom>
+        </p:spPr>
+      </p:pic>
+      <p:pic>
+        <p:nvPicPr>
+          <p:cNvPr id="16" name="Grafik 15" descr="Ein Bild, das Text, Reihe, Diagramm, Screenshot enthält.&#10;&#10;Automatisch generierte Beschreibung">
+            <a:extLst>
+              <a:ext uri="{FF2B5EF4-FFF2-40B4-BE49-F238E27FC236}">
+                <a16:creationId xmlns:a16="http://schemas.microsoft.com/office/drawing/2014/main" id="{5EB3BD17-8820-16FD-A101-5C8B98FE3A92}"/>
+              </a:ext>
+            </a:extLst>
+          </p:cNvPr>
+          <p:cNvPicPr>
+            <a:picLocks noChangeAspect="1"/>
+          </p:cNvPicPr>
+          <p:nvPr/>
+        </p:nvPicPr>
+        <p:blipFill>
+          <a:blip r:embed="rId7" cstate="print">
+            <a:extLst>
+              <a:ext uri="{28A0092B-C50C-407E-A947-70E740481C1C}">
+                <a14:useLocalDpi xmlns:a14="http://schemas.microsoft.com/office/drawing/2010/main" val="0"/>
+              </a:ext>
+            </a:extLst>
+          </a:blip>
+          <a:srcRect t="2171" b="-1"/>
+          <a:stretch/>
+        </p:blipFill>
+        <p:spPr>
+          <a:xfrm>
+            <a:off x="4591889" y="2370975"/>
+            <a:ext cx="3025154" cy="2116049"/>
           </a:xfrm>
           <a:prstGeom prst="rect">
             <a:avLst/>
@@ -3867,72 +4106,289 @@
   <p:cSld>
     <p:spTree>
       <p:nvGrpSpPr>
-        <p:cNvPr id="1" name=""/>
+        <p:cNvPr id="1" name="">
+          <a:extLst>
+            <a:ext uri="{FF2B5EF4-FFF2-40B4-BE49-F238E27FC236}">
+              <a16:creationId xmlns:a16="http://schemas.microsoft.com/office/drawing/2014/main" id="{9BD12048-2BD0-2943-D703-0C0D49ECEB19}"/>
+            </a:ext>
+          </a:extLst>
+        </p:cNvPr>
         <p:cNvGrpSpPr/>
         <p:nvPr/>
       </p:nvGrpSpPr>
-      <p:grpSpPr/>
-      <p:sp>
-        <p:nvSpPr>
-          <p:cNvPr id="2" name="Title 1"/>
-          <p:cNvSpPr>
-            <a:spLocks noGrp="1"/>
-          </p:cNvSpPr>
-          <p:nvPr>
-            <p:ph type="title"/>
-          </p:nvPr>
-        </p:nvSpPr>
-        <p:spPr/>
-        <p:txBody>
-          <a:bodyPr/>
-          <a:p>
-            <a:pPr algn="ctr" fontAlgn="auto"/>
-            <a:r>
-              <a:rPr lang="de-DE" altLang="en-US">
-                <a:solidFill>
-                  <a:srgbClr val="61A5C2"/>
-                </a:solidFill>
-                <a:latin typeface="Calibri" charset="0"/>
-              </a:rPr>
-              <a:t>Runtime - Concrete Dataset</a:t>
-            </a:r>
-            <a:endParaRPr lang="de-DE" altLang="en-US">
-              <a:solidFill>
-                <a:srgbClr val="61A5C2"/>
-              </a:solidFill>
-              <a:latin typeface="Calibri" charset="0"/>
-            </a:endParaRPr>
+      <p:grpSpPr>
+        <a:xfrm>
+          <a:off x="0" y="0"/>
+          <a:ext cx="0" cy="0"/>
+          <a:chOff x="0" y="0"/>
+          <a:chExt cx="0" cy="0"/>
+        </a:xfrm>
+      </p:grpSpPr>
+      <p:sp>
+        <p:nvSpPr>
+          <p:cNvPr id="20" name="Rechteck 19">
+            <a:extLst>
+              <a:ext uri="{FF2B5EF4-FFF2-40B4-BE49-F238E27FC236}">
+                <a16:creationId xmlns:a16="http://schemas.microsoft.com/office/drawing/2014/main" id="{D48B859A-F088-BFCF-C48B-7D80A4AC281A}"/>
+              </a:ext>
+            </a:extLst>
+          </p:cNvPr>
+          <p:cNvSpPr/>
+          <p:nvPr/>
+        </p:nvSpPr>
+        <p:spPr>
+          <a:xfrm>
+            <a:off x="0" y="1"/>
+            <a:ext cx="8123068" cy="6858000"/>
+          </a:xfrm>
+          <a:prstGeom prst="rect">
+            <a:avLst/>
+          </a:prstGeom>
+        </p:spPr>
+        <p:style>
+          <a:lnRef idx="2">
+            <a:schemeClr val="dk1"/>
+          </a:lnRef>
+          <a:fillRef idx="1">
+            <a:schemeClr val="lt1"/>
+          </a:fillRef>
+          <a:effectRef idx="0">
+            <a:schemeClr val="dk1"/>
+          </a:effectRef>
+          <a:fontRef idx="minor">
+            <a:schemeClr val="dk1"/>
+          </a:fontRef>
+        </p:style>
+        <p:txBody>
+          <a:bodyPr rtlCol="0" anchor="ctr"/>
+          <a:lstStyle/>
+          <a:p>
+            <a:pPr algn="ctr"/>
+            <a:endParaRPr lang="en-AT"/>
+          </a:p>
+        </p:txBody>
+      </p:sp>
+      <p:sp>
+        <p:nvSpPr>
+          <p:cNvPr id="2" name="Title 1">
+            <a:extLst>
+              <a:ext uri="{FF2B5EF4-FFF2-40B4-BE49-F238E27FC236}">
+                <a16:creationId xmlns:a16="http://schemas.microsoft.com/office/drawing/2014/main" id="{13E83894-EC39-DA6C-F185-827927C6DCE9}"/>
+              </a:ext>
+            </a:extLst>
+          </p:cNvPr>
+          <p:cNvSpPr>
+            <a:spLocks noGrp="1"/>
+          </p:cNvSpPr>
+          <p:nvPr>
+            <p:ph type="ctrTitle"/>
+          </p:nvPr>
+        </p:nvSpPr>
+        <p:spPr>
+          <a:xfrm>
+            <a:off x="8520112" y="2745578"/>
+            <a:ext cx="3334970" cy="1366841"/>
+          </a:xfrm>
+        </p:spPr>
+        <p:txBody>
+          <a:bodyPr vert="horz" lIns="91440" tIns="45720" rIns="91440" bIns="45720" rtlCol="0" anchor="b">
+            <a:normAutofit fontScale="90000"/>
+          </a:bodyPr>
+          <a:lstStyle/>
+          <a:p>
+            <a:pPr fontAlgn="auto"/>
+            <a:r>
+              <a:rPr lang="en-US" altLang="en-US" sz="2400" b="1" dirty="0">
+                <a:solidFill>
+                  <a:srgbClr val="61A5C2"/>
+                </a:solidFill>
+                <a:latin typeface="Calibri" charset="0"/>
+              </a:rPr>
+              <a:t>Sensitivity Plots</a:t>
+            </a:r>
+            <a:br>
+              <a:rPr lang="en-US" altLang="en-US" sz="2400" b="1" dirty="0">
+                <a:solidFill>
+                  <a:srgbClr val="61A5C2"/>
+                </a:solidFill>
+                <a:latin typeface="Calibri" charset="0"/>
+              </a:rPr>
+            </a:br>
+            <a:r>
+              <a:rPr lang="en-US" altLang="en-US" sz="2400" b="1" dirty="0">
+                <a:solidFill>
+                  <a:srgbClr val="61A5C2"/>
+                </a:solidFill>
+                <a:latin typeface="Calibri" charset="0"/>
+              </a:rPr>
+              <a:t> Concrete Dataset</a:t>
+            </a:r>
+            <a:br>
+              <a:rPr lang="en-US" altLang="en-US" sz="2400" b="1" dirty="0">
+                <a:solidFill>
+                  <a:srgbClr val="61A5C2"/>
+                </a:solidFill>
+                <a:latin typeface="Calibri" charset="0"/>
+              </a:rPr>
+            </a:br>
+            <a:r>
+              <a:rPr lang="en-US" altLang="en-US" sz="2400" b="1" dirty="0">
+                <a:solidFill>
+                  <a:srgbClr val="61A5C2"/>
+                </a:solidFill>
+                <a:latin typeface="Calibri" charset="0"/>
+              </a:rPr>
+              <a:t> LLM</a:t>
+            </a:r>
           </a:p>
         </p:txBody>
       </p:sp>
       <p:pic>
         <p:nvPicPr>
-          <p:cNvPr id="4" name="Content Placeholder 3"/>
+          <p:cNvPr id="4" name="Grafik 3" descr="Ein Bild, das Text, Diagramm, Reihe, Screenshot enthält.&#10;&#10;Automatisch generierte Beschreibung">
+            <a:extLst>
+              <a:ext uri="{FF2B5EF4-FFF2-40B4-BE49-F238E27FC236}">
+                <a16:creationId xmlns:a16="http://schemas.microsoft.com/office/drawing/2014/main" id="{B6D88C62-503B-16C7-8F70-BC4CA800D9FD}"/>
+              </a:ext>
+            </a:extLst>
+          </p:cNvPr>
           <p:cNvPicPr>
             <a:picLocks noChangeAspect="1"/>
           </p:cNvPicPr>
-          <p:nvPr>
-            <p:ph idx="1"/>
-          </p:nvPr>
+          <p:nvPr/>
         </p:nvPicPr>
         <p:blipFill>
-          <a:blip r:embed="rId1"/>
-          <a:srcRect l="10783" t="18797"/>
-          <a:stretch>
-            <a:fillRect/>
-          </a:stretch>
+          <a:blip r:embed="rId2" cstate="print">
+            <a:extLst>
+              <a:ext uri="{28A0092B-C50C-407E-A947-70E740481C1C}">
+                <a14:useLocalDpi xmlns:a14="http://schemas.microsoft.com/office/drawing/2010/main" val="0"/>
+              </a:ext>
+            </a:extLst>
+          </a:blip>
+          <a:srcRect l="-1793" t="2185" r="1793"/>
+          <a:stretch/>
         </p:blipFill>
         <p:spPr>
           <a:xfrm>
-            <a:off x="2538095" y="2538095"/>
-            <a:ext cx="7115175" cy="2453005"/>
+            <a:off x="3986961" y="665825"/>
+            <a:ext cx="3756216" cy="2622777"/>
           </a:xfrm>
           <a:prstGeom prst="rect">
             <a:avLst/>
           </a:prstGeom>
         </p:spPr>
       </p:pic>
+      <p:pic>
+        <p:nvPicPr>
+          <p:cNvPr id="6" name="Grafik 5">
+            <a:extLst>
+              <a:ext uri="{FF2B5EF4-FFF2-40B4-BE49-F238E27FC236}">
+                <a16:creationId xmlns:a16="http://schemas.microsoft.com/office/drawing/2014/main" id="{83393B14-BD32-AED7-A6B8-74FDB8EF58A5}"/>
+              </a:ext>
+            </a:extLst>
+          </p:cNvPr>
+          <p:cNvPicPr>
+            <a:picLocks noChangeAspect="1"/>
+          </p:cNvPicPr>
+          <p:nvPr/>
+        </p:nvPicPr>
+        <p:blipFill>
+          <a:blip r:embed="rId3" cstate="print">
+            <a:extLst>
+              <a:ext uri="{28A0092B-C50C-407E-A947-70E740481C1C}">
+                <a14:useLocalDpi xmlns:a14="http://schemas.microsoft.com/office/drawing/2010/main" val="0"/>
+              </a:ext>
+            </a:extLst>
+          </a:blip>
+          <a:srcRect t="2379"/>
+          <a:stretch/>
+        </p:blipFill>
+        <p:spPr>
+          <a:xfrm>
+            <a:off x="3907950" y="3781725"/>
+            <a:ext cx="3914239" cy="2729381"/>
+          </a:xfrm>
+          <a:prstGeom prst="rect">
+            <a:avLst/>
+          </a:prstGeom>
+        </p:spPr>
+      </p:pic>
+      <p:pic>
+        <p:nvPicPr>
+          <p:cNvPr id="9" name="Grafik 8" descr="Ein Bild, das Text, Reihe, Diagramm, Screenshot enthält.&#10;&#10;Automatisch generierte Beschreibung">
+            <a:extLst>
+              <a:ext uri="{FF2B5EF4-FFF2-40B4-BE49-F238E27FC236}">
+                <a16:creationId xmlns:a16="http://schemas.microsoft.com/office/drawing/2014/main" id="{3B2FA1C7-F3C7-21FC-3C60-9C41A5572701}"/>
+              </a:ext>
+            </a:extLst>
+          </p:cNvPr>
+          <p:cNvPicPr>
+            <a:picLocks noChangeAspect="1"/>
+          </p:cNvPicPr>
+          <p:nvPr/>
+        </p:nvPicPr>
+        <p:blipFill>
+          <a:blip r:embed="rId4" cstate="print">
+            <a:extLst>
+              <a:ext uri="{28A0092B-C50C-407E-A947-70E740481C1C}">
+                <a14:useLocalDpi xmlns:a14="http://schemas.microsoft.com/office/drawing/2010/main" val="0"/>
+              </a:ext>
+            </a:extLst>
+          </a:blip>
+          <a:srcRect t="2379"/>
+          <a:stretch/>
+        </p:blipFill>
+        <p:spPr>
+          <a:xfrm>
+            <a:off x="222151" y="3781725"/>
+            <a:ext cx="3764809" cy="2625184"/>
+          </a:xfrm>
+          <a:prstGeom prst="rect">
+            <a:avLst/>
+          </a:prstGeom>
+        </p:spPr>
+      </p:pic>
+      <p:pic>
+        <p:nvPicPr>
+          <p:cNvPr id="13" name="Grafik 12" descr="Ein Bild, das Text, Reihe, Diagramm, Steigung enthält.&#10;&#10;Automatisch generierte Beschreibung">
+            <a:extLst>
+              <a:ext uri="{FF2B5EF4-FFF2-40B4-BE49-F238E27FC236}">
+                <a16:creationId xmlns:a16="http://schemas.microsoft.com/office/drawing/2014/main" id="{72B64DF8-4018-FC50-90FA-6BFCFF0E5F63}"/>
+              </a:ext>
+            </a:extLst>
+          </p:cNvPr>
+          <p:cNvPicPr>
+            <a:picLocks noChangeAspect="1"/>
+          </p:cNvPicPr>
+          <p:nvPr/>
+        </p:nvPicPr>
+        <p:blipFill>
+          <a:blip r:embed="rId5" cstate="print">
+            <a:extLst>
+              <a:ext uri="{28A0092B-C50C-407E-A947-70E740481C1C}">
+                <a14:useLocalDpi xmlns:a14="http://schemas.microsoft.com/office/drawing/2010/main" val="0"/>
+              </a:ext>
+            </a:extLst>
+          </a:blip>
+          <a:srcRect t="2573"/>
+          <a:stretch/>
+        </p:blipFill>
+        <p:spPr>
+          <a:xfrm>
+            <a:off x="222152" y="665825"/>
+            <a:ext cx="3768855" cy="2622777"/>
+          </a:xfrm>
+          <a:prstGeom prst="rect">
+            <a:avLst/>
+          </a:prstGeom>
+        </p:spPr>
+      </p:pic>
     </p:spTree>
+    <p:extLst>
+      <p:ext uri="{BB962C8B-B14F-4D97-AF65-F5344CB8AC3E}">
+        <p14:creationId xmlns:p14="http://schemas.microsoft.com/office/powerpoint/2010/main" val="4012975388"/>
+      </p:ext>
+    </p:extLst>
   </p:cSld>
   <p:clrMapOvr>
     <a:masterClrMapping/>
@@ -3945,71 +4401,324 @@
   <p:cSld>
     <p:spTree>
       <p:nvGrpSpPr>
-        <p:cNvPr id="1" name=""/>
+        <p:cNvPr id="1" name="">
+          <a:extLst>
+            <a:ext uri="{FF2B5EF4-FFF2-40B4-BE49-F238E27FC236}">
+              <a16:creationId xmlns:a16="http://schemas.microsoft.com/office/drawing/2014/main" id="{499ADB50-75F7-B974-A633-2A1AAF7B73BD}"/>
+            </a:ext>
+          </a:extLst>
+        </p:cNvPr>
         <p:cNvGrpSpPr/>
         <p:nvPr/>
       </p:nvGrpSpPr>
-      <p:grpSpPr/>
-      <p:sp>
-        <p:nvSpPr>
-          <p:cNvPr id="2" name="Title 1"/>
-          <p:cNvSpPr>
-            <a:spLocks noGrp="1"/>
-          </p:cNvSpPr>
-          <p:nvPr>
-            <p:ph type="title"/>
-          </p:nvPr>
-        </p:nvSpPr>
-        <p:spPr/>
-        <p:txBody>
-          <a:bodyPr/>
-          <a:p>
-            <a:pPr algn="ctr" fontAlgn="auto"/>
-            <a:r>
-              <a:rPr lang="de-DE" altLang="en-US">
-                <a:solidFill>
-                  <a:srgbClr val="61A5C2"/>
-                </a:solidFill>
-                <a:latin typeface="Calibri" charset="0"/>
-              </a:rPr>
-              <a:t>Cross Validation Restults - Supercoductivity Dataset</a:t>
-            </a:r>
-            <a:endParaRPr lang="de-DE" altLang="en-US">
-              <a:solidFill>
-                <a:srgbClr val="61A5C2"/>
-              </a:solidFill>
-              <a:latin typeface="Calibri" charset="0"/>
-            </a:endParaRPr>
+      <p:grpSpPr>
+        <a:xfrm>
+          <a:off x="0" y="0"/>
+          <a:ext cx="0" cy="0"/>
+          <a:chOff x="0" y="0"/>
+          <a:chExt cx="0" cy="0"/>
+        </a:xfrm>
+      </p:grpSpPr>
+      <p:sp>
+        <p:nvSpPr>
+          <p:cNvPr id="20" name="Rechteck 19">
+            <a:extLst>
+              <a:ext uri="{FF2B5EF4-FFF2-40B4-BE49-F238E27FC236}">
+                <a16:creationId xmlns:a16="http://schemas.microsoft.com/office/drawing/2014/main" id="{79236676-DE43-0A15-3135-4D48943EAA6F}"/>
+              </a:ext>
+            </a:extLst>
+          </p:cNvPr>
+          <p:cNvSpPr/>
+          <p:nvPr/>
+        </p:nvSpPr>
+        <p:spPr>
+          <a:xfrm>
+            <a:off x="0" y="1"/>
+            <a:ext cx="8123068" cy="6858000"/>
+          </a:xfrm>
+          <a:prstGeom prst="rect">
+            <a:avLst/>
+          </a:prstGeom>
+        </p:spPr>
+        <p:style>
+          <a:lnRef idx="2">
+            <a:schemeClr val="dk1"/>
+          </a:lnRef>
+          <a:fillRef idx="1">
+            <a:schemeClr val="lt1"/>
+          </a:fillRef>
+          <a:effectRef idx="0">
+            <a:schemeClr val="dk1"/>
+          </a:effectRef>
+          <a:fontRef idx="minor">
+            <a:schemeClr val="dk1"/>
+          </a:fontRef>
+        </p:style>
+        <p:txBody>
+          <a:bodyPr rtlCol="0" anchor="ctr"/>
+          <a:lstStyle/>
+          <a:p>
+            <a:pPr algn="ctr"/>
+            <a:endParaRPr lang="en-AT"/>
+          </a:p>
+        </p:txBody>
+      </p:sp>
+      <p:sp>
+        <p:nvSpPr>
+          <p:cNvPr id="2" name="Title 1">
+            <a:extLst>
+              <a:ext uri="{FF2B5EF4-FFF2-40B4-BE49-F238E27FC236}">
+                <a16:creationId xmlns:a16="http://schemas.microsoft.com/office/drawing/2014/main" id="{1E3D97AF-7A3A-7506-A3F1-6566A75EF3FD}"/>
+              </a:ext>
+            </a:extLst>
+          </p:cNvPr>
+          <p:cNvSpPr>
+            <a:spLocks noGrp="1"/>
+          </p:cNvSpPr>
+          <p:nvPr>
+            <p:ph type="ctrTitle"/>
+          </p:nvPr>
+        </p:nvSpPr>
+        <p:spPr>
+          <a:xfrm>
+            <a:off x="8520112" y="2745578"/>
+            <a:ext cx="3334970" cy="1366841"/>
+          </a:xfrm>
+        </p:spPr>
+        <p:txBody>
+          <a:bodyPr vert="horz" lIns="91440" tIns="45720" rIns="91440" bIns="45720" rtlCol="0" anchor="b">
+            <a:normAutofit fontScale="90000"/>
+          </a:bodyPr>
+          <a:lstStyle/>
+          <a:p>
+            <a:pPr fontAlgn="auto"/>
+            <a:r>
+              <a:rPr lang="en-US" altLang="en-US" sz="2400" b="1" dirty="0">
+                <a:solidFill>
+                  <a:srgbClr val="61A5C2"/>
+                </a:solidFill>
+                <a:latin typeface="Calibri" charset="0"/>
+              </a:rPr>
+              <a:t>Sensitivity Plots</a:t>
+            </a:r>
+            <a:br>
+              <a:rPr lang="en-US" altLang="en-US" sz="2400" b="1" dirty="0">
+                <a:solidFill>
+                  <a:srgbClr val="61A5C2"/>
+                </a:solidFill>
+                <a:latin typeface="Calibri" charset="0"/>
+              </a:rPr>
+            </a:br>
+            <a:r>
+              <a:rPr lang="en-US" altLang="en-US" sz="2400" b="1" dirty="0">
+                <a:solidFill>
+                  <a:srgbClr val="61A5C2"/>
+                </a:solidFill>
+                <a:latin typeface="Calibri" charset="0"/>
+              </a:rPr>
+              <a:t> Concrete Dataset</a:t>
+            </a:r>
+            <a:br>
+              <a:rPr lang="en-US" altLang="en-US" sz="2400" b="1" dirty="0">
+                <a:solidFill>
+                  <a:srgbClr val="61A5C2"/>
+                </a:solidFill>
+                <a:latin typeface="Calibri" charset="0"/>
+              </a:rPr>
+            </a:br>
+            <a:r>
+              <a:rPr lang="en-US" altLang="en-US" sz="2400" b="1" dirty="0">
+                <a:solidFill>
+                  <a:srgbClr val="61A5C2"/>
+                </a:solidFill>
+                <a:latin typeface="Calibri" charset="0"/>
+              </a:rPr>
+              <a:t> scikit-rf</a:t>
+            </a:r>
           </a:p>
         </p:txBody>
       </p:sp>
       <p:pic>
         <p:nvPicPr>
-          <p:cNvPr id="4" name="Content Placeholder 3"/>
+          <p:cNvPr id="4" name="Grafik 3" descr="Ein Bild, das Text, Reihe, Screenshot, Diagramm enthält.&#10;&#10;Automatisch generierte Beschreibung">
+            <a:extLst>
+              <a:ext uri="{FF2B5EF4-FFF2-40B4-BE49-F238E27FC236}">
+                <a16:creationId xmlns:a16="http://schemas.microsoft.com/office/drawing/2014/main" id="{3EC91226-22CA-A7E3-DF99-CE75E3AF4002}"/>
+              </a:ext>
+            </a:extLst>
+          </p:cNvPr>
           <p:cNvPicPr>
             <a:picLocks noChangeAspect="1"/>
           </p:cNvPicPr>
-          <p:nvPr>
-            <p:ph idx="1"/>
-          </p:nvPr>
+          <p:nvPr/>
         </p:nvPicPr>
         <p:blipFill>
-          <a:blip r:embed="rId1"/>
-          <a:stretch>
-            <a:fillRect/>
-          </a:stretch>
+          <a:blip r:embed="rId2" cstate="print">
+            <a:extLst>
+              <a:ext uri="{28A0092B-C50C-407E-A947-70E740481C1C}">
+                <a14:useLocalDpi xmlns:a14="http://schemas.microsoft.com/office/drawing/2010/main" val="0"/>
+              </a:ext>
+            </a:extLst>
+          </a:blip>
+          <a:srcRect t="2488"/>
+          <a:stretch/>
         </p:blipFill>
         <p:spPr>
           <a:xfrm>
-            <a:off x="4104640" y="2515235"/>
-            <a:ext cx="3600450" cy="2971800"/>
+            <a:off x="2876091" y="4900474"/>
+            <a:ext cx="2602778" cy="1812876"/>
           </a:xfrm>
           <a:prstGeom prst="rect">
             <a:avLst/>
           </a:prstGeom>
         </p:spPr>
       </p:pic>
+      <p:pic>
+        <p:nvPicPr>
+          <p:cNvPr id="6" name="Grafik 5" descr="Ein Bild, das Text, Screenshot, Reihe, Diagramm enthält.&#10;&#10;Automatisch generierte Beschreibung">
+            <a:extLst>
+              <a:ext uri="{FF2B5EF4-FFF2-40B4-BE49-F238E27FC236}">
+                <a16:creationId xmlns:a16="http://schemas.microsoft.com/office/drawing/2014/main" id="{271DA694-06EF-2E11-1896-6161B2A59CED}"/>
+              </a:ext>
+            </a:extLst>
+          </p:cNvPr>
+          <p:cNvPicPr>
+            <a:picLocks noChangeAspect="1"/>
+          </p:cNvPicPr>
+          <p:nvPr/>
+        </p:nvPicPr>
+        <p:blipFill>
+          <a:blip r:embed="rId3" cstate="print">
+            <a:extLst>
+              <a:ext uri="{28A0092B-C50C-407E-A947-70E740481C1C}">
+                <a14:useLocalDpi xmlns:a14="http://schemas.microsoft.com/office/drawing/2010/main" val="0"/>
+              </a:ext>
+            </a:extLst>
+          </a:blip>
+          <a:srcRect t="3155"/>
+          <a:stretch/>
+        </p:blipFill>
+        <p:spPr>
+          <a:xfrm>
+            <a:off x="393130" y="2702091"/>
+            <a:ext cx="3018447" cy="2088003"/>
+          </a:xfrm>
+          <a:prstGeom prst="rect">
+            <a:avLst/>
+          </a:prstGeom>
+        </p:spPr>
+      </p:pic>
+      <p:pic>
+        <p:nvPicPr>
+          <p:cNvPr id="9" name="Grafik 8" descr="Ein Bild, das Text, Reihe, Diagramm, Screenshot enthält.&#10;&#10;Automatisch generierte Beschreibung">
+            <a:extLst>
+              <a:ext uri="{FF2B5EF4-FFF2-40B4-BE49-F238E27FC236}">
+                <a16:creationId xmlns:a16="http://schemas.microsoft.com/office/drawing/2014/main" id="{3885F3B8-071F-B9F8-5AAB-222FC892F292}"/>
+              </a:ext>
+            </a:extLst>
+          </p:cNvPr>
+          <p:cNvPicPr>
+            <a:picLocks noChangeAspect="1"/>
+          </p:cNvPicPr>
+          <p:nvPr/>
+        </p:nvPicPr>
+        <p:blipFill>
+          <a:blip r:embed="rId4" cstate="print">
+            <a:extLst>
+              <a:ext uri="{28A0092B-C50C-407E-A947-70E740481C1C}">
+                <a14:useLocalDpi xmlns:a14="http://schemas.microsoft.com/office/drawing/2010/main" val="0"/>
+              </a:ext>
+            </a:extLst>
+          </a:blip>
+          <a:srcRect t="2379"/>
+          <a:stretch/>
+        </p:blipFill>
+        <p:spPr>
+          <a:xfrm>
+            <a:off x="4646457" y="2681147"/>
+            <a:ext cx="3058589" cy="2132740"/>
+          </a:xfrm>
+          <a:prstGeom prst="rect">
+            <a:avLst/>
+          </a:prstGeom>
+        </p:spPr>
+      </p:pic>
+      <p:pic>
+        <p:nvPicPr>
+          <p:cNvPr id="13" name="Grafik 12" descr="Ein Bild, das Text, Reihe, Diagramm, Screenshot enthält.&#10;&#10;Automatisch generierte Beschreibung">
+            <a:extLst>
+              <a:ext uri="{FF2B5EF4-FFF2-40B4-BE49-F238E27FC236}">
+                <a16:creationId xmlns:a16="http://schemas.microsoft.com/office/drawing/2014/main" id="{3BCC32E3-3C2B-CC37-433A-04AFEA9CEDE0}"/>
+              </a:ext>
+            </a:extLst>
+          </p:cNvPr>
+          <p:cNvPicPr>
+            <a:picLocks noChangeAspect="1"/>
+          </p:cNvPicPr>
+          <p:nvPr/>
+        </p:nvPicPr>
+        <p:blipFill>
+          <a:blip r:embed="rId5" cstate="print">
+            <a:extLst>
+              <a:ext uri="{28A0092B-C50C-407E-A947-70E740481C1C}">
+                <a14:useLocalDpi xmlns:a14="http://schemas.microsoft.com/office/drawing/2010/main" val="0"/>
+              </a:ext>
+            </a:extLst>
+          </a:blip>
+          <a:srcRect t="3155"/>
+          <a:stretch/>
+        </p:blipFill>
+        <p:spPr>
+          <a:xfrm>
+            <a:off x="4686599" y="391171"/>
+            <a:ext cx="3054648" cy="2113045"/>
+          </a:xfrm>
+          <a:prstGeom prst="rect">
+            <a:avLst/>
+          </a:prstGeom>
+        </p:spPr>
+      </p:pic>
+      <p:pic>
+        <p:nvPicPr>
+          <p:cNvPr id="17" name="Grafik 16" descr="Ein Bild, das Text, Diagramm, Reihe, Screenshot enthält.&#10;&#10;Automatisch generierte Beschreibung">
+            <a:extLst>
+              <a:ext uri="{FF2B5EF4-FFF2-40B4-BE49-F238E27FC236}">
+                <a16:creationId xmlns:a16="http://schemas.microsoft.com/office/drawing/2014/main" id="{09F1FBE1-2635-A9ED-D04E-A77350B5742C}"/>
+              </a:ext>
+            </a:extLst>
+          </p:cNvPr>
+          <p:cNvPicPr>
+            <a:picLocks noChangeAspect="1"/>
+          </p:cNvPicPr>
+          <p:nvPr/>
+        </p:nvPicPr>
+        <p:blipFill>
+          <a:blip r:embed="rId6" cstate="print">
+            <a:extLst>
+              <a:ext uri="{28A0092B-C50C-407E-A947-70E740481C1C}">
+                <a14:useLocalDpi xmlns:a14="http://schemas.microsoft.com/office/drawing/2010/main" val="0"/>
+              </a:ext>
+            </a:extLst>
+          </a:blip>
+          <a:srcRect t="2185"/>
+          <a:stretch/>
+        </p:blipFill>
+        <p:spPr>
+          <a:xfrm>
+            <a:off x="393131" y="391173"/>
+            <a:ext cx="3024327" cy="2113044"/>
+          </a:xfrm>
+          <a:prstGeom prst="rect">
+            <a:avLst/>
+          </a:prstGeom>
+        </p:spPr>
+      </p:pic>
     </p:spTree>
+    <p:extLst>
+      <p:ext uri="{BB962C8B-B14F-4D97-AF65-F5344CB8AC3E}">
+        <p14:creationId xmlns:p14="http://schemas.microsoft.com/office/powerpoint/2010/main" val="3840050790"/>
+      </p:ext>
+    </p:extLst>
   </p:cSld>
   <p:clrMapOvr>
     <a:masterClrMapping/>
@@ -4022,36 +4731,150 @@
   <p:cSld>
     <p:spTree>
       <p:nvGrpSpPr>
-        <p:cNvPr id="1" name=""/>
+        <p:cNvPr id="1" name="">
+          <a:extLst>
+            <a:ext uri="{FF2B5EF4-FFF2-40B4-BE49-F238E27FC236}">
+              <a16:creationId xmlns:a16="http://schemas.microsoft.com/office/drawing/2014/main" id="{E0402357-7254-5665-C464-A3D2F1EEB991}"/>
+            </a:ext>
+          </a:extLst>
+        </p:cNvPr>
         <p:cNvGrpSpPr/>
         <p:nvPr/>
       </p:nvGrpSpPr>
-      <p:grpSpPr/>
-      <p:sp>
-        <p:nvSpPr>
-          <p:cNvPr id="2" name="Title 1"/>
-          <p:cNvSpPr>
-            <a:spLocks noGrp="1"/>
-          </p:cNvSpPr>
-          <p:nvPr>
-            <p:ph type="title"/>
-          </p:nvPr>
-        </p:nvSpPr>
-        <p:spPr/>
-        <p:txBody>
-          <a:bodyPr/>
-          <a:p>
-            <a:pPr algn="ctr" fontAlgn="auto"/>
-            <a:r>
-              <a:rPr lang="de-DE" altLang="en-US">
-                <a:solidFill>
-                  <a:srgbClr val="61A5C2"/>
-                </a:solidFill>
-                <a:latin typeface="Calibri" charset="0"/>
-              </a:rPr>
-              <a:t>Relative Squared Error - Superconductivity Dataset</a:t>
-            </a:r>
-            <a:endParaRPr lang="de-DE" altLang="en-US">
+      <p:grpSpPr>
+        <a:xfrm>
+          <a:off x="0" y="0"/>
+          <a:ext cx="0" cy="0"/>
+          <a:chOff x="0" y="0"/>
+          <a:chExt cx="0" cy="0"/>
+        </a:xfrm>
+      </p:grpSpPr>
+      <p:sp>
+        <p:nvSpPr>
+          <p:cNvPr id="20" name="Rechteck 19">
+            <a:extLst>
+              <a:ext uri="{FF2B5EF4-FFF2-40B4-BE49-F238E27FC236}">
+                <a16:creationId xmlns:a16="http://schemas.microsoft.com/office/drawing/2014/main" id="{151420C4-CCE6-053E-46D4-24FAEFF809F0}"/>
+              </a:ext>
+            </a:extLst>
+          </p:cNvPr>
+          <p:cNvSpPr/>
+          <p:nvPr/>
+        </p:nvSpPr>
+        <p:spPr>
+          <a:xfrm>
+            <a:off x="0" y="1"/>
+            <a:ext cx="8123068" cy="6858000"/>
+          </a:xfrm>
+          <a:prstGeom prst="rect">
+            <a:avLst/>
+          </a:prstGeom>
+        </p:spPr>
+        <p:style>
+          <a:lnRef idx="2">
+            <a:schemeClr val="dk1"/>
+          </a:lnRef>
+          <a:fillRef idx="1">
+            <a:schemeClr val="lt1"/>
+          </a:fillRef>
+          <a:effectRef idx="0">
+            <a:schemeClr val="dk1"/>
+          </a:effectRef>
+          <a:fontRef idx="minor">
+            <a:schemeClr val="dk1"/>
+          </a:fontRef>
+        </p:style>
+        <p:txBody>
+          <a:bodyPr rtlCol="0" anchor="ctr"/>
+          <a:lstStyle/>
+          <a:p>
+            <a:pPr algn="ctr"/>
+            <a:endParaRPr lang="en-AT"/>
+          </a:p>
+        </p:txBody>
+      </p:sp>
+      <p:sp>
+        <p:nvSpPr>
+          <p:cNvPr id="2" name="Title 1">
+            <a:extLst>
+              <a:ext uri="{FF2B5EF4-FFF2-40B4-BE49-F238E27FC236}">
+                <a16:creationId xmlns:a16="http://schemas.microsoft.com/office/drawing/2014/main" id="{0D8F57C2-5191-E6F6-DC92-62E52EBD21B8}"/>
+              </a:ext>
+            </a:extLst>
+          </p:cNvPr>
+          <p:cNvSpPr>
+            <a:spLocks noGrp="1"/>
+          </p:cNvSpPr>
+          <p:nvPr>
+            <p:ph type="ctrTitle"/>
+          </p:nvPr>
+        </p:nvSpPr>
+        <p:spPr>
+          <a:xfrm>
+            <a:off x="8519080" y="2665679"/>
+            <a:ext cx="3334970" cy="1366841"/>
+          </a:xfrm>
+        </p:spPr>
+        <p:txBody>
+          <a:bodyPr vert="horz" lIns="91440" tIns="45720" rIns="91440" bIns="45720" rtlCol="0" anchor="b">
+            <a:normAutofit fontScale="90000"/>
+          </a:bodyPr>
+          <a:lstStyle/>
+          <a:p>
+            <a:pPr fontAlgn="auto"/>
+            <a:r>
+              <a:rPr lang="en-US" altLang="en-US" sz="2400" b="1" dirty="0">
+                <a:solidFill>
+                  <a:srgbClr val="61A5C2"/>
+                </a:solidFill>
+                <a:latin typeface="Calibri" charset="0"/>
+              </a:rPr>
+              <a:t>Sensitivity Plots</a:t>
+            </a:r>
+            <a:br>
+              <a:rPr lang="en-US" altLang="en-US" sz="2400" b="1" dirty="0">
+                <a:solidFill>
+                  <a:srgbClr val="61A5C2"/>
+                </a:solidFill>
+                <a:latin typeface="Calibri" charset="0"/>
+              </a:rPr>
+            </a:br>
+            <a:r>
+              <a:rPr lang="en-US" altLang="en-US" sz="2400" b="1" dirty="0">
+                <a:solidFill>
+                  <a:srgbClr val="61A5C2"/>
+                </a:solidFill>
+                <a:latin typeface="Calibri" charset="0"/>
+              </a:rPr>
+              <a:t> Concrete Dataset</a:t>
+            </a:r>
+            <a:br>
+              <a:rPr lang="en-US" altLang="en-US" sz="2400" b="1" dirty="0">
+                <a:solidFill>
+                  <a:srgbClr val="61A5C2"/>
+                </a:solidFill>
+                <a:latin typeface="Calibri" charset="0"/>
+              </a:rPr>
+            </a:br>
+            <a:r>
+              <a:rPr lang="en-US" altLang="en-US" sz="2400" b="1" dirty="0">
+                <a:solidFill>
+                  <a:srgbClr val="61A5C2"/>
+                </a:solidFill>
+                <a:latin typeface="Calibri" charset="0"/>
+              </a:rPr>
+              <a:t> </a:t>
+            </a:r>
+            <a:r>
+              <a:rPr lang="en-US" altLang="en-US" sz="2400" b="1" dirty="0" err="1">
+                <a:solidFill>
+                  <a:srgbClr val="61A5C2"/>
+                </a:solidFill>
+                <a:latin typeface="Calibri" charset="0"/>
+              </a:rPr>
+              <a:t>kNN</a:t>
+            </a:r>
+            <a:endParaRPr lang="en-US" altLang="en-US" sz="2400" b="1" dirty="0">
               <a:solidFill>
                 <a:srgbClr val="61A5C2"/>
               </a:solidFill>
@@ -4062,31 +4885,115 @@
       </p:sp>
       <p:pic>
         <p:nvPicPr>
-          <p:cNvPr id="4" name="Content Placeholder 3"/>
+          <p:cNvPr id="17" name="Grafik 16" descr="Ein Bild, das Text, Reihe, Diagramm, Screenshot enthält.&#10;&#10;Automatisch generierte Beschreibung">
+            <a:extLst>
+              <a:ext uri="{FF2B5EF4-FFF2-40B4-BE49-F238E27FC236}">
+                <a16:creationId xmlns:a16="http://schemas.microsoft.com/office/drawing/2014/main" id="{1BDDE418-F80D-7786-45E8-3305338F198F}"/>
+              </a:ext>
+            </a:extLst>
+          </p:cNvPr>
           <p:cNvPicPr>
             <a:picLocks noChangeAspect="1"/>
           </p:cNvPicPr>
-          <p:nvPr>
-            <p:ph idx="1"/>
-          </p:nvPr>
+          <p:nvPr/>
         </p:nvPicPr>
         <p:blipFill>
-          <a:blip r:embed="rId1"/>
-          <a:stretch>
-            <a:fillRect/>
-          </a:stretch>
+          <a:blip r:embed="rId2" cstate="print">
+            <a:extLst>
+              <a:ext uri="{28A0092B-C50C-407E-A947-70E740481C1C}">
+                <a14:useLocalDpi xmlns:a14="http://schemas.microsoft.com/office/drawing/2010/main" val="0"/>
+              </a:ext>
+            </a:extLst>
+          </a:blip>
+          <a:srcRect t="2452"/>
+          <a:stretch/>
         </p:blipFill>
         <p:spPr>
           <a:xfrm>
-            <a:off x="2270125" y="1825625"/>
-            <a:ext cx="7270115" cy="4351655"/>
+            <a:off x="4159355" y="730186"/>
+            <a:ext cx="3873290" cy="2698814"/>
           </a:xfrm>
           <a:prstGeom prst="rect">
             <a:avLst/>
           </a:prstGeom>
         </p:spPr>
       </p:pic>
+      <p:pic>
+        <p:nvPicPr>
+          <p:cNvPr id="21" name="Grafik 20" descr="Ein Bild, das Text, Reihe, Screenshot, Diagramm enthält.&#10;&#10;Automatisch generierte Beschreibung">
+            <a:extLst>
+              <a:ext uri="{FF2B5EF4-FFF2-40B4-BE49-F238E27FC236}">
+                <a16:creationId xmlns:a16="http://schemas.microsoft.com/office/drawing/2014/main" id="{ED05ECEB-6BA5-201C-21A7-9D473ED02741}"/>
+              </a:ext>
+            </a:extLst>
+          </p:cNvPr>
+          <p:cNvPicPr>
+            <a:picLocks noChangeAspect="1"/>
+          </p:cNvPicPr>
+          <p:nvPr/>
+        </p:nvPicPr>
+        <p:blipFill>
+          <a:blip r:embed="rId3" cstate="print">
+            <a:extLst>
+              <a:ext uri="{28A0092B-C50C-407E-A947-70E740481C1C}">
+                <a14:useLocalDpi xmlns:a14="http://schemas.microsoft.com/office/drawing/2010/main" val="0"/>
+              </a:ext>
+            </a:extLst>
+          </a:blip>
+          <a:srcRect t="2452"/>
+          <a:stretch/>
+        </p:blipFill>
+        <p:spPr>
+          <a:xfrm>
+            <a:off x="2356605" y="3746534"/>
+            <a:ext cx="3605500" cy="2512224"/>
+          </a:xfrm>
+          <a:prstGeom prst="rect">
+            <a:avLst/>
+          </a:prstGeom>
+        </p:spPr>
+      </p:pic>
+      <p:pic>
+        <p:nvPicPr>
+          <p:cNvPr id="23" name="Grafik 22" descr="Ein Bild, das Text, Diagramm, Reihe, Screenshot enthält.&#10;&#10;Automatisch generierte Beschreibung">
+            <a:extLst>
+              <a:ext uri="{FF2B5EF4-FFF2-40B4-BE49-F238E27FC236}">
+                <a16:creationId xmlns:a16="http://schemas.microsoft.com/office/drawing/2014/main" id="{54779566-52ED-AE8B-C12B-5DCD72925D24}"/>
+              </a:ext>
+            </a:extLst>
+          </p:cNvPr>
+          <p:cNvPicPr>
+            <a:picLocks noChangeAspect="1"/>
+          </p:cNvPicPr>
+          <p:nvPr/>
+        </p:nvPicPr>
+        <p:blipFill>
+          <a:blip r:embed="rId4" cstate="print">
+            <a:extLst>
+              <a:ext uri="{28A0092B-C50C-407E-A947-70E740481C1C}">
+                <a14:useLocalDpi xmlns:a14="http://schemas.microsoft.com/office/drawing/2010/main" val="0"/>
+              </a:ext>
+            </a:extLst>
+          </a:blip>
+          <a:srcRect t="2452"/>
+          <a:stretch/>
+        </p:blipFill>
+        <p:spPr>
+          <a:xfrm>
+            <a:off x="330241" y="730186"/>
+            <a:ext cx="3758618" cy="2618913"/>
+          </a:xfrm>
+          <a:prstGeom prst="rect">
+            <a:avLst/>
+          </a:prstGeom>
+        </p:spPr>
+      </p:pic>
     </p:spTree>
+    <p:extLst>
+      <p:ext uri="{BB962C8B-B14F-4D97-AF65-F5344CB8AC3E}">
+        <p14:creationId xmlns:p14="http://schemas.microsoft.com/office/powerpoint/2010/main" val="948162528"/>
+      </p:ext>
+    </p:extLst>
   </p:cSld>
   <p:clrMapOvr>
     <a:masterClrMapping/>
@@ -4103,7 +5010,14 @@
         <p:cNvGrpSpPr/>
         <p:nvPr/>
       </p:nvGrpSpPr>
-      <p:grpSpPr/>
+      <p:grpSpPr>
+        <a:xfrm>
+          <a:off x="0" y="0"/>
+          <a:ext cx="0" cy="0"/>
+          <a:chOff x="0" y="0"/>
+          <a:chExt cx="0" cy="0"/>
+        </a:xfrm>
+      </p:grpSpPr>
       <p:sp>
         <p:nvSpPr>
           <p:cNvPr id="2" name="Title 1"/>
@@ -4117,6 +5031,7 @@
         <p:spPr/>
         <p:txBody>
           <a:bodyPr/>
+          <a:lstStyle/>
           <a:p>
             <a:pPr algn="ctr" fontAlgn="auto"/>
             <a:r>
@@ -4126,14 +5041,8 @@
                 </a:solidFill>
                 <a:latin typeface="Calibri" charset="0"/>
               </a:rPr>
-              <a:t>Runtime - Superconductivity</a:t>
-            </a:r>
-            <a:endParaRPr lang="de-DE" altLang="en-US">
-              <a:solidFill>
-                <a:srgbClr val="61A5C2"/>
-              </a:solidFill>
-              <a:latin typeface="Calibri" charset="0"/>
-            </a:endParaRPr>
+              <a:t>Runtime - Concrete Dataset</a:t>
+            </a:r>
           </a:p>
         </p:txBody>
       </p:sp>
@@ -4141,14 +5050,252 @@
         <p:nvPicPr>
           <p:cNvPr id="4" name="Content Placeholder 3"/>
           <p:cNvPicPr>
-            <a:picLocks noChangeAspect="1"/>
+            <a:picLocks noGrp="1" noChangeAspect="1"/>
           </p:cNvPicPr>
           <p:nvPr>
             <p:ph idx="1"/>
           </p:nvPr>
         </p:nvPicPr>
         <p:blipFill>
-          <a:blip r:embed="rId1"/>
+          <a:blip r:embed="rId2"/>
+          <a:srcRect l="10783" t="18797"/>
+          <a:stretch>
+            <a:fillRect/>
+          </a:stretch>
+        </p:blipFill>
+        <p:spPr>
+          <a:xfrm>
+            <a:off x="2538095" y="2538095"/>
+            <a:ext cx="7115175" cy="2453005"/>
+          </a:xfrm>
+          <a:prstGeom prst="rect">
+            <a:avLst/>
+          </a:prstGeom>
+        </p:spPr>
+      </p:pic>
+    </p:spTree>
+  </p:cSld>
+  <p:clrMapOvr>
+    <a:masterClrMapping/>
+  </p:clrMapOvr>
+</p:sld>
+</file>
+
+<file path=ppt/slides/slide16.xml><?xml version="1.0" encoding="utf-8"?>
+<p:sld xmlns:a="http://schemas.openxmlformats.org/drawingml/2006/main" xmlns:r="http://schemas.openxmlformats.org/officeDocument/2006/relationships" xmlns:p="http://schemas.openxmlformats.org/presentationml/2006/main">
+  <p:cSld>
+    <p:spTree>
+      <p:nvGrpSpPr>
+        <p:cNvPr id="1" name=""/>
+        <p:cNvGrpSpPr/>
+        <p:nvPr/>
+      </p:nvGrpSpPr>
+      <p:grpSpPr>
+        <a:xfrm>
+          <a:off x="0" y="0"/>
+          <a:ext cx="0" cy="0"/>
+          <a:chOff x="0" y="0"/>
+          <a:chExt cx="0" cy="0"/>
+        </a:xfrm>
+      </p:grpSpPr>
+      <p:sp>
+        <p:nvSpPr>
+          <p:cNvPr id="2" name="Title 1"/>
+          <p:cNvSpPr>
+            <a:spLocks noGrp="1"/>
+          </p:cNvSpPr>
+          <p:nvPr>
+            <p:ph type="title"/>
+          </p:nvPr>
+        </p:nvSpPr>
+        <p:spPr/>
+        <p:txBody>
+          <a:bodyPr/>
+          <a:lstStyle/>
+          <a:p>
+            <a:pPr algn="ctr" fontAlgn="auto"/>
+            <a:r>
+              <a:rPr lang="de-DE" altLang="en-US">
+                <a:solidFill>
+                  <a:srgbClr val="61A5C2"/>
+                </a:solidFill>
+                <a:latin typeface="Calibri" charset="0"/>
+              </a:rPr>
+              <a:t>Cross Validation Restults - Supercoductivity Dataset</a:t>
+            </a:r>
+          </a:p>
+        </p:txBody>
+      </p:sp>
+      <p:pic>
+        <p:nvPicPr>
+          <p:cNvPr id="4" name="Content Placeholder 3"/>
+          <p:cNvPicPr>
+            <a:picLocks noGrp="1" noChangeAspect="1"/>
+          </p:cNvPicPr>
+          <p:nvPr>
+            <p:ph idx="1"/>
+          </p:nvPr>
+        </p:nvPicPr>
+        <p:blipFill>
+          <a:blip r:embed="rId2"/>
+          <a:stretch>
+            <a:fillRect/>
+          </a:stretch>
+        </p:blipFill>
+        <p:spPr>
+          <a:xfrm>
+            <a:off x="4104640" y="2515235"/>
+            <a:ext cx="3600450" cy="2971800"/>
+          </a:xfrm>
+          <a:prstGeom prst="rect">
+            <a:avLst/>
+          </a:prstGeom>
+        </p:spPr>
+      </p:pic>
+    </p:spTree>
+  </p:cSld>
+  <p:clrMapOvr>
+    <a:masterClrMapping/>
+  </p:clrMapOvr>
+</p:sld>
+</file>
+
+<file path=ppt/slides/slide17.xml><?xml version="1.0" encoding="utf-8"?>
+<p:sld xmlns:a="http://schemas.openxmlformats.org/drawingml/2006/main" xmlns:r="http://schemas.openxmlformats.org/officeDocument/2006/relationships" xmlns:p="http://schemas.openxmlformats.org/presentationml/2006/main">
+  <p:cSld>
+    <p:spTree>
+      <p:nvGrpSpPr>
+        <p:cNvPr id="1" name=""/>
+        <p:cNvGrpSpPr/>
+        <p:nvPr/>
+      </p:nvGrpSpPr>
+      <p:grpSpPr>
+        <a:xfrm>
+          <a:off x="0" y="0"/>
+          <a:ext cx="0" cy="0"/>
+          <a:chOff x="0" y="0"/>
+          <a:chExt cx="0" cy="0"/>
+        </a:xfrm>
+      </p:grpSpPr>
+      <p:sp>
+        <p:nvSpPr>
+          <p:cNvPr id="2" name="Title 1"/>
+          <p:cNvSpPr>
+            <a:spLocks noGrp="1"/>
+          </p:cNvSpPr>
+          <p:nvPr>
+            <p:ph type="title"/>
+          </p:nvPr>
+        </p:nvSpPr>
+        <p:spPr/>
+        <p:txBody>
+          <a:bodyPr/>
+          <a:lstStyle/>
+          <a:p>
+            <a:pPr algn="ctr" fontAlgn="auto"/>
+            <a:r>
+              <a:rPr lang="de-DE" altLang="en-US">
+                <a:solidFill>
+                  <a:srgbClr val="61A5C2"/>
+                </a:solidFill>
+                <a:latin typeface="Calibri" charset="0"/>
+              </a:rPr>
+              <a:t>Relative Squared Error - Superconductivity Dataset</a:t>
+            </a:r>
+          </a:p>
+        </p:txBody>
+      </p:sp>
+      <p:pic>
+        <p:nvPicPr>
+          <p:cNvPr id="4" name="Content Placeholder 3"/>
+          <p:cNvPicPr>
+            <a:picLocks noGrp="1" noChangeAspect="1"/>
+          </p:cNvPicPr>
+          <p:nvPr>
+            <p:ph idx="1"/>
+          </p:nvPr>
+        </p:nvPicPr>
+        <p:blipFill>
+          <a:blip r:embed="rId2"/>
+          <a:stretch>
+            <a:fillRect/>
+          </a:stretch>
+        </p:blipFill>
+        <p:spPr>
+          <a:xfrm>
+            <a:off x="2270125" y="1825625"/>
+            <a:ext cx="7270115" cy="4351655"/>
+          </a:xfrm>
+          <a:prstGeom prst="rect">
+            <a:avLst/>
+          </a:prstGeom>
+        </p:spPr>
+      </p:pic>
+    </p:spTree>
+  </p:cSld>
+  <p:clrMapOvr>
+    <a:masterClrMapping/>
+  </p:clrMapOvr>
+</p:sld>
+</file>
+
+<file path=ppt/slides/slide18.xml><?xml version="1.0" encoding="utf-8"?>
+<p:sld xmlns:a="http://schemas.openxmlformats.org/drawingml/2006/main" xmlns:r="http://schemas.openxmlformats.org/officeDocument/2006/relationships" xmlns:p="http://schemas.openxmlformats.org/presentationml/2006/main">
+  <p:cSld>
+    <p:spTree>
+      <p:nvGrpSpPr>
+        <p:cNvPr id="1" name=""/>
+        <p:cNvGrpSpPr/>
+        <p:nvPr/>
+      </p:nvGrpSpPr>
+      <p:grpSpPr>
+        <a:xfrm>
+          <a:off x="0" y="0"/>
+          <a:ext cx="0" cy="0"/>
+          <a:chOff x="0" y="0"/>
+          <a:chExt cx="0" cy="0"/>
+        </a:xfrm>
+      </p:grpSpPr>
+      <p:sp>
+        <p:nvSpPr>
+          <p:cNvPr id="2" name="Title 1"/>
+          <p:cNvSpPr>
+            <a:spLocks noGrp="1"/>
+          </p:cNvSpPr>
+          <p:nvPr>
+            <p:ph type="title"/>
+          </p:nvPr>
+        </p:nvSpPr>
+        <p:spPr/>
+        <p:txBody>
+          <a:bodyPr/>
+          <a:lstStyle/>
+          <a:p>
+            <a:pPr algn="ctr" fontAlgn="auto"/>
+            <a:r>
+              <a:rPr lang="de-DE" altLang="en-US">
+                <a:solidFill>
+                  <a:srgbClr val="61A5C2"/>
+                </a:solidFill>
+                <a:latin typeface="Calibri" charset="0"/>
+              </a:rPr>
+              <a:t>Runtime - Superconductivity</a:t>
+            </a:r>
+          </a:p>
+        </p:txBody>
+      </p:sp>
+      <p:pic>
+        <p:nvPicPr>
+          <p:cNvPr id="4" name="Content Placeholder 3"/>
+          <p:cNvPicPr>
+            <a:picLocks noGrp="1" noChangeAspect="1"/>
+          </p:cNvPicPr>
+          <p:nvPr>
+            <p:ph idx="1"/>
+          </p:nvPr>
+        </p:nvPicPr>
+        <p:blipFill>
+          <a:blip r:embed="rId2"/>
           <a:stretch>
             <a:fillRect/>
           </a:stretch>
@@ -4180,7 +5327,14 @@
         <p:cNvGrpSpPr/>
         <p:nvPr/>
       </p:nvGrpSpPr>
-      <p:grpSpPr/>
+      <p:grpSpPr>
+        <a:xfrm>
+          <a:off x="0" y="0"/>
+          <a:ext cx="0" cy="0"/>
+          <a:chOff x="0" y="0"/>
+          <a:chExt cx="0" cy="0"/>
+        </a:xfrm>
+      </p:grpSpPr>
       <p:sp>
         <p:nvSpPr>
           <p:cNvPr id="2" name="Title 1"/>
@@ -4194,6 +5348,7 @@
         <p:spPr/>
         <p:txBody>
           <a:bodyPr/>
+          <a:lstStyle/>
           <a:p>
             <a:pPr algn="ctr" fontAlgn="auto"/>
             <a:r>
@@ -4206,13 +5361,6 @@
               </a:rPr>
               <a:t>Regression Tree Code Overview</a:t>
             </a:r>
-            <a:endParaRPr lang="de-DE" altLang="en-US">
-              <a:solidFill>
-                <a:srgbClr val="61A5C2"/>
-              </a:solidFill>
-              <a:effectLst/>
-              <a:latin typeface="Calibri" charset="0"/>
-            </a:endParaRPr>
           </a:p>
         </p:txBody>
       </p:sp>
@@ -4220,14 +5368,14 @@
         <p:nvPicPr>
           <p:cNvPr id="4" name="Content Placeholder 3"/>
           <p:cNvPicPr>
-            <a:picLocks noChangeAspect="1"/>
+            <a:picLocks noGrp="1" noChangeAspect="1"/>
           </p:cNvPicPr>
           <p:nvPr>
             <p:ph idx="1"/>
           </p:nvPr>
         </p:nvPicPr>
         <p:blipFill>
-          <a:blip r:embed="rId1"/>
+          <a:blip r:embed="rId2"/>
           <a:stretch>
             <a:fillRect/>
           </a:stretch>
@@ -4259,7 +5407,14 @@
         <p:cNvGrpSpPr/>
         <p:nvPr/>
       </p:nvGrpSpPr>
-      <p:grpSpPr/>
+      <p:grpSpPr>
+        <a:xfrm>
+          <a:off x="0" y="0"/>
+          <a:ext cx="0" cy="0"/>
+          <a:chOff x="0" y="0"/>
+          <a:chExt cx="0" cy="0"/>
+        </a:xfrm>
+      </p:grpSpPr>
       <p:sp>
         <p:nvSpPr>
           <p:cNvPr id="2" name="Title 1"/>
@@ -4273,6 +5428,7 @@
         <p:spPr/>
         <p:txBody>
           <a:bodyPr/>
+          <a:lstStyle/>
           <a:p>
             <a:pPr algn="ctr" fontAlgn="auto"/>
             <a:r>
@@ -4290,9 +5446,6 @@
               </a:rPr>
               <a:t> </a:t>
             </a:r>
-            <a:endParaRPr lang="de-DE" altLang="en-US">
-              <a:latin typeface="Calibri" charset="0"/>
-            </a:endParaRPr>
           </a:p>
         </p:txBody>
       </p:sp>
@@ -4300,14 +5453,14 @@
         <p:nvPicPr>
           <p:cNvPr id="5" name="Content Placeholder 4"/>
           <p:cNvPicPr>
-            <a:picLocks noChangeAspect="1"/>
+            <a:picLocks noGrp="1" noChangeAspect="1"/>
           </p:cNvPicPr>
           <p:nvPr>
             <p:ph idx="1"/>
           </p:nvPr>
         </p:nvPicPr>
         <p:blipFill>
-          <a:blip r:embed="rId1"/>
+          <a:blip r:embed="rId2"/>
           <a:stretch>
             <a:fillRect/>
           </a:stretch>
@@ -4339,7 +5492,14 @@
         <p:cNvGrpSpPr/>
         <p:nvPr/>
       </p:nvGrpSpPr>
-      <p:grpSpPr/>
+      <p:grpSpPr>
+        <a:xfrm>
+          <a:off x="0" y="0"/>
+          <a:ext cx="0" cy="0"/>
+          <a:chOff x="0" y="0"/>
+          <a:chExt cx="0" cy="0"/>
+        </a:xfrm>
+      </p:grpSpPr>
       <p:sp>
         <p:nvSpPr>
           <p:cNvPr id="2" name="Title 1"/>
@@ -4353,6 +5513,7 @@
         <p:spPr/>
         <p:txBody>
           <a:bodyPr/>
+          <a:lstStyle/>
           <a:p>
             <a:pPr algn="ctr" fontAlgn="auto"/>
             <a:r>
@@ -4364,12 +5525,6 @@
               </a:rPr>
               <a:t>Random Forest Code Overview</a:t>
             </a:r>
-            <a:endParaRPr lang="de-DE" altLang="en-US">
-              <a:solidFill>
-                <a:srgbClr val="61A5C2"/>
-              </a:solidFill>
-              <a:latin typeface="Calibri" charset="0"/>
-            </a:endParaRPr>
           </a:p>
         </p:txBody>
       </p:sp>
@@ -4377,14 +5532,14 @@
         <p:nvPicPr>
           <p:cNvPr id="4" name="Content Placeholder 3"/>
           <p:cNvPicPr>
-            <a:picLocks noChangeAspect="1"/>
+            <a:picLocks noGrp="1" noChangeAspect="1"/>
           </p:cNvPicPr>
           <p:nvPr>
             <p:ph idx="1"/>
           </p:nvPr>
         </p:nvPicPr>
         <p:blipFill>
-          <a:blip r:embed="rId1"/>
+          <a:blip r:embed="rId2"/>
           <a:stretch>
             <a:fillRect/>
           </a:stretch>
@@ -4416,7 +5571,14 @@
         <p:cNvGrpSpPr/>
         <p:nvPr/>
       </p:nvGrpSpPr>
-      <p:grpSpPr/>
+      <p:grpSpPr>
+        <a:xfrm>
+          <a:off x="0" y="0"/>
+          <a:ext cx="0" cy="0"/>
+          <a:chOff x="0" y="0"/>
+          <a:chExt cx="0" cy="0"/>
+        </a:xfrm>
+      </p:grpSpPr>
       <p:sp>
         <p:nvSpPr>
           <p:cNvPr id="2" name="Title 1"/>
@@ -4430,6 +5592,7 @@
         <p:spPr/>
         <p:txBody>
           <a:bodyPr/>
+          <a:lstStyle/>
           <a:p>
             <a:pPr algn="ctr" fontAlgn="auto"/>
             <a:r>
@@ -4441,12 +5604,6 @@
               </a:rPr>
               <a:t>Random Forest - fit function</a:t>
             </a:r>
-            <a:endParaRPr lang="de-DE" altLang="en-US">
-              <a:solidFill>
-                <a:srgbClr val="61A5C2"/>
-              </a:solidFill>
-              <a:latin typeface="Calibri" charset="0"/>
-            </a:endParaRPr>
           </a:p>
         </p:txBody>
       </p:sp>
@@ -4454,14 +5611,14 @@
         <p:nvPicPr>
           <p:cNvPr id="4" name="Content Placeholder 3"/>
           <p:cNvPicPr>
-            <a:picLocks noChangeAspect="1"/>
+            <a:picLocks noGrp="1" noChangeAspect="1"/>
           </p:cNvPicPr>
           <p:nvPr>
             <p:ph idx="1"/>
           </p:nvPr>
         </p:nvPicPr>
         <p:blipFill>
-          <a:blip r:embed="rId1"/>
+          <a:blip r:embed="rId2"/>
           <a:stretch>
             <a:fillRect/>
           </a:stretch>
@@ -4493,7 +5650,14 @@
         <p:cNvGrpSpPr/>
         <p:nvPr/>
       </p:nvGrpSpPr>
-      <p:grpSpPr/>
+      <p:grpSpPr>
+        <a:xfrm>
+          <a:off x="0" y="0"/>
+          <a:ext cx="0" cy="0"/>
+          <a:chOff x="0" y="0"/>
+          <a:chExt cx="0" cy="0"/>
+        </a:xfrm>
+      </p:grpSpPr>
       <p:sp>
         <p:nvSpPr>
           <p:cNvPr id="2" name="Title 1"/>
@@ -4507,6 +5671,7 @@
         <p:spPr/>
         <p:txBody>
           <a:bodyPr/>
+          <a:lstStyle/>
           <a:p>
             <a:pPr algn="ctr" fontAlgn="auto"/>
             <a:r>
@@ -4518,12 +5683,6 @@
               </a:rPr>
               <a:t>LLM Tree - _build_tree function</a:t>
             </a:r>
-            <a:endParaRPr lang="de-DE" altLang="en-US">
-              <a:solidFill>
-                <a:srgbClr val="61A5C2"/>
-              </a:solidFill>
-              <a:latin typeface="Calibri" charset="0"/>
-            </a:endParaRPr>
           </a:p>
         </p:txBody>
       </p:sp>
@@ -4531,14 +5690,14 @@
         <p:nvPicPr>
           <p:cNvPr id="4" name="Content Placeholder 3"/>
           <p:cNvPicPr>
-            <a:picLocks noChangeAspect="1"/>
+            <a:picLocks noGrp="1" noChangeAspect="1"/>
           </p:cNvPicPr>
           <p:nvPr>
             <p:ph idx="1"/>
           </p:nvPr>
         </p:nvPicPr>
         <p:blipFill>
-          <a:blip r:embed="rId1"/>
+          <a:blip r:embed="rId2"/>
           <a:stretch>
             <a:fillRect/>
           </a:stretch>
@@ -4562,7 +5721,7 @@
           <p:nvPr/>
         </p:nvPicPr>
         <p:blipFill>
-          <a:blip r:embed="rId2"/>
+          <a:blip r:embed="rId3"/>
           <a:stretch>
             <a:fillRect/>
           </a:stretch>
@@ -4594,7 +5753,14 @@
         <p:cNvGrpSpPr/>
         <p:nvPr/>
       </p:nvGrpSpPr>
-      <p:grpSpPr/>
+      <p:grpSpPr>
+        <a:xfrm>
+          <a:off x="0" y="0"/>
+          <a:ext cx="0" cy="0"/>
+          <a:chOff x="0" y="0"/>
+          <a:chExt cx="0" cy="0"/>
+        </a:xfrm>
+      </p:grpSpPr>
       <p:sp>
         <p:nvSpPr>
           <p:cNvPr id="2" name="Title 1"/>
@@ -4608,6 +5774,7 @@
         <p:spPr/>
         <p:txBody>
           <a:bodyPr/>
+          <a:lstStyle/>
           <a:p>
             <a:pPr algn="ctr" fontAlgn="auto"/>
             <a:r>
@@ -4619,12 +5786,6 @@
               </a:rPr>
               <a:t>LLM - Random_Forest fit function</a:t>
             </a:r>
-            <a:endParaRPr lang="de-DE" altLang="en-US">
-              <a:solidFill>
-                <a:srgbClr val="61A5C2"/>
-              </a:solidFill>
-              <a:latin typeface="Calibri" charset="0"/>
-            </a:endParaRPr>
           </a:p>
         </p:txBody>
       </p:sp>
@@ -4632,14 +5793,14 @@
         <p:nvPicPr>
           <p:cNvPr id="4" name="Content Placeholder 3"/>
           <p:cNvPicPr>
-            <a:picLocks noChangeAspect="1"/>
+            <a:picLocks noGrp="1" noChangeAspect="1"/>
           </p:cNvPicPr>
           <p:nvPr>
             <p:ph idx="1"/>
           </p:nvPr>
         </p:nvPicPr>
         <p:blipFill>
-          <a:blip r:embed="rId1"/>
+          <a:blip r:embed="rId2"/>
           <a:stretch>
             <a:fillRect/>
           </a:stretch>
@@ -4671,7 +5832,14 @@
         <p:cNvGrpSpPr/>
         <p:nvPr/>
       </p:nvGrpSpPr>
-      <p:grpSpPr/>
+      <p:grpSpPr>
+        <a:xfrm>
+          <a:off x="0" y="0"/>
+          <a:ext cx="0" cy="0"/>
+          <a:chOff x="0" y="0"/>
+          <a:chExt cx="0" cy="0"/>
+        </a:xfrm>
+      </p:grpSpPr>
       <p:sp>
         <p:nvSpPr>
           <p:cNvPr id="2" name="Title 1"/>
@@ -4685,18 +5853,28 @@
         <p:spPr/>
         <p:txBody>
           <a:bodyPr/>
+          <a:lstStyle/>
           <a:p>
             <a:pPr algn="ctr" fontAlgn="auto"/>
             <a:r>
-              <a:rPr lang="de-DE" altLang="en-US">
-                <a:solidFill>
-                  <a:srgbClr val="61A5C2"/>
-                </a:solidFill>
-                <a:latin typeface="Calibri" charset="0"/>
-              </a:rPr>
-              <a:t>Key Differences - our Implementation vs. LLM</a:t>
-            </a:r>
-            <a:endParaRPr lang="de-DE" altLang="en-US">
+              <a:rPr lang="de-DE" altLang="en-US" dirty="0">
+                <a:solidFill>
+                  <a:srgbClr val="61A5C2"/>
+                </a:solidFill>
+                <a:latin typeface="Calibri" charset="0"/>
+              </a:rPr>
+              <a:t>Key </a:t>
+            </a:r>
+            <a:r>
+              <a:rPr lang="de-DE" altLang="en-US" dirty="0" err="1">
+                <a:solidFill>
+                  <a:srgbClr val="61A5C2"/>
+                </a:solidFill>
+                <a:latin typeface="Calibri" charset="0"/>
+              </a:rPr>
+              <a:t>Differences</a:t>
+            </a:r>
+            <a:endParaRPr lang="de-DE" altLang="en-US" dirty="0">
               <a:solidFill>
                 <a:srgbClr val="61A5C2"/>
               </a:solidFill>
@@ -4718,17 +5896,165 @@
         <p:spPr/>
         <p:txBody>
           <a:bodyPr/>
-          <a:p>
-            <a:r>
-              <a:rPr lang="de-DE" altLang="en-US">
-                <a:solidFill>
-                  <a:srgbClr val="61A5C2"/>
-                </a:solidFill>
-                <a:latin typeface="Calibri" charset="0"/>
-              </a:rPr>
-              <a:t>random feature selection: </a:t>
-            </a:r>
-            <a:endParaRPr lang="de-DE" altLang="en-US">
+          <a:lstStyle/>
+          <a:p>
+            <a:r>
+              <a:rPr lang="de-DE" altLang="en-US" dirty="0" err="1">
+                <a:solidFill>
+                  <a:srgbClr val="61A5C2"/>
+                </a:solidFill>
+                <a:latin typeface="Calibri" charset="0"/>
+              </a:rPr>
+              <a:t>random</a:t>
+            </a:r>
+            <a:r>
+              <a:rPr lang="de-DE" altLang="en-US" dirty="0">
+                <a:solidFill>
+                  <a:srgbClr val="61A5C2"/>
+                </a:solidFill>
+                <a:latin typeface="Calibri" charset="0"/>
+              </a:rPr>
+              <a:t> feature </a:t>
+            </a:r>
+            <a:r>
+              <a:rPr lang="de-DE" altLang="en-US" dirty="0" err="1">
+                <a:solidFill>
+                  <a:srgbClr val="61A5C2"/>
+                </a:solidFill>
+                <a:latin typeface="Calibri" charset="0"/>
+              </a:rPr>
+              <a:t>selection</a:t>
+            </a:r>
+            <a:r>
+              <a:rPr lang="de-DE" altLang="en-US" dirty="0">
+                <a:solidFill>
+                  <a:srgbClr val="61A5C2"/>
+                </a:solidFill>
+                <a:latin typeface="Calibri" charset="0"/>
+              </a:rPr>
+              <a:t>: </a:t>
+            </a:r>
+          </a:p>
+          <a:p>
+            <a:pPr lvl="1"/>
+            <a:r>
+              <a:rPr lang="de-DE" altLang="en-US" dirty="0" err="1">
+                <a:solidFill>
+                  <a:srgbClr val="61A5C2"/>
+                </a:solidFill>
+                <a:latin typeface="Calibri" charset="0"/>
+              </a:rPr>
+              <a:t>we</a:t>
+            </a:r>
+            <a:r>
+              <a:rPr lang="de-DE" altLang="en-US" dirty="0">
+                <a:solidFill>
+                  <a:srgbClr val="61A5C2"/>
+                </a:solidFill>
+                <a:latin typeface="Calibri" charset="0"/>
+              </a:rPr>
+              <a:t> </a:t>
+            </a:r>
+            <a:r>
+              <a:rPr lang="de-DE" altLang="en-US" dirty="0" err="1">
+                <a:solidFill>
+                  <a:srgbClr val="61A5C2"/>
+                </a:solidFill>
+                <a:latin typeface="Calibri" charset="0"/>
+              </a:rPr>
+              <a:t>select</a:t>
+            </a:r>
+            <a:r>
+              <a:rPr lang="de-DE" altLang="en-US" dirty="0">
+                <a:solidFill>
+                  <a:srgbClr val="61A5C2"/>
+                </a:solidFill>
+                <a:latin typeface="Calibri" charset="0"/>
+              </a:rPr>
+              <a:t> a </a:t>
+            </a:r>
+            <a:r>
+              <a:rPr lang="de-DE" altLang="en-US" dirty="0" err="1">
+                <a:solidFill>
+                  <a:srgbClr val="61A5C2"/>
+                </a:solidFill>
+                <a:latin typeface="Calibri" charset="0"/>
+              </a:rPr>
+              <a:t>random</a:t>
+            </a:r>
+            <a:r>
+              <a:rPr lang="de-DE" altLang="en-US" dirty="0">
+                <a:solidFill>
+                  <a:srgbClr val="61A5C2"/>
+                </a:solidFill>
+                <a:latin typeface="Calibri" charset="0"/>
+              </a:rPr>
+              <a:t> feature </a:t>
+            </a:r>
+            <a:r>
+              <a:rPr lang="de-DE" altLang="en-US" dirty="0" err="1">
+                <a:solidFill>
+                  <a:srgbClr val="61A5C2"/>
+                </a:solidFill>
+                <a:latin typeface="Calibri" charset="0"/>
+              </a:rPr>
+              <a:t>subset</a:t>
+            </a:r>
+            <a:r>
+              <a:rPr lang="de-DE" altLang="en-US" dirty="0">
+                <a:solidFill>
+                  <a:srgbClr val="61A5C2"/>
+                </a:solidFill>
+                <a:latin typeface="Calibri" charset="0"/>
+              </a:rPr>
+              <a:t> at </a:t>
+            </a:r>
+            <a:r>
+              <a:rPr lang="de-DE" altLang="en-US" dirty="0" err="1">
+                <a:solidFill>
+                  <a:srgbClr val="61A5C2"/>
+                </a:solidFill>
+                <a:latin typeface="Calibri" charset="0"/>
+              </a:rPr>
+              <a:t>each</a:t>
+            </a:r>
+            <a:r>
+              <a:rPr lang="de-DE" altLang="en-US" dirty="0">
+                <a:solidFill>
+                  <a:srgbClr val="61A5C2"/>
+                </a:solidFill>
+                <a:latin typeface="Calibri" charset="0"/>
+              </a:rPr>
+              <a:t> </a:t>
+            </a:r>
+            <a:r>
+              <a:rPr lang="de-DE" altLang="en-US" dirty="0" err="1">
+                <a:solidFill>
+                  <a:srgbClr val="61A5C2"/>
+                </a:solidFill>
+                <a:latin typeface="Calibri" charset="0"/>
+              </a:rPr>
+              <a:t>tree</a:t>
+            </a:r>
+            <a:r>
+              <a:rPr lang="de-DE" altLang="en-US" dirty="0">
+                <a:solidFill>
+                  <a:srgbClr val="61A5C2"/>
+                </a:solidFill>
+                <a:latin typeface="Calibri" charset="0"/>
+              </a:rPr>
+              <a:t> </a:t>
+            </a:r>
+            <a:r>
+              <a:rPr lang="de-DE" altLang="en-US" dirty="0" err="1">
+                <a:solidFill>
+                  <a:srgbClr val="61A5C2"/>
+                </a:solidFill>
+                <a:latin typeface="Calibri" charset="0"/>
+              </a:rPr>
+              <a:t>node</a:t>
+            </a:r>
+            <a:endParaRPr lang="de-DE" altLang="en-US" dirty="0">
               <a:solidFill>
                 <a:srgbClr val="61A5C2"/>
               </a:solidFill>
@@ -4738,15 +6064,168 @@
           <a:p>
             <a:pPr lvl="1"/>
             <a:r>
-              <a:rPr lang="de-DE" altLang="en-US">
-                <a:solidFill>
-                  <a:srgbClr val="61A5C2"/>
-                </a:solidFill>
-                <a:latin typeface="Calibri" charset="0"/>
-              </a:rPr>
-              <a:t>at each node vs. once per tree</a:t>
-            </a:r>
-            <a:endParaRPr lang="de-DE" altLang="en-US">
+              <a:rPr lang="de-DE" altLang="en-US" dirty="0">
+                <a:solidFill>
+                  <a:srgbClr val="61A5C2"/>
+                </a:solidFill>
+                <a:latin typeface="Calibri" charset="0"/>
+              </a:rPr>
+              <a:t>LLM </a:t>
+            </a:r>
+            <a:r>
+              <a:rPr lang="de-DE" altLang="en-US" dirty="0" err="1">
+                <a:solidFill>
+                  <a:srgbClr val="61A5C2"/>
+                </a:solidFill>
+                <a:latin typeface="Calibri" charset="0"/>
+              </a:rPr>
+              <a:t>selects</a:t>
+            </a:r>
+            <a:r>
+              <a:rPr lang="de-DE" altLang="en-US" dirty="0">
+                <a:solidFill>
+                  <a:srgbClr val="61A5C2"/>
+                </a:solidFill>
+                <a:latin typeface="Calibri" charset="0"/>
+              </a:rPr>
+              <a:t> </a:t>
+            </a:r>
+            <a:r>
+              <a:rPr lang="de-DE" altLang="en-US" dirty="0" err="1">
+                <a:solidFill>
+                  <a:srgbClr val="61A5C2"/>
+                </a:solidFill>
+                <a:latin typeface="Calibri" charset="0"/>
+              </a:rPr>
+              <a:t>the</a:t>
+            </a:r>
+            <a:r>
+              <a:rPr lang="de-DE" altLang="en-US" dirty="0">
+                <a:solidFill>
+                  <a:srgbClr val="61A5C2"/>
+                </a:solidFill>
+                <a:latin typeface="Calibri" charset="0"/>
+              </a:rPr>
+              <a:t> </a:t>
+            </a:r>
+            <a:r>
+              <a:rPr lang="de-DE" altLang="en-US" dirty="0" err="1">
+                <a:solidFill>
+                  <a:srgbClr val="61A5C2"/>
+                </a:solidFill>
+                <a:latin typeface="Calibri" charset="0"/>
+              </a:rPr>
+              <a:t>random</a:t>
+            </a:r>
+            <a:r>
+              <a:rPr lang="de-DE" altLang="en-US" dirty="0">
+                <a:solidFill>
+                  <a:srgbClr val="61A5C2"/>
+                </a:solidFill>
+                <a:latin typeface="Calibri" charset="0"/>
+              </a:rPr>
+              <a:t> </a:t>
+            </a:r>
+            <a:r>
+              <a:rPr lang="de-DE" altLang="en-US" dirty="0" err="1">
+                <a:solidFill>
+                  <a:srgbClr val="61A5C2"/>
+                </a:solidFill>
+                <a:latin typeface="Calibri" charset="0"/>
+              </a:rPr>
+              <a:t>subset</a:t>
+            </a:r>
+            <a:r>
+              <a:rPr lang="de-DE" altLang="en-US" dirty="0">
+                <a:solidFill>
+                  <a:srgbClr val="61A5C2"/>
+                </a:solidFill>
+                <a:latin typeface="Calibri" charset="0"/>
+              </a:rPr>
+              <a:t> </a:t>
+            </a:r>
+            <a:r>
+              <a:rPr lang="de-DE" altLang="en-US" dirty="0" err="1">
+                <a:solidFill>
+                  <a:srgbClr val="61A5C2"/>
+                </a:solidFill>
+                <a:latin typeface="Calibri" charset="0"/>
+              </a:rPr>
+              <a:t>once</a:t>
+            </a:r>
+            <a:r>
+              <a:rPr lang="de-DE" altLang="en-US" dirty="0">
+                <a:solidFill>
+                  <a:srgbClr val="61A5C2"/>
+                </a:solidFill>
+                <a:latin typeface="Calibri" charset="0"/>
+              </a:rPr>
+              <a:t> </a:t>
+            </a:r>
+            <a:r>
+              <a:rPr lang="de-DE" altLang="en-US" dirty="0" err="1">
+                <a:solidFill>
+                  <a:srgbClr val="61A5C2"/>
+                </a:solidFill>
+                <a:latin typeface="Calibri" charset="0"/>
+              </a:rPr>
+              <a:t>for</a:t>
+            </a:r>
+            <a:r>
+              <a:rPr lang="de-DE" altLang="en-US" dirty="0">
+                <a:solidFill>
+                  <a:srgbClr val="61A5C2"/>
+                </a:solidFill>
+                <a:latin typeface="Calibri" charset="0"/>
+              </a:rPr>
+              <a:t> </a:t>
+            </a:r>
+            <a:r>
+              <a:rPr lang="de-DE" altLang="en-US" dirty="0" err="1">
+                <a:solidFill>
+                  <a:srgbClr val="61A5C2"/>
+                </a:solidFill>
+                <a:latin typeface="Calibri" charset="0"/>
+              </a:rPr>
+              <a:t>the</a:t>
+            </a:r>
+            <a:r>
+              <a:rPr lang="de-DE" altLang="en-US" dirty="0">
+                <a:solidFill>
+                  <a:srgbClr val="61A5C2"/>
+                </a:solidFill>
+                <a:latin typeface="Calibri" charset="0"/>
+              </a:rPr>
+              <a:t> </a:t>
+            </a:r>
+            <a:r>
+              <a:rPr lang="de-DE" altLang="en-US" dirty="0" err="1">
+                <a:solidFill>
+                  <a:srgbClr val="61A5C2"/>
+                </a:solidFill>
+                <a:latin typeface="Calibri" charset="0"/>
+              </a:rPr>
+              <a:t>whole</a:t>
+            </a:r>
+            <a:r>
+              <a:rPr lang="de-DE" altLang="en-US" dirty="0">
+                <a:solidFill>
+                  <a:srgbClr val="61A5C2"/>
+                </a:solidFill>
+                <a:latin typeface="Calibri" charset="0"/>
+              </a:rPr>
+              <a:t> </a:t>
+            </a:r>
+            <a:r>
+              <a:rPr lang="de-DE" altLang="en-US" dirty="0" err="1">
+                <a:solidFill>
+                  <a:srgbClr val="61A5C2"/>
+                </a:solidFill>
+                <a:latin typeface="Calibri" charset="0"/>
+              </a:rPr>
+              <a:t>tree</a:t>
+            </a:r>
+            <a:endParaRPr lang="de-DE" altLang="en-US" dirty="0">
               <a:solidFill>
                 <a:srgbClr val="61A5C2"/>
               </a:solidFill>
@@ -4756,15 +6235,114 @@
           <a:p>
             <a:pPr lvl="0"/>
             <a:r>
-              <a:rPr lang="de-DE" altLang="en-US">
-                <a:solidFill>
-                  <a:srgbClr val="61A5C2"/>
-                </a:solidFill>
-                <a:latin typeface="Calibri" charset="0"/>
-              </a:rPr>
-              <a:t>LLM not parallelized </a:t>
-            </a:r>
-            <a:endParaRPr lang="de-DE" altLang="en-US">
+              <a:rPr lang="de-DE" altLang="en-US" dirty="0">
+                <a:solidFill>
+                  <a:srgbClr val="61A5C2"/>
+                </a:solidFill>
+                <a:latin typeface="Calibri" charset="0"/>
+              </a:rPr>
+              <a:t>LLM </a:t>
+            </a:r>
+            <a:r>
+              <a:rPr lang="de-DE" altLang="en-US" dirty="0" err="1">
+                <a:solidFill>
+                  <a:srgbClr val="61A5C2"/>
+                </a:solidFill>
+                <a:latin typeface="Calibri" charset="0"/>
+              </a:rPr>
+              <a:t>did</a:t>
+            </a:r>
+            <a:r>
+              <a:rPr lang="de-DE" altLang="en-US" dirty="0">
+                <a:solidFill>
+                  <a:srgbClr val="61A5C2"/>
+                </a:solidFill>
+                <a:latin typeface="Calibri" charset="0"/>
+              </a:rPr>
+              <a:t> not </a:t>
+            </a:r>
+            <a:r>
+              <a:rPr lang="de-DE" altLang="en-US" dirty="0" err="1">
+                <a:solidFill>
+                  <a:srgbClr val="61A5C2"/>
+                </a:solidFill>
+                <a:latin typeface="Calibri" charset="0"/>
+              </a:rPr>
+              <a:t>parallelize</a:t>
+            </a:r>
+            <a:r>
+              <a:rPr lang="de-DE" altLang="en-US" dirty="0">
+                <a:solidFill>
+                  <a:srgbClr val="61A5C2"/>
+                </a:solidFill>
+                <a:latin typeface="Calibri" charset="0"/>
+              </a:rPr>
+              <a:t>, </a:t>
+            </a:r>
+            <a:r>
+              <a:rPr lang="de-DE" altLang="en-US" dirty="0" err="1">
+                <a:solidFill>
+                  <a:srgbClr val="61A5C2"/>
+                </a:solidFill>
+                <a:latin typeface="Calibri" charset="0"/>
+              </a:rPr>
+              <a:t>leading</a:t>
+            </a:r>
+            <a:r>
+              <a:rPr lang="de-DE" altLang="en-US" dirty="0">
+                <a:solidFill>
+                  <a:srgbClr val="61A5C2"/>
+                </a:solidFill>
+                <a:latin typeface="Calibri" charset="0"/>
+              </a:rPr>
+              <a:t> </a:t>
+            </a:r>
+            <a:r>
+              <a:rPr lang="de-DE" altLang="en-US" dirty="0" err="1">
+                <a:solidFill>
+                  <a:srgbClr val="61A5C2"/>
+                </a:solidFill>
+                <a:latin typeface="Calibri" charset="0"/>
+              </a:rPr>
+              <a:t>to</a:t>
+            </a:r>
+            <a:r>
+              <a:rPr lang="de-DE" altLang="en-US" dirty="0">
+                <a:solidFill>
+                  <a:srgbClr val="61A5C2"/>
+                </a:solidFill>
+                <a:latin typeface="Calibri" charset="0"/>
+              </a:rPr>
+              <a:t> </a:t>
+            </a:r>
+            <a:r>
+              <a:rPr lang="de-DE" altLang="en-US" dirty="0" err="1">
+                <a:solidFill>
+                  <a:srgbClr val="61A5C2"/>
+                </a:solidFill>
+                <a:latin typeface="Calibri" charset="0"/>
+              </a:rPr>
+              <a:t>worse</a:t>
+            </a:r>
+            <a:r>
+              <a:rPr lang="de-DE" altLang="en-US" dirty="0">
+                <a:solidFill>
+                  <a:srgbClr val="61A5C2"/>
+                </a:solidFill>
+                <a:latin typeface="Calibri" charset="0"/>
+              </a:rPr>
+              <a:t> </a:t>
+            </a:r>
+            <a:r>
+              <a:rPr lang="de-DE" altLang="en-US" dirty="0" err="1">
+                <a:solidFill>
+                  <a:srgbClr val="61A5C2"/>
+                </a:solidFill>
+                <a:latin typeface="Calibri" charset="0"/>
+              </a:rPr>
+              <a:t>performance</a:t>
+            </a:r>
+            <a:endParaRPr lang="de-DE" altLang="en-US" dirty="0">
               <a:solidFill>
                 <a:srgbClr val="61A5C2"/>
               </a:solidFill>
@@ -4774,15 +6352,312 @@
           <a:p>
             <a:pPr lvl="0"/>
             <a:r>
-              <a:rPr lang="de-DE" altLang="en-US">
-                <a:solidFill>
-                  <a:srgbClr val="61A5C2"/>
-                </a:solidFill>
-                <a:latin typeface="Calibri" charset="0"/>
-              </a:rPr>
-              <a:t>integration of a boottype variable</a:t>
-            </a:r>
-            <a:endParaRPr lang="de-DE" altLang="en-US">
+              <a:rPr lang="de-DE" altLang="en-US" dirty="0">
+                <a:solidFill>
+                  <a:srgbClr val="61A5C2"/>
+                </a:solidFill>
+                <a:latin typeface="Calibri" charset="0"/>
+              </a:rPr>
+              <a:t>bootstrapping </a:t>
+            </a:r>
+            <a:r>
+              <a:rPr lang="de-DE" altLang="en-US" dirty="0" err="1">
+                <a:solidFill>
+                  <a:srgbClr val="61A5C2"/>
+                </a:solidFill>
+                <a:latin typeface="Calibri" charset="0"/>
+              </a:rPr>
+              <a:t>samples</a:t>
+            </a:r>
+            <a:r>
+              <a:rPr lang="de-DE" altLang="en-US" dirty="0">
+                <a:solidFill>
+                  <a:srgbClr val="61A5C2"/>
+                </a:solidFill>
+                <a:latin typeface="Calibri" charset="0"/>
+              </a:rPr>
+              <a:t>:</a:t>
+            </a:r>
+          </a:p>
+          <a:p>
+            <a:pPr lvl="1"/>
+            <a:r>
+              <a:rPr lang="de-DE" altLang="en-US" dirty="0" err="1">
+                <a:solidFill>
+                  <a:srgbClr val="61A5C2"/>
+                </a:solidFill>
+                <a:latin typeface="Calibri" charset="0"/>
+              </a:rPr>
+              <a:t>we</a:t>
+            </a:r>
+            <a:r>
+              <a:rPr lang="de-DE" altLang="en-US" dirty="0">
+                <a:solidFill>
+                  <a:srgbClr val="61A5C2"/>
+                </a:solidFill>
+                <a:latin typeface="Calibri" charset="0"/>
+              </a:rPr>
+              <a:t> </a:t>
+            </a:r>
+            <a:r>
+              <a:rPr lang="de-DE" altLang="en-US" dirty="0" err="1">
+                <a:solidFill>
+                  <a:srgbClr val="61A5C2"/>
+                </a:solidFill>
+                <a:latin typeface="Calibri" charset="0"/>
+              </a:rPr>
+              <a:t>always</a:t>
+            </a:r>
+            <a:r>
+              <a:rPr lang="de-DE" altLang="en-US" dirty="0">
+                <a:solidFill>
+                  <a:srgbClr val="61A5C2"/>
+                </a:solidFill>
+                <a:latin typeface="Calibri" charset="0"/>
+              </a:rPr>
+              <a:t> </a:t>
+            </a:r>
+            <a:r>
+              <a:rPr lang="de-DE" altLang="en-US" dirty="0" err="1">
+                <a:solidFill>
+                  <a:srgbClr val="61A5C2"/>
+                </a:solidFill>
+                <a:latin typeface="Calibri" charset="0"/>
+              </a:rPr>
+              <a:t>bootstrap</a:t>
+            </a:r>
+            <a:r>
+              <a:rPr lang="de-DE" altLang="en-US" dirty="0">
+                <a:solidFill>
+                  <a:srgbClr val="61A5C2"/>
+                </a:solidFill>
+                <a:latin typeface="Calibri" charset="0"/>
+              </a:rPr>
+              <a:t> and </a:t>
+            </a:r>
+            <a:r>
+              <a:rPr lang="de-DE" altLang="en-US" dirty="0" err="1">
+                <a:solidFill>
+                  <a:srgbClr val="61A5C2"/>
+                </a:solidFill>
+                <a:latin typeface="Calibri" charset="0"/>
+              </a:rPr>
+              <a:t>control</a:t>
+            </a:r>
+            <a:r>
+              <a:rPr lang="de-DE" altLang="en-US" dirty="0">
+                <a:solidFill>
+                  <a:srgbClr val="61A5C2"/>
+                </a:solidFill>
+                <a:latin typeface="Calibri" charset="0"/>
+              </a:rPr>
+              <a:t> </a:t>
+            </a:r>
+            <a:r>
+              <a:rPr lang="de-DE" altLang="en-US" dirty="0" err="1">
+                <a:solidFill>
+                  <a:srgbClr val="61A5C2"/>
+                </a:solidFill>
+                <a:latin typeface="Calibri" charset="0"/>
+              </a:rPr>
+              <a:t>replacement</a:t>
+            </a:r>
+            <a:r>
+              <a:rPr lang="de-DE" altLang="en-US" dirty="0">
+                <a:solidFill>
+                  <a:srgbClr val="61A5C2"/>
+                </a:solidFill>
+                <a:latin typeface="Calibri" charset="0"/>
+              </a:rPr>
+              <a:t> via </a:t>
+            </a:r>
+            <a:r>
+              <a:rPr lang="de-DE" altLang="en-US" dirty="0" err="1">
+                <a:solidFill>
+                  <a:srgbClr val="61A5C2"/>
+                </a:solidFill>
+                <a:latin typeface="Calibri" charset="0"/>
+              </a:rPr>
+              <a:t>boot_type</a:t>
+            </a:r>
+            <a:r>
+              <a:rPr lang="de-DE" altLang="en-US" dirty="0">
+                <a:solidFill>
+                  <a:srgbClr val="61A5C2"/>
+                </a:solidFill>
+                <a:latin typeface="Calibri" charset="0"/>
+              </a:rPr>
+              <a:t> = TRUE/FALSE</a:t>
+            </a:r>
+          </a:p>
+          <a:p>
+            <a:pPr lvl="1"/>
+            <a:r>
+              <a:rPr lang="de-DE" altLang="en-US" dirty="0">
+                <a:solidFill>
+                  <a:srgbClr val="61A5C2"/>
+                </a:solidFill>
+                <a:latin typeface="Calibri" charset="0"/>
+              </a:rPr>
+              <a:t>LLM </a:t>
+            </a:r>
+            <a:r>
+              <a:rPr lang="de-DE" altLang="en-US" dirty="0" err="1">
+                <a:solidFill>
+                  <a:srgbClr val="61A5C2"/>
+                </a:solidFill>
+                <a:latin typeface="Calibri" charset="0"/>
+              </a:rPr>
+              <a:t>does</a:t>
+            </a:r>
+            <a:r>
+              <a:rPr lang="de-DE" altLang="en-US" dirty="0">
+                <a:solidFill>
+                  <a:srgbClr val="61A5C2"/>
+                </a:solidFill>
+                <a:latin typeface="Calibri" charset="0"/>
+              </a:rPr>
+              <a:t> not </a:t>
+            </a:r>
+            <a:r>
+              <a:rPr lang="de-DE" altLang="en-US" dirty="0" err="1">
+                <a:solidFill>
+                  <a:srgbClr val="61A5C2"/>
+                </a:solidFill>
+                <a:latin typeface="Calibri" charset="0"/>
+              </a:rPr>
+              <a:t>bootstrap</a:t>
+            </a:r>
+            <a:r>
+              <a:rPr lang="de-DE" altLang="en-US" dirty="0">
+                <a:solidFill>
+                  <a:srgbClr val="61A5C2"/>
+                </a:solidFill>
+                <a:latin typeface="Calibri" charset="0"/>
+              </a:rPr>
+              <a:t> at all</a:t>
+            </a:r>
+          </a:p>
+          <a:p>
+            <a:pPr lvl="1"/>
+            <a:r>
+              <a:rPr lang="de-DE" altLang="en-US" dirty="0" err="1">
+                <a:solidFill>
+                  <a:srgbClr val="61A5C2"/>
+                </a:solidFill>
+                <a:latin typeface="Calibri" charset="0"/>
+              </a:rPr>
+              <a:t>scikit-learn</a:t>
+            </a:r>
+            <a:r>
+              <a:rPr lang="de-DE" altLang="en-US" dirty="0">
+                <a:solidFill>
+                  <a:srgbClr val="61A5C2"/>
+                </a:solidFill>
+                <a:latin typeface="Calibri" charset="0"/>
+              </a:rPr>
+              <a:t> bootstraps </a:t>
+            </a:r>
+            <a:r>
+              <a:rPr lang="de-DE" altLang="en-US" dirty="0" err="1">
+                <a:solidFill>
+                  <a:srgbClr val="61A5C2"/>
+                </a:solidFill>
+                <a:latin typeface="Calibri" charset="0"/>
+              </a:rPr>
+              <a:t>either</a:t>
+            </a:r>
+            <a:r>
+              <a:rPr lang="de-DE" altLang="en-US" dirty="0">
+                <a:solidFill>
+                  <a:srgbClr val="61A5C2"/>
+                </a:solidFill>
+                <a:latin typeface="Calibri" charset="0"/>
+              </a:rPr>
+              <a:t> </a:t>
+            </a:r>
+            <a:r>
+              <a:rPr lang="de-DE" altLang="en-US" dirty="0" err="1">
+                <a:solidFill>
+                  <a:srgbClr val="61A5C2"/>
+                </a:solidFill>
+                <a:latin typeface="Calibri" charset="0"/>
+              </a:rPr>
+              <a:t>with</a:t>
+            </a:r>
+            <a:r>
+              <a:rPr lang="de-DE" altLang="en-US" dirty="0">
+                <a:solidFill>
+                  <a:srgbClr val="61A5C2"/>
+                </a:solidFill>
+                <a:latin typeface="Calibri" charset="0"/>
+              </a:rPr>
+              <a:t> </a:t>
+            </a:r>
+            <a:r>
+              <a:rPr lang="de-DE" altLang="en-US" dirty="0" err="1">
+                <a:solidFill>
+                  <a:srgbClr val="61A5C2"/>
+                </a:solidFill>
+                <a:latin typeface="Calibri" charset="0"/>
+              </a:rPr>
+              <a:t>replacement</a:t>
+            </a:r>
+            <a:r>
+              <a:rPr lang="de-DE" altLang="en-US" dirty="0">
+                <a:solidFill>
+                  <a:srgbClr val="61A5C2"/>
+                </a:solidFill>
+                <a:latin typeface="Calibri" charset="0"/>
+              </a:rPr>
+              <a:t> </a:t>
+            </a:r>
+            <a:r>
+              <a:rPr lang="de-DE" altLang="en-US" dirty="0" err="1">
+                <a:solidFill>
+                  <a:srgbClr val="61A5C2"/>
+                </a:solidFill>
+                <a:latin typeface="Calibri" charset="0"/>
+              </a:rPr>
+              <a:t>or</a:t>
+            </a:r>
+            <a:r>
+              <a:rPr lang="de-DE" altLang="en-US" dirty="0">
+                <a:solidFill>
+                  <a:srgbClr val="61A5C2"/>
+                </a:solidFill>
+                <a:latin typeface="Calibri" charset="0"/>
+              </a:rPr>
+              <a:t> not at all, </a:t>
+            </a:r>
+            <a:r>
+              <a:rPr lang="de-DE" altLang="en-US" dirty="0" err="1">
+                <a:solidFill>
+                  <a:srgbClr val="61A5C2"/>
+                </a:solidFill>
+                <a:latin typeface="Calibri" charset="0"/>
+              </a:rPr>
+              <a:t>controlled</a:t>
+            </a:r>
+            <a:r>
+              <a:rPr lang="de-DE" altLang="en-US" dirty="0">
+                <a:solidFill>
+                  <a:srgbClr val="61A5C2"/>
+                </a:solidFill>
+                <a:latin typeface="Calibri" charset="0"/>
+              </a:rPr>
+              <a:t> via </a:t>
+            </a:r>
+            <a:r>
+              <a:rPr lang="de-DE" altLang="en-US" dirty="0" err="1">
+                <a:solidFill>
+                  <a:srgbClr val="61A5C2"/>
+                </a:solidFill>
+                <a:latin typeface="Calibri" charset="0"/>
+              </a:rPr>
+              <a:t>boot_type</a:t>
+            </a:r>
+            <a:endParaRPr lang="de-DE" altLang="en-US" dirty="0">
               <a:solidFill>
                 <a:srgbClr val="61A5C2"/>
               </a:solidFill>
@@ -4808,7 +6683,14 @@
         <p:cNvGrpSpPr/>
         <p:nvPr/>
       </p:nvGrpSpPr>
-      <p:grpSpPr/>
+      <p:grpSpPr>
+        <a:xfrm>
+          <a:off x="0" y="0"/>
+          <a:ext cx="0" cy="0"/>
+          <a:chOff x="0" y="0"/>
+          <a:chExt cx="0" cy="0"/>
+        </a:xfrm>
+      </p:grpSpPr>
       <p:sp>
         <p:nvSpPr>
           <p:cNvPr id="2" name="Title 1"/>
@@ -4822,23 +6704,54 @@
         <p:spPr/>
         <p:txBody>
           <a:bodyPr/>
+          <a:lstStyle/>
           <a:p>
             <a:pPr algn="ctr" fontAlgn="auto"/>
             <a:r>
-              <a:rPr lang="de-DE" altLang="en-US">
-                <a:solidFill>
-                  <a:srgbClr val="61A5C2"/>
-                </a:solidFill>
-                <a:latin typeface="Calibri" charset="0"/>
-              </a:rPr>
-              <a:t>Cross Validation Results - Concrete Dataset</a:t>
-            </a:r>
-            <a:endParaRPr lang="de-DE" altLang="en-US">
-              <a:solidFill>
-                <a:srgbClr val="61A5C2"/>
-              </a:solidFill>
-              <a:latin typeface="Calibri" charset="0"/>
-            </a:endParaRPr>
+              <a:rPr lang="de-DE" altLang="en-US" dirty="0">
+                <a:solidFill>
+                  <a:srgbClr val="61A5C2"/>
+                </a:solidFill>
+                <a:latin typeface="Calibri" charset="0"/>
+              </a:rPr>
+              <a:t>Cross Validation </a:t>
+            </a:r>
+            <a:r>
+              <a:rPr lang="de-DE" altLang="en-US" dirty="0" err="1">
+                <a:solidFill>
+                  <a:srgbClr val="61A5C2"/>
+                </a:solidFill>
+                <a:latin typeface="Calibri" charset="0"/>
+              </a:rPr>
+              <a:t>Results</a:t>
+            </a:r>
+            <a:r>
+              <a:rPr lang="de-DE" altLang="en-US" dirty="0">
+                <a:solidFill>
+                  <a:srgbClr val="61A5C2"/>
+                </a:solidFill>
+                <a:latin typeface="Calibri" charset="0"/>
+              </a:rPr>
+              <a:t> - </a:t>
+            </a:r>
+            <a:r>
+              <a:rPr lang="de-DE" altLang="en-US" dirty="0" err="1">
+                <a:solidFill>
+                  <a:srgbClr val="61A5C2"/>
+                </a:solidFill>
+                <a:latin typeface="Calibri" charset="0"/>
+              </a:rPr>
+              <a:t>Concrete</a:t>
+            </a:r>
+            <a:r>
+              <a:rPr lang="de-DE" altLang="en-US" dirty="0">
+                <a:solidFill>
+                  <a:srgbClr val="61A5C2"/>
+                </a:solidFill>
+                <a:latin typeface="Calibri" charset="0"/>
+              </a:rPr>
+              <a:t> Dataset</a:t>
+            </a:r>
           </a:p>
         </p:txBody>
       </p:sp>
@@ -4846,14 +6759,14 @@
         <p:nvPicPr>
           <p:cNvPr id="12" name="Content Placeholder 11"/>
           <p:cNvPicPr>
-            <a:picLocks noChangeAspect="1"/>
+            <a:picLocks noGrp="1" noChangeAspect="1"/>
           </p:cNvPicPr>
           <p:nvPr>
             <p:ph idx="1"/>
           </p:nvPr>
         </p:nvPicPr>
         <p:blipFill>
-          <a:blip r:embed="rId1"/>
+          <a:blip r:embed="rId2"/>
           <a:stretch>
             <a:fillRect/>
           </a:stretch>
@@ -5127,6 +7040,8 @@
       </a:bgFillStyleLst>
     </a:fmtScheme>
   </a:themeElements>
+  <a:objectDefaults/>
+  <a:extraClrSchemeLst/>
   <a:extLst>
     <a:ext uri="{05A4C25C-085E-4340-85A3-A5531E510DB2}">
       <thm15:themeFamily xmlns:thm15="http://schemas.microsoft.com/office/thememl/2012/main" name="Office Theme" id="{62F939B6-93AF-4DB8-9C6B-D6C7DFDC589F}" vid="{4A3C46E8-61CC-4603-A589-7422A47A8E4A}"/>
@@ -5386,6 +7301,8 @@
       </a:bgFillStyleLst>
     </a:fmtScheme>
   </a:themeElements>
+  <a:objectDefaults/>
+  <a:extraClrSchemeLst/>
   <a:extLst>
     <a:ext uri="{05A4C25C-085E-4340-85A3-A5531E510DB2}">
       <thm15:themeFamily xmlns:thm15="http://schemas.microsoft.com/office/thememl/2012/main" name="Office Theme" id="{62F939B6-93AF-4DB8-9C6B-D6C7DFDC589F}" vid="{4A3C46E8-61CC-4603-A589-7422A47A8E4A}"/>
@@ -5645,6 +7562,8 @@
       </a:bgFillStyleLst>
     </a:fmtScheme>
   </a:themeElements>
+  <a:objectDefaults/>
+  <a:extraClrSchemeLst/>
   <a:extLst>
     <a:ext uri="{05A4C25C-085E-4340-85A3-A5531E510DB2}">
       <thm15:themeFamily xmlns:thm15="http://schemas.microsoft.com/office/thememl/2012/main" name="Office Theme" id="{62F939B6-93AF-4DB8-9C6B-D6C7DFDC589F}" vid="{4A3C46E8-61CC-4603-A589-7422A47A8E4A}"/>

--- a/Exercise_2/Exercie2_slides.pptx
+++ b/Exercise_2/Exercie2_slides.pptx
@@ -5,10 +5,10 @@
     <p:sldMasterId id="2147483648" r:id="rId1"/>
   </p:sldMasterIdLst>
   <p:notesMasterIdLst>
-    <p:notesMasterId r:id="rId20"/>
+    <p:notesMasterId r:id="rId21"/>
   </p:notesMasterIdLst>
   <p:handoutMasterIdLst>
-    <p:handoutMasterId r:id="rId21"/>
+    <p:handoutMasterId r:id="rId22"/>
   </p:handoutMasterIdLst>
   <p:sldIdLst>
     <p:sldId id="256" r:id="rId2"/>
@@ -29,6 +29,7 @@
     <p:sldId id="272" r:id="rId17"/>
     <p:sldId id="265" r:id="rId18"/>
     <p:sldId id="269" r:id="rId19"/>
+    <p:sldId id="279" r:id="rId20"/>
   </p:sldIdLst>
   <p:sldSz cx="12192000" cy="6858000"/>
   <p:notesSz cx="7104063" cy="10234613"/>
@@ -228,7 +229,7 @@
           <a:p>
             <a:fld id="{0F9B84EA-7D68-4D60-9CB1-D50884785D1C}" type="datetimeFigureOut">
               <a:rPr lang="zh-CN" altLang="en-US" smtClean="0"/>
-              <a:t>2024/12/14</a:t>
+              <a:t>2024/12/15</a:t>
             </a:fld>
             <a:endParaRPr lang="zh-CN" altLang="en-US"/>
           </a:p>
@@ -393,7 +394,7 @@
           <a:p>
             <a:fld id="{D6C8D182-E4C8-4120-9249-FC9774456FFA}" type="datetimeFigureOut">
               <a:rPr lang="zh-CN" altLang="en-US" smtClean="0"/>
-              <a:t>2024/12/14</a:t>
+              <a:t>2024/12/15</a:t>
             </a:fld>
             <a:endParaRPr lang="zh-CN" altLang="en-US"/>
           </a:p>
@@ -735,7 +736,7 @@
           <a:p>
             <a:fld id="{760FBDFE-C587-4B4C-A407-44438C67B59E}" type="datetimeFigureOut">
               <a:rPr lang="zh-CN" altLang="en-US" smtClean="0"/>
-              <a:t>2024/12/14</a:t>
+              <a:t>2024/12/15</a:t>
             </a:fld>
             <a:endParaRPr lang="zh-CN" altLang="en-US"/>
           </a:p>
@@ -901,7 +902,7 @@
           <a:p>
             <a:fld id="{760FBDFE-C587-4B4C-A407-44438C67B59E}" type="datetimeFigureOut">
               <a:rPr lang="zh-CN" altLang="en-US" smtClean="0"/>
-              <a:t>2024/12/14</a:t>
+              <a:t>2024/12/15</a:t>
             </a:fld>
             <a:endParaRPr lang="zh-CN" altLang="en-US"/>
           </a:p>
@@ -1201,7 +1202,7 @@
           <a:p>
             <a:fld id="{760FBDFE-C587-4B4C-A407-44438C67B59E}" type="datetimeFigureOut">
               <a:rPr lang="zh-CN" altLang="en-US" smtClean="0"/>
-              <a:t>2024/12/14</a:t>
+              <a:t>2024/12/15</a:t>
             </a:fld>
             <a:endParaRPr lang="zh-CN" altLang="en-US"/>
           </a:p>
@@ -1453,7 +1454,7 @@
           <a:p>
             <a:fld id="{760FBDFE-C587-4B4C-A407-44438C67B59E}" type="datetimeFigureOut">
               <a:rPr lang="zh-CN" altLang="en-US" smtClean="0"/>
-              <a:t>2024/12/14</a:t>
+              <a:t>2024/12/15</a:t>
             </a:fld>
             <a:endParaRPr lang="zh-CN" altLang="en-US"/>
           </a:p>
@@ -1836,7 +1837,7 @@
           <a:p>
             <a:fld id="{760FBDFE-C587-4B4C-A407-44438C67B59E}" type="datetimeFigureOut">
               <a:rPr lang="zh-CN" altLang="en-US" smtClean="0"/>
-              <a:t>2024/12/14</a:t>
+              <a:t>2024/12/15</a:t>
             </a:fld>
             <a:endParaRPr lang="zh-CN" altLang="en-US"/>
           </a:p>
@@ -2203,7 +2204,7 @@
           <a:p>
             <a:fld id="{760FBDFE-C587-4B4C-A407-44438C67B59E}" type="datetimeFigureOut">
               <a:rPr lang="zh-CN" altLang="en-US" smtClean="0"/>
-              <a:t>2024/12/14</a:t>
+              <a:t>2024/12/15</a:t>
             </a:fld>
             <a:endParaRPr lang="zh-CN" altLang="en-US"/>
           </a:p>
@@ -2334,7 +2335,7 @@
           <a:p>
             <a:fld id="{760FBDFE-C587-4B4C-A407-44438C67B59E}" type="datetimeFigureOut">
               <a:rPr lang="zh-CN" altLang="en-US" smtClean="0"/>
-              <a:t>2024/12/14</a:t>
+              <a:t>2024/12/15</a:t>
             </a:fld>
             <a:endParaRPr lang="zh-CN" altLang="en-US"/>
           </a:p>
@@ -2424,7 +2425,7 @@
           <a:p>
             <a:fld id="{760FBDFE-C587-4B4C-A407-44438C67B59E}" type="datetimeFigureOut">
               <a:rPr lang="zh-CN" altLang="en-US" smtClean="0"/>
-              <a:t>2024/12/14</a:t>
+              <a:t>2024/12/15</a:t>
             </a:fld>
             <a:endParaRPr lang="zh-CN" altLang="en-US"/>
           </a:p>
@@ -2688,7 +2689,7 @@
           <a:p>
             <a:fld id="{9EFD9D74-47D9-4702-A33C-335B63B48DBF}" type="datetimeFigureOut">
               <a:rPr lang="zh-CN" altLang="en-US" smtClean="0"/>
-              <a:t>2024/12/14</a:t>
+              <a:t>2024/12/15</a:t>
             </a:fld>
             <a:endParaRPr lang="zh-CN" altLang="en-US" dirty="0"/>
           </a:p>
@@ -2899,7 +2900,7 @@
           <a:p>
             <a:fld id="{760FBDFE-C587-4B4C-A407-44438C67B59E}" type="datetimeFigureOut">
               <a:rPr lang="zh-CN" altLang="en-US" smtClean="0"/>
-              <a:t>2024/12/14</a:t>
+              <a:t>2024/12/15</a:t>
             </a:fld>
             <a:endParaRPr lang="zh-CN" altLang="en-US"/>
           </a:p>
@@ -3112,7 +3113,7 @@
           <a:p>
             <a:fld id="{760FBDFE-C587-4B4C-A407-44438C67B59E}" type="datetimeFigureOut">
               <a:rPr lang="zh-CN" altLang="en-US" smtClean="0"/>
-              <a:t>2024/12/14</a:t>
+              <a:t>2024/12/15</a:t>
             </a:fld>
             <a:endParaRPr lang="zh-CN" altLang="en-US"/>
           </a:p>
@@ -3582,7 +3583,7 @@
           <a:lstStyle/>
           <a:p>
             <a:r>
-              <a:rPr lang="de-DE" altLang="zh-CN">
+              <a:rPr lang="de-DE" altLang="zh-CN" dirty="0">
                 <a:solidFill>
                   <a:srgbClr val="61A5C2"/>
                 </a:solidFill>
@@ -3593,24 +3594,42 @@
           </a:p>
           <a:p>
             <a:r>
-              <a:rPr lang="de-DE" altLang="zh-CN">
-                <a:solidFill>
-                  <a:srgbClr val="61A5C2"/>
-                </a:solidFill>
-                <a:latin typeface="Calibri" charset="0"/>
-              </a:rPr>
-              <a:t>Kristof Dadac - 12105475</a:t>
-            </a:r>
-          </a:p>
-          <a:p>
-            <a:r>
-              <a:rPr lang="de-DE" altLang="zh-CN">
-                <a:solidFill>
-                  <a:srgbClr val="61A5C2"/>
-                </a:solidFill>
-                <a:latin typeface="Calibri" charset="0"/>
-              </a:rPr>
-              <a:t>Florian Engl -</a:t>
+              <a:rPr lang="de-DE" altLang="zh-CN" dirty="0">
+                <a:solidFill>
+                  <a:srgbClr val="61A5C2"/>
+                </a:solidFill>
+                <a:latin typeface="Calibri" charset="0"/>
+              </a:rPr>
+              <a:t>Kristof </a:t>
+            </a:r>
+            <a:r>
+              <a:rPr lang="de-DE" altLang="zh-CN" dirty="0" err="1">
+                <a:solidFill>
+                  <a:srgbClr val="61A5C2"/>
+                </a:solidFill>
+                <a:latin typeface="Calibri" charset="0"/>
+              </a:rPr>
+              <a:t>Dadic</a:t>
+            </a:r>
+            <a:r>
+              <a:rPr lang="de-DE" altLang="zh-CN" dirty="0">
+                <a:solidFill>
+                  <a:srgbClr val="61A5C2"/>
+                </a:solidFill>
+                <a:latin typeface="Calibri" charset="0"/>
+              </a:rPr>
+              <a:t> - 12105475</a:t>
+            </a:r>
+          </a:p>
+          <a:p>
+            <a:r>
+              <a:rPr lang="de-DE" altLang="zh-CN" dirty="0">
+                <a:solidFill>
+                  <a:srgbClr val="61A5C2"/>
+                </a:solidFill>
+                <a:latin typeface="Calibri" charset="0"/>
+              </a:rPr>
+              <a:t>Florian Engl - 12102619</a:t>
             </a:r>
           </a:p>
         </p:txBody>
@@ -3839,8 +3858,8 @@
         </p:blipFill>
         <p:spPr>
           <a:xfrm>
-            <a:off x="480265" y="93802"/>
-            <a:ext cx="3025152" cy="2116048"/>
+            <a:off x="178828" y="808239"/>
+            <a:ext cx="3997363" cy="2796095"/>
           </a:xfrm>
           <a:prstGeom prst="rect">
             <a:avLst/>
@@ -3874,8 +3893,8 @@
         </p:blipFill>
         <p:spPr>
           <a:xfrm>
-            <a:off x="4583424" y="89086"/>
-            <a:ext cx="3025152" cy="2120764"/>
+            <a:off x="4067452" y="808239"/>
+            <a:ext cx="3988474" cy="2796095"/>
           </a:xfrm>
           <a:prstGeom prst="rect">
             <a:avLst/>
@@ -3884,10 +3903,10 @@
       </p:pic>
       <p:pic>
         <p:nvPicPr>
-          <p:cNvPr id="12" name="Grafik 11" descr="Ein Bild, das Text, Reihe, Screenshot, Diagramm enthält.&#10;&#10;Automatisch generierte Beschreibung">
+          <p:cNvPr id="18" name="Grafik 17" descr="Ein Bild, das Text, Diagramm, Reihe, Screenshot enthält.&#10;&#10;Automatisch generierte Beschreibung">
             <a:extLst>
               <a:ext uri="{FF2B5EF4-FFF2-40B4-BE49-F238E27FC236}">
-                <a16:creationId xmlns:a16="http://schemas.microsoft.com/office/drawing/2014/main" id="{43484075-B40D-4F18-1D14-CC2FB9D50139}"/>
+                <a16:creationId xmlns:a16="http://schemas.microsoft.com/office/drawing/2014/main" id="{06192F1C-A63F-5E9C-9C5B-EFDE7BDF3AD0}"/>
               </a:ext>
             </a:extLst>
           </p:cNvPr>
@@ -3904,48 +3923,13 @@
               </a:ext>
             </a:extLst>
           </a:blip>
-          <a:srcRect t="3260"/>
-          <a:stretch/>
-        </p:blipFill>
-        <p:spPr>
-          <a:xfrm>
-            <a:off x="480263" y="2375204"/>
-            <a:ext cx="3025154" cy="2092472"/>
-          </a:xfrm>
-          <a:prstGeom prst="rect">
-            <a:avLst/>
-          </a:prstGeom>
-        </p:spPr>
-      </p:pic>
-      <p:pic>
-        <p:nvPicPr>
-          <p:cNvPr id="18" name="Grafik 17" descr="Ein Bild, das Text, Diagramm, Reihe, Screenshot enthält.&#10;&#10;Automatisch generierte Beschreibung">
-            <a:extLst>
-              <a:ext uri="{FF2B5EF4-FFF2-40B4-BE49-F238E27FC236}">
-                <a16:creationId xmlns:a16="http://schemas.microsoft.com/office/drawing/2014/main" id="{06192F1C-A63F-5E9C-9C5B-EFDE7BDF3AD0}"/>
-              </a:ext>
-            </a:extLst>
-          </p:cNvPr>
-          <p:cNvPicPr>
-            <a:picLocks noChangeAspect="1"/>
-          </p:cNvPicPr>
-          <p:nvPr/>
-        </p:nvPicPr>
-        <p:blipFill>
-          <a:blip r:embed="rId5" cstate="print">
-            <a:extLst>
-              <a:ext uri="{28A0092B-C50C-407E-A947-70E740481C1C}">
-                <a14:useLocalDpi xmlns:a14="http://schemas.microsoft.com/office/drawing/2010/main" val="0"/>
-              </a:ext>
-            </a:extLst>
-          </a:blip>
           <a:srcRect t="2764" b="-811"/>
           <a:stretch/>
         </p:blipFill>
         <p:spPr>
           <a:xfrm>
-            <a:off x="480263" y="4659938"/>
-            <a:ext cx="3025157" cy="2120744"/>
+            <a:off x="178828" y="3833120"/>
+            <a:ext cx="3988516" cy="2796094"/>
           </a:xfrm>
           <a:prstGeom prst="rect">
             <a:avLst/>
@@ -4038,7 +4022,7 @@
           </p:nvPr>
         </p:nvPicPr>
         <p:blipFill>
-          <a:blip r:embed="rId6" cstate="print">
+          <a:blip r:embed="rId5" cstate="print">
             <a:extLst>
               <a:ext uri="{28A0092B-C50C-407E-A947-70E740481C1C}">
                 <a14:useLocalDpi xmlns:a14="http://schemas.microsoft.com/office/drawing/2010/main" val="0"/>
@@ -4050,43 +4034,8 @@
         </p:blipFill>
         <p:spPr>
           <a:xfrm>
-            <a:off x="4591889" y="4659938"/>
-            <a:ext cx="3025154" cy="2114671"/>
-          </a:xfrm>
-          <a:prstGeom prst="rect">
-            <a:avLst/>
-          </a:prstGeom>
-        </p:spPr>
-      </p:pic>
-      <p:pic>
-        <p:nvPicPr>
-          <p:cNvPr id="16" name="Grafik 15" descr="Ein Bild, das Text, Reihe, Diagramm, Screenshot enthält.&#10;&#10;Automatisch generierte Beschreibung">
-            <a:extLst>
-              <a:ext uri="{FF2B5EF4-FFF2-40B4-BE49-F238E27FC236}">
-                <a16:creationId xmlns:a16="http://schemas.microsoft.com/office/drawing/2014/main" id="{5EB3BD17-8820-16FD-A101-5C8B98FE3A92}"/>
-              </a:ext>
-            </a:extLst>
-          </p:cNvPr>
-          <p:cNvPicPr>
-            <a:picLocks noChangeAspect="1"/>
-          </p:cNvPicPr>
-          <p:nvPr/>
-        </p:nvPicPr>
-        <p:blipFill>
-          <a:blip r:embed="rId7" cstate="print">
-            <a:extLst>
-              <a:ext uri="{28A0092B-C50C-407E-A947-70E740481C1C}">
-                <a14:useLocalDpi xmlns:a14="http://schemas.microsoft.com/office/drawing/2010/main" val="0"/>
-              </a:ext>
-            </a:extLst>
-          </a:blip>
-          <a:srcRect t="2171" b="-1"/>
-          <a:stretch/>
-        </p:blipFill>
-        <p:spPr>
-          <a:xfrm>
-            <a:off x="4591889" y="2370975"/>
-            <a:ext cx="3025154" cy="2116049"/>
+            <a:off x="4067452" y="3879103"/>
+            <a:ext cx="3872001" cy="2706642"/>
           </a:xfrm>
           <a:prstGeom prst="rect">
             <a:avLst/>
@@ -4270,8 +4219,8 @@
         </p:blipFill>
         <p:spPr>
           <a:xfrm>
-            <a:off x="3986961" y="665825"/>
-            <a:ext cx="3756216" cy="2622777"/>
+            <a:off x="3986962" y="665825"/>
+            <a:ext cx="3835227" cy="2677946"/>
           </a:xfrm>
           <a:prstGeom prst="rect">
             <a:avLst/>
@@ -4340,7 +4289,7 @@
         </p:blipFill>
         <p:spPr>
           <a:xfrm>
-            <a:off x="222151" y="3781725"/>
+            <a:off x="222152" y="3781725"/>
             <a:ext cx="3764809" cy="2625184"/>
           </a:xfrm>
           <a:prstGeom prst="rect">
@@ -4540,10 +4489,10 @@
       </p:sp>
       <p:pic>
         <p:nvPicPr>
-          <p:cNvPr id="4" name="Grafik 3" descr="Ein Bild, das Text, Reihe, Screenshot, Diagramm enthält.&#10;&#10;Automatisch generierte Beschreibung">
+          <p:cNvPr id="6" name="Grafik 5" descr="Ein Bild, das Text, Screenshot, Reihe, Diagramm enthält.&#10;&#10;Automatisch generierte Beschreibung">
             <a:extLst>
               <a:ext uri="{FF2B5EF4-FFF2-40B4-BE49-F238E27FC236}">
-                <a16:creationId xmlns:a16="http://schemas.microsoft.com/office/drawing/2014/main" id="{3EC91226-22CA-A7E3-DF99-CE75E3AF4002}"/>
+                <a16:creationId xmlns:a16="http://schemas.microsoft.com/office/drawing/2014/main" id="{271DA694-06EF-2E11-1896-6161B2A59CED}"/>
               </a:ext>
             </a:extLst>
           </p:cNvPr>
@@ -4560,13 +4509,13 @@
               </a:ext>
             </a:extLst>
           </a:blip>
-          <a:srcRect t="2488"/>
+          <a:srcRect t="3155"/>
           <a:stretch/>
         </p:blipFill>
         <p:spPr>
           <a:xfrm>
-            <a:off x="2876091" y="4900474"/>
-            <a:ext cx="2602778" cy="1812876"/>
+            <a:off x="87004" y="3761450"/>
+            <a:ext cx="4041113" cy="2795430"/>
           </a:xfrm>
           <a:prstGeom prst="rect">
             <a:avLst/>
@@ -4575,10 +4524,10 @@
       </p:pic>
       <p:pic>
         <p:nvPicPr>
-          <p:cNvPr id="6" name="Grafik 5" descr="Ein Bild, das Text, Screenshot, Reihe, Diagramm enthält.&#10;&#10;Automatisch generierte Beschreibung">
+          <p:cNvPr id="9" name="Grafik 8" descr="Ein Bild, das Text, Reihe, Diagramm, Screenshot enthält.&#10;&#10;Automatisch generierte Beschreibung">
             <a:extLst>
               <a:ext uri="{FF2B5EF4-FFF2-40B4-BE49-F238E27FC236}">
-                <a16:creationId xmlns:a16="http://schemas.microsoft.com/office/drawing/2014/main" id="{271DA694-06EF-2E11-1896-6161B2A59CED}"/>
+                <a16:creationId xmlns:a16="http://schemas.microsoft.com/office/drawing/2014/main" id="{3885F3B8-071F-B9F8-5AAB-222FC892F292}"/>
               </a:ext>
             </a:extLst>
           </p:cNvPr>
@@ -4595,13 +4544,13 @@
               </a:ext>
             </a:extLst>
           </a:blip>
-          <a:srcRect t="3155"/>
+          <a:srcRect t="2379"/>
           <a:stretch/>
         </p:blipFill>
         <p:spPr>
           <a:xfrm>
-            <a:off x="393130" y="2702091"/>
-            <a:ext cx="3018447" cy="2088003"/>
+            <a:off x="4117226" y="3761449"/>
+            <a:ext cx="3946659" cy="2751987"/>
           </a:xfrm>
           <a:prstGeom prst="rect">
             <a:avLst/>
@@ -4610,10 +4559,10 @@
       </p:pic>
       <p:pic>
         <p:nvPicPr>
-          <p:cNvPr id="9" name="Grafik 8" descr="Ein Bild, das Text, Reihe, Diagramm, Screenshot enthält.&#10;&#10;Automatisch generierte Beschreibung">
+          <p:cNvPr id="13" name="Grafik 12" descr="Ein Bild, das Text, Reihe, Diagramm, Screenshot enthält.&#10;&#10;Automatisch generierte Beschreibung">
             <a:extLst>
               <a:ext uri="{FF2B5EF4-FFF2-40B4-BE49-F238E27FC236}">
-                <a16:creationId xmlns:a16="http://schemas.microsoft.com/office/drawing/2014/main" id="{3885F3B8-071F-B9F8-5AAB-222FC892F292}"/>
+                <a16:creationId xmlns:a16="http://schemas.microsoft.com/office/drawing/2014/main" id="{3BCC32E3-3C2B-CC37-433A-04AFEA9CEDE0}"/>
               </a:ext>
             </a:extLst>
           </p:cNvPr>
@@ -4630,13 +4579,13 @@
               </a:ext>
             </a:extLst>
           </a:blip>
-          <a:srcRect t="2379"/>
+          <a:srcRect t="3155"/>
           <a:stretch/>
         </p:blipFill>
         <p:spPr>
           <a:xfrm>
-            <a:off x="4646457" y="2681147"/>
-            <a:ext cx="3058589" cy="2132740"/>
+            <a:off x="4117226" y="481426"/>
+            <a:ext cx="3978312" cy="2751987"/>
           </a:xfrm>
           <a:prstGeom prst="rect">
             <a:avLst/>
@@ -4645,10 +4594,10 @@
       </p:pic>
       <p:pic>
         <p:nvPicPr>
-          <p:cNvPr id="13" name="Grafik 12" descr="Ein Bild, das Text, Reihe, Diagramm, Screenshot enthält.&#10;&#10;Automatisch generierte Beschreibung">
+          <p:cNvPr id="17" name="Grafik 16" descr="Ein Bild, das Text, Diagramm, Reihe, Screenshot enthält.&#10;&#10;Automatisch generierte Beschreibung">
             <a:extLst>
               <a:ext uri="{FF2B5EF4-FFF2-40B4-BE49-F238E27FC236}">
-                <a16:creationId xmlns:a16="http://schemas.microsoft.com/office/drawing/2014/main" id="{3BCC32E3-3C2B-CC37-433A-04AFEA9CEDE0}"/>
+                <a16:creationId xmlns:a16="http://schemas.microsoft.com/office/drawing/2014/main" id="{09F1FBE1-2635-A9ED-D04E-A77350B5742C}"/>
               </a:ext>
             </a:extLst>
           </p:cNvPr>
@@ -4665,48 +4614,13 @@
               </a:ext>
             </a:extLst>
           </a:blip>
-          <a:srcRect t="3155"/>
-          <a:stretch/>
-        </p:blipFill>
-        <p:spPr>
-          <a:xfrm>
-            <a:off x="4686599" y="391171"/>
-            <a:ext cx="3054648" cy="2113045"/>
-          </a:xfrm>
-          <a:prstGeom prst="rect">
-            <a:avLst/>
-          </a:prstGeom>
-        </p:spPr>
-      </p:pic>
-      <p:pic>
-        <p:nvPicPr>
-          <p:cNvPr id="17" name="Grafik 16" descr="Ein Bild, das Text, Diagramm, Reihe, Screenshot enthält.&#10;&#10;Automatisch generierte Beschreibung">
-            <a:extLst>
-              <a:ext uri="{FF2B5EF4-FFF2-40B4-BE49-F238E27FC236}">
-                <a16:creationId xmlns:a16="http://schemas.microsoft.com/office/drawing/2014/main" id="{09F1FBE1-2635-A9ED-D04E-A77350B5742C}"/>
-              </a:ext>
-            </a:extLst>
-          </p:cNvPr>
-          <p:cNvPicPr>
-            <a:picLocks noChangeAspect="1"/>
-          </p:cNvPicPr>
-          <p:nvPr/>
-        </p:nvPicPr>
-        <p:blipFill>
-          <a:blip r:embed="rId6" cstate="print">
-            <a:extLst>
-              <a:ext uri="{28A0092B-C50C-407E-A947-70E740481C1C}">
-                <a14:useLocalDpi xmlns:a14="http://schemas.microsoft.com/office/drawing/2010/main" val="0"/>
-              </a:ext>
-            </a:extLst>
-          </a:blip>
           <a:srcRect t="2185"/>
           <a:stretch/>
         </p:blipFill>
         <p:spPr>
           <a:xfrm>
-            <a:off x="393131" y="391173"/>
-            <a:ext cx="3024327" cy="2113044"/>
+            <a:off x="256005" y="528036"/>
+            <a:ext cx="3872112" cy="2705377"/>
           </a:xfrm>
           <a:prstGeom prst="rect">
             <a:avLst/>
@@ -4910,8 +4824,8 @@
         </p:blipFill>
         <p:spPr>
           <a:xfrm>
-            <a:off x="4159355" y="730186"/>
-            <a:ext cx="3873290" cy="2698814"/>
+            <a:off x="4044681" y="730186"/>
+            <a:ext cx="3987964" cy="2778716"/>
           </a:xfrm>
           <a:prstGeom prst="rect">
             <a:avLst/>
@@ -4945,8 +4859,8 @@
         </p:blipFill>
         <p:spPr>
           <a:xfrm>
-            <a:off x="2356605" y="3746534"/>
-            <a:ext cx="3605500" cy="2512224"/>
+            <a:off x="2088815" y="3826435"/>
+            <a:ext cx="3873290" cy="2698814"/>
           </a:xfrm>
           <a:prstGeom prst="rect">
             <a:avLst/>
@@ -4980,8 +4894,8 @@
         </p:blipFill>
         <p:spPr>
           <a:xfrm>
-            <a:off x="330241" y="730186"/>
-            <a:ext cx="3758618" cy="2618913"/>
+            <a:off x="215569" y="730186"/>
+            <a:ext cx="3873290" cy="2698814"/>
           </a:xfrm>
           <a:prstGeom prst="rect">
             <a:avLst/>
@@ -5115,13 +5029,49 @@
           <a:p>
             <a:pPr algn="ctr" fontAlgn="auto"/>
             <a:r>
-              <a:rPr lang="de-DE" altLang="en-US">
-                <a:solidFill>
-                  <a:srgbClr val="61A5C2"/>
-                </a:solidFill>
-                <a:latin typeface="Calibri" charset="0"/>
-              </a:rPr>
-              <a:t>Cross Validation Restults - Supercoductivity Dataset</a:t>
+              <a:rPr lang="de-DE" altLang="en-US" dirty="0">
+                <a:solidFill>
+                  <a:srgbClr val="61A5C2"/>
+                </a:solidFill>
+                <a:latin typeface="Calibri" charset="0"/>
+              </a:rPr>
+              <a:t>Cross Validation </a:t>
+            </a:r>
+            <a:r>
+              <a:rPr lang="de-DE" altLang="en-US" dirty="0" err="1">
+                <a:solidFill>
+                  <a:srgbClr val="61A5C2"/>
+                </a:solidFill>
+                <a:latin typeface="Calibri" charset="0"/>
+              </a:rPr>
+              <a:t>Results</a:t>
+            </a:r>
+            <a:r>
+              <a:rPr lang="de-DE" altLang="en-US" dirty="0">
+                <a:solidFill>
+                  <a:srgbClr val="61A5C2"/>
+                </a:solidFill>
+                <a:latin typeface="Calibri" charset="0"/>
+              </a:rPr>
+              <a:t> - </a:t>
+            </a:r>
+            <a:r>
+              <a:rPr lang="de-DE" altLang="en-US" dirty="0" err="1">
+                <a:solidFill>
+                  <a:srgbClr val="61A5C2"/>
+                </a:solidFill>
+                <a:latin typeface="Calibri" charset="0"/>
+              </a:rPr>
+              <a:t>Superconductivity</a:t>
+            </a:r>
+            <a:r>
+              <a:rPr lang="de-DE" altLang="en-US" dirty="0">
+                <a:solidFill>
+                  <a:srgbClr val="61A5C2"/>
+                </a:solidFill>
+                <a:latin typeface="Calibri" charset="0"/>
+              </a:rPr>
+              <a:t> Dataset</a:t>
             </a:r>
           </a:p>
         </p:txBody>
@@ -5273,13 +5223,40 @@
           <a:p>
             <a:pPr algn="ctr" fontAlgn="auto"/>
             <a:r>
-              <a:rPr lang="de-DE" altLang="en-US">
-                <a:solidFill>
-                  <a:srgbClr val="61A5C2"/>
-                </a:solidFill>
-                <a:latin typeface="Calibri" charset="0"/>
-              </a:rPr>
-              <a:t>Runtime - Superconductivity</a:t>
+              <a:rPr lang="de-DE" altLang="en-US" dirty="0" err="1">
+                <a:solidFill>
+                  <a:srgbClr val="61A5C2"/>
+                </a:solidFill>
+                <a:latin typeface="Calibri" charset="0"/>
+              </a:rPr>
+              <a:t>Runtime</a:t>
+            </a:r>
+            <a:r>
+              <a:rPr lang="de-DE" altLang="en-US" dirty="0">
+                <a:solidFill>
+                  <a:srgbClr val="61A5C2"/>
+                </a:solidFill>
+                <a:latin typeface="Calibri" charset="0"/>
+              </a:rPr>
+              <a:t> – </a:t>
+            </a:r>
+            <a:r>
+              <a:rPr lang="de-DE" altLang="en-US" dirty="0" err="1">
+                <a:solidFill>
+                  <a:srgbClr val="61A5C2"/>
+                </a:solidFill>
+                <a:latin typeface="Calibri" charset="0"/>
+              </a:rPr>
+              <a:t>Superconductivity</a:t>
+            </a:r>
+            <a:r>
+              <a:rPr lang="de-DE" altLang="en-US" dirty="0">
+                <a:solidFill>
+                  <a:srgbClr val="61A5C2"/>
+                </a:solidFill>
+                <a:latin typeface="Calibri" charset="0"/>
+              </a:rPr>
+              <a:t> Dataset</a:t>
             </a:r>
           </a:p>
         </p:txBody>
@@ -5311,6 +5288,513 @@
         </p:spPr>
       </p:pic>
     </p:spTree>
+  </p:cSld>
+  <p:clrMapOvr>
+    <a:masterClrMapping/>
+  </p:clrMapOvr>
+</p:sld>
+</file>
+
+<file path=ppt/slides/slide19.xml><?xml version="1.0" encoding="utf-8"?>
+<p:sld xmlns:a="http://schemas.openxmlformats.org/drawingml/2006/main" xmlns:r="http://schemas.openxmlformats.org/officeDocument/2006/relationships" xmlns:p="http://schemas.openxmlformats.org/presentationml/2006/main">
+  <p:cSld>
+    <p:spTree>
+      <p:nvGrpSpPr>
+        <p:cNvPr id="1" name=""/>
+        <p:cNvGrpSpPr/>
+        <p:nvPr/>
+      </p:nvGrpSpPr>
+      <p:grpSpPr>
+        <a:xfrm>
+          <a:off x="0" y="0"/>
+          <a:ext cx="0" cy="0"/>
+          <a:chOff x="0" y="0"/>
+          <a:chExt cx="0" cy="0"/>
+        </a:xfrm>
+      </p:grpSpPr>
+      <p:sp>
+        <p:nvSpPr>
+          <p:cNvPr id="2" name="Titel 1">
+            <a:extLst>
+              <a:ext uri="{FF2B5EF4-FFF2-40B4-BE49-F238E27FC236}">
+                <a16:creationId xmlns:a16="http://schemas.microsoft.com/office/drawing/2014/main" id="{E7E230DC-BABC-D56F-55A2-6B881845D4F4}"/>
+              </a:ext>
+            </a:extLst>
+          </p:cNvPr>
+          <p:cNvSpPr>
+            <a:spLocks noGrp="1"/>
+          </p:cNvSpPr>
+          <p:nvPr>
+            <p:ph type="title"/>
+          </p:nvPr>
+        </p:nvSpPr>
+        <p:spPr>
+          <a:xfrm>
+            <a:off x="838200" y="134157"/>
+            <a:ext cx="10515600" cy="1325563"/>
+          </a:xfrm>
+        </p:spPr>
+        <p:txBody>
+          <a:bodyPr/>
+          <a:lstStyle/>
+          <a:p>
+            <a:pPr algn="ctr"/>
+            <a:r>
+              <a:rPr lang="de-AT" dirty="0" err="1">
+                <a:solidFill>
+                  <a:srgbClr val="61A5C2"/>
+                </a:solidFill>
+                <a:latin typeface="Calibri" charset="0"/>
+              </a:rPr>
+              <a:t>Sensitivity</a:t>
+            </a:r>
+            <a:r>
+              <a:rPr lang="de-AT" dirty="0">
+                <a:solidFill>
+                  <a:srgbClr val="61A5C2"/>
+                </a:solidFill>
+                <a:latin typeface="Calibri" charset="0"/>
+              </a:rPr>
+              <a:t> </a:t>
+            </a:r>
+            <a:r>
+              <a:rPr lang="de-AT" dirty="0" err="1">
+                <a:solidFill>
+                  <a:srgbClr val="61A5C2"/>
+                </a:solidFill>
+                <a:latin typeface="Calibri" charset="0"/>
+              </a:rPr>
+              <a:t>min_samples_split</a:t>
+            </a:r>
+            <a:r>
+              <a:rPr lang="de-AT" dirty="0">
+                <a:solidFill>
+                  <a:srgbClr val="61A5C2"/>
+                </a:solidFill>
+                <a:latin typeface="Calibri" charset="0"/>
+              </a:rPr>
+              <a:t>, </a:t>
+            </a:r>
+            <a:r>
+              <a:rPr lang="de-AT" dirty="0" err="1">
+                <a:solidFill>
+                  <a:srgbClr val="61A5C2"/>
+                </a:solidFill>
+                <a:latin typeface="Calibri" charset="0"/>
+              </a:rPr>
+              <a:t>nb_estimators</a:t>
+            </a:r>
+            <a:r>
+              <a:rPr lang="de-AT" dirty="0">
+                <a:solidFill>
+                  <a:srgbClr val="61A5C2"/>
+                </a:solidFill>
+                <a:latin typeface="Calibri" charset="0"/>
+              </a:rPr>
+              <a:t>/</a:t>
+            </a:r>
+            <a:r>
+              <a:rPr lang="de-AT" dirty="0" err="1">
+                <a:solidFill>
+                  <a:srgbClr val="61A5C2"/>
+                </a:solidFill>
+                <a:latin typeface="Calibri" charset="0"/>
+              </a:rPr>
+              <a:t>trees</a:t>
+            </a:r>
+            <a:endParaRPr lang="de-AT" dirty="0">
+              <a:solidFill>
+                <a:srgbClr val="61A5C2"/>
+              </a:solidFill>
+              <a:latin typeface="Calibri" charset="0"/>
+            </a:endParaRPr>
+          </a:p>
+        </p:txBody>
+      </p:sp>
+      <p:sp>
+        <p:nvSpPr>
+          <p:cNvPr id="4" name="Textfeld 3">
+            <a:extLst>
+              <a:ext uri="{FF2B5EF4-FFF2-40B4-BE49-F238E27FC236}">
+                <a16:creationId xmlns:a16="http://schemas.microsoft.com/office/drawing/2014/main" id="{EA3FD169-E32E-655C-66D7-F5E1E817EA5C}"/>
+              </a:ext>
+            </a:extLst>
+          </p:cNvPr>
+          <p:cNvSpPr txBox="1"/>
+          <p:nvPr/>
+        </p:nvSpPr>
+        <p:spPr>
+          <a:xfrm>
+            <a:off x="1544715" y="1275054"/>
+            <a:ext cx="2432845" cy="400110"/>
+          </a:xfrm>
+          <a:prstGeom prst="rect">
+            <a:avLst/>
+          </a:prstGeom>
+          <a:noFill/>
+        </p:spPr>
+        <p:txBody>
+          <a:bodyPr wrap="none" rtlCol="0">
+            <a:spAutoFit/>
+          </a:bodyPr>
+          <a:lstStyle/>
+          <a:p>
+            <a:r>
+              <a:rPr lang="de-AT" sz="2000" b="1" dirty="0" err="1">
+                <a:solidFill>
+                  <a:srgbClr val="61A5C2"/>
+                </a:solidFill>
+                <a:effectLst>
+                  <a:outerShdw blurRad="38100" dist="38100" dir="2700000" algn="tl">
+                    <a:srgbClr val="000000">
+                      <a:alpha val="43137"/>
+                    </a:srgbClr>
+                  </a:outerShdw>
+                </a:effectLst>
+                <a:latin typeface="Calibri" charset="0"/>
+                <a:ea typeface="+mj-ea"/>
+                <a:cs typeface="+mj-cs"/>
+              </a:rPr>
+              <a:t>Our</a:t>
+            </a:r>
+            <a:r>
+              <a:rPr lang="de-AT" sz="2000" b="1" dirty="0">
+                <a:solidFill>
+                  <a:srgbClr val="61A5C2"/>
+                </a:solidFill>
+                <a:effectLst>
+                  <a:outerShdw blurRad="38100" dist="38100" dir="2700000" algn="tl">
+                    <a:srgbClr val="000000">
+                      <a:alpha val="43137"/>
+                    </a:srgbClr>
+                  </a:outerShdw>
+                </a:effectLst>
+                <a:latin typeface="Calibri" charset="0"/>
+                <a:ea typeface="+mj-ea"/>
+                <a:cs typeface="+mj-cs"/>
+              </a:rPr>
+              <a:t> Implementation:</a:t>
+            </a:r>
+          </a:p>
+        </p:txBody>
+      </p:sp>
+      <p:sp>
+        <p:nvSpPr>
+          <p:cNvPr id="5" name="Textfeld 4">
+            <a:extLst>
+              <a:ext uri="{FF2B5EF4-FFF2-40B4-BE49-F238E27FC236}">
+                <a16:creationId xmlns:a16="http://schemas.microsoft.com/office/drawing/2014/main" id="{0CE17C52-5F8C-8B52-DE2A-3AD4E864181D}"/>
+              </a:ext>
+            </a:extLst>
+          </p:cNvPr>
+          <p:cNvSpPr txBox="1"/>
+          <p:nvPr/>
+        </p:nvSpPr>
+        <p:spPr>
+          <a:xfrm>
+            <a:off x="8052487" y="1275054"/>
+            <a:ext cx="1032655" cy="400110"/>
+          </a:xfrm>
+          <a:prstGeom prst="rect">
+            <a:avLst/>
+          </a:prstGeom>
+          <a:noFill/>
+        </p:spPr>
+        <p:txBody>
+          <a:bodyPr wrap="none" rtlCol="0">
+            <a:spAutoFit/>
+          </a:bodyPr>
+          <a:lstStyle/>
+          <a:p>
+            <a:r>
+              <a:rPr lang="de-AT" sz="2000" b="1" dirty="0" err="1">
+                <a:solidFill>
+                  <a:srgbClr val="61A5C2"/>
+                </a:solidFill>
+                <a:effectLst>
+                  <a:outerShdw blurRad="38100" dist="38100" dir="2700000" algn="tl">
+                    <a:srgbClr val="000000">
+                      <a:alpha val="43137"/>
+                    </a:srgbClr>
+                  </a:outerShdw>
+                </a:effectLst>
+                <a:latin typeface="Calibri" charset="0"/>
+                <a:ea typeface="+mj-ea"/>
+                <a:cs typeface="+mj-cs"/>
+              </a:rPr>
+              <a:t>scikit</a:t>
+            </a:r>
+            <a:r>
+              <a:rPr lang="de-AT" sz="2000" b="1" dirty="0">
+                <a:solidFill>
+                  <a:srgbClr val="61A5C2"/>
+                </a:solidFill>
+                <a:effectLst>
+                  <a:outerShdw blurRad="38100" dist="38100" dir="2700000" algn="tl">
+                    <a:srgbClr val="000000">
+                      <a:alpha val="43137"/>
+                    </a:srgbClr>
+                  </a:outerShdw>
+                </a:effectLst>
+                <a:latin typeface="Calibri" charset="0"/>
+                <a:ea typeface="+mj-ea"/>
+                <a:cs typeface="+mj-cs"/>
+              </a:rPr>
+              <a:t> </a:t>
+            </a:r>
+            <a:r>
+              <a:rPr lang="de-AT" sz="2000" b="1" dirty="0" err="1">
+                <a:solidFill>
+                  <a:srgbClr val="61A5C2"/>
+                </a:solidFill>
+                <a:effectLst>
+                  <a:outerShdw blurRad="38100" dist="38100" dir="2700000" algn="tl">
+                    <a:srgbClr val="000000">
+                      <a:alpha val="43137"/>
+                    </a:srgbClr>
+                  </a:outerShdw>
+                </a:effectLst>
+                <a:latin typeface="Calibri" charset="0"/>
+                <a:ea typeface="+mj-ea"/>
+                <a:cs typeface="+mj-cs"/>
+              </a:rPr>
+              <a:t>rf</a:t>
+            </a:r>
+            <a:r>
+              <a:rPr lang="de-AT" sz="2000" b="1" dirty="0">
+                <a:solidFill>
+                  <a:srgbClr val="61A5C2"/>
+                </a:solidFill>
+                <a:effectLst>
+                  <a:outerShdw blurRad="38100" dist="38100" dir="2700000" algn="tl">
+                    <a:srgbClr val="000000">
+                      <a:alpha val="43137"/>
+                    </a:srgbClr>
+                  </a:outerShdw>
+                </a:effectLst>
+                <a:latin typeface="Calibri" charset="0"/>
+                <a:ea typeface="+mj-ea"/>
+                <a:cs typeface="+mj-cs"/>
+              </a:rPr>
+              <a:t>:</a:t>
+            </a:r>
+          </a:p>
+        </p:txBody>
+      </p:sp>
+      <p:sp>
+        <p:nvSpPr>
+          <p:cNvPr id="7" name="Rechteck 6">
+            <a:extLst>
+              <a:ext uri="{FF2B5EF4-FFF2-40B4-BE49-F238E27FC236}">
+                <a16:creationId xmlns:a16="http://schemas.microsoft.com/office/drawing/2014/main" id="{C9E9ABDA-450D-EECF-966E-C0601824F218}"/>
+              </a:ext>
+            </a:extLst>
+          </p:cNvPr>
+          <p:cNvSpPr/>
+          <p:nvPr/>
+        </p:nvSpPr>
+        <p:spPr>
+          <a:xfrm>
+            <a:off x="1047565" y="1730153"/>
+            <a:ext cx="3870664" cy="4993690"/>
+          </a:xfrm>
+          <a:prstGeom prst="rect">
+            <a:avLst/>
+          </a:prstGeom>
+        </p:spPr>
+        <p:style>
+          <a:lnRef idx="2">
+            <a:schemeClr val="dk1"/>
+          </a:lnRef>
+          <a:fillRef idx="1">
+            <a:schemeClr val="lt1"/>
+          </a:fillRef>
+          <a:effectRef idx="0">
+            <a:schemeClr val="dk1"/>
+          </a:effectRef>
+          <a:fontRef idx="minor">
+            <a:schemeClr val="dk1"/>
+          </a:fontRef>
+        </p:style>
+        <p:txBody>
+          <a:bodyPr rtlCol="0" anchor="ctr"/>
+          <a:lstStyle/>
+          <a:p>
+            <a:pPr algn="ctr"/>
+            <a:endParaRPr lang="en-AT"/>
+          </a:p>
+        </p:txBody>
+      </p:sp>
+      <p:sp>
+        <p:nvSpPr>
+          <p:cNvPr id="8" name="Rechteck 7">
+            <a:extLst>
+              <a:ext uri="{FF2B5EF4-FFF2-40B4-BE49-F238E27FC236}">
+                <a16:creationId xmlns:a16="http://schemas.microsoft.com/office/drawing/2014/main" id="{DE411EE1-5D8E-FE5A-0B47-65B4D16F57A2}"/>
+              </a:ext>
+            </a:extLst>
+          </p:cNvPr>
+          <p:cNvSpPr/>
+          <p:nvPr/>
+        </p:nvSpPr>
+        <p:spPr>
+          <a:xfrm>
+            <a:off x="6596109" y="1730153"/>
+            <a:ext cx="4012707" cy="4993690"/>
+          </a:xfrm>
+          <a:prstGeom prst="rect">
+            <a:avLst/>
+          </a:prstGeom>
+        </p:spPr>
+        <p:style>
+          <a:lnRef idx="2">
+            <a:schemeClr val="dk1"/>
+          </a:lnRef>
+          <a:fillRef idx="1">
+            <a:schemeClr val="lt1"/>
+          </a:fillRef>
+          <a:effectRef idx="0">
+            <a:schemeClr val="dk1"/>
+          </a:effectRef>
+          <a:fontRef idx="minor">
+            <a:schemeClr val="dk1"/>
+          </a:fontRef>
+        </p:style>
+        <p:txBody>
+          <a:bodyPr rtlCol="0" anchor="ctr"/>
+          <a:lstStyle/>
+          <a:p>
+            <a:pPr algn="ctr"/>
+            <a:endParaRPr lang="en-AT"/>
+          </a:p>
+        </p:txBody>
+      </p:sp>
+      <p:pic>
+        <p:nvPicPr>
+          <p:cNvPr id="11" name="Grafik 10">
+            <a:extLst>
+              <a:ext uri="{FF2B5EF4-FFF2-40B4-BE49-F238E27FC236}">
+                <a16:creationId xmlns:a16="http://schemas.microsoft.com/office/drawing/2014/main" id="{3C212B0D-658A-B894-8018-EADA90842305}"/>
+              </a:ext>
+            </a:extLst>
+          </p:cNvPr>
+          <p:cNvPicPr>
+            <a:picLocks noChangeAspect="1"/>
+          </p:cNvPicPr>
+          <p:nvPr/>
+        </p:nvPicPr>
+        <p:blipFill>
+          <a:blip r:embed="rId2"/>
+          <a:stretch>
+            <a:fillRect/>
+          </a:stretch>
+        </p:blipFill>
+        <p:spPr>
+          <a:xfrm>
+            <a:off x="1265878" y="1812381"/>
+            <a:ext cx="3430410" cy="2385575"/>
+          </a:xfrm>
+          <a:prstGeom prst="rect">
+            <a:avLst/>
+          </a:prstGeom>
+        </p:spPr>
+      </p:pic>
+      <p:pic>
+        <p:nvPicPr>
+          <p:cNvPr id="13" name="Grafik 12">
+            <a:extLst>
+              <a:ext uri="{FF2B5EF4-FFF2-40B4-BE49-F238E27FC236}">
+                <a16:creationId xmlns:a16="http://schemas.microsoft.com/office/drawing/2014/main" id="{1FD75C3A-8E96-7D89-20F9-DCC6714A6498}"/>
+              </a:ext>
+            </a:extLst>
+          </p:cNvPr>
+          <p:cNvPicPr>
+            <a:picLocks noChangeAspect="1"/>
+          </p:cNvPicPr>
+          <p:nvPr/>
+        </p:nvPicPr>
+        <p:blipFill>
+          <a:blip r:embed="rId3"/>
+          <a:stretch>
+            <a:fillRect/>
+          </a:stretch>
+        </p:blipFill>
+        <p:spPr>
+          <a:xfrm>
+            <a:off x="1266530" y="4197956"/>
+            <a:ext cx="3429758" cy="2385575"/>
+          </a:xfrm>
+          <a:prstGeom prst="rect">
+            <a:avLst/>
+          </a:prstGeom>
+        </p:spPr>
+      </p:pic>
+      <p:pic>
+        <p:nvPicPr>
+          <p:cNvPr id="15" name="Grafik 14">
+            <a:extLst>
+              <a:ext uri="{FF2B5EF4-FFF2-40B4-BE49-F238E27FC236}">
+                <a16:creationId xmlns:a16="http://schemas.microsoft.com/office/drawing/2014/main" id="{8D0BC6FA-64FF-FE83-3FBA-A9A4B3B49363}"/>
+              </a:ext>
+            </a:extLst>
+          </p:cNvPr>
+          <p:cNvPicPr>
+            <a:picLocks noChangeAspect="1"/>
+          </p:cNvPicPr>
+          <p:nvPr/>
+        </p:nvPicPr>
+        <p:blipFill>
+          <a:blip r:embed="rId4"/>
+          <a:stretch>
+            <a:fillRect/>
+          </a:stretch>
+        </p:blipFill>
+        <p:spPr>
+          <a:xfrm>
+            <a:off x="6848153" y="1831844"/>
+            <a:ext cx="3489176" cy="2433381"/>
+          </a:xfrm>
+          <a:prstGeom prst="rect">
+            <a:avLst/>
+          </a:prstGeom>
+        </p:spPr>
+      </p:pic>
+      <p:pic>
+        <p:nvPicPr>
+          <p:cNvPr id="17" name="Grafik 16">
+            <a:extLst>
+              <a:ext uri="{FF2B5EF4-FFF2-40B4-BE49-F238E27FC236}">
+                <a16:creationId xmlns:a16="http://schemas.microsoft.com/office/drawing/2014/main" id="{C997C09A-F6E4-FC8D-1C01-8F5292CC5C8D}"/>
+              </a:ext>
+            </a:extLst>
+          </p:cNvPr>
+          <p:cNvPicPr>
+            <a:picLocks noChangeAspect="1"/>
+          </p:cNvPicPr>
+          <p:nvPr/>
+        </p:nvPicPr>
+        <p:blipFill>
+          <a:blip r:embed="rId5"/>
+          <a:stretch>
+            <a:fillRect/>
+          </a:stretch>
+        </p:blipFill>
+        <p:spPr>
+          <a:xfrm>
+            <a:off x="6872081" y="4320214"/>
+            <a:ext cx="3441319" cy="2403629"/>
+          </a:xfrm>
+          <a:prstGeom prst="rect">
+            <a:avLst/>
+          </a:prstGeom>
+        </p:spPr>
+      </p:pic>
+    </p:spTree>
+    <p:extLst>
+      <p:ext uri="{BB962C8B-B14F-4D97-AF65-F5344CB8AC3E}">
+        <p14:creationId xmlns:p14="http://schemas.microsoft.com/office/powerpoint/2010/main" val="793156583"/>
+      </p:ext>
+    </p:extLst>
   </p:cSld>
   <p:clrMapOvr>
     <a:masterClrMapping/>
@@ -5467,8 +5951,8 @@
         </p:blipFill>
         <p:spPr>
           <a:xfrm>
-            <a:off x="2512060" y="1825625"/>
-            <a:ext cx="6786245" cy="4351655"/>
+            <a:off x="2234989" y="1584008"/>
+            <a:ext cx="7341021" cy="4707403"/>
           </a:xfrm>
           <a:prstGeom prst="rect">
             <a:avLst/>

--- a/Exercise_2/Exercie2_slides.pptx
+++ b/Exercise_2/Exercie2_slides.pptx
@@ -5,34 +5,35 @@
     <p:sldMasterId id="2147483648" r:id="rId1"/>
   </p:sldMasterIdLst>
   <p:notesMasterIdLst>
-    <p:notesMasterId r:id="rId21"/>
+    <p:notesMasterId r:id="rId23"/>
   </p:notesMasterIdLst>
   <p:handoutMasterIdLst>
-    <p:handoutMasterId r:id="rId22"/>
+    <p:handoutMasterId r:id="rId24"/>
   </p:handoutMasterIdLst>
   <p:sldIdLst>
-    <p:sldId id="256" r:id="rId2"/>
-    <p:sldId id="258" r:id="rId3"/>
-    <p:sldId id="260" r:id="rId4"/>
-    <p:sldId id="261" r:id="rId5"/>
-    <p:sldId id="266" r:id="rId6"/>
-    <p:sldId id="263" r:id="rId7"/>
-    <p:sldId id="264" r:id="rId8"/>
-    <p:sldId id="273" r:id="rId9"/>
-    <p:sldId id="267" r:id="rId10"/>
-    <p:sldId id="257" r:id="rId11"/>
-    <p:sldId id="274" r:id="rId12"/>
-    <p:sldId id="276" r:id="rId13"/>
-    <p:sldId id="278" r:id="rId14"/>
-    <p:sldId id="277" r:id="rId15"/>
-    <p:sldId id="268" r:id="rId16"/>
-    <p:sldId id="272" r:id="rId17"/>
-    <p:sldId id="265" r:id="rId18"/>
-    <p:sldId id="269" r:id="rId19"/>
-    <p:sldId id="279" r:id="rId20"/>
+    <p:sldId id="256" r:id="rId3"/>
+    <p:sldId id="258" r:id="rId4"/>
+    <p:sldId id="260" r:id="rId5"/>
+    <p:sldId id="261" r:id="rId6"/>
+    <p:sldId id="266" r:id="rId7"/>
+    <p:sldId id="263" r:id="rId8"/>
+    <p:sldId id="264" r:id="rId9"/>
+    <p:sldId id="273" r:id="rId10"/>
+    <p:sldId id="267" r:id="rId11"/>
+    <p:sldId id="257" r:id="rId12"/>
+    <p:sldId id="274" r:id="rId13"/>
+    <p:sldId id="276" r:id="rId14"/>
+    <p:sldId id="278" r:id="rId15"/>
+    <p:sldId id="277" r:id="rId16"/>
+    <p:sldId id="268" r:id="rId17"/>
+    <p:sldId id="272" r:id="rId18"/>
+    <p:sldId id="285" r:id="rId19"/>
+    <p:sldId id="265" r:id="rId20"/>
+    <p:sldId id="269" r:id="rId21"/>
+    <p:sldId id="279" r:id="rId22"/>
   </p:sldIdLst>
   <p:sldSz cx="12192000" cy="6858000"/>
-  <p:notesSz cx="7104063" cy="10234613"/>
+  <p:notesSz cx="7103745" cy="10234295"/>
   <p:defaultTextStyle>
     <a:defPPr>
       <a:defRPr lang="zh-CN"/>
@@ -128,23 +129,13 @@
       </a:defRPr>
     </a:lvl9pPr>
   </p:defaultTextStyle>
-  <p:extLst>
-    <p:ext uri="{EFAFB233-063F-42B5-8137-9DF3F51BA10A}">
-      <p15:sldGuideLst xmlns:p15="http://schemas.microsoft.com/office/powerpoint/2012/main">
-        <p15:guide id="1" orient="horz" pos="2160">
-          <p15:clr>
-            <a:srgbClr val="A4A3A4"/>
-          </p15:clr>
-        </p15:guide>
-        <p15:guide id="2" pos="3840">
-          <p15:clr>
-            <a:srgbClr val="A4A3A4"/>
-          </p15:clr>
-        </p15:guide>
-      </p15:sldGuideLst>
-    </p:ext>
-  </p:extLst>
 </p:presentation>
+</file>
+
+<file path=ppt/commentAuthors.xml><?xml version="1.0" encoding="utf-8"?>
+<p:cmAuthorLst xmlns:a="http://schemas.openxmlformats.org/drawingml/2006/main" xmlns:r="http://schemas.openxmlformats.org/officeDocument/2006/relationships" xmlns:p="http://schemas.openxmlformats.org/presentationml/2006/main">
+  <p:cmAuthor id="1" name="lukas" initials="l" lastIdx="1" clrIdx="0"/>
+</p:cmAuthorLst>
 </file>
 
 <file path=ppt/handoutMasters/handoutMaster1.xml><?xml version="1.0" encoding="utf-8"?>
@@ -229,7 +220,6 @@
           <a:p>
             <a:fld id="{0F9B84EA-7D68-4D60-9CB1-D50884785D1C}" type="datetimeFigureOut">
               <a:rPr lang="zh-CN" altLang="en-US" smtClean="0"/>
-              <a:t>2024/12/15</a:t>
             </a:fld>
             <a:endParaRPr lang="zh-CN" altLang="en-US"/>
           </a:p>
@@ -295,18 +285,12 @@
           <a:p>
             <a:fld id="{8D4E0FC9-F1F8-4FAE-9988-3BA365CFD46F}" type="slidenum">
               <a:rPr lang="zh-CN" altLang="en-US" smtClean="0"/>
-              <a:t>‹Nr.›</a:t>
             </a:fld>
             <a:endParaRPr lang="zh-CN" altLang="en-US"/>
           </a:p>
         </p:txBody>
       </p:sp>
     </p:spTree>
-    <p:extLst>
-      <p:ext uri="{BB962C8B-B14F-4D97-AF65-F5344CB8AC3E}">
-        <p14:creationId xmlns:p14="http://schemas.microsoft.com/office/powerpoint/2010/main" val="1"/>
-      </p:ext>
-    </p:extLst>
   </p:cSld>
   <p:clrMap bg1="lt1" tx1="dk1" bg2="lt2" tx2="dk2" accent1="accent1" accent2="accent2" accent3="accent3" accent4="accent4" accent5="accent5" accent6="accent6" hlink="hlink" folHlink="folHlink"/>
 </p:handoutMaster>
@@ -394,7 +378,6 @@
           <a:p>
             <a:fld id="{D6C8D182-E4C8-4120-9249-FC9774456FFA}" type="datetimeFigureOut">
               <a:rPr lang="zh-CN" altLang="en-US" smtClean="0"/>
-              <a:t>2024/12/15</a:t>
             </a:fld>
             <a:endParaRPr lang="zh-CN" altLang="en-US"/>
           </a:p>
@@ -461,6 +444,7 @@
               <a:rPr lang="zh-CN" altLang="en-US"/>
               <a:t>编辑母版文本样式</a:t>
             </a:r>
+            <a:endParaRPr lang="zh-CN" altLang="en-US"/>
           </a:p>
           <a:p>
             <a:pPr lvl="1"/>
@@ -468,6 +452,7 @@
               <a:rPr lang="zh-CN" altLang="en-US"/>
               <a:t>第二级</a:t>
             </a:r>
+            <a:endParaRPr lang="zh-CN" altLang="en-US"/>
           </a:p>
           <a:p>
             <a:pPr lvl="2"/>
@@ -475,6 +460,7 @@
               <a:rPr lang="zh-CN" altLang="en-US"/>
               <a:t>第三级</a:t>
             </a:r>
+            <a:endParaRPr lang="zh-CN" altLang="en-US"/>
           </a:p>
           <a:p>
             <a:pPr lvl="3"/>
@@ -482,6 +468,7 @@
               <a:rPr lang="zh-CN" altLang="en-US"/>
               <a:t>第四级</a:t>
             </a:r>
+            <a:endParaRPr lang="zh-CN" altLang="en-US"/>
           </a:p>
           <a:p>
             <a:pPr lvl="4"/>
@@ -489,6 +476,7 @@
               <a:rPr lang="zh-CN" altLang="en-US"/>
               <a:t>第五级</a:t>
             </a:r>
+            <a:endParaRPr lang="zh-CN" altLang="en-US"/>
           </a:p>
         </p:txBody>
       </p:sp>
@@ -552,7 +540,6 @@
           <a:p>
             <a:fld id="{85D0DACE-38E0-42D2-9336-2B707D34BC6D}" type="slidenum">
               <a:rPr lang="zh-CN" altLang="en-US" smtClean="0"/>
-              <a:t>‹Nr.›</a:t>
             </a:fld>
             <a:endParaRPr lang="zh-CN" altLang="en-US"/>
           </a:p>
@@ -716,6 +703,9 @@
               </a:rPr>
               <a:t>Click to edit Master title style</a:t>
             </a:r>
+            <a:endParaRPr lang="zh-CN" altLang="en-US" dirty="0">
+              <a:sym typeface="+mn-ea"/>
+            </a:endParaRPr>
           </a:p>
         </p:txBody>
       </p:sp>
@@ -736,7 +726,6 @@
           <a:p>
             <a:fld id="{760FBDFE-C587-4B4C-A407-44438C67B59E}" type="datetimeFigureOut">
               <a:rPr lang="zh-CN" altLang="en-US" smtClean="0"/>
-              <a:t>2024/12/15</a:t>
             </a:fld>
             <a:endParaRPr lang="zh-CN" altLang="en-US"/>
           </a:p>
@@ -778,7 +767,6 @@
           <a:p>
             <a:fld id="{49AE70B2-8BF9-45C0-BB95-33D1B9D3A854}" type="slidenum">
               <a:rPr lang="zh-CN" altLang="en-US" smtClean="0"/>
-              <a:t>‹Nr.›</a:t>
             </a:fld>
             <a:endParaRPr lang="zh-CN" altLang="en-US"/>
           </a:p>
@@ -857,6 +845,7 @@
               <a:rPr lang="zh-CN" altLang="en-US" dirty="0"/>
               <a:t>Click to edit Master subtitle style</a:t>
             </a:r>
+            <a:endParaRPr lang="zh-CN" altLang="en-US" dirty="0"/>
           </a:p>
         </p:txBody>
       </p:sp>
@@ -902,7 +891,6 @@
           <a:p>
             <a:fld id="{760FBDFE-C587-4B4C-A407-44438C67B59E}" type="datetimeFigureOut">
               <a:rPr lang="zh-CN" altLang="en-US" smtClean="0"/>
-              <a:t>2024/12/15</a:t>
             </a:fld>
             <a:endParaRPr lang="zh-CN" altLang="en-US"/>
           </a:p>
@@ -944,7 +932,6 @@
           <a:p>
             <a:fld id="{49AE70B2-8BF9-45C0-BB95-33D1B9D3A854}" type="slidenum">
               <a:rPr lang="zh-CN" altLang="en-US" smtClean="0"/>
-              <a:t>‹Nr.›</a:t>
             </a:fld>
             <a:endParaRPr lang="zh-CN" altLang="en-US"/>
           </a:p>
@@ -977,6 +964,9 @@
               </a:rPr>
               <a:t>Click to edit Master text styles</a:t>
             </a:r>
+            <a:endParaRPr lang="zh-CN" altLang="en-US" dirty="0">
+              <a:sym typeface="+mn-ea"/>
+            </a:endParaRPr>
           </a:p>
           <a:p>
             <a:pPr lvl="1"/>
@@ -984,6 +974,7 @@
               <a:rPr lang="zh-CN" altLang="en-US" dirty="0"/>
               <a:t>Second level</a:t>
             </a:r>
+            <a:endParaRPr lang="zh-CN" altLang="en-US" dirty="0"/>
           </a:p>
           <a:p>
             <a:pPr lvl="2"/>
@@ -991,6 +982,7 @@
               <a:rPr lang="zh-CN" altLang="en-US" dirty="0"/>
               <a:t>Third level</a:t>
             </a:r>
+            <a:endParaRPr lang="zh-CN" altLang="en-US" dirty="0"/>
           </a:p>
           <a:p>
             <a:pPr lvl="3"/>
@@ -998,6 +990,7 @@
               <a:rPr lang="zh-CN" altLang="en-US" dirty="0"/>
               <a:t>Fourth level</a:t>
             </a:r>
+            <a:endParaRPr lang="zh-CN" altLang="en-US" dirty="0"/>
           </a:p>
           <a:p>
             <a:pPr lvl="4"/>
@@ -1005,6 +998,7 @@
               <a:rPr lang="zh-CN" altLang="en-US" dirty="0"/>
               <a:t>Fifth level</a:t>
             </a:r>
+            <a:endParaRPr lang="zh-CN" altLang="en-US" dirty="0"/>
           </a:p>
         </p:txBody>
       </p:sp>
@@ -1071,6 +1065,7 @@
               <a:rPr lang="zh-CN" altLang="en-US" dirty="0"/>
               <a:t>Click to edit Master title style</a:t>
             </a:r>
+            <a:endParaRPr lang="zh-CN" altLang="en-US" dirty="0"/>
           </a:p>
         </p:txBody>
       </p:sp>
@@ -1154,6 +1149,9 @@
               </a:rPr>
               <a:t>Click to edit Master text styles</a:t>
             </a:r>
+            <a:endParaRPr lang="zh-CN" altLang="en-US" dirty="0">
+              <a:sym typeface="+mn-ea"/>
+            </a:endParaRPr>
           </a:p>
           <a:p>
             <a:pPr lvl="1"/>
@@ -1161,6 +1159,7 @@
               <a:rPr lang="zh-CN" altLang="en-US" dirty="0"/>
               <a:t>Second level</a:t>
             </a:r>
+            <a:endParaRPr lang="zh-CN" altLang="en-US" dirty="0"/>
           </a:p>
           <a:p>
             <a:pPr lvl="2"/>
@@ -1168,6 +1167,7 @@
               <a:rPr lang="zh-CN" altLang="en-US" dirty="0"/>
               <a:t>Third level</a:t>
             </a:r>
+            <a:endParaRPr lang="zh-CN" altLang="en-US" dirty="0"/>
           </a:p>
           <a:p>
             <a:pPr lvl="3"/>
@@ -1175,6 +1175,7 @@
               <a:rPr lang="zh-CN" altLang="en-US" dirty="0"/>
               <a:t>Fourth level</a:t>
             </a:r>
+            <a:endParaRPr lang="zh-CN" altLang="en-US" dirty="0"/>
           </a:p>
           <a:p>
             <a:pPr lvl="4"/>
@@ -1182,6 +1183,7 @@
               <a:rPr lang="zh-CN" altLang="en-US" dirty="0"/>
               <a:t>Fifth level</a:t>
             </a:r>
+            <a:endParaRPr lang="zh-CN" altLang="en-US" dirty="0"/>
           </a:p>
         </p:txBody>
       </p:sp>
@@ -1202,7 +1204,6 @@
           <a:p>
             <a:fld id="{760FBDFE-C587-4B4C-A407-44438C67B59E}" type="datetimeFigureOut">
               <a:rPr lang="zh-CN" altLang="en-US" smtClean="0"/>
-              <a:t>2024/12/15</a:t>
             </a:fld>
             <a:endParaRPr lang="zh-CN" altLang="en-US"/>
           </a:p>
@@ -1244,7 +1245,6 @@
           <a:p>
             <a:fld id="{49AE70B2-8BF9-45C0-BB95-33D1B9D3A854}" type="slidenum">
               <a:rPr lang="zh-CN" altLang="en-US" smtClean="0"/>
-              <a:t>‹Nr.›</a:t>
             </a:fld>
             <a:endParaRPr lang="zh-CN" altLang="en-US"/>
           </a:p>
@@ -1313,6 +1313,7 @@
               <a:rPr lang="zh-CN" altLang="en-US" dirty="0"/>
               <a:t>Click to edit Master title style</a:t>
             </a:r>
+            <a:endParaRPr lang="zh-CN" altLang="en-US" dirty="0"/>
           </a:p>
         </p:txBody>
       </p:sp>
@@ -1434,6 +1435,9 @@
               </a:rPr>
               <a:t>Click to edit Master text styles</a:t>
             </a:r>
+            <a:endParaRPr lang="zh-CN" altLang="en-US" dirty="0">
+              <a:sym typeface="+mn-ea"/>
+            </a:endParaRPr>
           </a:p>
         </p:txBody>
       </p:sp>
@@ -1454,7 +1458,6 @@
           <a:p>
             <a:fld id="{760FBDFE-C587-4B4C-A407-44438C67B59E}" type="datetimeFigureOut">
               <a:rPr lang="zh-CN" altLang="en-US" smtClean="0"/>
-              <a:t>2024/12/15</a:t>
             </a:fld>
             <a:endParaRPr lang="zh-CN" altLang="en-US"/>
           </a:p>
@@ -1496,7 +1499,6 @@
           <a:p>
             <a:fld id="{49AE70B2-8BF9-45C0-BB95-33D1B9D3A854}" type="slidenum">
               <a:rPr lang="zh-CN" altLang="en-US" smtClean="0"/>
-              <a:t>‹Nr.›</a:t>
             </a:fld>
             <a:endParaRPr lang="zh-CN" altLang="en-US"/>
           </a:p>
@@ -1565,6 +1567,7 @@
               <a:rPr lang="zh-CN" altLang="en-US" dirty="0"/>
               <a:t>Click to edit Master title style</a:t>
             </a:r>
+            <a:endParaRPr lang="zh-CN" altLang="en-US" dirty="0"/>
           </a:p>
         </p:txBody>
       </p:sp>
@@ -1663,6 +1666,9 @@
               </a:rPr>
               <a:t>Click to edit Master text styles</a:t>
             </a:r>
+            <a:endParaRPr lang="zh-CN" altLang="en-US" dirty="0">
+              <a:sym typeface="+mn-ea"/>
+            </a:endParaRPr>
           </a:p>
           <a:p>
             <a:pPr lvl="1"/>
@@ -1670,6 +1676,7 @@
               <a:rPr lang="zh-CN" altLang="en-US" dirty="0"/>
               <a:t>Second level</a:t>
             </a:r>
+            <a:endParaRPr lang="zh-CN" altLang="en-US" dirty="0"/>
           </a:p>
           <a:p>
             <a:pPr lvl="2"/>
@@ -1677,6 +1684,7 @@
               <a:rPr lang="zh-CN" altLang="en-US" dirty="0"/>
               <a:t>Third level</a:t>
             </a:r>
+            <a:endParaRPr lang="zh-CN" altLang="en-US" dirty="0"/>
           </a:p>
           <a:p>
             <a:pPr lvl="3"/>
@@ -1684,6 +1692,7 @@
               <a:rPr lang="zh-CN" altLang="en-US" dirty="0"/>
               <a:t>Fourth level</a:t>
             </a:r>
+            <a:endParaRPr lang="zh-CN" altLang="en-US" dirty="0"/>
           </a:p>
           <a:p>
             <a:pPr lvl="4"/>
@@ -1691,6 +1700,7 @@
               <a:rPr lang="zh-CN" altLang="en-US" dirty="0"/>
               <a:t>Fifth level</a:t>
             </a:r>
+            <a:endParaRPr lang="zh-CN" altLang="en-US" dirty="0"/>
           </a:p>
         </p:txBody>
       </p:sp>
@@ -1789,6 +1799,9 @@
               </a:rPr>
               <a:t>Click to edit Master text styles</a:t>
             </a:r>
+            <a:endParaRPr lang="zh-CN" altLang="en-US" dirty="0">
+              <a:sym typeface="+mn-ea"/>
+            </a:endParaRPr>
           </a:p>
           <a:p>
             <a:pPr lvl="1"/>
@@ -1796,6 +1809,7 @@
               <a:rPr lang="zh-CN" altLang="en-US" dirty="0"/>
               <a:t>Second level</a:t>
             </a:r>
+            <a:endParaRPr lang="zh-CN" altLang="en-US" dirty="0"/>
           </a:p>
           <a:p>
             <a:pPr lvl="2"/>
@@ -1803,6 +1817,7 @@
               <a:rPr lang="zh-CN" altLang="en-US" dirty="0"/>
               <a:t>Third level</a:t>
             </a:r>
+            <a:endParaRPr lang="zh-CN" altLang="en-US" dirty="0"/>
           </a:p>
           <a:p>
             <a:pPr lvl="3"/>
@@ -1810,6 +1825,7 @@
               <a:rPr lang="zh-CN" altLang="en-US" dirty="0"/>
               <a:t>Fourth level</a:t>
             </a:r>
+            <a:endParaRPr lang="zh-CN" altLang="en-US" dirty="0"/>
           </a:p>
           <a:p>
             <a:pPr lvl="4"/>
@@ -1817,6 +1833,7 @@
               <a:rPr lang="zh-CN" altLang="en-US" dirty="0"/>
               <a:t>Fifth level</a:t>
             </a:r>
+            <a:endParaRPr lang="zh-CN" altLang="en-US" dirty="0"/>
           </a:p>
         </p:txBody>
       </p:sp>
@@ -1837,7 +1854,6 @@
           <a:p>
             <a:fld id="{760FBDFE-C587-4B4C-A407-44438C67B59E}" type="datetimeFigureOut">
               <a:rPr lang="zh-CN" altLang="en-US" smtClean="0"/>
-              <a:t>2024/12/15</a:t>
             </a:fld>
             <a:endParaRPr lang="zh-CN" altLang="en-US"/>
           </a:p>
@@ -1879,7 +1895,6 @@
           <a:p>
             <a:fld id="{49AE70B2-8BF9-45C0-BB95-33D1B9D3A854}" type="slidenum">
               <a:rPr lang="zh-CN" altLang="en-US" smtClean="0"/>
-              <a:t>‹Nr.›</a:t>
             </a:fld>
             <a:endParaRPr lang="zh-CN" altLang="en-US"/>
           </a:p>
@@ -1934,6 +1949,7 @@
               <a:rPr lang="zh-CN" altLang="en-US"/>
               <a:t>Click to edit Master title style</a:t>
             </a:r>
+            <a:endParaRPr lang="zh-CN" altLang="en-US"/>
           </a:p>
         </p:txBody>
       </p:sp>
@@ -2001,6 +2017,9 @@
               </a:rPr>
               <a:t>Click to edit Master text styles</a:t>
             </a:r>
+            <a:endParaRPr lang="zh-CN" altLang="en-US" dirty="0">
+              <a:sym typeface="+mn-ea"/>
+            </a:endParaRPr>
           </a:p>
         </p:txBody>
       </p:sp>
@@ -2031,6 +2050,9 @@
               </a:rPr>
               <a:t>Click to edit Master text styles</a:t>
             </a:r>
+            <a:endParaRPr lang="zh-CN" altLang="en-US" dirty="0">
+              <a:sym typeface="+mn-ea"/>
+            </a:endParaRPr>
           </a:p>
           <a:p>
             <a:pPr lvl="1"/>
@@ -2038,6 +2060,7 @@
               <a:rPr lang="zh-CN" altLang="en-US" dirty="0"/>
               <a:t>Second level</a:t>
             </a:r>
+            <a:endParaRPr lang="zh-CN" altLang="en-US" dirty="0"/>
           </a:p>
           <a:p>
             <a:pPr lvl="2"/>
@@ -2045,6 +2068,7 @@
               <a:rPr lang="zh-CN" altLang="en-US" dirty="0"/>
               <a:t>Third level</a:t>
             </a:r>
+            <a:endParaRPr lang="zh-CN" altLang="en-US" dirty="0"/>
           </a:p>
           <a:p>
             <a:pPr lvl="3"/>
@@ -2052,6 +2076,7 @@
               <a:rPr lang="zh-CN" altLang="en-US" dirty="0"/>
               <a:t>Fourth level</a:t>
             </a:r>
+            <a:endParaRPr lang="zh-CN" altLang="en-US" dirty="0"/>
           </a:p>
           <a:p>
             <a:pPr lvl="4"/>
@@ -2059,6 +2084,7 @@
               <a:rPr lang="zh-CN" altLang="en-US" dirty="0"/>
               <a:t>Fifth level</a:t>
             </a:r>
+            <a:endParaRPr lang="zh-CN" altLang="en-US" dirty="0"/>
           </a:p>
         </p:txBody>
       </p:sp>
@@ -2126,6 +2152,9 @@
               </a:rPr>
               <a:t>Click to edit Master text styles</a:t>
             </a:r>
+            <a:endParaRPr lang="zh-CN" altLang="en-US" dirty="0">
+              <a:sym typeface="+mn-ea"/>
+            </a:endParaRPr>
           </a:p>
         </p:txBody>
       </p:sp>
@@ -2156,6 +2185,9 @@
               </a:rPr>
               <a:t>Click to edit Master text styles</a:t>
             </a:r>
+            <a:endParaRPr lang="zh-CN" altLang="en-US" dirty="0">
+              <a:sym typeface="+mn-ea"/>
+            </a:endParaRPr>
           </a:p>
           <a:p>
             <a:pPr lvl="1"/>
@@ -2163,6 +2195,7 @@
               <a:rPr lang="zh-CN" altLang="en-US" dirty="0"/>
               <a:t>Second level</a:t>
             </a:r>
+            <a:endParaRPr lang="zh-CN" altLang="en-US" dirty="0"/>
           </a:p>
           <a:p>
             <a:pPr lvl="2"/>
@@ -2170,6 +2203,7 @@
               <a:rPr lang="zh-CN" altLang="en-US" dirty="0"/>
               <a:t>Third level</a:t>
             </a:r>
+            <a:endParaRPr lang="zh-CN" altLang="en-US" dirty="0"/>
           </a:p>
           <a:p>
             <a:pPr lvl="3"/>
@@ -2177,6 +2211,7 @@
               <a:rPr lang="zh-CN" altLang="en-US" dirty="0"/>
               <a:t>Fourth level</a:t>
             </a:r>
+            <a:endParaRPr lang="zh-CN" altLang="en-US" dirty="0"/>
           </a:p>
           <a:p>
             <a:pPr lvl="4"/>
@@ -2184,6 +2219,7 @@
               <a:rPr lang="zh-CN" altLang="en-US" dirty="0"/>
               <a:t>Fifth level</a:t>
             </a:r>
+            <a:endParaRPr lang="zh-CN" altLang="en-US" dirty="0"/>
           </a:p>
         </p:txBody>
       </p:sp>
@@ -2204,7 +2240,6 @@
           <a:p>
             <a:fld id="{760FBDFE-C587-4B4C-A407-44438C67B59E}" type="datetimeFigureOut">
               <a:rPr lang="zh-CN" altLang="en-US" smtClean="0"/>
-              <a:t>2024/12/15</a:t>
             </a:fld>
             <a:endParaRPr lang="zh-CN" altLang="en-US"/>
           </a:p>
@@ -2246,7 +2281,6 @@
           <a:p>
             <a:fld id="{49AE70B2-8BF9-45C0-BB95-33D1B9D3A854}" type="slidenum">
               <a:rPr lang="zh-CN" altLang="en-US" smtClean="0"/>
-              <a:t>‹Nr.›</a:t>
             </a:fld>
             <a:endParaRPr lang="zh-CN" altLang="en-US"/>
           </a:p>
@@ -2315,6 +2349,7 @@
               <a:rPr lang="zh-CN" altLang="en-US" dirty="0"/>
               <a:t>Click to edit Master title style</a:t>
             </a:r>
+            <a:endParaRPr lang="zh-CN" altLang="en-US" dirty="0"/>
           </a:p>
         </p:txBody>
       </p:sp>
@@ -2335,7 +2370,6 @@
           <a:p>
             <a:fld id="{760FBDFE-C587-4B4C-A407-44438C67B59E}" type="datetimeFigureOut">
               <a:rPr lang="zh-CN" altLang="en-US" smtClean="0"/>
-              <a:t>2024/12/15</a:t>
             </a:fld>
             <a:endParaRPr lang="zh-CN" altLang="en-US"/>
           </a:p>
@@ -2377,7 +2411,6 @@
           <a:p>
             <a:fld id="{49AE70B2-8BF9-45C0-BB95-33D1B9D3A854}" type="slidenum">
               <a:rPr lang="zh-CN" altLang="en-US" smtClean="0"/>
-              <a:t>‹Nr.›</a:t>
             </a:fld>
             <a:endParaRPr lang="zh-CN" altLang="en-US"/>
           </a:p>
@@ -2425,7 +2458,6 @@
           <a:p>
             <a:fld id="{760FBDFE-C587-4B4C-A407-44438C67B59E}" type="datetimeFigureOut">
               <a:rPr lang="zh-CN" altLang="en-US" smtClean="0"/>
-              <a:t>2024/12/15</a:t>
             </a:fld>
             <a:endParaRPr lang="zh-CN" altLang="en-US"/>
           </a:p>
@@ -2467,7 +2499,6 @@
           <a:p>
             <a:fld id="{49AE70B2-8BF9-45C0-BB95-33D1B9D3A854}" type="slidenum">
               <a:rPr lang="zh-CN" altLang="en-US" smtClean="0"/>
-              <a:t>‹Nr.›</a:t>
             </a:fld>
             <a:endParaRPr lang="zh-CN" altLang="en-US"/>
           </a:p>
@@ -2538,6 +2569,9 @@
               </a:rPr>
               <a:t>Click to edit Master title style</a:t>
             </a:r>
+            <a:endParaRPr lang="zh-CN" altLang="en-US" dirty="0">
+              <a:sym typeface="+mn-ea"/>
+            </a:endParaRPr>
           </a:p>
         </p:txBody>
       </p:sp>
@@ -2669,6 +2703,7 @@
               <a:rPr lang="zh-CN" altLang="en-US" dirty="0"/>
               <a:t>Click to edit Master text styles</a:t>
             </a:r>
+            <a:endParaRPr lang="zh-CN" altLang="en-US" dirty="0"/>
           </a:p>
         </p:txBody>
       </p:sp>
@@ -2689,7 +2724,6 @@
           <a:p>
             <a:fld id="{9EFD9D74-47D9-4702-A33C-335B63B48DBF}" type="datetimeFigureOut">
               <a:rPr lang="zh-CN" altLang="en-US" smtClean="0"/>
-              <a:t>2024/12/15</a:t>
             </a:fld>
             <a:endParaRPr lang="zh-CN" altLang="en-US" dirty="0"/>
           </a:p>
@@ -2731,7 +2765,6 @@
           <a:p>
             <a:fld id="{FABC47A4-756D-490B-A52F-7D9E2C9FC05F}" type="slidenum">
               <a:rPr lang="zh-CN" altLang="en-US" smtClean="0"/>
-              <a:t>‹Nr.›</a:t>
             </a:fld>
             <a:endParaRPr lang="zh-CN" altLang="en-US"/>
           </a:p>
@@ -2822,6 +2855,7 @@
               <a:rPr lang="zh-CN" altLang="en-US"/>
               <a:t>Click to edit Master title style</a:t>
             </a:r>
+            <a:endParaRPr lang="zh-CN" altLang="en-US"/>
           </a:p>
         </p:txBody>
       </p:sp>
@@ -2852,6 +2886,9 @@
               </a:rPr>
               <a:t>Click to edit Master text styles</a:t>
             </a:r>
+            <a:endParaRPr lang="zh-CN" altLang="en-US" dirty="0">
+              <a:sym typeface="+mn-ea"/>
+            </a:endParaRPr>
           </a:p>
           <a:p>
             <a:pPr lvl="1"/>
@@ -2859,6 +2896,7 @@
               <a:rPr lang="zh-CN" altLang="en-US" dirty="0"/>
               <a:t>Second level</a:t>
             </a:r>
+            <a:endParaRPr lang="zh-CN" altLang="en-US" dirty="0"/>
           </a:p>
           <a:p>
             <a:pPr lvl="2"/>
@@ -2866,6 +2904,7 @@
               <a:rPr lang="zh-CN" altLang="en-US" dirty="0"/>
               <a:t>Third level</a:t>
             </a:r>
+            <a:endParaRPr lang="zh-CN" altLang="en-US" dirty="0"/>
           </a:p>
           <a:p>
             <a:pPr lvl="3"/>
@@ -2873,6 +2912,7 @@
               <a:rPr lang="zh-CN" altLang="en-US" dirty="0"/>
               <a:t>Fourth level</a:t>
             </a:r>
+            <a:endParaRPr lang="zh-CN" altLang="en-US" dirty="0"/>
           </a:p>
           <a:p>
             <a:pPr lvl="4"/>
@@ -2880,6 +2920,7 @@
               <a:rPr lang="zh-CN" altLang="en-US" dirty="0"/>
               <a:t>Fifth level</a:t>
             </a:r>
+            <a:endParaRPr lang="zh-CN" altLang="en-US" dirty="0"/>
           </a:p>
         </p:txBody>
       </p:sp>
@@ -2900,7 +2941,6 @@
           <a:p>
             <a:fld id="{760FBDFE-C587-4B4C-A407-44438C67B59E}" type="datetimeFigureOut">
               <a:rPr lang="zh-CN" altLang="en-US" smtClean="0"/>
-              <a:t>2024/12/15</a:t>
             </a:fld>
             <a:endParaRPr lang="zh-CN" altLang="en-US"/>
           </a:p>
@@ -2942,7 +2982,6 @@
           <a:p>
             <a:fld id="{49AE70B2-8BF9-45C0-BB95-33D1B9D3A854}" type="slidenum">
               <a:rPr lang="zh-CN" altLang="en-US" smtClean="0"/>
-              <a:t>‹Nr.›</a:t>
             </a:fld>
             <a:endParaRPr lang="zh-CN" altLang="en-US"/>
           </a:p>
@@ -3010,6 +3049,7 @@
               <a:rPr lang="zh-CN" altLang="en-US" dirty="0"/>
               <a:t>Click to edit Master title style</a:t>
             </a:r>
+            <a:endParaRPr lang="zh-CN" altLang="en-US" dirty="0"/>
           </a:p>
         </p:txBody>
       </p:sp>
@@ -3045,6 +3085,9 @@
               </a:rPr>
               <a:t>Click to edit Master text styles</a:t>
             </a:r>
+            <a:endParaRPr lang="zh-CN" altLang="en-US" dirty="0">
+              <a:sym typeface="+mn-ea"/>
+            </a:endParaRPr>
           </a:p>
           <a:p>
             <a:pPr lvl="1"/>
@@ -3052,6 +3095,7 @@
               <a:rPr lang="zh-CN" altLang="en-US" dirty="0"/>
               <a:t>Second level</a:t>
             </a:r>
+            <a:endParaRPr lang="zh-CN" altLang="en-US" dirty="0"/>
           </a:p>
           <a:p>
             <a:pPr lvl="2"/>
@@ -3059,6 +3103,7 @@
               <a:rPr lang="zh-CN" altLang="en-US" dirty="0"/>
               <a:t>Third level</a:t>
             </a:r>
+            <a:endParaRPr lang="zh-CN" altLang="en-US" dirty="0"/>
           </a:p>
           <a:p>
             <a:pPr lvl="3"/>
@@ -3066,6 +3111,7 @@
               <a:rPr lang="zh-CN" altLang="en-US" dirty="0"/>
               <a:t>Fourth level</a:t>
             </a:r>
+            <a:endParaRPr lang="zh-CN" altLang="en-US" dirty="0"/>
           </a:p>
           <a:p>
             <a:pPr lvl="4"/>
@@ -3073,6 +3119,7 @@
               <a:rPr lang="zh-CN" altLang="en-US" dirty="0"/>
               <a:t>Fifth level</a:t>
             </a:r>
+            <a:endParaRPr lang="zh-CN" altLang="en-US" dirty="0"/>
           </a:p>
         </p:txBody>
       </p:sp>
@@ -3113,7 +3160,6 @@
           <a:p>
             <a:fld id="{760FBDFE-C587-4B4C-A407-44438C67B59E}" type="datetimeFigureOut">
               <a:rPr lang="zh-CN" altLang="en-US" smtClean="0"/>
-              <a:t>2024/12/15</a:t>
             </a:fld>
             <a:endParaRPr lang="zh-CN" altLang="en-US"/>
           </a:p>
@@ -3195,7 +3241,6 @@
           <a:p>
             <a:fld id="{49AE70B2-8BF9-45C0-BB95-33D1B9D3A854}" type="slidenum">
               <a:rPr lang="zh-CN" altLang="en-US" smtClean="0"/>
-              <a:t>‹Nr.›</a:t>
             </a:fld>
             <a:endParaRPr lang="zh-CN" altLang="en-US"/>
           </a:p>
@@ -3559,6 +3604,12 @@
               </a:rPr>
               <a:t>Random Forest</a:t>
             </a:r>
+            <a:endParaRPr lang="de-DE" altLang="zh-CN">
+              <a:solidFill>
+                <a:srgbClr val="61A5C2"/>
+              </a:solidFill>
+              <a:latin typeface="Calibri" charset="0"/>
+            </a:endParaRPr>
           </a:p>
         </p:txBody>
       </p:sp>
@@ -3591,6 +3642,12 @@
               </a:rPr>
               <a:t>Lukas Sichert -12114770</a:t>
             </a:r>
+            <a:endParaRPr lang="de-DE" altLang="zh-CN" dirty="0">
+              <a:solidFill>
+                <a:srgbClr val="61A5C2"/>
+              </a:solidFill>
+              <a:latin typeface="Calibri" charset="0"/>
+            </a:endParaRPr>
           </a:p>
           <a:p>
             <a:r>
@@ -3620,6 +3677,12 @@
               </a:rPr>
               <a:t> - 12105475</a:t>
             </a:r>
+            <a:endParaRPr lang="de-DE" altLang="zh-CN" dirty="0">
+              <a:solidFill>
+                <a:srgbClr val="61A5C2"/>
+              </a:solidFill>
+              <a:latin typeface="Calibri" charset="0"/>
+            </a:endParaRPr>
           </a:p>
           <a:p>
             <a:r>
@@ -3631,6 +3694,12 @@
               </a:rPr>
               <a:t>Florian Engl - 12102619</a:t>
             </a:r>
+            <a:endParaRPr lang="de-DE" altLang="zh-CN" dirty="0">
+              <a:solidFill>
+                <a:srgbClr val="61A5C2"/>
+              </a:solidFill>
+              <a:latin typeface="Calibri" charset="0"/>
+            </a:endParaRPr>
           </a:p>
         </p:txBody>
       </p:sp>
@@ -3725,6 +3794,13 @@
               </a:rPr>
               <a:t> Dataset</a:t>
             </a:r>
+            <a:endParaRPr lang="de-DE" altLang="en-US" dirty="0">
+              <a:solidFill>
+                <a:srgbClr val="61A5C2"/>
+              </a:solidFill>
+              <a:effectLst/>
+              <a:latin typeface="Calibri" charset="0"/>
+            </a:endParaRPr>
           </a:p>
         </p:txBody>
       </p:sp>
@@ -3739,7 +3815,7 @@
           </p:nvPr>
         </p:nvPicPr>
         <p:blipFill>
-          <a:blip r:embed="rId2"/>
+          <a:blip r:embed="rId1"/>
           <a:stretch>
             <a:fillRect/>
           </a:stretch>
@@ -3789,13 +3865,7 @@
       </p:grpSpPr>
       <p:sp>
         <p:nvSpPr>
-          <p:cNvPr id="20" name="Rechteck 19">
-            <a:extLst>
-              <a:ext uri="{FF2B5EF4-FFF2-40B4-BE49-F238E27FC236}">
-                <a16:creationId xmlns:a16="http://schemas.microsoft.com/office/drawing/2014/main" id="{1A1073F4-D945-E6A1-05D7-F41DA84C1921}"/>
-              </a:ext>
-            </a:extLst>
-          </p:cNvPr>
+          <p:cNvPr id="20" name="Rechteck 19"/>
           <p:cNvSpPr/>
           <p:nvPr/>
         </p:nvSpPr>
@@ -3827,19 +3897,44 @@
           <a:lstStyle/>
           <a:p>
             <a:pPr algn="ctr"/>
-            <a:endParaRPr lang="en-AT"/>
+            <a:endParaRPr lang="en-US"/>
           </a:p>
         </p:txBody>
       </p:sp>
       <p:pic>
         <p:nvPicPr>
-          <p:cNvPr id="10" name="Grafik 9" descr="Ein Bild, das Text, Diagramm, Reihe, Screenshot enthält.&#10;&#10;Automatisch generierte Beschreibung">
+          <p:cNvPr id="10" name="Grafik 9" descr="Ein Bild, das Text, Diagramm, Reihe, Screenshot enthält.&#10;&#10;Automatisch generierte Beschreibung"/>
+          <p:cNvPicPr>
+            <a:picLocks noChangeAspect="1"/>
+          </p:cNvPicPr>
+          <p:nvPr/>
+        </p:nvPicPr>
+        <p:blipFill>
+          <a:blip r:embed="rId1" cstate="print">
             <a:extLst>
-              <a:ext uri="{FF2B5EF4-FFF2-40B4-BE49-F238E27FC236}">
-                <a16:creationId xmlns:a16="http://schemas.microsoft.com/office/drawing/2014/main" id="{C19AA15F-EEFA-8A8E-7CE0-09421AC7AA0E}"/>
+              <a:ext uri="{28A0092B-C50C-407E-A947-70E740481C1C}">
+                <a14:useLocalDpi xmlns:a14="http://schemas.microsoft.com/office/drawing/2010/main" val="0"/>
               </a:ext>
             </a:extLst>
-          </p:cNvPr>
+          </a:blip>
+          <a:srcRect t="2171" b="-1"/>
+          <a:stretch>
+            <a:fillRect/>
+          </a:stretch>
+        </p:blipFill>
+        <p:spPr>
+          <a:xfrm>
+            <a:off x="178828" y="808239"/>
+            <a:ext cx="3997363" cy="2796095"/>
+          </a:xfrm>
+          <a:prstGeom prst="rect">
+            <a:avLst/>
+          </a:prstGeom>
+        </p:spPr>
+      </p:pic>
+      <p:pic>
+        <p:nvPicPr>
+          <p:cNvPr id="14" name="Grafik 13" descr="Ein Bild, das Text, Screenshot, Reihe, Diagramm enthält.&#10;&#10;Automatisch generierte Beschreibung"/>
           <p:cNvPicPr>
             <a:picLocks noChangeAspect="1"/>
           </p:cNvPicPr>
@@ -3853,13 +3948,15 @@
               </a:ext>
             </a:extLst>
           </a:blip>
-          <a:srcRect t="2171" b="-1"/>
-          <a:stretch/>
+          <a:srcRect t="1953" b="-1"/>
+          <a:stretch>
+            <a:fillRect/>
+          </a:stretch>
         </p:blipFill>
         <p:spPr>
           <a:xfrm>
-            <a:off x="178828" y="808239"/>
-            <a:ext cx="3997363" cy="2796095"/>
+            <a:off x="4067452" y="808239"/>
+            <a:ext cx="3988474" cy="2796095"/>
           </a:xfrm>
           <a:prstGeom prst="rect">
             <a:avLst/>
@@ -3868,13 +3965,7 @@
       </p:pic>
       <p:pic>
         <p:nvPicPr>
-          <p:cNvPr id="14" name="Grafik 13" descr="Ein Bild, das Text, Screenshot, Reihe, Diagramm enthält.&#10;&#10;Automatisch generierte Beschreibung">
-            <a:extLst>
-              <a:ext uri="{FF2B5EF4-FFF2-40B4-BE49-F238E27FC236}">
-                <a16:creationId xmlns:a16="http://schemas.microsoft.com/office/drawing/2014/main" id="{AC73D028-6CBD-ADC5-0943-629158EA0F0C}"/>
-              </a:ext>
-            </a:extLst>
-          </p:cNvPr>
+          <p:cNvPr id="18" name="Grafik 17" descr="Ein Bild, das Text, Diagramm, Reihe, Screenshot enthält.&#10;&#10;Automatisch generierte Beschreibung"/>
           <p:cNvPicPr>
             <a:picLocks noChangeAspect="1"/>
           </p:cNvPicPr>
@@ -3888,32 +3979,105 @@
               </a:ext>
             </a:extLst>
           </a:blip>
-          <a:srcRect t="1953" b="-1"/>
-          <a:stretch/>
+          <a:srcRect t="2764" b="-811"/>
+          <a:stretch>
+            <a:fillRect/>
+          </a:stretch>
         </p:blipFill>
         <p:spPr>
           <a:xfrm>
-            <a:off x="4067452" y="808239"/>
-            <a:ext cx="3988474" cy="2796095"/>
+            <a:off x="178828" y="3833120"/>
+            <a:ext cx="3988516" cy="2796094"/>
           </a:xfrm>
           <a:prstGeom prst="rect">
             <a:avLst/>
           </a:prstGeom>
         </p:spPr>
       </p:pic>
+      <p:sp>
+        <p:nvSpPr>
+          <p:cNvPr id="2" name="Title 1"/>
+          <p:cNvSpPr>
+            <a:spLocks noGrp="1"/>
+          </p:cNvSpPr>
+          <p:nvPr>
+            <p:ph type="ctrTitle"/>
+          </p:nvPr>
+        </p:nvSpPr>
+        <p:spPr>
+          <a:xfrm>
+            <a:off x="8520112" y="2745578"/>
+            <a:ext cx="3334970" cy="1366841"/>
+          </a:xfrm>
+        </p:spPr>
+        <p:txBody>
+          <a:bodyPr vert="horz" lIns="91440" tIns="45720" rIns="91440" bIns="45720" rtlCol="0" anchor="b">
+            <a:normAutofit fontScale="90000"/>
+          </a:bodyPr>
+          <a:lstStyle/>
+          <a:p>
+            <a:pPr fontAlgn="auto"/>
+            <a:r>
+              <a:rPr lang="en-US" altLang="en-US" sz="2400" b="1" dirty="0">
+                <a:solidFill>
+                  <a:srgbClr val="61A5C2"/>
+                </a:solidFill>
+                <a:latin typeface="Calibri" charset="0"/>
+              </a:rPr>
+              <a:t>Sensitivity Plots</a:t>
+            </a:r>
+            <a:br>
+              <a:rPr lang="en-US" altLang="en-US" sz="2400" b="1" dirty="0">
+                <a:solidFill>
+                  <a:srgbClr val="61A5C2"/>
+                </a:solidFill>
+                <a:latin typeface="Calibri" charset="0"/>
+              </a:rPr>
+            </a:br>
+            <a:r>
+              <a:rPr lang="en-US" altLang="en-US" sz="2400" b="1" dirty="0">
+                <a:solidFill>
+                  <a:srgbClr val="61A5C2"/>
+                </a:solidFill>
+                <a:latin typeface="Calibri" charset="0"/>
+              </a:rPr>
+              <a:t> Concrete Dataset</a:t>
+            </a:r>
+            <a:br>
+              <a:rPr lang="en-US" altLang="en-US" sz="2400" b="1" dirty="0">
+                <a:solidFill>
+                  <a:srgbClr val="61A5C2"/>
+                </a:solidFill>
+                <a:latin typeface="Calibri" charset="0"/>
+              </a:rPr>
+            </a:br>
+            <a:r>
+              <a:rPr lang="en-US" altLang="en-US" sz="2400" b="1" dirty="0">
+                <a:solidFill>
+                  <a:srgbClr val="61A5C2"/>
+                </a:solidFill>
+                <a:latin typeface="Calibri" charset="0"/>
+              </a:rPr>
+              <a:t> Our Implementation</a:t>
+            </a:r>
+            <a:endParaRPr lang="en-US" altLang="en-US" sz="2400" b="1" dirty="0">
+              <a:solidFill>
+                <a:srgbClr val="61A5C2"/>
+              </a:solidFill>
+              <a:latin typeface="Calibri" charset="0"/>
+            </a:endParaRPr>
+          </a:p>
+        </p:txBody>
+      </p:sp>
       <p:pic>
         <p:nvPicPr>
-          <p:cNvPr id="18" name="Grafik 17" descr="Ein Bild, das Text, Diagramm, Reihe, Screenshot enthält.&#10;&#10;Automatisch generierte Beschreibung">
-            <a:extLst>
-              <a:ext uri="{FF2B5EF4-FFF2-40B4-BE49-F238E27FC236}">
-                <a16:creationId xmlns:a16="http://schemas.microsoft.com/office/drawing/2014/main" id="{06192F1C-A63F-5E9C-9C5B-EFDE7BDF3AD0}"/>
-              </a:ext>
-            </a:extLst>
-          </p:cNvPr>
+          <p:cNvPr id="8" name="Inhaltsplatzhalter 7" descr="Ein Bild, das Text, Reihe, Diagramm, Zahl enthält.&#10;&#10;Automatisch generierte Beschreibung"/>
           <p:cNvPicPr>
-            <a:picLocks noChangeAspect="1"/>
+            <a:picLocks noGrp="1" noChangeAspect="1"/>
           </p:cNvPicPr>
-          <p:nvPr/>
+          <p:nvPr>
+            <p:ph idx="4294967295"/>
+          </p:nvPr>
         </p:nvPicPr>
         <p:blipFill>
           <a:blip r:embed="rId4" cstate="print">
@@ -3923,114 +4087,10 @@
               </a:ext>
             </a:extLst>
           </a:blip>
-          <a:srcRect t="2764" b="-811"/>
-          <a:stretch/>
-        </p:blipFill>
-        <p:spPr>
-          <a:xfrm>
-            <a:off x="178828" y="3833120"/>
-            <a:ext cx="3988516" cy="2796094"/>
-          </a:xfrm>
-          <a:prstGeom prst="rect">
-            <a:avLst/>
-          </a:prstGeom>
-        </p:spPr>
-      </p:pic>
-      <p:sp>
-        <p:nvSpPr>
-          <p:cNvPr id="2" name="Title 1"/>
-          <p:cNvSpPr>
-            <a:spLocks noGrp="1"/>
-          </p:cNvSpPr>
-          <p:nvPr>
-            <p:ph type="ctrTitle"/>
-          </p:nvPr>
-        </p:nvSpPr>
-        <p:spPr>
-          <a:xfrm>
-            <a:off x="8520112" y="2745578"/>
-            <a:ext cx="3334970" cy="1366841"/>
-          </a:xfrm>
-        </p:spPr>
-        <p:txBody>
-          <a:bodyPr vert="horz" lIns="91440" tIns="45720" rIns="91440" bIns="45720" rtlCol="0" anchor="b">
-            <a:normAutofit fontScale="90000"/>
-          </a:bodyPr>
-          <a:lstStyle/>
-          <a:p>
-            <a:pPr fontAlgn="auto"/>
-            <a:r>
-              <a:rPr lang="en-US" altLang="en-US" sz="2400" b="1" dirty="0">
-                <a:solidFill>
-                  <a:srgbClr val="61A5C2"/>
-                </a:solidFill>
-                <a:latin typeface="Calibri" charset="0"/>
-              </a:rPr>
-              <a:t>Sensitivity Plots</a:t>
-            </a:r>
-            <a:br>
-              <a:rPr lang="en-US" altLang="en-US" sz="2400" b="1" dirty="0">
-                <a:solidFill>
-                  <a:srgbClr val="61A5C2"/>
-                </a:solidFill>
-                <a:latin typeface="Calibri" charset="0"/>
-              </a:rPr>
-            </a:br>
-            <a:r>
-              <a:rPr lang="en-US" altLang="en-US" sz="2400" b="1" dirty="0">
-                <a:solidFill>
-                  <a:srgbClr val="61A5C2"/>
-                </a:solidFill>
-                <a:latin typeface="Calibri" charset="0"/>
-              </a:rPr>
-              <a:t> Concrete Dataset</a:t>
-            </a:r>
-            <a:br>
-              <a:rPr lang="en-US" altLang="en-US" sz="2400" b="1" dirty="0">
-                <a:solidFill>
-                  <a:srgbClr val="61A5C2"/>
-                </a:solidFill>
-                <a:latin typeface="Calibri" charset="0"/>
-              </a:rPr>
-            </a:br>
-            <a:r>
-              <a:rPr lang="en-US" altLang="en-US" sz="2400" b="1" dirty="0">
-                <a:solidFill>
-                  <a:srgbClr val="61A5C2"/>
-                </a:solidFill>
-                <a:latin typeface="Calibri" charset="0"/>
-              </a:rPr>
-              <a:t> Our Implementation</a:t>
-            </a:r>
-          </a:p>
-        </p:txBody>
-      </p:sp>
-      <p:pic>
-        <p:nvPicPr>
-          <p:cNvPr id="8" name="Inhaltsplatzhalter 7" descr="Ein Bild, das Text, Reihe, Diagramm, Zahl enthält.&#10;&#10;Automatisch generierte Beschreibung">
-            <a:extLst>
-              <a:ext uri="{FF2B5EF4-FFF2-40B4-BE49-F238E27FC236}">
-                <a16:creationId xmlns:a16="http://schemas.microsoft.com/office/drawing/2014/main" id="{B3143622-3E7E-1B94-E7B8-28E14E86E98B}"/>
-              </a:ext>
-            </a:extLst>
-          </p:cNvPr>
-          <p:cNvPicPr>
-            <a:picLocks noGrp="1" noChangeAspect="1"/>
-          </p:cNvPicPr>
-          <p:nvPr>
-            <p:ph idx="4294967295"/>
-          </p:nvPr>
-        </p:nvPicPr>
-        <p:blipFill>
-          <a:blip r:embed="rId5" cstate="print">
-            <a:extLst>
-              <a:ext uri="{28A0092B-C50C-407E-A947-70E740481C1C}">
-                <a14:useLocalDpi xmlns:a14="http://schemas.microsoft.com/office/drawing/2010/main" val="0"/>
-              </a:ext>
-            </a:extLst>
-          </a:blip>
           <a:srcRect t="2171" b="-1"/>
-          <a:stretch/>
+          <a:stretch>
+            <a:fillRect/>
+          </a:stretch>
         </p:blipFill>
         <p:spPr>
           <a:xfrm>
@@ -4055,13 +4115,7 @@
   <p:cSld>
     <p:spTree>
       <p:nvGrpSpPr>
-        <p:cNvPr id="1" name="">
-          <a:extLst>
-            <a:ext uri="{FF2B5EF4-FFF2-40B4-BE49-F238E27FC236}">
-              <a16:creationId xmlns:a16="http://schemas.microsoft.com/office/drawing/2014/main" id="{9BD12048-2BD0-2943-D703-0C0D49ECEB19}"/>
-            </a:ext>
-          </a:extLst>
-        </p:cNvPr>
+        <p:cNvPr id="1" name=""/>
         <p:cNvGrpSpPr/>
         <p:nvPr/>
       </p:nvGrpSpPr>
@@ -4075,13 +4129,7 @@
       </p:grpSpPr>
       <p:sp>
         <p:nvSpPr>
-          <p:cNvPr id="20" name="Rechteck 19">
-            <a:extLst>
-              <a:ext uri="{FF2B5EF4-FFF2-40B4-BE49-F238E27FC236}">
-                <a16:creationId xmlns:a16="http://schemas.microsoft.com/office/drawing/2014/main" id="{D48B859A-F088-BFCF-C48B-7D80A4AC281A}"/>
-              </a:ext>
-            </a:extLst>
-          </p:cNvPr>
+          <p:cNvPr id="20" name="Rechteck 19"/>
           <p:cNvSpPr/>
           <p:nvPr/>
         </p:nvSpPr>
@@ -4113,19 +4161,13 @@
           <a:lstStyle/>
           <a:p>
             <a:pPr algn="ctr"/>
-            <a:endParaRPr lang="en-AT"/>
-          </a:p>
-        </p:txBody>
-      </p:sp>
-      <p:sp>
-        <p:nvSpPr>
-          <p:cNvPr id="2" name="Title 1">
-            <a:extLst>
-              <a:ext uri="{FF2B5EF4-FFF2-40B4-BE49-F238E27FC236}">
-                <a16:creationId xmlns:a16="http://schemas.microsoft.com/office/drawing/2014/main" id="{13E83894-EC39-DA6C-F185-827927C6DCE9}"/>
-              </a:ext>
-            </a:extLst>
-          </p:cNvPr>
+            <a:endParaRPr lang="en-US"/>
+          </a:p>
+        </p:txBody>
+      </p:sp>
+      <p:sp>
+        <p:nvSpPr>
+          <p:cNvPr id="2" name="Title 1"/>
           <p:cNvSpPr>
             <a:spLocks noGrp="1"/>
           </p:cNvSpPr>
@@ -4189,18 +4231,49 @@
               </a:rPr>
               <a:t> LLM</a:t>
             </a:r>
+            <a:endParaRPr lang="en-US" altLang="en-US" sz="2400" b="1" dirty="0">
+              <a:solidFill>
+                <a:srgbClr val="61A5C2"/>
+              </a:solidFill>
+              <a:latin typeface="Calibri" charset="0"/>
+            </a:endParaRPr>
           </a:p>
         </p:txBody>
       </p:sp>
       <p:pic>
         <p:nvPicPr>
-          <p:cNvPr id="4" name="Grafik 3" descr="Ein Bild, das Text, Diagramm, Reihe, Screenshot enthält.&#10;&#10;Automatisch generierte Beschreibung">
+          <p:cNvPr id="4" name="Grafik 3" descr="Ein Bild, das Text, Diagramm, Reihe, Screenshot enthält.&#10;&#10;Automatisch generierte Beschreibung"/>
+          <p:cNvPicPr>
+            <a:picLocks noChangeAspect="1"/>
+          </p:cNvPicPr>
+          <p:nvPr/>
+        </p:nvPicPr>
+        <p:blipFill>
+          <a:blip r:embed="rId1" cstate="print">
             <a:extLst>
-              <a:ext uri="{FF2B5EF4-FFF2-40B4-BE49-F238E27FC236}">
-                <a16:creationId xmlns:a16="http://schemas.microsoft.com/office/drawing/2014/main" id="{B6D88C62-503B-16C7-8F70-BC4CA800D9FD}"/>
+              <a:ext uri="{28A0092B-C50C-407E-A947-70E740481C1C}">
+                <a14:useLocalDpi xmlns:a14="http://schemas.microsoft.com/office/drawing/2010/main" val="0"/>
               </a:ext>
             </a:extLst>
-          </p:cNvPr>
+          </a:blip>
+          <a:srcRect l="-1793" t="2185" r="1793"/>
+          <a:stretch>
+            <a:fillRect/>
+          </a:stretch>
+        </p:blipFill>
+        <p:spPr>
+          <a:xfrm>
+            <a:off x="3986962" y="665825"/>
+            <a:ext cx="3835227" cy="2677946"/>
+          </a:xfrm>
+          <a:prstGeom prst="rect">
+            <a:avLst/>
+          </a:prstGeom>
+        </p:spPr>
+      </p:pic>
+      <p:pic>
+        <p:nvPicPr>
+          <p:cNvPr id="6" name="Grafik 5"/>
           <p:cNvPicPr>
             <a:picLocks noChangeAspect="1"/>
           </p:cNvPicPr>
@@ -4214,13 +4287,15 @@
               </a:ext>
             </a:extLst>
           </a:blip>
-          <a:srcRect l="-1793" t="2185" r="1793"/>
-          <a:stretch/>
+          <a:srcRect t="2379"/>
+          <a:stretch>
+            <a:fillRect/>
+          </a:stretch>
         </p:blipFill>
         <p:spPr>
           <a:xfrm>
-            <a:off x="3986962" y="665825"/>
-            <a:ext cx="3835227" cy="2677946"/>
+            <a:off x="3907950" y="3781725"/>
+            <a:ext cx="3914239" cy="2729381"/>
           </a:xfrm>
           <a:prstGeom prst="rect">
             <a:avLst/>
@@ -4229,13 +4304,7 @@
       </p:pic>
       <p:pic>
         <p:nvPicPr>
-          <p:cNvPr id="6" name="Grafik 5">
-            <a:extLst>
-              <a:ext uri="{FF2B5EF4-FFF2-40B4-BE49-F238E27FC236}">
-                <a16:creationId xmlns:a16="http://schemas.microsoft.com/office/drawing/2014/main" id="{83393B14-BD32-AED7-A6B8-74FDB8EF58A5}"/>
-              </a:ext>
-            </a:extLst>
-          </p:cNvPr>
+          <p:cNvPr id="9" name="Grafik 8" descr="Ein Bild, das Text, Reihe, Diagramm, Screenshot enthält.&#10;&#10;Automatisch generierte Beschreibung"/>
           <p:cNvPicPr>
             <a:picLocks noChangeAspect="1"/>
           </p:cNvPicPr>
@@ -4250,12 +4319,14 @@
             </a:extLst>
           </a:blip>
           <a:srcRect t="2379"/>
-          <a:stretch/>
+          <a:stretch>
+            <a:fillRect/>
+          </a:stretch>
         </p:blipFill>
         <p:spPr>
           <a:xfrm>
-            <a:off x="3907950" y="3781725"/>
-            <a:ext cx="3914239" cy="2729381"/>
+            <a:off x="222152" y="3781725"/>
+            <a:ext cx="3764809" cy="2625184"/>
           </a:xfrm>
           <a:prstGeom prst="rect">
             <a:avLst/>
@@ -4264,13 +4335,7 @@
       </p:pic>
       <p:pic>
         <p:nvPicPr>
-          <p:cNvPr id="9" name="Grafik 8" descr="Ein Bild, das Text, Reihe, Diagramm, Screenshot enthält.&#10;&#10;Automatisch generierte Beschreibung">
-            <a:extLst>
-              <a:ext uri="{FF2B5EF4-FFF2-40B4-BE49-F238E27FC236}">
-                <a16:creationId xmlns:a16="http://schemas.microsoft.com/office/drawing/2014/main" id="{3B2FA1C7-F3C7-21FC-3C60-9C41A5572701}"/>
-              </a:ext>
-            </a:extLst>
-          </p:cNvPr>
+          <p:cNvPr id="13" name="Grafik 12" descr="Ein Bild, das Text, Reihe, Diagramm, Steigung enthält.&#10;&#10;Automatisch generierte Beschreibung"/>
           <p:cNvPicPr>
             <a:picLocks noChangeAspect="1"/>
           </p:cNvPicPr>
@@ -4284,60 +4349,22 @@
               </a:ext>
             </a:extLst>
           </a:blip>
-          <a:srcRect t="2379"/>
-          <a:stretch/>
+          <a:srcRect t="2573"/>
+          <a:stretch>
+            <a:fillRect/>
+          </a:stretch>
         </p:blipFill>
         <p:spPr>
           <a:xfrm>
-            <a:off x="222152" y="3781725"/>
-            <a:ext cx="3764809" cy="2625184"/>
+            <a:off x="222152" y="665825"/>
+            <a:ext cx="3768855" cy="2622777"/>
           </a:xfrm>
           <a:prstGeom prst="rect">
             <a:avLst/>
           </a:prstGeom>
         </p:spPr>
       </p:pic>
-      <p:pic>
-        <p:nvPicPr>
-          <p:cNvPr id="13" name="Grafik 12" descr="Ein Bild, das Text, Reihe, Diagramm, Steigung enthält.&#10;&#10;Automatisch generierte Beschreibung">
-            <a:extLst>
-              <a:ext uri="{FF2B5EF4-FFF2-40B4-BE49-F238E27FC236}">
-                <a16:creationId xmlns:a16="http://schemas.microsoft.com/office/drawing/2014/main" id="{72B64DF8-4018-FC50-90FA-6BFCFF0E5F63}"/>
-              </a:ext>
-            </a:extLst>
-          </p:cNvPr>
-          <p:cNvPicPr>
-            <a:picLocks noChangeAspect="1"/>
-          </p:cNvPicPr>
-          <p:nvPr/>
-        </p:nvPicPr>
-        <p:blipFill>
-          <a:blip r:embed="rId5" cstate="print">
-            <a:extLst>
-              <a:ext uri="{28A0092B-C50C-407E-A947-70E740481C1C}">
-                <a14:useLocalDpi xmlns:a14="http://schemas.microsoft.com/office/drawing/2010/main" val="0"/>
-              </a:ext>
-            </a:extLst>
-          </a:blip>
-          <a:srcRect t="2573"/>
-          <a:stretch/>
-        </p:blipFill>
-        <p:spPr>
-          <a:xfrm>
-            <a:off x="222152" y="665825"/>
-            <a:ext cx="3768855" cy="2622777"/>
-          </a:xfrm>
-          <a:prstGeom prst="rect">
-            <a:avLst/>
-          </a:prstGeom>
-        </p:spPr>
-      </p:pic>
     </p:spTree>
-    <p:extLst>
-      <p:ext uri="{BB962C8B-B14F-4D97-AF65-F5344CB8AC3E}">
-        <p14:creationId xmlns:p14="http://schemas.microsoft.com/office/powerpoint/2010/main" val="4012975388"/>
-      </p:ext>
-    </p:extLst>
   </p:cSld>
   <p:clrMapOvr>
     <a:masterClrMapping/>
@@ -4350,13 +4377,7 @@
   <p:cSld>
     <p:spTree>
       <p:nvGrpSpPr>
-        <p:cNvPr id="1" name="">
-          <a:extLst>
-            <a:ext uri="{FF2B5EF4-FFF2-40B4-BE49-F238E27FC236}">
-              <a16:creationId xmlns:a16="http://schemas.microsoft.com/office/drawing/2014/main" id="{499ADB50-75F7-B974-A633-2A1AAF7B73BD}"/>
-            </a:ext>
-          </a:extLst>
-        </p:cNvPr>
+        <p:cNvPr id="1" name=""/>
         <p:cNvGrpSpPr/>
         <p:nvPr/>
       </p:nvGrpSpPr>
@@ -4370,13 +4391,7 @@
       </p:grpSpPr>
       <p:sp>
         <p:nvSpPr>
-          <p:cNvPr id="20" name="Rechteck 19">
-            <a:extLst>
-              <a:ext uri="{FF2B5EF4-FFF2-40B4-BE49-F238E27FC236}">
-                <a16:creationId xmlns:a16="http://schemas.microsoft.com/office/drawing/2014/main" id="{79236676-DE43-0A15-3135-4D48943EAA6F}"/>
-              </a:ext>
-            </a:extLst>
-          </p:cNvPr>
+          <p:cNvPr id="20" name="Rechteck 19"/>
           <p:cNvSpPr/>
           <p:nvPr/>
         </p:nvSpPr>
@@ -4408,19 +4423,13 @@
           <a:lstStyle/>
           <a:p>
             <a:pPr algn="ctr"/>
-            <a:endParaRPr lang="en-AT"/>
-          </a:p>
-        </p:txBody>
-      </p:sp>
-      <p:sp>
-        <p:nvSpPr>
-          <p:cNvPr id="2" name="Title 1">
-            <a:extLst>
-              <a:ext uri="{FF2B5EF4-FFF2-40B4-BE49-F238E27FC236}">
-                <a16:creationId xmlns:a16="http://schemas.microsoft.com/office/drawing/2014/main" id="{1E3D97AF-7A3A-7506-A3F1-6566A75EF3FD}"/>
-              </a:ext>
-            </a:extLst>
-          </p:cNvPr>
+            <a:endParaRPr lang="en-US"/>
+          </a:p>
+        </p:txBody>
+      </p:sp>
+      <p:sp>
+        <p:nvSpPr>
+          <p:cNvPr id="2" name="Title 1"/>
           <p:cNvSpPr>
             <a:spLocks noGrp="1"/>
           </p:cNvSpPr>
@@ -4484,18 +4493,49 @@
               </a:rPr>
               <a:t> scikit-rf</a:t>
             </a:r>
+            <a:endParaRPr lang="en-US" altLang="en-US" sz="2400" b="1" dirty="0">
+              <a:solidFill>
+                <a:srgbClr val="61A5C2"/>
+              </a:solidFill>
+              <a:latin typeface="Calibri" charset="0"/>
+            </a:endParaRPr>
           </a:p>
         </p:txBody>
       </p:sp>
       <p:pic>
         <p:nvPicPr>
-          <p:cNvPr id="6" name="Grafik 5" descr="Ein Bild, das Text, Screenshot, Reihe, Diagramm enthält.&#10;&#10;Automatisch generierte Beschreibung">
+          <p:cNvPr id="6" name="Grafik 5" descr="Ein Bild, das Text, Screenshot, Reihe, Diagramm enthält.&#10;&#10;Automatisch generierte Beschreibung"/>
+          <p:cNvPicPr>
+            <a:picLocks noChangeAspect="1"/>
+          </p:cNvPicPr>
+          <p:nvPr/>
+        </p:nvPicPr>
+        <p:blipFill>
+          <a:blip r:embed="rId1" cstate="print">
             <a:extLst>
-              <a:ext uri="{FF2B5EF4-FFF2-40B4-BE49-F238E27FC236}">
-                <a16:creationId xmlns:a16="http://schemas.microsoft.com/office/drawing/2014/main" id="{271DA694-06EF-2E11-1896-6161B2A59CED}"/>
+              <a:ext uri="{28A0092B-C50C-407E-A947-70E740481C1C}">
+                <a14:useLocalDpi xmlns:a14="http://schemas.microsoft.com/office/drawing/2010/main" val="0"/>
               </a:ext>
             </a:extLst>
-          </p:cNvPr>
+          </a:blip>
+          <a:srcRect t="3155"/>
+          <a:stretch>
+            <a:fillRect/>
+          </a:stretch>
+        </p:blipFill>
+        <p:spPr>
+          <a:xfrm>
+            <a:off x="87004" y="3761450"/>
+            <a:ext cx="4041113" cy="2795430"/>
+          </a:xfrm>
+          <a:prstGeom prst="rect">
+            <a:avLst/>
+          </a:prstGeom>
+        </p:spPr>
+      </p:pic>
+      <p:pic>
+        <p:nvPicPr>
+          <p:cNvPr id="9" name="Grafik 8" descr="Ein Bild, das Text, Reihe, Diagramm, Screenshot enthält.&#10;&#10;Automatisch generierte Beschreibung"/>
           <p:cNvPicPr>
             <a:picLocks noChangeAspect="1"/>
           </p:cNvPicPr>
@@ -4509,13 +4549,15 @@
               </a:ext>
             </a:extLst>
           </a:blip>
-          <a:srcRect t="3155"/>
-          <a:stretch/>
+          <a:srcRect t="2379"/>
+          <a:stretch>
+            <a:fillRect/>
+          </a:stretch>
         </p:blipFill>
         <p:spPr>
           <a:xfrm>
-            <a:off x="87004" y="3761450"/>
-            <a:ext cx="4041113" cy="2795430"/>
+            <a:off x="4117226" y="3761449"/>
+            <a:ext cx="3946659" cy="2751987"/>
           </a:xfrm>
           <a:prstGeom prst="rect">
             <a:avLst/>
@@ -4524,13 +4566,7 @@
       </p:pic>
       <p:pic>
         <p:nvPicPr>
-          <p:cNvPr id="9" name="Grafik 8" descr="Ein Bild, das Text, Reihe, Diagramm, Screenshot enthält.&#10;&#10;Automatisch generierte Beschreibung">
-            <a:extLst>
-              <a:ext uri="{FF2B5EF4-FFF2-40B4-BE49-F238E27FC236}">
-                <a16:creationId xmlns:a16="http://schemas.microsoft.com/office/drawing/2014/main" id="{3885F3B8-071F-B9F8-5AAB-222FC892F292}"/>
-              </a:ext>
-            </a:extLst>
-          </p:cNvPr>
+          <p:cNvPr id="13" name="Grafik 12" descr="Ein Bild, das Text, Reihe, Diagramm, Screenshot enthält.&#10;&#10;Automatisch generierte Beschreibung"/>
           <p:cNvPicPr>
             <a:picLocks noChangeAspect="1"/>
           </p:cNvPicPr>
@@ -4544,13 +4580,15 @@
               </a:ext>
             </a:extLst>
           </a:blip>
-          <a:srcRect t="2379"/>
-          <a:stretch/>
+          <a:srcRect t="3155"/>
+          <a:stretch>
+            <a:fillRect/>
+          </a:stretch>
         </p:blipFill>
         <p:spPr>
           <a:xfrm>
-            <a:off x="4117226" y="3761449"/>
-            <a:ext cx="3946659" cy="2751987"/>
+            <a:off x="4117226" y="481426"/>
+            <a:ext cx="3978312" cy="2751987"/>
           </a:xfrm>
           <a:prstGeom prst="rect">
             <a:avLst/>
@@ -4559,13 +4597,7 @@
       </p:pic>
       <p:pic>
         <p:nvPicPr>
-          <p:cNvPr id="13" name="Grafik 12" descr="Ein Bild, das Text, Reihe, Diagramm, Screenshot enthält.&#10;&#10;Automatisch generierte Beschreibung">
-            <a:extLst>
-              <a:ext uri="{FF2B5EF4-FFF2-40B4-BE49-F238E27FC236}">
-                <a16:creationId xmlns:a16="http://schemas.microsoft.com/office/drawing/2014/main" id="{3BCC32E3-3C2B-CC37-433A-04AFEA9CEDE0}"/>
-              </a:ext>
-            </a:extLst>
-          </p:cNvPr>
+          <p:cNvPr id="17" name="Grafik 16" descr="Ein Bild, das Text, Diagramm, Reihe, Screenshot enthält.&#10;&#10;Automatisch generierte Beschreibung"/>
           <p:cNvPicPr>
             <a:picLocks noChangeAspect="1"/>
           </p:cNvPicPr>
@@ -4579,60 +4611,22 @@
               </a:ext>
             </a:extLst>
           </a:blip>
-          <a:srcRect t="3155"/>
-          <a:stretch/>
+          <a:srcRect t="2185"/>
+          <a:stretch>
+            <a:fillRect/>
+          </a:stretch>
         </p:blipFill>
         <p:spPr>
           <a:xfrm>
-            <a:off x="4117226" y="481426"/>
-            <a:ext cx="3978312" cy="2751987"/>
+            <a:off x="256005" y="528036"/>
+            <a:ext cx="3872112" cy="2705377"/>
           </a:xfrm>
           <a:prstGeom prst="rect">
             <a:avLst/>
           </a:prstGeom>
         </p:spPr>
       </p:pic>
-      <p:pic>
-        <p:nvPicPr>
-          <p:cNvPr id="17" name="Grafik 16" descr="Ein Bild, das Text, Diagramm, Reihe, Screenshot enthält.&#10;&#10;Automatisch generierte Beschreibung">
-            <a:extLst>
-              <a:ext uri="{FF2B5EF4-FFF2-40B4-BE49-F238E27FC236}">
-                <a16:creationId xmlns:a16="http://schemas.microsoft.com/office/drawing/2014/main" id="{09F1FBE1-2635-A9ED-D04E-A77350B5742C}"/>
-              </a:ext>
-            </a:extLst>
-          </p:cNvPr>
-          <p:cNvPicPr>
-            <a:picLocks noChangeAspect="1"/>
-          </p:cNvPicPr>
-          <p:nvPr/>
-        </p:nvPicPr>
-        <p:blipFill>
-          <a:blip r:embed="rId5" cstate="print">
-            <a:extLst>
-              <a:ext uri="{28A0092B-C50C-407E-A947-70E740481C1C}">
-                <a14:useLocalDpi xmlns:a14="http://schemas.microsoft.com/office/drawing/2010/main" val="0"/>
-              </a:ext>
-            </a:extLst>
-          </a:blip>
-          <a:srcRect t="2185"/>
-          <a:stretch/>
-        </p:blipFill>
-        <p:spPr>
-          <a:xfrm>
-            <a:off x="256005" y="528036"/>
-            <a:ext cx="3872112" cy="2705377"/>
-          </a:xfrm>
-          <a:prstGeom prst="rect">
-            <a:avLst/>
-          </a:prstGeom>
-        </p:spPr>
-      </p:pic>
     </p:spTree>
-    <p:extLst>
-      <p:ext uri="{BB962C8B-B14F-4D97-AF65-F5344CB8AC3E}">
-        <p14:creationId xmlns:p14="http://schemas.microsoft.com/office/powerpoint/2010/main" val="3840050790"/>
-      </p:ext>
-    </p:extLst>
   </p:cSld>
   <p:clrMapOvr>
     <a:masterClrMapping/>
@@ -4645,13 +4639,7 @@
   <p:cSld>
     <p:spTree>
       <p:nvGrpSpPr>
-        <p:cNvPr id="1" name="">
-          <a:extLst>
-            <a:ext uri="{FF2B5EF4-FFF2-40B4-BE49-F238E27FC236}">
-              <a16:creationId xmlns:a16="http://schemas.microsoft.com/office/drawing/2014/main" id="{E0402357-7254-5665-C464-A3D2F1EEB991}"/>
-            </a:ext>
-          </a:extLst>
-        </p:cNvPr>
+        <p:cNvPr id="1" name=""/>
         <p:cNvGrpSpPr/>
         <p:nvPr/>
       </p:nvGrpSpPr>
@@ -4665,13 +4653,7 @@
       </p:grpSpPr>
       <p:sp>
         <p:nvSpPr>
-          <p:cNvPr id="20" name="Rechteck 19">
-            <a:extLst>
-              <a:ext uri="{FF2B5EF4-FFF2-40B4-BE49-F238E27FC236}">
-                <a16:creationId xmlns:a16="http://schemas.microsoft.com/office/drawing/2014/main" id="{151420C4-CCE6-053E-46D4-24FAEFF809F0}"/>
-              </a:ext>
-            </a:extLst>
-          </p:cNvPr>
+          <p:cNvPr id="20" name="Rechteck 19"/>
           <p:cNvSpPr/>
           <p:nvPr/>
         </p:nvSpPr>
@@ -4703,19 +4685,13 @@
           <a:lstStyle/>
           <a:p>
             <a:pPr algn="ctr"/>
-            <a:endParaRPr lang="en-AT"/>
-          </a:p>
-        </p:txBody>
-      </p:sp>
-      <p:sp>
-        <p:nvSpPr>
-          <p:cNvPr id="2" name="Title 1">
-            <a:extLst>
-              <a:ext uri="{FF2B5EF4-FFF2-40B4-BE49-F238E27FC236}">
-                <a16:creationId xmlns:a16="http://schemas.microsoft.com/office/drawing/2014/main" id="{0D8F57C2-5191-E6F6-DC92-62E52EBD21B8}"/>
-              </a:ext>
-            </a:extLst>
-          </p:cNvPr>
+            <a:endParaRPr lang="en-US"/>
+          </a:p>
+        </p:txBody>
+      </p:sp>
+      <p:sp>
+        <p:nvSpPr>
+          <p:cNvPr id="2" name="Title 1"/>
           <p:cNvSpPr>
             <a:spLocks noGrp="1"/>
           </p:cNvSpPr>
@@ -4799,13 +4775,38 @@
       </p:sp>
       <p:pic>
         <p:nvPicPr>
-          <p:cNvPr id="17" name="Grafik 16" descr="Ein Bild, das Text, Reihe, Diagramm, Screenshot enthält.&#10;&#10;Automatisch generierte Beschreibung">
+          <p:cNvPr id="17" name="Grafik 16" descr="Ein Bild, das Text, Reihe, Diagramm, Screenshot enthält.&#10;&#10;Automatisch generierte Beschreibung"/>
+          <p:cNvPicPr>
+            <a:picLocks noChangeAspect="1"/>
+          </p:cNvPicPr>
+          <p:nvPr/>
+        </p:nvPicPr>
+        <p:blipFill>
+          <a:blip r:embed="rId1" cstate="print">
             <a:extLst>
-              <a:ext uri="{FF2B5EF4-FFF2-40B4-BE49-F238E27FC236}">
-                <a16:creationId xmlns:a16="http://schemas.microsoft.com/office/drawing/2014/main" id="{1BDDE418-F80D-7786-45E8-3305338F198F}"/>
+              <a:ext uri="{28A0092B-C50C-407E-A947-70E740481C1C}">
+                <a14:useLocalDpi xmlns:a14="http://schemas.microsoft.com/office/drawing/2010/main" val="0"/>
               </a:ext>
             </a:extLst>
-          </p:cNvPr>
+          </a:blip>
+          <a:srcRect t="2452"/>
+          <a:stretch>
+            <a:fillRect/>
+          </a:stretch>
+        </p:blipFill>
+        <p:spPr>
+          <a:xfrm>
+            <a:off x="4044681" y="730186"/>
+            <a:ext cx="3987964" cy="2778716"/>
+          </a:xfrm>
+          <a:prstGeom prst="rect">
+            <a:avLst/>
+          </a:prstGeom>
+        </p:spPr>
+      </p:pic>
+      <p:pic>
+        <p:nvPicPr>
+          <p:cNvPr id="21" name="Grafik 20" descr="Ein Bild, das Text, Reihe, Screenshot, Diagramm enthält.&#10;&#10;Automatisch generierte Beschreibung"/>
           <p:cNvPicPr>
             <a:picLocks noChangeAspect="1"/>
           </p:cNvPicPr>
@@ -4820,12 +4821,14 @@
             </a:extLst>
           </a:blip>
           <a:srcRect t="2452"/>
-          <a:stretch/>
+          <a:stretch>
+            <a:fillRect/>
+          </a:stretch>
         </p:blipFill>
         <p:spPr>
           <a:xfrm>
-            <a:off x="4044681" y="730186"/>
-            <a:ext cx="3987964" cy="2778716"/>
+            <a:off x="2088815" y="3826435"/>
+            <a:ext cx="3873290" cy="2698814"/>
           </a:xfrm>
           <a:prstGeom prst="rect">
             <a:avLst/>
@@ -4834,13 +4837,7 @@
       </p:pic>
       <p:pic>
         <p:nvPicPr>
-          <p:cNvPr id="21" name="Grafik 20" descr="Ein Bild, das Text, Reihe, Screenshot, Diagramm enthält.&#10;&#10;Automatisch generierte Beschreibung">
-            <a:extLst>
-              <a:ext uri="{FF2B5EF4-FFF2-40B4-BE49-F238E27FC236}">
-                <a16:creationId xmlns:a16="http://schemas.microsoft.com/office/drawing/2014/main" id="{ED05ECEB-6BA5-201C-21A7-9D473ED02741}"/>
-              </a:ext>
-            </a:extLst>
-          </p:cNvPr>
+          <p:cNvPr id="23" name="Grafik 22" descr="Ein Bild, das Text, Diagramm, Reihe, Screenshot enthält.&#10;&#10;Automatisch generierte Beschreibung"/>
           <p:cNvPicPr>
             <a:picLocks noChangeAspect="1"/>
           </p:cNvPicPr>
@@ -4855,11 +4852,13 @@
             </a:extLst>
           </a:blip>
           <a:srcRect t="2452"/>
-          <a:stretch/>
+          <a:stretch>
+            <a:fillRect/>
+          </a:stretch>
         </p:blipFill>
         <p:spPr>
           <a:xfrm>
-            <a:off x="2088815" y="3826435"/>
+            <a:off x="215569" y="730186"/>
             <a:ext cx="3873290" cy="2698814"/>
           </a:xfrm>
           <a:prstGeom prst="rect">
@@ -4867,47 +4866,7 @@
           </a:prstGeom>
         </p:spPr>
       </p:pic>
-      <p:pic>
-        <p:nvPicPr>
-          <p:cNvPr id="23" name="Grafik 22" descr="Ein Bild, das Text, Diagramm, Reihe, Screenshot enthält.&#10;&#10;Automatisch generierte Beschreibung">
-            <a:extLst>
-              <a:ext uri="{FF2B5EF4-FFF2-40B4-BE49-F238E27FC236}">
-                <a16:creationId xmlns:a16="http://schemas.microsoft.com/office/drawing/2014/main" id="{54779566-52ED-AE8B-C12B-5DCD72925D24}"/>
-              </a:ext>
-            </a:extLst>
-          </p:cNvPr>
-          <p:cNvPicPr>
-            <a:picLocks noChangeAspect="1"/>
-          </p:cNvPicPr>
-          <p:nvPr/>
-        </p:nvPicPr>
-        <p:blipFill>
-          <a:blip r:embed="rId4" cstate="print">
-            <a:extLst>
-              <a:ext uri="{28A0092B-C50C-407E-A947-70E740481C1C}">
-                <a14:useLocalDpi xmlns:a14="http://schemas.microsoft.com/office/drawing/2010/main" val="0"/>
-              </a:ext>
-            </a:extLst>
-          </a:blip>
-          <a:srcRect t="2452"/>
-          <a:stretch/>
-        </p:blipFill>
-        <p:spPr>
-          <a:xfrm>
-            <a:off x="215569" y="730186"/>
-            <a:ext cx="3873290" cy="2698814"/>
-          </a:xfrm>
-          <a:prstGeom prst="rect">
-            <a:avLst/>
-          </a:prstGeom>
-        </p:spPr>
-      </p:pic>
     </p:spTree>
-    <p:extLst>
-      <p:ext uri="{BB962C8B-B14F-4D97-AF65-F5344CB8AC3E}">
-        <p14:creationId xmlns:p14="http://schemas.microsoft.com/office/powerpoint/2010/main" val="948162528"/>
-      </p:ext>
-    </p:extLst>
   </p:cSld>
   <p:clrMapOvr>
     <a:masterClrMapping/>
@@ -4957,6 +4916,12 @@
               </a:rPr>
               <a:t>Runtime - Concrete Dataset</a:t>
             </a:r>
+            <a:endParaRPr lang="de-DE" altLang="en-US">
+              <a:solidFill>
+                <a:srgbClr val="61A5C2"/>
+              </a:solidFill>
+              <a:latin typeface="Calibri" charset="0"/>
+            </a:endParaRPr>
           </a:p>
         </p:txBody>
       </p:sp>
@@ -4971,7 +4936,7 @@
           </p:nvPr>
         </p:nvPicPr>
         <p:blipFill>
-          <a:blip r:embed="rId2"/>
+          <a:blip r:embed="rId1"/>
           <a:srcRect l="10783" t="18797"/>
           <a:stretch>
             <a:fillRect/>
@@ -5073,6 +5038,12 @@
               </a:rPr>
               <a:t> Dataset</a:t>
             </a:r>
+            <a:endParaRPr lang="de-DE" altLang="en-US" dirty="0">
+              <a:solidFill>
+                <a:srgbClr val="61A5C2"/>
+              </a:solidFill>
+              <a:latin typeface="Calibri" charset="0"/>
+            </a:endParaRPr>
           </a:p>
         </p:txBody>
       </p:sp>
@@ -5087,7 +5058,7 @@
           </p:nvPr>
         </p:nvPicPr>
         <p:blipFill>
-          <a:blip r:embed="rId2"/>
+          <a:blip r:embed="rId1"/>
           <a:stretch>
             <a:fillRect/>
           </a:stretch>
@@ -5119,14 +5090,7 @@
         <p:cNvGrpSpPr/>
         <p:nvPr/>
       </p:nvGrpSpPr>
-      <p:grpSpPr>
-        <a:xfrm>
-          <a:off x="0" y="0"/>
-          <a:ext cx="0" cy="0"/>
-          <a:chOff x="0" y="0"/>
-          <a:chExt cx="0" cy="0"/>
-        </a:xfrm>
-      </p:grpSpPr>
+      <p:grpSpPr/>
       <p:sp>
         <p:nvSpPr>
           <p:cNvPr id="2" name="Title 1"/>
@@ -5140,7 +5104,6 @@
         <p:spPr/>
         <p:txBody>
           <a:bodyPr/>
-          <a:lstStyle/>
           <a:p>
             <a:pPr algn="ctr" fontAlgn="auto"/>
             <a:r>
@@ -5150,37 +5113,84 @@
                 </a:solidFill>
                 <a:latin typeface="Calibri" charset="0"/>
               </a:rPr>
-              <a:t>Relative Squared Error - Superconductivity Dataset</a:t>
-            </a:r>
+              <a:t>Cross Validation Results - Superconductivity</a:t>
+            </a:r>
+            <a:endParaRPr lang="de-DE" altLang="en-US">
+              <a:solidFill>
+                <a:srgbClr val="61A5C2"/>
+              </a:solidFill>
+              <a:latin typeface="Calibri" charset="0"/>
+            </a:endParaRPr>
           </a:p>
         </p:txBody>
       </p:sp>
       <p:pic>
         <p:nvPicPr>
-          <p:cNvPr id="4" name="Content Placeholder 3"/>
+          <p:cNvPr id="6" name="Content Placeholder 5"/>
           <p:cNvPicPr>
-            <a:picLocks noGrp="1" noChangeAspect="1"/>
+            <a:picLocks noChangeAspect="1"/>
           </p:cNvPicPr>
           <p:nvPr>
             <p:ph idx="1"/>
           </p:nvPr>
         </p:nvPicPr>
         <p:blipFill>
-          <a:blip r:embed="rId2"/>
+          <a:blip r:embed="rId1"/>
           <a:stretch>
             <a:fillRect/>
           </a:stretch>
         </p:blipFill>
         <p:spPr>
           <a:xfrm>
-            <a:off x="2270125" y="1825625"/>
-            <a:ext cx="7270115" cy="4351655"/>
+            <a:off x="3775075" y="1632585"/>
+            <a:ext cx="3990975" cy="4693285"/>
           </a:xfrm>
           <a:prstGeom prst="rect">
             <a:avLst/>
           </a:prstGeom>
         </p:spPr>
       </p:pic>
+      <p:sp>
+        <p:nvSpPr>
+          <p:cNvPr id="9" name="Text Box 8"/>
+          <p:cNvSpPr txBox="1"/>
+          <p:nvPr/>
+        </p:nvSpPr>
+        <p:spPr>
+          <a:xfrm>
+            <a:off x="8300085" y="1632585"/>
+            <a:ext cx="2616835" cy="337185"/>
+          </a:xfrm>
+          <a:prstGeom prst="rect">
+            <a:avLst/>
+          </a:prstGeom>
+          <a:noFill/>
+        </p:spPr>
+        <p:txBody>
+          <a:bodyPr wrap="none" rtlCol="0">
+            <a:spAutoFit/>
+          </a:bodyPr>
+          <a:p>
+            <a:pPr algn="l"/>
+            <a:r>
+              <a:rPr lang="de-DE" altLang="en-US" sz="1600">
+                <a:solidFill>
+                  <a:srgbClr val="61A5C2"/>
+                </a:solidFill>
+                <a:latin typeface="Calibri" charset="0"/>
+                <a:sym typeface="+mn-ea"/>
+              </a:rPr>
+              <a:t>(few repetitions and folds)</a:t>
+            </a:r>
+            <a:endParaRPr lang="de-DE" altLang="en-US" sz="1600">
+              <a:solidFill>
+                <a:srgbClr val="61A5C2"/>
+              </a:solidFill>
+              <a:latin typeface="Calibri" charset="0"/>
+            </a:endParaRPr>
+          </a:p>
+        </p:txBody>
+      </p:sp>
     </p:spTree>
   </p:cSld>
   <p:clrMapOvr>
@@ -5223,41 +5233,20 @@
           <a:p>
             <a:pPr algn="ctr" fontAlgn="auto"/>
             <a:r>
-              <a:rPr lang="de-DE" altLang="en-US" dirty="0" err="1">
-                <a:solidFill>
-                  <a:srgbClr val="61A5C2"/>
-                </a:solidFill>
-                <a:latin typeface="Calibri" charset="0"/>
-              </a:rPr>
-              <a:t>Runtime</a:t>
-            </a:r>
-            <a:r>
-              <a:rPr lang="de-DE" altLang="en-US" dirty="0">
-                <a:solidFill>
-                  <a:srgbClr val="61A5C2"/>
-                </a:solidFill>
-                <a:latin typeface="Calibri" charset="0"/>
-              </a:rPr>
-              <a:t> – </a:t>
-            </a:r>
-            <a:r>
-              <a:rPr lang="de-DE" altLang="en-US" dirty="0" err="1">
-                <a:solidFill>
-                  <a:srgbClr val="61A5C2"/>
-                </a:solidFill>
-                <a:latin typeface="Calibri" charset="0"/>
-              </a:rPr>
-              <a:t>Superconductivity</a:t>
-            </a:r>
-            <a:r>
-              <a:rPr lang="de-DE" altLang="en-US" dirty="0">
-                <a:solidFill>
-                  <a:srgbClr val="61A5C2"/>
-                </a:solidFill>
-                <a:latin typeface="Calibri" charset="0"/>
-              </a:rPr>
-              <a:t> Dataset</a:t>
-            </a:r>
+              <a:rPr lang="de-DE" altLang="en-US">
+                <a:solidFill>
+                  <a:srgbClr val="61A5C2"/>
+                </a:solidFill>
+                <a:latin typeface="Calibri" charset="0"/>
+              </a:rPr>
+              <a:t>Relative Squared Error - Superconductivity Dataset</a:t>
+            </a:r>
+            <a:endParaRPr lang="de-DE" altLang="en-US">
+              <a:solidFill>
+                <a:srgbClr val="61A5C2"/>
+              </a:solidFill>
+              <a:latin typeface="Calibri" charset="0"/>
+            </a:endParaRPr>
           </a:p>
         </p:txBody>
       </p:sp>
@@ -5272,15 +5261,15 @@
           </p:nvPr>
         </p:nvPicPr>
         <p:blipFill>
-          <a:blip r:embed="rId2"/>
+          <a:blip r:embed="rId1"/>
           <a:stretch>
             <a:fillRect/>
           </a:stretch>
         </p:blipFill>
         <p:spPr>
           <a:xfrm>
-            <a:off x="3442970" y="3067685"/>
-            <a:ext cx="4924425" cy="1866900"/>
+            <a:off x="2270125" y="1825625"/>
+            <a:ext cx="7270115" cy="4351655"/>
           </a:xfrm>
           <a:prstGeom prst="rect">
             <a:avLst/>
@@ -5314,13 +5303,7 @@
       </p:grpSpPr>
       <p:sp>
         <p:nvSpPr>
-          <p:cNvPr id="2" name="Titel 1">
-            <a:extLst>
-              <a:ext uri="{FF2B5EF4-FFF2-40B4-BE49-F238E27FC236}">
-                <a16:creationId xmlns:a16="http://schemas.microsoft.com/office/drawing/2014/main" id="{E7E230DC-BABC-D56F-55A2-6B881845D4F4}"/>
-              </a:ext>
-            </a:extLst>
-          </p:cNvPr>
+          <p:cNvPr id="2" name="Title 1"/>
           <p:cNvSpPr>
             <a:spLocks noGrp="1"/>
           </p:cNvSpPr>
@@ -5328,81 +5311,49 @@
             <p:ph type="title"/>
           </p:nvPr>
         </p:nvSpPr>
-        <p:spPr>
-          <a:xfrm>
-            <a:off x="838200" y="134157"/>
-            <a:ext cx="10515600" cy="1325563"/>
-          </a:xfrm>
-        </p:spPr>
+        <p:spPr/>
         <p:txBody>
           <a:bodyPr/>
           <a:lstStyle/>
           <a:p>
-            <a:pPr algn="ctr"/>
-            <a:r>
-              <a:rPr lang="de-AT" dirty="0" err="1">
-                <a:solidFill>
-                  <a:srgbClr val="61A5C2"/>
-                </a:solidFill>
-                <a:latin typeface="Calibri" charset="0"/>
-              </a:rPr>
-              <a:t>Sensitivity</a:t>
-            </a:r>
-            <a:r>
-              <a:rPr lang="de-AT" dirty="0">
-                <a:solidFill>
-                  <a:srgbClr val="61A5C2"/>
-                </a:solidFill>
-                <a:latin typeface="Calibri" charset="0"/>
-              </a:rPr>
-              <a:t> </a:t>
-            </a:r>
-            <a:r>
-              <a:rPr lang="de-AT" dirty="0" err="1">
-                <a:solidFill>
-                  <a:srgbClr val="61A5C2"/>
-                </a:solidFill>
-                <a:latin typeface="Calibri" charset="0"/>
-              </a:rPr>
-              <a:t>min_samples_split</a:t>
-            </a:r>
-            <a:r>
-              <a:rPr lang="de-AT" dirty="0">
-                <a:solidFill>
-                  <a:srgbClr val="61A5C2"/>
-                </a:solidFill>
-                <a:latin typeface="Calibri" charset="0"/>
-              </a:rPr>
-              <a:t>, </a:t>
-            </a:r>
-            <a:r>
-              <a:rPr lang="de-AT" dirty="0" err="1">
-                <a:solidFill>
-                  <a:srgbClr val="61A5C2"/>
-                </a:solidFill>
-                <a:latin typeface="Calibri" charset="0"/>
-              </a:rPr>
-              <a:t>nb_estimators</a:t>
-            </a:r>
-            <a:r>
-              <a:rPr lang="de-AT" dirty="0">
-                <a:solidFill>
-                  <a:srgbClr val="61A5C2"/>
-                </a:solidFill>
-                <a:latin typeface="Calibri" charset="0"/>
-              </a:rPr>
-              <a:t>/</a:t>
-            </a:r>
-            <a:r>
-              <a:rPr lang="de-AT" dirty="0" err="1">
-                <a:solidFill>
-                  <a:srgbClr val="61A5C2"/>
-                </a:solidFill>
-                <a:latin typeface="Calibri" charset="0"/>
-              </a:rPr>
-              <a:t>trees</a:t>
-            </a:r>
-            <a:endParaRPr lang="de-AT" dirty="0">
+            <a:pPr algn="ctr" fontAlgn="auto"/>
+            <a:r>
+              <a:rPr lang="de-DE" altLang="en-US" dirty="0" err="1">
+                <a:solidFill>
+                  <a:srgbClr val="61A5C2"/>
+                </a:solidFill>
+                <a:latin typeface="Calibri" charset="0"/>
+              </a:rPr>
+              <a:t>Runtime</a:t>
+            </a:r>
+            <a:r>
+              <a:rPr lang="de-DE" altLang="en-US" dirty="0">
+                <a:solidFill>
+                  <a:srgbClr val="61A5C2"/>
+                </a:solidFill>
+                <a:latin typeface="Calibri" charset="0"/>
+              </a:rPr>
+              <a:t> – </a:t>
+            </a:r>
+            <a:r>
+              <a:rPr lang="de-DE" altLang="en-US" dirty="0" err="1">
+                <a:solidFill>
+                  <a:srgbClr val="61A5C2"/>
+                </a:solidFill>
+                <a:latin typeface="Calibri" charset="0"/>
+              </a:rPr>
+              <a:t>Superconductivity</a:t>
+            </a:r>
+            <a:r>
+              <a:rPr lang="de-DE" altLang="en-US" dirty="0">
+                <a:solidFill>
+                  <a:srgbClr val="61A5C2"/>
+                </a:solidFill>
+                <a:latin typeface="Calibri" charset="0"/>
+              </a:rPr>
+              <a:t> Dataset</a:t>
+            </a:r>
+            <a:endParaRPr lang="de-DE" altLang="en-US" dirty="0">
               <a:solidFill>
                 <a:srgbClr val="61A5C2"/>
               </a:solidFill>
@@ -5411,390 +5362,33 @@
           </a:p>
         </p:txBody>
       </p:sp>
-      <p:sp>
-        <p:nvSpPr>
-          <p:cNvPr id="4" name="Textfeld 3">
-            <a:extLst>
-              <a:ext uri="{FF2B5EF4-FFF2-40B4-BE49-F238E27FC236}">
-                <a16:creationId xmlns:a16="http://schemas.microsoft.com/office/drawing/2014/main" id="{EA3FD169-E32E-655C-66D7-F5E1E817EA5C}"/>
-              </a:ext>
-            </a:extLst>
-          </p:cNvPr>
-          <p:cNvSpPr txBox="1"/>
-          <p:nvPr/>
-        </p:nvSpPr>
-        <p:spPr>
-          <a:xfrm>
-            <a:off x="1544715" y="1275054"/>
-            <a:ext cx="2432845" cy="400110"/>
-          </a:xfrm>
-          <a:prstGeom prst="rect">
-            <a:avLst/>
-          </a:prstGeom>
-          <a:noFill/>
-        </p:spPr>
-        <p:txBody>
-          <a:bodyPr wrap="none" rtlCol="0">
-            <a:spAutoFit/>
-          </a:bodyPr>
-          <a:lstStyle/>
-          <a:p>
-            <a:r>
-              <a:rPr lang="de-AT" sz="2000" b="1" dirty="0" err="1">
-                <a:solidFill>
-                  <a:srgbClr val="61A5C2"/>
-                </a:solidFill>
-                <a:effectLst>
-                  <a:outerShdw blurRad="38100" dist="38100" dir="2700000" algn="tl">
-                    <a:srgbClr val="000000">
-                      <a:alpha val="43137"/>
-                    </a:srgbClr>
-                  </a:outerShdw>
-                </a:effectLst>
-                <a:latin typeface="Calibri" charset="0"/>
-                <a:ea typeface="+mj-ea"/>
-                <a:cs typeface="+mj-cs"/>
-              </a:rPr>
-              <a:t>Our</a:t>
-            </a:r>
-            <a:r>
-              <a:rPr lang="de-AT" sz="2000" b="1" dirty="0">
-                <a:solidFill>
-                  <a:srgbClr val="61A5C2"/>
-                </a:solidFill>
-                <a:effectLst>
-                  <a:outerShdw blurRad="38100" dist="38100" dir="2700000" algn="tl">
-                    <a:srgbClr val="000000">
-                      <a:alpha val="43137"/>
-                    </a:srgbClr>
-                  </a:outerShdw>
-                </a:effectLst>
-                <a:latin typeface="Calibri" charset="0"/>
-                <a:ea typeface="+mj-ea"/>
-                <a:cs typeface="+mj-cs"/>
-              </a:rPr>
-              <a:t> Implementation:</a:t>
-            </a:r>
-          </a:p>
-        </p:txBody>
-      </p:sp>
-      <p:sp>
-        <p:nvSpPr>
-          <p:cNvPr id="5" name="Textfeld 4">
-            <a:extLst>
-              <a:ext uri="{FF2B5EF4-FFF2-40B4-BE49-F238E27FC236}">
-                <a16:creationId xmlns:a16="http://schemas.microsoft.com/office/drawing/2014/main" id="{0CE17C52-5F8C-8B52-DE2A-3AD4E864181D}"/>
-              </a:ext>
-            </a:extLst>
-          </p:cNvPr>
-          <p:cNvSpPr txBox="1"/>
-          <p:nvPr/>
-        </p:nvSpPr>
-        <p:spPr>
-          <a:xfrm>
-            <a:off x="8052487" y="1275054"/>
-            <a:ext cx="1032655" cy="400110"/>
-          </a:xfrm>
-          <a:prstGeom prst="rect">
-            <a:avLst/>
-          </a:prstGeom>
-          <a:noFill/>
-        </p:spPr>
-        <p:txBody>
-          <a:bodyPr wrap="none" rtlCol="0">
-            <a:spAutoFit/>
-          </a:bodyPr>
-          <a:lstStyle/>
-          <a:p>
-            <a:r>
-              <a:rPr lang="de-AT" sz="2000" b="1" dirty="0" err="1">
-                <a:solidFill>
-                  <a:srgbClr val="61A5C2"/>
-                </a:solidFill>
-                <a:effectLst>
-                  <a:outerShdw blurRad="38100" dist="38100" dir="2700000" algn="tl">
-                    <a:srgbClr val="000000">
-                      <a:alpha val="43137"/>
-                    </a:srgbClr>
-                  </a:outerShdw>
-                </a:effectLst>
-                <a:latin typeface="Calibri" charset="0"/>
-                <a:ea typeface="+mj-ea"/>
-                <a:cs typeface="+mj-cs"/>
-              </a:rPr>
-              <a:t>scikit</a:t>
-            </a:r>
-            <a:r>
-              <a:rPr lang="de-AT" sz="2000" b="1" dirty="0">
-                <a:solidFill>
-                  <a:srgbClr val="61A5C2"/>
-                </a:solidFill>
-                <a:effectLst>
-                  <a:outerShdw blurRad="38100" dist="38100" dir="2700000" algn="tl">
-                    <a:srgbClr val="000000">
-                      <a:alpha val="43137"/>
-                    </a:srgbClr>
-                  </a:outerShdw>
-                </a:effectLst>
-                <a:latin typeface="Calibri" charset="0"/>
-                <a:ea typeface="+mj-ea"/>
-                <a:cs typeface="+mj-cs"/>
-              </a:rPr>
-              <a:t> </a:t>
-            </a:r>
-            <a:r>
-              <a:rPr lang="de-AT" sz="2000" b="1" dirty="0" err="1">
-                <a:solidFill>
-                  <a:srgbClr val="61A5C2"/>
-                </a:solidFill>
-                <a:effectLst>
-                  <a:outerShdw blurRad="38100" dist="38100" dir="2700000" algn="tl">
-                    <a:srgbClr val="000000">
-                      <a:alpha val="43137"/>
-                    </a:srgbClr>
-                  </a:outerShdw>
-                </a:effectLst>
-                <a:latin typeface="Calibri" charset="0"/>
-                <a:ea typeface="+mj-ea"/>
-                <a:cs typeface="+mj-cs"/>
-              </a:rPr>
-              <a:t>rf</a:t>
-            </a:r>
-            <a:r>
-              <a:rPr lang="de-AT" sz="2000" b="1" dirty="0">
-                <a:solidFill>
-                  <a:srgbClr val="61A5C2"/>
-                </a:solidFill>
-                <a:effectLst>
-                  <a:outerShdw blurRad="38100" dist="38100" dir="2700000" algn="tl">
-                    <a:srgbClr val="000000">
-                      <a:alpha val="43137"/>
-                    </a:srgbClr>
-                  </a:outerShdw>
-                </a:effectLst>
-                <a:latin typeface="Calibri" charset="0"/>
-                <a:ea typeface="+mj-ea"/>
-                <a:cs typeface="+mj-cs"/>
-              </a:rPr>
-              <a:t>:</a:t>
-            </a:r>
-          </a:p>
-        </p:txBody>
-      </p:sp>
-      <p:sp>
-        <p:nvSpPr>
-          <p:cNvPr id="7" name="Rechteck 6">
-            <a:extLst>
-              <a:ext uri="{FF2B5EF4-FFF2-40B4-BE49-F238E27FC236}">
-                <a16:creationId xmlns:a16="http://schemas.microsoft.com/office/drawing/2014/main" id="{C9E9ABDA-450D-EECF-966E-C0601824F218}"/>
-              </a:ext>
-            </a:extLst>
-          </p:cNvPr>
-          <p:cNvSpPr/>
-          <p:nvPr/>
-        </p:nvSpPr>
-        <p:spPr>
-          <a:xfrm>
-            <a:off x="1047565" y="1730153"/>
-            <a:ext cx="3870664" cy="4993690"/>
-          </a:xfrm>
-          <a:prstGeom prst="rect">
-            <a:avLst/>
-          </a:prstGeom>
-        </p:spPr>
-        <p:style>
-          <a:lnRef idx="2">
-            <a:schemeClr val="dk1"/>
-          </a:lnRef>
-          <a:fillRef idx="1">
-            <a:schemeClr val="lt1"/>
-          </a:fillRef>
-          <a:effectRef idx="0">
-            <a:schemeClr val="dk1"/>
-          </a:effectRef>
-          <a:fontRef idx="minor">
-            <a:schemeClr val="dk1"/>
-          </a:fontRef>
-        </p:style>
-        <p:txBody>
-          <a:bodyPr rtlCol="0" anchor="ctr"/>
-          <a:lstStyle/>
-          <a:p>
-            <a:pPr algn="ctr"/>
-            <a:endParaRPr lang="en-AT"/>
-          </a:p>
-        </p:txBody>
-      </p:sp>
-      <p:sp>
-        <p:nvSpPr>
-          <p:cNvPr id="8" name="Rechteck 7">
-            <a:extLst>
-              <a:ext uri="{FF2B5EF4-FFF2-40B4-BE49-F238E27FC236}">
-                <a16:creationId xmlns:a16="http://schemas.microsoft.com/office/drawing/2014/main" id="{DE411EE1-5D8E-FE5A-0B47-65B4D16F57A2}"/>
-              </a:ext>
-            </a:extLst>
-          </p:cNvPr>
-          <p:cNvSpPr/>
-          <p:nvPr/>
-        </p:nvSpPr>
-        <p:spPr>
-          <a:xfrm>
-            <a:off x="6596109" y="1730153"/>
-            <a:ext cx="4012707" cy="4993690"/>
-          </a:xfrm>
-          <a:prstGeom prst="rect">
-            <a:avLst/>
-          </a:prstGeom>
-        </p:spPr>
-        <p:style>
-          <a:lnRef idx="2">
-            <a:schemeClr val="dk1"/>
-          </a:lnRef>
-          <a:fillRef idx="1">
-            <a:schemeClr val="lt1"/>
-          </a:fillRef>
-          <a:effectRef idx="0">
-            <a:schemeClr val="dk1"/>
-          </a:effectRef>
-          <a:fontRef idx="minor">
-            <a:schemeClr val="dk1"/>
-          </a:fontRef>
-        </p:style>
-        <p:txBody>
-          <a:bodyPr rtlCol="0" anchor="ctr"/>
-          <a:lstStyle/>
-          <a:p>
-            <a:pPr algn="ctr"/>
-            <a:endParaRPr lang="en-AT"/>
-          </a:p>
-        </p:txBody>
-      </p:sp>
       <p:pic>
         <p:nvPicPr>
-          <p:cNvPr id="11" name="Grafik 10">
-            <a:extLst>
-              <a:ext uri="{FF2B5EF4-FFF2-40B4-BE49-F238E27FC236}">
-                <a16:creationId xmlns:a16="http://schemas.microsoft.com/office/drawing/2014/main" id="{3C212B0D-658A-B894-8018-EADA90842305}"/>
-              </a:ext>
-            </a:extLst>
-          </p:cNvPr>
+          <p:cNvPr id="4" name="Content Placeholder 3"/>
           <p:cNvPicPr>
-            <a:picLocks noChangeAspect="1"/>
+            <a:picLocks noGrp="1" noChangeAspect="1"/>
           </p:cNvPicPr>
-          <p:nvPr/>
+          <p:nvPr>
+            <p:ph idx="1"/>
+          </p:nvPr>
         </p:nvPicPr>
         <p:blipFill>
-          <a:blip r:embed="rId2"/>
+          <a:blip r:embed="rId1"/>
           <a:stretch>
             <a:fillRect/>
           </a:stretch>
         </p:blipFill>
         <p:spPr>
           <a:xfrm>
-            <a:off x="1265878" y="1812381"/>
-            <a:ext cx="3430410" cy="2385575"/>
+            <a:off x="3442970" y="3067685"/>
+            <a:ext cx="4924425" cy="1866900"/>
           </a:xfrm>
           <a:prstGeom prst="rect">
             <a:avLst/>
           </a:prstGeom>
         </p:spPr>
       </p:pic>
-      <p:pic>
-        <p:nvPicPr>
-          <p:cNvPr id="13" name="Grafik 12">
-            <a:extLst>
-              <a:ext uri="{FF2B5EF4-FFF2-40B4-BE49-F238E27FC236}">
-                <a16:creationId xmlns:a16="http://schemas.microsoft.com/office/drawing/2014/main" id="{1FD75C3A-8E96-7D89-20F9-DCC6714A6498}"/>
-              </a:ext>
-            </a:extLst>
-          </p:cNvPr>
-          <p:cNvPicPr>
-            <a:picLocks noChangeAspect="1"/>
-          </p:cNvPicPr>
-          <p:nvPr/>
-        </p:nvPicPr>
-        <p:blipFill>
-          <a:blip r:embed="rId3"/>
-          <a:stretch>
-            <a:fillRect/>
-          </a:stretch>
-        </p:blipFill>
-        <p:spPr>
-          <a:xfrm>
-            <a:off x="1266530" y="4197956"/>
-            <a:ext cx="3429758" cy="2385575"/>
-          </a:xfrm>
-          <a:prstGeom prst="rect">
-            <a:avLst/>
-          </a:prstGeom>
-        </p:spPr>
-      </p:pic>
-      <p:pic>
-        <p:nvPicPr>
-          <p:cNvPr id="15" name="Grafik 14">
-            <a:extLst>
-              <a:ext uri="{FF2B5EF4-FFF2-40B4-BE49-F238E27FC236}">
-                <a16:creationId xmlns:a16="http://schemas.microsoft.com/office/drawing/2014/main" id="{8D0BC6FA-64FF-FE83-3FBA-A9A4B3B49363}"/>
-              </a:ext>
-            </a:extLst>
-          </p:cNvPr>
-          <p:cNvPicPr>
-            <a:picLocks noChangeAspect="1"/>
-          </p:cNvPicPr>
-          <p:nvPr/>
-        </p:nvPicPr>
-        <p:blipFill>
-          <a:blip r:embed="rId4"/>
-          <a:stretch>
-            <a:fillRect/>
-          </a:stretch>
-        </p:blipFill>
-        <p:spPr>
-          <a:xfrm>
-            <a:off x="6848153" y="1831844"/>
-            <a:ext cx="3489176" cy="2433381"/>
-          </a:xfrm>
-          <a:prstGeom prst="rect">
-            <a:avLst/>
-          </a:prstGeom>
-        </p:spPr>
-      </p:pic>
-      <p:pic>
-        <p:nvPicPr>
-          <p:cNvPr id="17" name="Grafik 16">
-            <a:extLst>
-              <a:ext uri="{FF2B5EF4-FFF2-40B4-BE49-F238E27FC236}">
-                <a16:creationId xmlns:a16="http://schemas.microsoft.com/office/drawing/2014/main" id="{C997C09A-F6E4-FC8D-1C01-8F5292CC5C8D}"/>
-              </a:ext>
-            </a:extLst>
-          </p:cNvPr>
-          <p:cNvPicPr>
-            <a:picLocks noChangeAspect="1"/>
-          </p:cNvPicPr>
-          <p:nvPr/>
-        </p:nvPicPr>
-        <p:blipFill>
-          <a:blip r:embed="rId5"/>
-          <a:stretch>
-            <a:fillRect/>
-          </a:stretch>
-        </p:blipFill>
-        <p:spPr>
-          <a:xfrm>
-            <a:off x="6872081" y="4320214"/>
-            <a:ext cx="3441319" cy="2403629"/>
-          </a:xfrm>
-          <a:prstGeom prst="rect">
-            <a:avLst/>
-          </a:prstGeom>
-        </p:spPr>
-      </p:pic>
     </p:spTree>
-    <p:extLst>
-      <p:ext uri="{BB962C8B-B14F-4D97-AF65-F5344CB8AC3E}">
-        <p14:creationId xmlns:p14="http://schemas.microsoft.com/office/powerpoint/2010/main" val="793156583"/>
-      </p:ext>
-    </p:extLst>
   </p:cSld>
   <p:clrMapOvr>
     <a:masterClrMapping/>
@@ -5845,6 +5439,13 @@
               </a:rPr>
               <a:t>Regression Tree Code Overview</a:t>
             </a:r>
+            <a:endParaRPr lang="de-DE" altLang="en-US">
+              <a:solidFill>
+                <a:srgbClr val="61A5C2"/>
+              </a:solidFill>
+              <a:effectLst/>
+              <a:latin typeface="Calibri" charset="0"/>
+            </a:endParaRPr>
           </a:p>
         </p:txBody>
       </p:sp>
@@ -5857,6 +5458,436 @@
           <p:nvPr>
             <p:ph idx="1"/>
           </p:nvPr>
+        </p:nvPicPr>
+        <p:blipFill>
+          <a:blip r:embed="rId1"/>
+          <a:stretch>
+            <a:fillRect/>
+          </a:stretch>
+        </p:blipFill>
+        <p:spPr>
+          <a:xfrm>
+            <a:off x="1895475" y="2262505"/>
+            <a:ext cx="8020050" cy="3476625"/>
+          </a:xfrm>
+          <a:prstGeom prst="rect">
+            <a:avLst/>
+          </a:prstGeom>
+        </p:spPr>
+      </p:pic>
+    </p:spTree>
+  </p:cSld>
+  <p:clrMapOvr>
+    <a:masterClrMapping/>
+  </p:clrMapOvr>
+</p:sld>
+</file>
+
+<file path=ppt/slides/slide20.xml><?xml version="1.0" encoding="utf-8"?>
+<p:sld xmlns:a="http://schemas.openxmlformats.org/drawingml/2006/main" xmlns:r="http://schemas.openxmlformats.org/officeDocument/2006/relationships" xmlns:p="http://schemas.openxmlformats.org/presentationml/2006/main">
+  <p:cSld>
+    <p:spTree>
+      <p:nvGrpSpPr>
+        <p:cNvPr id="1" name=""/>
+        <p:cNvGrpSpPr/>
+        <p:nvPr/>
+      </p:nvGrpSpPr>
+      <p:grpSpPr>
+        <a:xfrm>
+          <a:off x="0" y="0"/>
+          <a:ext cx="0" cy="0"/>
+          <a:chOff x="0" y="0"/>
+          <a:chExt cx="0" cy="0"/>
+        </a:xfrm>
+      </p:grpSpPr>
+      <p:sp>
+        <p:nvSpPr>
+          <p:cNvPr id="2" name="Titel 1"/>
+          <p:cNvSpPr>
+            <a:spLocks noGrp="1"/>
+          </p:cNvSpPr>
+          <p:nvPr>
+            <p:ph type="title"/>
+          </p:nvPr>
+        </p:nvSpPr>
+        <p:spPr>
+          <a:xfrm>
+            <a:off x="838200" y="134157"/>
+            <a:ext cx="10515600" cy="1325563"/>
+          </a:xfrm>
+        </p:spPr>
+        <p:txBody>
+          <a:bodyPr/>
+          <a:lstStyle/>
+          <a:p>
+            <a:pPr algn="ctr"/>
+            <a:r>
+              <a:rPr lang="de-AT" dirty="0" err="1">
+                <a:solidFill>
+                  <a:srgbClr val="61A5C2"/>
+                </a:solidFill>
+                <a:latin typeface="Calibri" charset="0"/>
+              </a:rPr>
+              <a:t>Sensitivity</a:t>
+            </a:r>
+            <a:r>
+              <a:rPr lang="de-AT" dirty="0">
+                <a:solidFill>
+                  <a:srgbClr val="61A5C2"/>
+                </a:solidFill>
+                <a:latin typeface="Calibri" charset="0"/>
+              </a:rPr>
+              <a:t> </a:t>
+            </a:r>
+            <a:r>
+              <a:rPr lang="de-AT" dirty="0" err="1">
+                <a:solidFill>
+                  <a:srgbClr val="61A5C2"/>
+                </a:solidFill>
+                <a:latin typeface="Calibri" charset="0"/>
+              </a:rPr>
+              <a:t>min_samples_split</a:t>
+            </a:r>
+            <a:r>
+              <a:rPr lang="de-AT" dirty="0">
+                <a:solidFill>
+                  <a:srgbClr val="61A5C2"/>
+                </a:solidFill>
+                <a:latin typeface="Calibri" charset="0"/>
+              </a:rPr>
+              <a:t>, </a:t>
+            </a:r>
+            <a:r>
+              <a:rPr lang="de-AT" dirty="0" err="1">
+                <a:solidFill>
+                  <a:srgbClr val="61A5C2"/>
+                </a:solidFill>
+                <a:latin typeface="Calibri" charset="0"/>
+              </a:rPr>
+              <a:t>nb_estimators</a:t>
+            </a:r>
+            <a:r>
+              <a:rPr lang="de-AT" dirty="0">
+                <a:solidFill>
+                  <a:srgbClr val="61A5C2"/>
+                </a:solidFill>
+                <a:latin typeface="Calibri" charset="0"/>
+              </a:rPr>
+              <a:t>/</a:t>
+            </a:r>
+            <a:r>
+              <a:rPr lang="de-AT" dirty="0" err="1">
+                <a:solidFill>
+                  <a:srgbClr val="61A5C2"/>
+                </a:solidFill>
+                <a:latin typeface="Calibri" charset="0"/>
+              </a:rPr>
+              <a:t>trees</a:t>
+            </a:r>
+            <a:endParaRPr lang="de-AT" dirty="0">
+              <a:solidFill>
+                <a:srgbClr val="61A5C2"/>
+              </a:solidFill>
+              <a:latin typeface="Calibri" charset="0"/>
+            </a:endParaRPr>
+          </a:p>
+        </p:txBody>
+      </p:sp>
+      <p:sp>
+        <p:nvSpPr>
+          <p:cNvPr id="4" name="Textfeld 3"/>
+          <p:cNvSpPr txBox="1"/>
+          <p:nvPr/>
+        </p:nvSpPr>
+        <p:spPr>
+          <a:xfrm>
+            <a:off x="1544715" y="1275054"/>
+            <a:ext cx="2432845" cy="400110"/>
+          </a:xfrm>
+          <a:prstGeom prst="rect">
+            <a:avLst/>
+          </a:prstGeom>
+          <a:noFill/>
+        </p:spPr>
+        <p:txBody>
+          <a:bodyPr wrap="none" rtlCol="0">
+            <a:spAutoFit/>
+          </a:bodyPr>
+          <a:lstStyle/>
+          <a:p>
+            <a:r>
+              <a:rPr lang="de-AT" sz="2000" b="1" dirty="0" err="1">
+                <a:solidFill>
+                  <a:srgbClr val="61A5C2"/>
+                </a:solidFill>
+                <a:effectLst>
+                  <a:outerShdw blurRad="38100" dist="38100" dir="2700000" algn="tl">
+                    <a:srgbClr val="000000">
+                      <a:alpha val="43137"/>
+                    </a:srgbClr>
+                  </a:outerShdw>
+                </a:effectLst>
+                <a:latin typeface="Calibri" charset="0"/>
+                <a:ea typeface="+mj-ea"/>
+                <a:cs typeface="+mj-cs"/>
+              </a:rPr>
+              <a:t>Our</a:t>
+            </a:r>
+            <a:r>
+              <a:rPr lang="de-AT" sz="2000" b="1" dirty="0">
+                <a:solidFill>
+                  <a:srgbClr val="61A5C2"/>
+                </a:solidFill>
+                <a:effectLst>
+                  <a:outerShdw blurRad="38100" dist="38100" dir="2700000" algn="tl">
+                    <a:srgbClr val="000000">
+                      <a:alpha val="43137"/>
+                    </a:srgbClr>
+                  </a:outerShdw>
+                </a:effectLst>
+                <a:latin typeface="Calibri" charset="0"/>
+                <a:ea typeface="+mj-ea"/>
+                <a:cs typeface="+mj-cs"/>
+              </a:rPr>
+              <a:t> Implementation:</a:t>
+            </a:r>
+            <a:endParaRPr lang="de-AT" sz="2000" b="1" dirty="0">
+              <a:solidFill>
+                <a:srgbClr val="61A5C2"/>
+              </a:solidFill>
+              <a:effectLst>
+                <a:outerShdw blurRad="38100" dist="38100" dir="2700000" algn="tl">
+                  <a:srgbClr val="000000">
+                    <a:alpha val="43137"/>
+                  </a:srgbClr>
+                </a:outerShdw>
+              </a:effectLst>
+              <a:latin typeface="Calibri" charset="0"/>
+              <a:ea typeface="+mj-ea"/>
+              <a:cs typeface="+mj-cs"/>
+            </a:endParaRPr>
+          </a:p>
+        </p:txBody>
+      </p:sp>
+      <p:sp>
+        <p:nvSpPr>
+          <p:cNvPr id="5" name="Textfeld 4"/>
+          <p:cNvSpPr txBox="1"/>
+          <p:nvPr/>
+        </p:nvSpPr>
+        <p:spPr>
+          <a:xfrm>
+            <a:off x="8052487" y="1275054"/>
+            <a:ext cx="1032655" cy="400110"/>
+          </a:xfrm>
+          <a:prstGeom prst="rect">
+            <a:avLst/>
+          </a:prstGeom>
+          <a:noFill/>
+        </p:spPr>
+        <p:txBody>
+          <a:bodyPr wrap="none" rtlCol="0">
+            <a:spAutoFit/>
+          </a:bodyPr>
+          <a:lstStyle/>
+          <a:p>
+            <a:r>
+              <a:rPr lang="de-AT" sz="2000" b="1" dirty="0" err="1">
+                <a:solidFill>
+                  <a:srgbClr val="61A5C2"/>
+                </a:solidFill>
+                <a:effectLst>
+                  <a:outerShdw blurRad="38100" dist="38100" dir="2700000" algn="tl">
+                    <a:srgbClr val="000000">
+                      <a:alpha val="43137"/>
+                    </a:srgbClr>
+                  </a:outerShdw>
+                </a:effectLst>
+                <a:latin typeface="Calibri" charset="0"/>
+                <a:ea typeface="+mj-ea"/>
+                <a:cs typeface="+mj-cs"/>
+              </a:rPr>
+              <a:t>scikit</a:t>
+            </a:r>
+            <a:r>
+              <a:rPr lang="de-AT" sz="2000" b="1" dirty="0">
+                <a:solidFill>
+                  <a:srgbClr val="61A5C2"/>
+                </a:solidFill>
+                <a:effectLst>
+                  <a:outerShdw blurRad="38100" dist="38100" dir="2700000" algn="tl">
+                    <a:srgbClr val="000000">
+                      <a:alpha val="43137"/>
+                    </a:srgbClr>
+                  </a:outerShdw>
+                </a:effectLst>
+                <a:latin typeface="Calibri" charset="0"/>
+                <a:ea typeface="+mj-ea"/>
+                <a:cs typeface="+mj-cs"/>
+              </a:rPr>
+              <a:t> </a:t>
+            </a:r>
+            <a:r>
+              <a:rPr lang="de-AT" sz="2000" b="1" dirty="0" err="1">
+                <a:solidFill>
+                  <a:srgbClr val="61A5C2"/>
+                </a:solidFill>
+                <a:effectLst>
+                  <a:outerShdw blurRad="38100" dist="38100" dir="2700000" algn="tl">
+                    <a:srgbClr val="000000">
+                      <a:alpha val="43137"/>
+                    </a:srgbClr>
+                  </a:outerShdw>
+                </a:effectLst>
+                <a:latin typeface="Calibri" charset="0"/>
+                <a:ea typeface="+mj-ea"/>
+                <a:cs typeface="+mj-cs"/>
+              </a:rPr>
+              <a:t>rf</a:t>
+            </a:r>
+            <a:r>
+              <a:rPr lang="de-AT" sz="2000" b="1" dirty="0">
+                <a:solidFill>
+                  <a:srgbClr val="61A5C2"/>
+                </a:solidFill>
+                <a:effectLst>
+                  <a:outerShdw blurRad="38100" dist="38100" dir="2700000" algn="tl">
+                    <a:srgbClr val="000000">
+                      <a:alpha val="43137"/>
+                    </a:srgbClr>
+                  </a:outerShdw>
+                </a:effectLst>
+                <a:latin typeface="Calibri" charset="0"/>
+                <a:ea typeface="+mj-ea"/>
+                <a:cs typeface="+mj-cs"/>
+              </a:rPr>
+              <a:t>:</a:t>
+            </a:r>
+            <a:endParaRPr lang="de-AT" sz="2000" b="1" dirty="0">
+              <a:solidFill>
+                <a:srgbClr val="61A5C2"/>
+              </a:solidFill>
+              <a:effectLst>
+                <a:outerShdw blurRad="38100" dist="38100" dir="2700000" algn="tl">
+                  <a:srgbClr val="000000">
+                    <a:alpha val="43137"/>
+                  </a:srgbClr>
+                </a:outerShdw>
+              </a:effectLst>
+              <a:latin typeface="Calibri" charset="0"/>
+              <a:ea typeface="+mj-ea"/>
+              <a:cs typeface="+mj-cs"/>
+            </a:endParaRPr>
+          </a:p>
+        </p:txBody>
+      </p:sp>
+      <p:sp>
+        <p:nvSpPr>
+          <p:cNvPr id="7" name="Rechteck 6"/>
+          <p:cNvSpPr/>
+          <p:nvPr/>
+        </p:nvSpPr>
+        <p:spPr>
+          <a:xfrm>
+            <a:off x="1047565" y="1730153"/>
+            <a:ext cx="3870664" cy="4993690"/>
+          </a:xfrm>
+          <a:prstGeom prst="rect">
+            <a:avLst/>
+          </a:prstGeom>
+        </p:spPr>
+        <p:style>
+          <a:lnRef idx="2">
+            <a:schemeClr val="dk1"/>
+          </a:lnRef>
+          <a:fillRef idx="1">
+            <a:schemeClr val="lt1"/>
+          </a:fillRef>
+          <a:effectRef idx="0">
+            <a:schemeClr val="dk1"/>
+          </a:effectRef>
+          <a:fontRef idx="minor">
+            <a:schemeClr val="dk1"/>
+          </a:fontRef>
+        </p:style>
+        <p:txBody>
+          <a:bodyPr rtlCol="0" anchor="ctr"/>
+          <a:lstStyle/>
+          <a:p>
+            <a:pPr algn="ctr"/>
+            <a:endParaRPr lang="en-US"/>
+          </a:p>
+        </p:txBody>
+      </p:sp>
+      <p:sp>
+        <p:nvSpPr>
+          <p:cNvPr id="8" name="Rechteck 7"/>
+          <p:cNvSpPr/>
+          <p:nvPr/>
+        </p:nvSpPr>
+        <p:spPr>
+          <a:xfrm>
+            <a:off x="6596109" y="1730153"/>
+            <a:ext cx="4012707" cy="4993690"/>
+          </a:xfrm>
+          <a:prstGeom prst="rect">
+            <a:avLst/>
+          </a:prstGeom>
+        </p:spPr>
+        <p:style>
+          <a:lnRef idx="2">
+            <a:schemeClr val="dk1"/>
+          </a:lnRef>
+          <a:fillRef idx="1">
+            <a:schemeClr val="lt1"/>
+          </a:fillRef>
+          <a:effectRef idx="0">
+            <a:schemeClr val="dk1"/>
+          </a:effectRef>
+          <a:fontRef idx="minor">
+            <a:schemeClr val="dk1"/>
+          </a:fontRef>
+        </p:style>
+        <p:txBody>
+          <a:bodyPr rtlCol="0" anchor="ctr"/>
+          <a:lstStyle/>
+          <a:p>
+            <a:pPr algn="ctr"/>
+            <a:endParaRPr lang="en-US"/>
+          </a:p>
+        </p:txBody>
+      </p:sp>
+      <p:pic>
+        <p:nvPicPr>
+          <p:cNvPr id="11" name="Grafik 10"/>
+          <p:cNvPicPr>
+            <a:picLocks noChangeAspect="1"/>
+          </p:cNvPicPr>
+          <p:nvPr/>
+        </p:nvPicPr>
+        <p:blipFill>
+          <a:blip r:embed="rId1"/>
+          <a:stretch>
+            <a:fillRect/>
+          </a:stretch>
+        </p:blipFill>
+        <p:spPr>
+          <a:xfrm>
+            <a:off x="1265878" y="1812381"/>
+            <a:ext cx="3430410" cy="2385575"/>
+          </a:xfrm>
+          <a:prstGeom prst="rect">
+            <a:avLst/>
+          </a:prstGeom>
+        </p:spPr>
+      </p:pic>
+      <p:pic>
+        <p:nvPicPr>
+          <p:cNvPr id="13" name="Grafik 12"/>
+          <p:cNvPicPr>
+            <a:picLocks noChangeAspect="1"/>
+          </p:cNvPicPr>
+          <p:nvPr/>
         </p:nvPicPr>
         <p:blipFill>
           <a:blip r:embed="rId2"/>
@@ -5866,8 +5897,56 @@
         </p:blipFill>
         <p:spPr>
           <a:xfrm>
-            <a:off x="1895475" y="2262505"/>
-            <a:ext cx="8020050" cy="3476625"/>
+            <a:off x="1266530" y="4197956"/>
+            <a:ext cx="3429758" cy="2385575"/>
+          </a:xfrm>
+          <a:prstGeom prst="rect">
+            <a:avLst/>
+          </a:prstGeom>
+        </p:spPr>
+      </p:pic>
+      <p:pic>
+        <p:nvPicPr>
+          <p:cNvPr id="15" name="Grafik 14"/>
+          <p:cNvPicPr>
+            <a:picLocks noChangeAspect="1"/>
+          </p:cNvPicPr>
+          <p:nvPr/>
+        </p:nvPicPr>
+        <p:blipFill>
+          <a:blip r:embed="rId3"/>
+          <a:stretch>
+            <a:fillRect/>
+          </a:stretch>
+        </p:blipFill>
+        <p:spPr>
+          <a:xfrm>
+            <a:off x="6848153" y="1831844"/>
+            <a:ext cx="3489176" cy="2433381"/>
+          </a:xfrm>
+          <a:prstGeom prst="rect">
+            <a:avLst/>
+          </a:prstGeom>
+        </p:spPr>
+      </p:pic>
+      <p:pic>
+        <p:nvPicPr>
+          <p:cNvPr id="17" name="Grafik 16"/>
+          <p:cNvPicPr>
+            <a:picLocks noChangeAspect="1"/>
+          </p:cNvPicPr>
+          <p:nvPr/>
+        </p:nvPicPr>
+        <p:blipFill>
+          <a:blip r:embed="rId4"/>
+          <a:stretch>
+            <a:fillRect/>
+          </a:stretch>
+        </p:blipFill>
+        <p:spPr>
+          <a:xfrm>
+            <a:off x="6872081" y="4320214"/>
+            <a:ext cx="3441319" cy="2403629"/>
           </a:xfrm>
           <a:prstGeom prst="rect">
             <a:avLst/>
@@ -5930,6 +6009,9 @@
               </a:rPr>
               <a:t> </a:t>
             </a:r>
+            <a:endParaRPr lang="de-DE" altLang="en-US">
+              <a:latin typeface="Calibri" charset="0"/>
+            </a:endParaRPr>
           </a:p>
         </p:txBody>
       </p:sp>
@@ -5944,7 +6026,7 @@
           </p:nvPr>
         </p:nvPicPr>
         <p:blipFill>
-          <a:blip r:embed="rId2"/>
+          <a:blip r:embed="rId1"/>
           <a:stretch>
             <a:fillRect/>
           </a:stretch>
@@ -6009,6 +6091,12 @@
               </a:rPr>
               <a:t>Random Forest Code Overview</a:t>
             </a:r>
+            <a:endParaRPr lang="de-DE" altLang="en-US">
+              <a:solidFill>
+                <a:srgbClr val="61A5C2"/>
+              </a:solidFill>
+              <a:latin typeface="Calibri" charset="0"/>
+            </a:endParaRPr>
           </a:p>
         </p:txBody>
       </p:sp>
@@ -6023,7 +6111,7 @@
           </p:nvPr>
         </p:nvPicPr>
         <p:blipFill>
-          <a:blip r:embed="rId2"/>
+          <a:blip r:embed="rId1"/>
           <a:stretch>
             <a:fillRect/>
           </a:stretch>
@@ -6088,6 +6176,12 @@
               </a:rPr>
               <a:t>Random Forest - fit function</a:t>
             </a:r>
+            <a:endParaRPr lang="de-DE" altLang="en-US">
+              <a:solidFill>
+                <a:srgbClr val="61A5C2"/>
+              </a:solidFill>
+              <a:latin typeface="Calibri" charset="0"/>
+            </a:endParaRPr>
           </a:p>
         </p:txBody>
       </p:sp>
@@ -6102,7 +6196,7 @@
           </p:nvPr>
         </p:nvPicPr>
         <p:blipFill>
-          <a:blip r:embed="rId2"/>
+          <a:blip r:embed="rId1"/>
           <a:stretch>
             <a:fillRect/>
           </a:stretch>
@@ -6167,6 +6261,12 @@
               </a:rPr>
               <a:t>LLM Tree - _build_tree function</a:t>
             </a:r>
+            <a:endParaRPr lang="de-DE" altLang="en-US">
+              <a:solidFill>
+                <a:srgbClr val="61A5C2"/>
+              </a:solidFill>
+              <a:latin typeface="Calibri" charset="0"/>
+            </a:endParaRPr>
           </a:p>
         </p:txBody>
       </p:sp>
@@ -6181,7 +6281,7 @@
           </p:nvPr>
         </p:nvPicPr>
         <p:blipFill>
-          <a:blip r:embed="rId2"/>
+          <a:blip r:embed="rId1"/>
           <a:stretch>
             <a:fillRect/>
           </a:stretch>
@@ -6205,7 +6305,7 @@
           <p:nvPr/>
         </p:nvPicPr>
         <p:blipFill>
-          <a:blip r:embed="rId3"/>
+          <a:blip r:embed="rId2"/>
           <a:stretch>
             <a:fillRect/>
           </a:stretch>
@@ -6270,6 +6370,12 @@
               </a:rPr>
               <a:t>LLM - Random_Forest fit function</a:t>
             </a:r>
+            <a:endParaRPr lang="de-DE" altLang="en-US">
+              <a:solidFill>
+                <a:srgbClr val="61A5C2"/>
+              </a:solidFill>
+              <a:latin typeface="Calibri" charset="0"/>
+            </a:endParaRPr>
           </a:p>
         </p:txBody>
       </p:sp>
@@ -6284,7 +6390,7 @@
           </p:nvPr>
         </p:nvPicPr>
         <p:blipFill>
-          <a:blip r:embed="rId2"/>
+          <a:blip r:embed="rId1"/>
           <a:stretch>
             <a:fillRect/>
           </a:stretch>
@@ -6418,126 +6524,6 @@
               </a:rPr>
               <a:t>: </a:t>
             </a:r>
-          </a:p>
-          <a:p>
-            <a:pPr lvl="1"/>
-            <a:r>
-              <a:rPr lang="de-DE" altLang="en-US" dirty="0" err="1">
-                <a:solidFill>
-                  <a:srgbClr val="61A5C2"/>
-                </a:solidFill>
-                <a:latin typeface="Calibri" charset="0"/>
-              </a:rPr>
-              <a:t>we</a:t>
-            </a:r>
-            <a:r>
-              <a:rPr lang="de-DE" altLang="en-US" dirty="0">
-                <a:solidFill>
-                  <a:srgbClr val="61A5C2"/>
-                </a:solidFill>
-                <a:latin typeface="Calibri" charset="0"/>
-              </a:rPr>
-              <a:t> </a:t>
-            </a:r>
-            <a:r>
-              <a:rPr lang="de-DE" altLang="en-US" dirty="0" err="1">
-                <a:solidFill>
-                  <a:srgbClr val="61A5C2"/>
-                </a:solidFill>
-                <a:latin typeface="Calibri" charset="0"/>
-              </a:rPr>
-              <a:t>select</a:t>
-            </a:r>
-            <a:r>
-              <a:rPr lang="de-DE" altLang="en-US" dirty="0">
-                <a:solidFill>
-                  <a:srgbClr val="61A5C2"/>
-                </a:solidFill>
-                <a:latin typeface="Calibri" charset="0"/>
-              </a:rPr>
-              <a:t> a </a:t>
-            </a:r>
-            <a:r>
-              <a:rPr lang="de-DE" altLang="en-US" dirty="0" err="1">
-                <a:solidFill>
-                  <a:srgbClr val="61A5C2"/>
-                </a:solidFill>
-                <a:latin typeface="Calibri" charset="0"/>
-              </a:rPr>
-              <a:t>random</a:t>
-            </a:r>
-            <a:r>
-              <a:rPr lang="de-DE" altLang="en-US" dirty="0">
-                <a:solidFill>
-                  <a:srgbClr val="61A5C2"/>
-                </a:solidFill>
-                <a:latin typeface="Calibri" charset="0"/>
-              </a:rPr>
-              <a:t> feature </a:t>
-            </a:r>
-            <a:r>
-              <a:rPr lang="de-DE" altLang="en-US" dirty="0" err="1">
-                <a:solidFill>
-                  <a:srgbClr val="61A5C2"/>
-                </a:solidFill>
-                <a:latin typeface="Calibri" charset="0"/>
-              </a:rPr>
-              <a:t>subset</a:t>
-            </a:r>
-            <a:r>
-              <a:rPr lang="de-DE" altLang="en-US" dirty="0">
-                <a:solidFill>
-                  <a:srgbClr val="61A5C2"/>
-                </a:solidFill>
-                <a:latin typeface="Calibri" charset="0"/>
-              </a:rPr>
-              <a:t> at </a:t>
-            </a:r>
-            <a:r>
-              <a:rPr lang="de-DE" altLang="en-US" dirty="0" err="1">
-                <a:solidFill>
-                  <a:srgbClr val="61A5C2"/>
-                </a:solidFill>
-                <a:latin typeface="Calibri" charset="0"/>
-              </a:rPr>
-              <a:t>each</a:t>
-            </a:r>
-            <a:r>
-              <a:rPr lang="de-DE" altLang="en-US" dirty="0">
-                <a:solidFill>
-                  <a:srgbClr val="61A5C2"/>
-                </a:solidFill>
-                <a:latin typeface="Calibri" charset="0"/>
-              </a:rPr>
-              <a:t> </a:t>
-            </a:r>
-            <a:r>
-              <a:rPr lang="de-DE" altLang="en-US" dirty="0" err="1">
-                <a:solidFill>
-                  <a:srgbClr val="61A5C2"/>
-                </a:solidFill>
-                <a:latin typeface="Calibri" charset="0"/>
-              </a:rPr>
-              <a:t>tree</a:t>
-            </a:r>
-            <a:r>
-              <a:rPr lang="de-DE" altLang="en-US" dirty="0">
-                <a:solidFill>
-                  <a:srgbClr val="61A5C2"/>
-                </a:solidFill>
-                <a:latin typeface="Calibri" charset="0"/>
-              </a:rPr>
-              <a:t> </a:t>
-            </a:r>
-            <a:r>
-              <a:rPr lang="de-DE" altLang="en-US" dirty="0" err="1">
-                <a:solidFill>
-                  <a:srgbClr val="61A5C2"/>
-                </a:solidFill>
-                <a:latin typeface="Calibri" charset="0"/>
-              </a:rPr>
-              <a:t>node</a:t>
-            </a:r>
             <a:endParaRPr lang="de-DE" altLang="en-US" dirty="0">
               <a:solidFill>
                 <a:srgbClr val="61A5C2"/>
@@ -6548,13 +6534,22 @@
           <a:p>
             <a:pPr lvl="1"/>
             <a:r>
+              <a:rPr lang="de-DE" altLang="en-US" dirty="0" err="1">
+                <a:solidFill>
+                  <a:srgbClr val="61A5C2"/>
+                </a:solidFill>
+                <a:latin typeface="Calibri" charset="0"/>
+              </a:rPr>
+              <a:t>we</a:t>
+            </a:r>
+            <a:r>
               <a:rPr lang="de-DE" altLang="en-US" dirty="0">
                 <a:solidFill>
                   <a:srgbClr val="61A5C2"/>
                 </a:solidFill>
                 <a:latin typeface="Calibri" charset="0"/>
               </a:rPr>
-              <a:t>LLM </a:t>
+              <a:t> </a:t>
             </a:r>
             <a:r>
               <a:rPr lang="de-DE" altLang="en-US" dirty="0" err="1">
@@ -6563,7 +6558,7 @@
                 </a:solidFill>
                 <a:latin typeface="Calibri" charset="0"/>
               </a:rPr>
-              <a:t>selects</a:t>
+              <a:t>select</a:t>
             </a:r>
             <a:r>
               <a:rPr lang="de-DE" altLang="en-US" dirty="0">
@@ -6572,6 +6567,60 @@
                 </a:solidFill>
                 <a:latin typeface="Calibri" charset="0"/>
               </a:rPr>
+              <a:t> a </a:t>
+            </a:r>
+            <a:r>
+              <a:rPr lang="de-DE" altLang="en-US" dirty="0" err="1">
+                <a:solidFill>
+                  <a:srgbClr val="61A5C2"/>
+                </a:solidFill>
+                <a:latin typeface="Calibri" charset="0"/>
+              </a:rPr>
+              <a:t>random</a:t>
+            </a:r>
+            <a:r>
+              <a:rPr lang="de-DE" altLang="en-US" dirty="0">
+                <a:solidFill>
+                  <a:srgbClr val="61A5C2"/>
+                </a:solidFill>
+                <a:latin typeface="Calibri" charset="0"/>
+              </a:rPr>
+              <a:t> feature </a:t>
+            </a:r>
+            <a:r>
+              <a:rPr lang="de-DE" altLang="en-US" dirty="0" err="1">
+                <a:solidFill>
+                  <a:srgbClr val="61A5C2"/>
+                </a:solidFill>
+                <a:latin typeface="Calibri" charset="0"/>
+              </a:rPr>
+              <a:t>subset</a:t>
+            </a:r>
+            <a:r>
+              <a:rPr lang="de-DE" altLang="en-US" dirty="0">
+                <a:solidFill>
+                  <a:srgbClr val="61A5C2"/>
+                </a:solidFill>
+                <a:latin typeface="Calibri" charset="0"/>
+              </a:rPr>
+              <a:t> at </a:t>
+            </a:r>
+            <a:r>
+              <a:rPr lang="de-DE" altLang="en-US" dirty="0" err="1">
+                <a:solidFill>
+                  <a:srgbClr val="61A5C2"/>
+                </a:solidFill>
+                <a:latin typeface="Calibri" charset="0"/>
+              </a:rPr>
+              <a:t>each</a:t>
+            </a:r>
+            <a:r>
+              <a:rPr lang="de-DE" altLang="en-US" dirty="0">
+                <a:solidFill>
+                  <a:srgbClr val="61A5C2"/>
+                </a:solidFill>
+                <a:latin typeface="Calibri" charset="0"/>
+              </a:rPr>
               <a:t> </a:t>
             </a:r>
             <a:r>
@@ -6581,7 +6630,7 @@
                 </a:solidFill>
                 <a:latin typeface="Calibri" charset="0"/>
               </a:rPr>
-              <a:t>the</a:t>
+              <a:t>tree</a:t>
             </a:r>
             <a:r>
               <a:rPr lang="de-DE" altLang="en-US" dirty="0">
@@ -6599,115 +6648,7 @@
                 </a:solidFill>
                 <a:latin typeface="Calibri" charset="0"/>
               </a:rPr>
-              <a:t>random</a:t>
-            </a:r>
-            <a:r>
-              <a:rPr lang="de-DE" altLang="en-US" dirty="0">
-                <a:solidFill>
-                  <a:srgbClr val="61A5C2"/>
-                </a:solidFill>
-                <a:latin typeface="Calibri" charset="0"/>
-              </a:rPr>
-              <a:t> </a:t>
-            </a:r>
-            <a:r>
-              <a:rPr lang="de-DE" altLang="en-US" dirty="0" err="1">
-                <a:solidFill>
-                  <a:srgbClr val="61A5C2"/>
-                </a:solidFill>
-                <a:latin typeface="Calibri" charset="0"/>
-              </a:rPr>
-              <a:t>subset</a:t>
-            </a:r>
-            <a:r>
-              <a:rPr lang="de-DE" altLang="en-US" dirty="0">
-                <a:solidFill>
-                  <a:srgbClr val="61A5C2"/>
-                </a:solidFill>
-                <a:latin typeface="Calibri" charset="0"/>
-              </a:rPr>
-              <a:t> </a:t>
-            </a:r>
-            <a:r>
-              <a:rPr lang="de-DE" altLang="en-US" dirty="0" err="1">
-                <a:solidFill>
-                  <a:srgbClr val="61A5C2"/>
-                </a:solidFill>
-                <a:latin typeface="Calibri" charset="0"/>
-              </a:rPr>
-              <a:t>once</a:t>
-            </a:r>
-            <a:r>
-              <a:rPr lang="de-DE" altLang="en-US" dirty="0">
-                <a:solidFill>
-                  <a:srgbClr val="61A5C2"/>
-                </a:solidFill>
-                <a:latin typeface="Calibri" charset="0"/>
-              </a:rPr>
-              <a:t> </a:t>
-            </a:r>
-            <a:r>
-              <a:rPr lang="de-DE" altLang="en-US" dirty="0" err="1">
-                <a:solidFill>
-                  <a:srgbClr val="61A5C2"/>
-                </a:solidFill>
-                <a:latin typeface="Calibri" charset="0"/>
-              </a:rPr>
-              <a:t>for</a:t>
-            </a:r>
-            <a:r>
-              <a:rPr lang="de-DE" altLang="en-US" dirty="0">
-                <a:solidFill>
-                  <a:srgbClr val="61A5C2"/>
-                </a:solidFill>
-                <a:latin typeface="Calibri" charset="0"/>
-              </a:rPr>
-              <a:t> </a:t>
-            </a:r>
-            <a:r>
-              <a:rPr lang="de-DE" altLang="en-US" dirty="0" err="1">
-                <a:solidFill>
-                  <a:srgbClr val="61A5C2"/>
-                </a:solidFill>
-                <a:latin typeface="Calibri" charset="0"/>
-              </a:rPr>
-              <a:t>the</a:t>
-            </a:r>
-            <a:r>
-              <a:rPr lang="de-DE" altLang="en-US" dirty="0">
-                <a:solidFill>
-                  <a:srgbClr val="61A5C2"/>
-                </a:solidFill>
-                <a:latin typeface="Calibri" charset="0"/>
-              </a:rPr>
-              <a:t> </a:t>
-            </a:r>
-            <a:r>
-              <a:rPr lang="de-DE" altLang="en-US" dirty="0" err="1">
-                <a:solidFill>
-                  <a:srgbClr val="61A5C2"/>
-                </a:solidFill>
-                <a:latin typeface="Calibri" charset="0"/>
-              </a:rPr>
-              <a:t>whole</a:t>
-            </a:r>
-            <a:r>
-              <a:rPr lang="de-DE" altLang="en-US" dirty="0">
-                <a:solidFill>
-                  <a:srgbClr val="61A5C2"/>
-                </a:solidFill>
-                <a:latin typeface="Calibri" charset="0"/>
-              </a:rPr>
-              <a:t> </a:t>
-            </a:r>
-            <a:r>
-              <a:rPr lang="de-DE" altLang="en-US" dirty="0" err="1">
-                <a:solidFill>
-                  <a:srgbClr val="61A5C2"/>
-                </a:solidFill>
-                <a:latin typeface="Calibri" charset="0"/>
-              </a:rPr>
-              <a:t>tree</a:t>
+              <a:t>node</a:t>
             </a:r>
             <a:endParaRPr lang="de-DE" altLang="en-US" dirty="0">
               <a:solidFill>
@@ -6717,7 +6658,7 @@
             </a:endParaRPr>
           </a:p>
           <a:p>
-            <a:pPr lvl="0"/>
+            <a:pPr lvl="1"/>
             <a:r>
               <a:rPr lang="de-DE" altLang="en-US" dirty="0">
                 <a:solidFill>
@@ -6734,7 +6675,7 @@
                 </a:solidFill>
                 <a:latin typeface="Calibri" charset="0"/>
               </a:rPr>
-              <a:t>did</a:t>
+              <a:t>selects</a:t>
             </a:r>
             <a:r>
               <a:rPr lang="de-DE" altLang="en-US" dirty="0">
@@ -6743,7 +6684,7 @@
                 </a:solidFill>
                 <a:latin typeface="Calibri" charset="0"/>
               </a:rPr>
-              <a:t> not </a:t>
+              <a:t> </a:t>
             </a:r>
             <a:r>
               <a:rPr lang="de-DE" altLang="en-US" dirty="0" err="1">
@@ -6752,7 +6693,7 @@
                 </a:solidFill>
                 <a:latin typeface="Calibri" charset="0"/>
               </a:rPr>
-              <a:t>parallelize</a:t>
+              <a:t>the</a:t>
             </a:r>
             <a:r>
               <a:rPr lang="de-DE" altLang="en-US" dirty="0">
@@ -6761,7 +6702,7 @@
                 </a:solidFill>
                 <a:latin typeface="Calibri" charset="0"/>
               </a:rPr>
-              <a:t>, </a:t>
+              <a:t> </a:t>
             </a:r>
             <a:r>
               <a:rPr lang="de-DE" altLang="en-US" dirty="0" err="1">
@@ -6770,7 +6711,7 @@
                 </a:solidFill>
                 <a:latin typeface="Calibri" charset="0"/>
               </a:rPr>
-              <a:t>leading</a:t>
+              <a:t>random</a:t>
             </a:r>
             <a:r>
               <a:rPr lang="de-DE" altLang="en-US" dirty="0">
@@ -6788,7 +6729,7 @@
                 </a:solidFill>
                 <a:latin typeface="Calibri" charset="0"/>
               </a:rPr>
-              <a:t>to</a:t>
+              <a:t>subset</a:t>
             </a:r>
             <a:r>
               <a:rPr lang="de-DE" altLang="en-US" dirty="0">
@@ -6806,7 +6747,7 @@
                 </a:solidFill>
                 <a:latin typeface="Calibri" charset="0"/>
               </a:rPr>
-              <a:t>worse</a:t>
+              <a:t>once</a:t>
             </a:r>
             <a:r>
               <a:rPr lang="de-DE" altLang="en-US" dirty="0">
@@ -6824,7 +6765,61 @@
                 </a:solidFill>
                 <a:latin typeface="Calibri" charset="0"/>
               </a:rPr>
-              <a:t>performance</a:t>
+              <a:t>for</a:t>
+            </a:r>
+            <a:r>
+              <a:rPr lang="de-DE" altLang="en-US" dirty="0">
+                <a:solidFill>
+                  <a:srgbClr val="61A5C2"/>
+                </a:solidFill>
+                <a:latin typeface="Calibri" charset="0"/>
+              </a:rPr>
+              <a:t> </a:t>
+            </a:r>
+            <a:r>
+              <a:rPr lang="de-DE" altLang="en-US" dirty="0" err="1">
+                <a:solidFill>
+                  <a:srgbClr val="61A5C2"/>
+                </a:solidFill>
+                <a:latin typeface="Calibri" charset="0"/>
+              </a:rPr>
+              <a:t>the</a:t>
+            </a:r>
+            <a:r>
+              <a:rPr lang="de-DE" altLang="en-US" dirty="0">
+                <a:solidFill>
+                  <a:srgbClr val="61A5C2"/>
+                </a:solidFill>
+                <a:latin typeface="Calibri" charset="0"/>
+              </a:rPr>
+              <a:t> </a:t>
+            </a:r>
+            <a:r>
+              <a:rPr lang="de-DE" altLang="en-US" dirty="0" err="1">
+                <a:solidFill>
+                  <a:srgbClr val="61A5C2"/>
+                </a:solidFill>
+                <a:latin typeface="Calibri" charset="0"/>
+              </a:rPr>
+              <a:t>whole</a:t>
+            </a:r>
+            <a:r>
+              <a:rPr lang="de-DE" altLang="en-US" dirty="0">
+                <a:solidFill>
+                  <a:srgbClr val="61A5C2"/>
+                </a:solidFill>
+                <a:latin typeface="Calibri" charset="0"/>
+              </a:rPr>
+              <a:t> </a:t>
+            </a:r>
+            <a:r>
+              <a:rPr lang="de-DE" altLang="en-US" dirty="0" err="1">
+                <a:solidFill>
+                  <a:srgbClr val="61A5C2"/>
+                </a:solidFill>
+                <a:latin typeface="Calibri" charset="0"/>
+              </a:rPr>
+              <a:t>tree</a:t>
             </a:r>
             <a:endParaRPr lang="de-DE" altLang="en-US" dirty="0">
               <a:solidFill>
@@ -6842,6 +6837,123 @@
                 </a:solidFill>
                 <a:latin typeface="Calibri" charset="0"/>
               </a:rPr>
+              <a:t>LLM </a:t>
+            </a:r>
+            <a:r>
+              <a:rPr lang="de-DE" altLang="en-US" dirty="0" err="1">
+                <a:solidFill>
+                  <a:srgbClr val="61A5C2"/>
+                </a:solidFill>
+                <a:latin typeface="Calibri" charset="0"/>
+              </a:rPr>
+              <a:t>did</a:t>
+            </a:r>
+            <a:r>
+              <a:rPr lang="de-DE" altLang="en-US" dirty="0">
+                <a:solidFill>
+                  <a:srgbClr val="61A5C2"/>
+                </a:solidFill>
+                <a:latin typeface="Calibri" charset="0"/>
+              </a:rPr>
+              <a:t> not </a:t>
+            </a:r>
+            <a:r>
+              <a:rPr lang="de-DE" altLang="en-US" dirty="0" err="1">
+                <a:solidFill>
+                  <a:srgbClr val="61A5C2"/>
+                </a:solidFill>
+                <a:latin typeface="Calibri" charset="0"/>
+              </a:rPr>
+              <a:t>parallelize</a:t>
+            </a:r>
+            <a:r>
+              <a:rPr lang="de-DE" altLang="en-US" dirty="0">
+                <a:solidFill>
+                  <a:srgbClr val="61A5C2"/>
+                </a:solidFill>
+                <a:latin typeface="Calibri" charset="0"/>
+              </a:rPr>
+              <a:t>, </a:t>
+            </a:r>
+            <a:r>
+              <a:rPr lang="de-DE" altLang="en-US" dirty="0" err="1">
+                <a:solidFill>
+                  <a:srgbClr val="61A5C2"/>
+                </a:solidFill>
+                <a:latin typeface="Calibri" charset="0"/>
+              </a:rPr>
+              <a:t>leading</a:t>
+            </a:r>
+            <a:r>
+              <a:rPr lang="de-DE" altLang="en-US" dirty="0">
+                <a:solidFill>
+                  <a:srgbClr val="61A5C2"/>
+                </a:solidFill>
+                <a:latin typeface="Calibri" charset="0"/>
+              </a:rPr>
+              <a:t> </a:t>
+            </a:r>
+            <a:r>
+              <a:rPr lang="de-DE" altLang="en-US" dirty="0" err="1">
+                <a:solidFill>
+                  <a:srgbClr val="61A5C2"/>
+                </a:solidFill>
+                <a:latin typeface="Calibri" charset="0"/>
+              </a:rPr>
+              <a:t>to</a:t>
+            </a:r>
+            <a:r>
+              <a:rPr lang="de-DE" altLang="en-US" dirty="0">
+                <a:solidFill>
+                  <a:srgbClr val="61A5C2"/>
+                </a:solidFill>
+                <a:latin typeface="Calibri" charset="0"/>
+              </a:rPr>
+              <a:t> </a:t>
+            </a:r>
+            <a:r>
+              <a:rPr lang="de-DE" altLang="en-US" dirty="0" err="1">
+                <a:solidFill>
+                  <a:srgbClr val="61A5C2"/>
+                </a:solidFill>
+                <a:latin typeface="Calibri" charset="0"/>
+              </a:rPr>
+              <a:t>worse</a:t>
+            </a:r>
+            <a:r>
+              <a:rPr lang="de-DE" altLang="en-US" dirty="0">
+                <a:solidFill>
+                  <a:srgbClr val="61A5C2"/>
+                </a:solidFill>
+                <a:latin typeface="Calibri" charset="0"/>
+              </a:rPr>
+              <a:t> </a:t>
+            </a:r>
+            <a:r>
+              <a:rPr lang="de-DE" altLang="en-US" dirty="0" err="1">
+                <a:solidFill>
+                  <a:srgbClr val="61A5C2"/>
+                </a:solidFill>
+                <a:latin typeface="Calibri" charset="0"/>
+              </a:rPr>
+              <a:t>performance</a:t>
+            </a:r>
+            <a:endParaRPr lang="de-DE" altLang="en-US" dirty="0">
+              <a:solidFill>
+                <a:srgbClr val="61A5C2"/>
+              </a:solidFill>
+              <a:latin typeface="Calibri" charset="0"/>
+            </a:endParaRPr>
+          </a:p>
+          <a:p>
+            <a:pPr lvl="0"/>
+            <a:r>
+              <a:rPr lang="de-DE" altLang="en-US" dirty="0">
+                <a:solidFill>
+                  <a:srgbClr val="61A5C2"/>
+                </a:solidFill>
+                <a:latin typeface="Calibri" charset="0"/>
+              </a:rPr>
               <a:t>bootstrapping </a:t>
             </a:r>
             <a:r>
@@ -6862,6 +6974,12 @@
               </a:rPr>
               <a:t>:</a:t>
             </a:r>
+            <a:endParaRPr lang="de-DE" altLang="en-US" dirty="0">
+              <a:solidFill>
+                <a:srgbClr val="61A5C2"/>
+              </a:solidFill>
+              <a:latin typeface="Calibri" charset="0"/>
+            </a:endParaRPr>
           </a:p>
           <a:p>
             <a:pPr lvl="1"/>
@@ -6973,6 +7091,12 @@
               </a:rPr>
               <a:t> = TRUE/FALSE</a:t>
             </a:r>
+            <a:endParaRPr lang="de-DE" altLang="en-US" dirty="0">
+              <a:solidFill>
+                <a:srgbClr val="61A5C2"/>
+              </a:solidFill>
+              <a:latin typeface="Calibri" charset="0"/>
+            </a:endParaRPr>
           </a:p>
           <a:p>
             <a:pPr lvl="1"/>
@@ -7021,6 +7145,12 @@
               </a:rPr>
               <a:t> at all</a:t>
             </a:r>
+            <a:endParaRPr lang="de-DE" altLang="en-US" dirty="0">
+              <a:solidFill>
+                <a:srgbClr val="61A5C2"/>
+              </a:solidFill>
+              <a:latin typeface="Calibri" charset="0"/>
+            </a:endParaRPr>
           </a:p>
           <a:p>
             <a:pPr lvl="1"/>
@@ -7236,6 +7366,12 @@
               </a:rPr>
               <a:t> Dataset</a:t>
             </a:r>
+            <a:endParaRPr lang="de-DE" altLang="en-US" dirty="0">
+              <a:solidFill>
+                <a:srgbClr val="61A5C2"/>
+              </a:solidFill>
+              <a:latin typeface="Calibri" charset="0"/>
+            </a:endParaRPr>
           </a:p>
         </p:txBody>
       </p:sp>
@@ -7250,7 +7386,7 @@
           </p:nvPr>
         </p:nvPicPr>
         <p:blipFill>
-          <a:blip r:embed="rId2"/>
+          <a:blip r:embed="rId1"/>
           <a:stretch>
             <a:fillRect/>
           </a:stretch>
@@ -7524,8 +7660,6 @@
       </a:bgFillStyleLst>
     </a:fmtScheme>
   </a:themeElements>
-  <a:objectDefaults/>
-  <a:extraClrSchemeLst/>
   <a:extLst>
     <a:ext uri="{05A4C25C-085E-4340-85A3-A5531E510DB2}">
       <thm15:themeFamily xmlns:thm15="http://schemas.microsoft.com/office/thememl/2012/main" name="Office Theme" id="{62F939B6-93AF-4DB8-9C6B-D6C7DFDC589F}" vid="{4A3C46E8-61CC-4603-A589-7422A47A8E4A}"/>
@@ -7785,8 +7919,6 @@
       </a:bgFillStyleLst>
     </a:fmtScheme>
   </a:themeElements>
-  <a:objectDefaults/>
-  <a:extraClrSchemeLst/>
   <a:extLst>
     <a:ext uri="{05A4C25C-085E-4340-85A3-A5531E510DB2}">
       <thm15:themeFamily xmlns:thm15="http://schemas.microsoft.com/office/thememl/2012/main" name="Office Theme" id="{62F939B6-93AF-4DB8-9C6B-D6C7DFDC589F}" vid="{4A3C46E8-61CC-4603-A589-7422A47A8E4A}"/>
@@ -8046,8 +8178,6 @@
       </a:bgFillStyleLst>
     </a:fmtScheme>
   </a:themeElements>
-  <a:objectDefaults/>
-  <a:extraClrSchemeLst/>
   <a:extLst>
     <a:ext uri="{05A4C25C-085E-4340-85A3-A5531E510DB2}">
       <thm15:themeFamily xmlns:thm15="http://schemas.microsoft.com/office/thememl/2012/main" name="Office Theme" id="{62F939B6-93AF-4DB8-9C6B-D6C7DFDC589F}" vid="{4A3C46E8-61CC-4603-A589-7422A47A8E4A}"/>

--- a/Exercise_2/Exercie2_slides.pptx
+++ b/Exercise_2/Exercie2_slides.pptx
@@ -5124,9 +5124,50 @@
           </a:p>
         </p:txBody>
       </p:sp>
+      <p:sp>
+        <p:nvSpPr>
+          <p:cNvPr id="9" name="Text Box 8"/>
+          <p:cNvSpPr txBox="1"/>
+          <p:nvPr/>
+        </p:nvSpPr>
+        <p:spPr>
+          <a:xfrm>
+            <a:off x="8300085" y="1632585"/>
+            <a:ext cx="2616835" cy="337185"/>
+          </a:xfrm>
+          <a:prstGeom prst="rect">
+            <a:avLst/>
+          </a:prstGeom>
+          <a:noFill/>
+        </p:spPr>
+        <p:txBody>
+          <a:bodyPr wrap="none" rtlCol="0">
+            <a:spAutoFit/>
+          </a:bodyPr>
+          <a:p>
+            <a:pPr algn="l"/>
+            <a:r>
+              <a:rPr lang="de-DE" altLang="en-US" sz="1600">
+                <a:solidFill>
+                  <a:srgbClr val="61A5C2"/>
+                </a:solidFill>
+                <a:latin typeface="Calibri" charset="0"/>
+                <a:sym typeface="+mn-ea"/>
+              </a:rPr>
+              <a:t>(few repetitions and folds)</a:t>
+            </a:r>
+            <a:endParaRPr lang="de-DE" altLang="en-US" sz="1600">
+              <a:solidFill>
+                <a:srgbClr val="61A5C2"/>
+              </a:solidFill>
+              <a:latin typeface="Calibri" charset="0"/>
+            </a:endParaRPr>
+          </a:p>
+        </p:txBody>
+      </p:sp>
       <p:pic>
         <p:nvPicPr>
-          <p:cNvPr id="6" name="Content Placeholder 5"/>
+          <p:cNvPr id="11" name="Content Placeholder 10"/>
           <p:cNvPicPr>
             <a:picLocks noChangeAspect="1"/>
           </p:cNvPicPr>
@@ -5142,55 +5183,14 @@
         </p:blipFill>
         <p:spPr>
           <a:xfrm>
-            <a:off x="3775075" y="1632585"/>
-            <a:ext cx="3990975" cy="4693285"/>
+            <a:off x="4213860" y="1459865"/>
+            <a:ext cx="3763645" cy="4437380"/>
           </a:xfrm>
           <a:prstGeom prst="rect">
             <a:avLst/>
           </a:prstGeom>
         </p:spPr>
       </p:pic>
-      <p:sp>
-        <p:nvSpPr>
-          <p:cNvPr id="9" name="Text Box 8"/>
-          <p:cNvSpPr txBox="1"/>
-          <p:nvPr/>
-        </p:nvSpPr>
-        <p:spPr>
-          <a:xfrm>
-            <a:off x="8300085" y="1632585"/>
-            <a:ext cx="2616835" cy="337185"/>
-          </a:xfrm>
-          <a:prstGeom prst="rect">
-            <a:avLst/>
-          </a:prstGeom>
-          <a:noFill/>
-        </p:spPr>
-        <p:txBody>
-          <a:bodyPr wrap="none" rtlCol="0">
-            <a:spAutoFit/>
-          </a:bodyPr>
-          <a:p>
-            <a:pPr algn="l"/>
-            <a:r>
-              <a:rPr lang="de-DE" altLang="en-US" sz="1600">
-                <a:solidFill>
-                  <a:srgbClr val="61A5C2"/>
-                </a:solidFill>
-                <a:latin typeface="Calibri" charset="0"/>
-                <a:sym typeface="+mn-ea"/>
-              </a:rPr>
-              <a:t>(few repetitions and folds)</a:t>
-            </a:r>
-            <a:endParaRPr lang="de-DE" altLang="en-US" sz="1600">
-              <a:solidFill>
-                <a:srgbClr val="61A5C2"/>
-              </a:solidFill>
-              <a:latin typeface="Calibri" charset="0"/>
-            </a:endParaRPr>
-          </a:p>
-        </p:txBody>
-      </p:sp>
     </p:spTree>
   </p:cSld>
   <p:clrMapOvr>

--- a/Exercise_2/Exercie2_slides.pptx
+++ b/Exercise_2/Exercie2_slides.pptx
@@ -5,35 +5,39 @@
     <p:sldMasterId id="2147483648" r:id="rId1"/>
   </p:sldMasterIdLst>
   <p:notesMasterIdLst>
-    <p:notesMasterId r:id="rId23"/>
+    <p:notesMasterId r:id="rId26"/>
   </p:notesMasterIdLst>
   <p:handoutMasterIdLst>
-    <p:handoutMasterId r:id="rId24"/>
+    <p:handoutMasterId r:id="rId27"/>
   </p:handoutMasterIdLst>
   <p:sldIdLst>
-    <p:sldId id="256" r:id="rId3"/>
-    <p:sldId id="258" r:id="rId4"/>
-    <p:sldId id="260" r:id="rId5"/>
-    <p:sldId id="261" r:id="rId6"/>
-    <p:sldId id="266" r:id="rId7"/>
-    <p:sldId id="263" r:id="rId8"/>
-    <p:sldId id="264" r:id="rId9"/>
-    <p:sldId id="273" r:id="rId10"/>
-    <p:sldId id="267" r:id="rId11"/>
-    <p:sldId id="257" r:id="rId12"/>
-    <p:sldId id="274" r:id="rId13"/>
-    <p:sldId id="276" r:id="rId14"/>
-    <p:sldId id="278" r:id="rId15"/>
-    <p:sldId id="277" r:id="rId16"/>
-    <p:sldId id="268" r:id="rId17"/>
-    <p:sldId id="272" r:id="rId18"/>
-    <p:sldId id="285" r:id="rId19"/>
-    <p:sldId id="265" r:id="rId20"/>
-    <p:sldId id="269" r:id="rId21"/>
-    <p:sldId id="279" r:id="rId22"/>
+    <p:sldId id="256" r:id="rId2"/>
+    <p:sldId id="258" r:id="rId3"/>
+    <p:sldId id="260" r:id="rId4"/>
+    <p:sldId id="261" r:id="rId5"/>
+    <p:sldId id="266" r:id="rId6"/>
+    <p:sldId id="263" r:id="rId7"/>
+    <p:sldId id="264" r:id="rId8"/>
+    <p:sldId id="273" r:id="rId9"/>
+    <p:sldId id="286" r:id="rId10"/>
+    <p:sldId id="290" r:id="rId11"/>
+    <p:sldId id="267" r:id="rId12"/>
+    <p:sldId id="287" r:id="rId13"/>
+    <p:sldId id="257" r:id="rId14"/>
+    <p:sldId id="274" r:id="rId15"/>
+    <p:sldId id="276" r:id="rId16"/>
+    <p:sldId id="278" r:id="rId17"/>
+    <p:sldId id="277" r:id="rId18"/>
+    <p:sldId id="268" r:id="rId19"/>
+    <p:sldId id="272" r:id="rId20"/>
+    <p:sldId id="285" r:id="rId21"/>
+    <p:sldId id="265" r:id="rId22"/>
+    <p:sldId id="279" r:id="rId23"/>
+    <p:sldId id="269" r:id="rId24"/>
+    <p:sldId id="289" r:id="rId25"/>
   </p:sldIdLst>
   <p:sldSz cx="12192000" cy="6858000"/>
-  <p:notesSz cx="7103745" cy="10234295"/>
+  <p:notesSz cx="7104063" cy="10234613"/>
   <p:defaultTextStyle>
     <a:defPPr>
       <a:defRPr lang="zh-CN"/>
@@ -129,6 +133,22 @@
       </a:defRPr>
     </a:lvl9pPr>
   </p:defaultTextStyle>
+  <p:extLst>
+    <p:ext uri="{EFAFB233-063F-42B5-8137-9DF3F51BA10A}">
+      <p15:sldGuideLst xmlns:p15="http://schemas.microsoft.com/office/powerpoint/2012/main">
+        <p15:guide id="1" orient="horz" pos="2160">
+          <p15:clr>
+            <a:srgbClr val="A4A3A4"/>
+          </p15:clr>
+        </p15:guide>
+        <p15:guide id="2" pos="3840">
+          <p15:clr>
+            <a:srgbClr val="A4A3A4"/>
+          </p15:clr>
+        </p15:guide>
+      </p15:sldGuideLst>
+    </p:ext>
+  </p:extLst>
 </p:presentation>
 </file>
 
@@ -220,6 +240,7 @@
           <a:p>
             <a:fld id="{0F9B84EA-7D68-4D60-9CB1-D50884785D1C}" type="datetimeFigureOut">
               <a:rPr lang="zh-CN" altLang="en-US" smtClean="0"/>
+              <a:t>2024/12/15</a:t>
             </a:fld>
             <a:endParaRPr lang="zh-CN" altLang="en-US"/>
           </a:p>
@@ -285,12 +306,18 @@
           <a:p>
             <a:fld id="{8D4E0FC9-F1F8-4FAE-9988-3BA365CFD46F}" type="slidenum">
               <a:rPr lang="zh-CN" altLang="en-US" smtClean="0"/>
+              <a:t>‹Nr.›</a:t>
             </a:fld>
             <a:endParaRPr lang="zh-CN" altLang="en-US"/>
           </a:p>
         </p:txBody>
       </p:sp>
     </p:spTree>
+    <p:extLst>
+      <p:ext uri="{BB962C8B-B14F-4D97-AF65-F5344CB8AC3E}">
+        <p14:creationId xmlns:p14="http://schemas.microsoft.com/office/powerpoint/2010/main" val="1"/>
+      </p:ext>
+    </p:extLst>
   </p:cSld>
   <p:clrMap bg1="lt1" tx1="dk1" bg2="lt2" tx2="dk2" accent1="accent1" accent2="accent2" accent3="accent3" accent4="accent4" accent5="accent5" accent6="accent6" hlink="hlink" folHlink="folHlink"/>
 </p:handoutMaster>
@@ -378,6 +405,7 @@
           <a:p>
             <a:fld id="{D6C8D182-E4C8-4120-9249-FC9774456FFA}" type="datetimeFigureOut">
               <a:rPr lang="zh-CN" altLang="en-US" smtClean="0"/>
+              <a:t>2024/12/15</a:t>
             </a:fld>
             <a:endParaRPr lang="zh-CN" altLang="en-US"/>
           </a:p>
@@ -444,7 +472,6 @@
               <a:rPr lang="zh-CN" altLang="en-US"/>
               <a:t>编辑母版文本样式</a:t>
             </a:r>
-            <a:endParaRPr lang="zh-CN" altLang="en-US"/>
           </a:p>
           <a:p>
             <a:pPr lvl="1"/>
@@ -452,7 +479,6 @@
               <a:rPr lang="zh-CN" altLang="en-US"/>
               <a:t>第二级</a:t>
             </a:r>
-            <a:endParaRPr lang="zh-CN" altLang="en-US"/>
           </a:p>
           <a:p>
             <a:pPr lvl="2"/>
@@ -460,7 +486,6 @@
               <a:rPr lang="zh-CN" altLang="en-US"/>
               <a:t>第三级</a:t>
             </a:r>
-            <a:endParaRPr lang="zh-CN" altLang="en-US"/>
           </a:p>
           <a:p>
             <a:pPr lvl="3"/>
@@ -468,7 +493,6 @@
               <a:rPr lang="zh-CN" altLang="en-US"/>
               <a:t>第四级</a:t>
             </a:r>
-            <a:endParaRPr lang="zh-CN" altLang="en-US"/>
           </a:p>
           <a:p>
             <a:pPr lvl="4"/>
@@ -476,7 +500,6 @@
               <a:rPr lang="zh-CN" altLang="en-US"/>
               <a:t>第五级</a:t>
             </a:r>
-            <a:endParaRPr lang="zh-CN" altLang="en-US"/>
           </a:p>
         </p:txBody>
       </p:sp>
@@ -540,6 +563,7 @@
           <a:p>
             <a:fld id="{85D0DACE-38E0-42D2-9336-2B707D34BC6D}" type="slidenum">
               <a:rPr lang="zh-CN" altLang="en-US" smtClean="0"/>
+              <a:t>‹Nr.›</a:t>
             </a:fld>
             <a:endParaRPr lang="zh-CN" altLang="en-US"/>
           </a:p>
@@ -703,9 +727,6 @@
               </a:rPr>
               <a:t>Click to edit Master title style</a:t>
             </a:r>
-            <a:endParaRPr lang="zh-CN" altLang="en-US" dirty="0">
-              <a:sym typeface="+mn-ea"/>
-            </a:endParaRPr>
           </a:p>
         </p:txBody>
       </p:sp>
@@ -726,6 +747,7 @@
           <a:p>
             <a:fld id="{760FBDFE-C587-4B4C-A407-44438C67B59E}" type="datetimeFigureOut">
               <a:rPr lang="zh-CN" altLang="en-US" smtClean="0"/>
+              <a:t>2024/12/15</a:t>
             </a:fld>
             <a:endParaRPr lang="zh-CN" altLang="en-US"/>
           </a:p>
@@ -767,6 +789,7 @@
           <a:p>
             <a:fld id="{49AE70B2-8BF9-45C0-BB95-33D1B9D3A854}" type="slidenum">
               <a:rPr lang="zh-CN" altLang="en-US" smtClean="0"/>
+              <a:t>‹Nr.›</a:t>
             </a:fld>
             <a:endParaRPr lang="zh-CN" altLang="en-US"/>
           </a:p>
@@ -845,7 +868,6 @@
               <a:rPr lang="zh-CN" altLang="en-US" dirty="0"/>
               <a:t>Click to edit Master subtitle style</a:t>
             </a:r>
-            <a:endParaRPr lang="zh-CN" altLang="en-US" dirty="0"/>
           </a:p>
         </p:txBody>
       </p:sp>
@@ -891,6 +913,7 @@
           <a:p>
             <a:fld id="{760FBDFE-C587-4B4C-A407-44438C67B59E}" type="datetimeFigureOut">
               <a:rPr lang="zh-CN" altLang="en-US" smtClean="0"/>
+              <a:t>2024/12/15</a:t>
             </a:fld>
             <a:endParaRPr lang="zh-CN" altLang="en-US"/>
           </a:p>
@@ -932,6 +955,7 @@
           <a:p>
             <a:fld id="{49AE70B2-8BF9-45C0-BB95-33D1B9D3A854}" type="slidenum">
               <a:rPr lang="zh-CN" altLang="en-US" smtClean="0"/>
+              <a:t>‹Nr.›</a:t>
             </a:fld>
             <a:endParaRPr lang="zh-CN" altLang="en-US"/>
           </a:p>
@@ -964,9 +988,6 @@
               </a:rPr>
               <a:t>Click to edit Master text styles</a:t>
             </a:r>
-            <a:endParaRPr lang="zh-CN" altLang="en-US" dirty="0">
-              <a:sym typeface="+mn-ea"/>
-            </a:endParaRPr>
           </a:p>
           <a:p>
             <a:pPr lvl="1"/>
@@ -974,7 +995,6 @@
               <a:rPr lang="zh-CN" altLang="en-US" dirty="0"/>
               <a:t>Second level</a:t>
             </a:r>
-            <a:endParaRPr lang="zh-CN" altLang="en-US" dirty="0"/>
           </a:p>
           <a:p>
             <a:pPr lvl="2"/>
@@ -982,7 +1002,6 @@
               <a:rPr lang="zh-CN" altLang="en-US" dirty="0"/>
               <a:t>Third level</a:t>
             </a:r>
-            <a:endParaRPr lang="zh-CN" altLang="en-US" dirty="0"/>
           </a:p>
           <a:p>
             <a:pPr lvl="3"/>
@@ -990,7 +1009,6 @@
               <a:rPr lang="zh-CN" altLang="en-US" dirty="0"/>
               <a:t>Fourth level</a:t>
             </a:r>
-            <a:endParaRPr lang="zh-CN" altLang="en-US" dirty="0"/>
           </a:p>
           <a:p>
             <a:pPr lvl="4"/>
@@ -998,7 +1016,6 @@
               <a:rPr lang="zh-CN" altLang="en-US" dirty="0"/>
               <a:t>Fifth level</a:t>
             </a:r>
-            <a:endParaRPr lang="zh-CN" altLang="en-US" dirty="0"/>
           </a:p>
         </p:txBody>
       </p:sp>
@@ -1065,7 +1082,6 @@
               <a:rPr lang="zh-CN" altLang="en-US" dirty="0"/>
               <a:t>Click to edit Master title style</a:t>
             </a:r>
-            <a:endParaRPr lang="zh-CN" altLang="en-US" dirty="0"/>
           </a:p>
         </p:txBody>
       </p:sp>
@@ -1149,9 +1165,6 @@
               </a:rPr>
               <a:t>Click to edit Master text styles</a:t>
             </a:r>
-            <a:endParaRPr lang="zh-CN" altLang="en-US" dirty="0">
-              <a:sym typeface="+mn-ea"/>
-            </a:endParaRPr>
           </a:p>
           <a:p>
             <a:pPr lvl="1"/>
@@ -1159,7 +1172,6 @@
               <a:rPr lang="zh-CN" altLang="en-US" dirty="0"/>
               <a:t>Second level</a:t>
             </a:r>
-            <a:endParaRPr lang="zh-CN" altLang="en-US" dirty="0"/>
           </a:p>
           <a:p>
             <a:pPr lvl="2"/>
@@ -1167,7 +1179,6 @@
               <a:rPr lang="zh-CN" altLang="en-US" dirty="0"/>
               <a:t>Third level</a:t>
             </a:r>
-            <a:endParaRPr lang="zh-CN" altLang="en-US" dirty="0"/>
           </a:p>
           <a:p>
             <a:pPr lvl="3"/>
@@ -1175,7 +1186,6 @@
               <a:rPr lang="zh-CN" altLang="en-US" dirty="0"/>
               <a:t>Fourth level</a:t>
             </a:r>
-            <a:endParaRPr lang="zh-CN" altLang="en-US" dirty="0"/>
           </a:p>
           <a:p>
             <a:pPr lvl="4"/>
@@ -1183,7 +1193,6 @@
               <a:rPr lang="zh-CN" altLang="en-US" dirty="0"/>
               <a:t>Fifth level</a:t>
             </a:r>
-            <a:endParaRPr lang="zh-CN" altLang="en-US" dirty="0"/>
           </a:p>
         </p:txBody>
       </p:sp>
@@ -1204,6 +1213,7 @@
           <a:p>
             <a:fld id="{760FBDFE-C587-4B4C-A407-44438C67B59E}" type="datetimeFigureOut">
               <a:rPr lang="zh-CN" altLang="en-US" smtClean="0"/>
+              <a:t>2024/12/15</a:t>
             </a:fld>
             <a:endParaRPr lang="zh-CN" altLang="en-US"/>
           </a:p>
@@ -1245,6 +1255,7 @@
           <a:p>
             <a:fld id="{49AE70B2-8BF9-45C0-BB95-33D1B9D3A854}" type="slidenum">
               <a:rPr lang="zh-CN" altLang="en-US" smtClean="0"/>
+              <a:t>‹Nr.›</a:t>
             </a:fld>
             <a:endParaRPr lang="zh-CN" altLang="en-US"/>
           </a:p>
@@ -1313,7 +1324,6 @@
               <a:rPr lang="zh-CN" altLang="en-US" dirty="0"/>
               <a:t>Click to edit Master title style</a:t>
             </a:r>
-            <a:endParaRPr lang="zh-CN" altLang="en-US" dirty="0"/>
           </a:p>
         </p:txBody>
       </p:sp>
@@ -1435,9 +1445,6 @@
               </a:rPr>
               <a:t>Click to edit Master text styles</a:t>
             </a:r>
-            <a:endParaRPr lang="zh-CN" altLang="en-US" dirty="0">
-              <a:sym typeface="+mn-ea"/>
-            </a:endParaRPr>
           </a:p>
         </p:txBody>
       </p:sp>
@@ -1458,6 +1465,7 @@
           <a:p>
             <a:fld id="{760FBDFE-C587-4B4C-A407-44438C67B59E}" type="datetimeFigureOut">
               <a:rPr lang="zh-CN" altLang="en-US" smtClean="0"/>
+              <a:t>2024/12/15</a:t>
             </a:fld>
             <a:endParaRPr lang="zh-CN" altLang="en-US"/>
           </a:p>
@@ -1499,6 +1507,7 @@
           <a:p>
             <a:fld id="{49AE70B2-8BF9-45C0-BB95-33D1B9D3A854}" type="slidenum">
               <a:rPr lang="zh-CN" altLang="en-US" smtClean="0"/>
+              <a:t>‹Nr.›</a:t>
             </a:fld>
             <a:endParaRPr lang="zh-CN" altLang="en-US"/>
           </a:p>
@@ -1567,7 +1576,6 @@
               <a:rPr lang="zh-CN" altLang="en-US" dirty="0"/>
               <a:t>Click to edit Master title style</a:t>
             </a:r>
-            <a:endParaRPr lang="zh-CN" altLang="en-US" dirty="0"/>
           </a:p>
         </p:txBody>
       </p:sp>
@@ -1666,9 +1674,6 @@
               </a:rPr>
               <a:t>Click to edit Master text styles</a:t>
             </a:r>
-            <a:endParaRPr lang="zh-CN" altLang="en-US" dirty="0">
-              <a:sym typeface="+mn-ea"/>
-            </a:endParaRPr>
           </a:p>
           <a:p>
             <a:pPr lvl="1"/>
@@ -1676,7 +1681,6 @@
               <a:rPr lang="zh-CN" altLang="en-US" dirty="0"/>
               <a:t>Second level</a:t>
             </a:r>
-            <a:endParaRPr lang="zh-CN" altLang="en-US" dirty="0"/>
           </a:p>
           <a:p>
             <a:pPr lvl="2"/>
@@ -1684,7 +1688,6 @@
               <a:rPr lang="zh-CN" altLang="en-US" dirty="0"/>
               <a:t>Third level</a:t>
             </a:r>
-            <a:endParaRPr lang="zh-CN" altLang="en-US" dirty="0"/>
           </a:p>
           <a:p>
             <a:pPr lvl="3"/>
@@ -1692,7 +1695,6 @@
               <a:rPr lang="zh-CN" altLang="en-US" dirty="0"/>
               <a:t>Fourth level</a:t>
             </a:r>
-            <a:endParaRPr lang="zh-CN" altLang="en-US" dirty="0"/>
           </a:p>
           <a:p>
             <a:pPr lvl="4"/>
@@ -1700,7 +1702,6 @@
               <a:rPr lang="zh-CN" altLang="en-US" dirty="0"/>
               <a:t>Fifth level</a:t>
             </a:r>
-            <a:endParaRPr lang="zh-CN" altLang="en-US" dirty="0"/>
           </a:p>
         </p:txBody>
       </p:sp>
@@ -1799,9 +1800,6 @@
               </a:rPr>
               <a:t>Click to edit Master text styles</a:t>
             </a:r>
-            <a:endParaRPr lang="zh-CN" altLang="en-US" dirty="0">
-              <a:sym typeface="+mn-ea"/>
-            </a:endParaRPr>
           </a:p>
           <a:p>
             <a:pPr lvl="1"/>
@@ -1809,7 +1807,6 @@
               <a:rPr lang="zh-CN" altLang="en-US" dirty="0"/>
               <a:t>Second level</a:t>
             </a:r>
-            <a:endParaRPr lang="zh-CN" altLang="en-US" dirty="0"/>
           </a:p>
           <a:p>
             <a:pPr lvl="2"/>
@@ -1817,7 +1814,6 @@
               <a:rPr lang="zh-CN" altLang="en-US" dirty="0"/>
               <a:t>Third level</a:t>
             </a:r>
-            <a:endParaRPr lang="zh-CN" altLang="en-US" dirty="0"/>
           </a:p>
           <a:p>
             <a:pPr lvl="3"/>
@@ -1825,7 +1821,6 @@
               <a:rPr lang="zh-CN" altLang="en-US" dirty="0"/>
               <a:t>Fourth level</a:t>
             </a:r>
-            <a:endParaRPr lang="zh-CN" altLang="en-US" dirty="0"/>
           </a:p>
           <a:p>
             <a:pPr lvl="4"/>
@@ -1833,7 +1828,6 @@
               <a:rPr lang="zh-CN" altLang="en-US" dirty="0"/>
               <a:t>Fifth level</a:t>
             </a:r>
-            <a:endParaRPr lang="zh-CN" altLang="en-US" dirty="0"/>
           </a:p>
         </p:txBody>
       </p:sp>
@@ -1854,6 +1848,7 @@
           <a:p>
             <a:fld id="{760FBDFE-C587-4B4C-A407-44438C67B59E}" type="datetimeFigureOut">
               <a:rPr lang="zh-CN" altLang="en-US" smtClean="0"/>
+              <a:t>2024/12/15</a:t>
             </a:fld>
             <a:endParaRPr lang="zh-CN" altLang="en-US"/>
           </a:p>
@@ -1895,6 +1890,7 @@
           <a:p>
             <a:fld id="{49AE70B2-8BF9-45C0-BB95-33D1B9D3A854}" type="slidenum">
               <a:rPr lang="zh-CN" altLang="en-US" smtClean="0"/>
+              <a:t>‹Nr.›</a:t>
             </a:fld>
             <a:endParaRPr lang="zh-CN" altLang="en-US"/>
           </a:p>
@@ -1949,7 +1945,6 @@
               <a:rPr lang="zh-CN" altLang="en-US"/>
               <a:t>Click to edit Master title style</a:t>
             </a:r>
-            <a:endParaRPr lang="zh-CN" altLang="en-US"/>
           </a:p>
         </p:txBody>
       </p:sp>
@@ -2017,9 +2012,6 @@
               </a:rPr>
               <a:t>Click to edit Master text styles</a:t>
             </a:r>
-            <a:endParaRPr lang="zh-CN" altLang="en-US" dirty="0">
-              <a:sym typeface="+mn-ea"/>
-            </a:endParaRPr>
           </a:p>
         </p:txBody>
       </p:sp>
@@ -2050,9 +2042,6 @@
               </a:rPr>
               <a:t>Click to edit Master text styles</a:t>
             </a:r>
-            <a:endParaRPr lang="zh-CN" altLang="en-US" dirty="0">
-              <a:sym typeface="+mn-ea"/>
-            </a:endParaRPr>
           </a:p>
           <a:p>
             <a:pPr lvl="1"/>
@@ -2060,7 +2049,6 @@
               <a:rPr lang="zh-CN" altLang="en-US" dirty="0"/>
               <a:t>Second level</a:t>
             </a:r>
-            <a:endParaRPr lang="zh-CN" altLang="en-US" dirty="0"/>
           </a:p>
           <a:p>
             <a:pPr lvl="2"/>
@@ -2068,7 +2056,6 @@
               <a:rPr lang="zh-CN" altLang="en-US" dirty="0"/>
               <a:t>Third level</a:t>
             </a:r>
-            <a:endParaRPr lang="zh-CN" altLang="en-US" dirty="0"/>
           </a:p>
           <a:p>
             <a:pPr lvl="3"/>
@@ -2076,7 +2063,6 @@
               <a:rPr lang="zh-CN" altLang="en-US" dirty="0"/>
               <a:t>Fourth level</a:t>
             </a:r>
-            <a:endParaRPr lang="zh-CN" altLang="en-US" dirty="0"/>
           </a:p>
           <a:p>
             <a:pPr lvl="4"/>
@@ -2084,7 +2070,6 @@
               <a:rPr lang="zh-CN" altLang="en-US" dirty="0"/>
               <a:t>Fifth level</a:t>
             </a:r>
-            <a:endParaRPr lang="zh-CN" altLang="en-US" dirty="0"/>
           </a:p>
         </p:txBody>
       </p:sp>
@@ -2152,9 +2137,6 @@
               </a:rPr>
               <a:t>Click to edit Master text styles</a:t>
             </a:r>
-            <a:endParaRPr lang="zh-CN" altLang="en-US" dirty="0">
-              <a:sym typeface="+mn-ea"/>
-            </a:endParaRPr>
           </a:p>
         </p:txBody>
       </p:sp>
@@ -2185,9 +2167,6 @@
               </a:rPr>
               <a:t>Click to edit Master text styles</a:t>
             </a:r>
-            <a:endParaRPr lang="zh-CN" altLang="en-US" dirty="0">
-              <a:sym typeface="+mn-ea"/>
-            </a:endParaRPr>
           </a:p>
           <a:p>
             <a:pPr lvl="1"/>
@@ -2195,7 +2174,6 @@
               <a:rPr lang="zh-CN" altLang="en-US" dirty="0"/>
               <a:t>Second level</a:t>
             </a:r>
-            <a:endParaRPr lang="zh-CN" altLang="en-US" dirty="0"/>
           </a:p>
           <a:p>
             <a:pPr lvl="2"/>
@@ -2203,7 +2181,6 @@
               <a:rPr lang="zh-CN" altLang="en-US" dirty="0"/>
               <a:t>Third level</a:t>
             </a:r>
-            <a:endParaRPr lang="zh-CN" altLang="en-US" dirty="0"/>
           </a:p>
           <a:p>
             <a:pPr lvl="3"/>
@@ -2211,7 +2188,6 @@
               <a:rPr lang="zh-CN" altLang="en-US" dirty="0"/>
               <a:t>Fourth level</a:t>
             </a:r>
-            <a:endParaRPr lang="zh-CN" altLang="en-US" dirty="0"/>
           </a:p>
           <a:p>
             <a:pPr lvl="4"/>
@@ -2219,7 +2195,6 @@
               <a:rPr lang="zh-CN" altLang="en-US" dirty="0"/>
               <a:t>Fifth level</a:t>
             </a:r>
-            <a:endParaRPr lang="zh-CN" altLang="en-US" dirty="0"/>
           </a:p>
         </p:txBody>
       </p:sp>
@@ -2240,6 +2215,7 @@
           <a:p>
             <a:fld id="{760FBDFE-C587-4B4C-A407-44438C67B59E}" type="datetimeFigureOut">
               <a:rPr lang="zh-CN" altLang="en-US" smtClean="0"/>
+              <a:t>2024/12/15</a:t>
             </a:fld>
             <a:endParaRPr lang="zh-CN" altLang="en-US"/>
           </a:p>
@@ -2281,6 +2257,7 @@
           <a:p>
             <a:fld id="{49AE70B2-8BF9-45C0-BB95-33D1B9D3A854}" type="slidenum">
               <a:rPr lang="zh-CN" altLang="en-US" smtClean="0"/>
+              <a:t>‹Nr.›</a:t>
             </a:fld>
             <a:endParaRPr lang="zh-CN" altLang="en-US"/>
           </a:p>
@@ -2349,7 +2326,6 @@
               <a:rPr lang="zh-CN" altLang="en-US" dirty="0"/>
               <a:t>Click to edit Master title style</a:t>
             </a:r>
-            <a:endParaRPr lang="zh-CN" altLang="en-US" dirty="0"/>
           </a:p>
         </p:txBody>
       </p:sp>
@@ -2370,6 +2346,7 @@
           <a:p>
             <a:fld id="{760FBDFE-C587-4B4C-A407-44438C67B59E}" type="datetimeFigureOut">
               <a:rPr lang="zh-CN" altLang="en-US" smtClean="0"/>
+              <a:t>2024/12/15</a:t>
             </a:fld>
             <a:endParaRPr lang="zh-CN" altLang="en-US"/>
           </a:p>
@@ -2411,6 +2388,7 @@
           <a:p>
             <a:fld id="{49AE70B2-8BF9-45C0-BB95-33D1B9D3A854}" type="slidenum">
               <a:rPr lang="zh-CN" altLang="en-US" smtClean="0"/>
+              <a:t>‹Nr.›</a:t>
             </a:fld>
             <a:endParaRPr lang="zh-CN" altLang="en-US"/>
           </a:p>
@@ -2458,6 +2436,7 @@
           <a:p>
             <a:fld id="{760FBDFE-C587-4B4C-A407-44438C67B59E}" type="datetimeFigureOut">
               <a:rPr lang="zh-CN" altLang="en-US" smtClean="0"/>
+              <a:t>2024/12/15</a:t>
             </a:fld>
             <a:endParaRPr lang="zh-CN" altLang="en-US"/>
           </a:p>
@@ -2499,6 +2478,7 @@
           <a:p>
             <a:fld id="{49AE70B2-8BF9-45C0-BB95-33D1B9D3A854}" type="slidenum">
               <a:rPr lang="zh-CN" altLang="en-US" smtClean="0"/>
+              <a:t>‹Nr.›</a:t>
             </a:fld>
             <a:endParaRPr lang="zh-CN" altLang="en-US"/>
           </a:p>
@@ -2569,9 +2549,6 @@
               </a:rPr>
               <a:t>Click to edit Master title style</a:t>
             </a:r>
-            <a:endParaRPr lang="zh-CN" altLang="en-US" dirty="0">
-              <a:sym typeface="+mn-ea"/>
-            </a:endParaRPr>
           </a:p>
         </p:txBody>
       </p:sp>
@@ -2703,7 +2680,6 @@
               <a:rPr lang="zh-CN" altLang="en-US" dirty="0"/>
               <a:t>Click to edit Master text styles</a:t>
             </a:r>
-            <a:endParaRPr lang="zh-CN" altLang="en-US" dirty="0"/>
           </a:p>
         </p:txBody>
       </p:sp>
@@ -2724,6 +2700,7 @@
           <a:p>
             <a:fld id="{9EFD9D74-47D9-4702-A33C-335B63B48DBF}" type="datetimeFigureOut">
               <a:rPr lang="zh-CN" altLang="en-US" smtClean="0"/>
+              <a:t>2024/12/15</a:t>
             </a:fld>
             <a:endParaRPr lang="zh-CN" altLang="en-US" dirty="0"/>
           </a:p>
@@ -2765,6 +2742,7 @@
           <a:p>
             <a:fld id="{FABC47A4-756D-490B-A52F-7D9E2C9FC05F}" type="slidenum">
               <a:rPr lang="zh-CN" altLang="en-US" smtClean="0"/>
+              <a:t>‹Nr.›</a:t>
             </a:fld>
             <a:endParaRPr lang="zh-CN" altLang="en-US"/>
           </a:p>
@@ -2855,7 +2833,6 @@
               <a:rPr lang="zh-CN" altLang="en-US"/>
               <a:t>Click to edit Master title style</a:t>
             </a:r>
-            <a:endParaRPr lang="zh-CN" altLang="en-US"/>
           </a:p>
         </p:txBody>
       </p:sp>
@@ -2886,9 +2863,6 @@
               </a:rPr>
               <a:t>Click to edit Master text styles</a:t>
             </a:r>
-            <a:endParaRPr lang="zh-CN" altLang="en-US" dirty="0">
-              <a:sym typeface="+mn-ea"/>
-            </a:endParaRPr>
           </a:p>
           <a:p>
             <a:pPr lvl="1"/>
@@ -2896,7 +2870,6 @@
               <a:rPr lang="zh-CN" altLang="en-US" dirty="0"/>
               <a:t>Second level</a:t>
             </a:r>
-            <a:endParaRPr lang="zh-CN" altLang="en-US" dirty="0"/>
           </a:p>
           <a:p>
             <a:pPr lvl="2"/>
@@ -2904,7 +2877,6 @@
               <a:rPr lang="zh-CN" altLang="en-US" dirty="0"/>
               <a:t>Third level</a:t>
             </a:r>
-            <a:endParaRPr lang="zh-CN" altLang="en-US" dirty="0"/>
           </a:p>
           <a:p>
             <a:pPr lvl="3"/>
@@ -2912,7 +2884,6 @@
               <a:rPr lang="zh-CN" altLang="en-US" dirty="0"/>
               <a:t>Fourth level</a:t>
             </a:r>
-            <a:endParaRPr lang="zh-CN" altLang="en-US" dirty="0"/>
           </a:p>
           <a:p>
             <a:pPr lvl="4"/>
@@ -2920,7 +2891,6 @@
               <a:rPr lang="zh-CN" altLang="en-US" dirty="0"/>
               <a:t>Fifth level</a:t>
             </a:r>
-            <a:endParaRPr lang="zh-CN" altLang="en-US" dirty="0"/>
           </a:p>
         </p:txBody>
       </p:sp>
@@ -2941,6 +2911,7 @@
           <a:p>
             <a:fld id="{760FBDFE-C587-4B4C-A407-44438C67B59E}" type="datetimeFigureOut">
               <a:rPr lang="zh-CN" altLang="en-US" smtClean="0"/>
+              <a:t>2024/12/15</a:t>
             </a:fld>
             <a:endParaRPr lang="zh-CN" altLang="en-US"/>
           </a:p>
@@ -2982,6 +2953,7 @@
           <a:p>
             <a:fld id="{49AE70B2-8BF9-45C0-BB95-33D1B9D3A854}" type="slidenum">
               <a:rPr lang="zh-CN" altLang="en-US" smtClean="0"/>
+              <a:t>‹Nr.›</a:t>
             </a:fld>
             <a:endParaRPr lang="zh-CN" altLang="en-US"/>
           </a:p>
@@ -3049,7 +3021,6 @@
               <a:rPr lang="zh-CN" altLang="en-US" dirty="0"/>
               <a:t>Click to edit Master title style</a:t>
             </a:r>
-            <a:endParaRPr lang="zh-CN" altLang="en-US" dirty="0"/>
           </a:p>
         </p:txBody>
       </p:sp>
@@ -3085,9 +3056,6 @@
               </a:rPr>
               <a:t>Click to edit Master text styles</a:t>
             </a:r>
-            <a:endParaRPr lang="zh-CN" altLang="en-US" dirty="0">
-              <a:sym typeface="+mn-ea"/>
-            </a:endParaRPr>
           </a:p>
           <a:p>
             <a:pPr lvl="1"/>
@@ -3095,7 +3063,6 @@
               <a:rPr lang="zh-CN" altLang="en-US" dirty="0"/>
               <a:t>Second level</a:t>
             </a:r>
-            <a:endParaRPr lang="zh-CN" altLang="en-US" dirty="0"/>
           </a:p>
           <a:p>
             <a:pPr lvl="2"/>
@@ -3103,7 +3070,6 @@
               <a:rPr lang="zh-CN" altLang="en-US" dirty="0"/>
               <a:t>Third level</a:t>
             </a:r>
-            <a:endParaRPr lang="zh-CN" altLang="en-US" dirty="0"/>
           </a:p>
           <a:p>
             <a:pPr lvl="3"/>
@@ -3111,7 +3077,6 @@
               <a:rPr lang="zh-CN" altLang="en-US" dirty="0"/>
               <a:t>Fourth level</a:t>
             </a:r>
-            <a:endParaRPr lang="zh-CN" altLang="en-US" dirty="0"/>
           </a:p>
           <a:p>
             <a:pPr lvl="4"/>
@@ -3119,7 +3084,6 @@
               <a:rPr lang="zh-CN" altLang="en-US" dirty="0"/>
               <a:t>Fifth level</a:t>
             </a:r>
-            <a:endParaRPr lang="zh-CN" altLang="en-US" dirty="0"/>
           </a:p>
         </p:txBody>
       </p:sp>
@@ -3160,6 +3124,7 @@
           <a:p>
             <a:fld id="{760FBDFE-C587-4B4C-A407-44438C67B59E}" type="datetimeFigureOut">
               <a:rPr lang="zh-CN" altLang="en-US" smtClean="0"/>
+              <a:t>2024/12/15</a:t>
             </a:fld>
             <a:endParaRPr lang="zh-CN" altLang="en-US"/>
           </a:p>
@@ -3241,6 +3206,7 @@
           <a:p>
             <a:fld id="{49AE70B2-8BF9-45C0-BB95-33D1B9D3A854}" type="slidenum">
               <a:rPr lang="zh-CN" altLang="en-US" smtClean="0"/>
+              <a:t>‹Nr.›</a:t>
             </a:fld>
             <a:endParaRPr lang="zh-CN" altLang="en-US"/>
           </a:p>
@@ -3604,12 +3570,6 @@
               </a:rPr>
               <a:t>Random Forest</a:t>
             </a:r>
-            <a:endParaRPr lang="de-DE" altLang="zh-CN">
-              <a:solidFill>
-                <a:srgbClr val="61A5C2"/>
-              </a:solidFill>
-              <a:latin typeface="Calibri" charset="0"/>
-            </a:endParaRPr>
           </a:p>
         </p:txBody>
       </p:sp>
@@ -3642,12 +3602,6 @@
               </a:rPr>
               <a:t>Lukas Sichert -12114770</a:t>
             </a:r>
-            <a:endParaRPr lang="de-DE" altLang="zh-CN" dirty="0">
-              <a:solidFill>
-                <a:srgbClr val="61A5C2"/>
-              </a:solidFill>
-              <a:latin typeface="Calibri" charset="0"/>
-            </a:endParaRPr>
           </a:p>
           <a:p>
             <a:r>
@@ -3677,12 +3631,6 @@
               </a:rPr>
               <a:t> - 12105475</a:t>
             </a:r>
-            <a:endParaRPr lang="de-DE" altLang="zh-CN" dirty="0">
-              <a:solidFill>
-                <a:srgbClr val="61A5C2"/>
-              </a:solidFill>
-              <a:latin typeface="Calibri" charset="0"/>
-            </a:endParaRPr>
           </a:p>
           <a:p>
             <a:r>
@@ -3694,12 +3642,6 @@
               </a:rPr>
               <a:t>Florian Engl - 12102619</a:t>
             </a:r>
-            <a:endParaRPr lang="de-DE" altLang="zh-CN" dirty="0">
-              <a:solidFill>
-                <a:srgbClr val="61A5C2"/>
-              </a:solidFill>
-              <a:latin typeface="Calibri" charset="0"/>
-            </a:endParaRPr>
           </a:p>
         </p:txBody>
       </p:sp>
@@ -3712,6 +3654,142 @@
 </file>
 
 <file path=ppt/slides/slide10.xml><?xml version="1.0" encoding="utf-8"?>
+<p:sld xmlns:a="http://schemas.openxmlformats.org/drawingml/2006/main" xmlns:r="http://schemas.openxmlformats.org/officeDocument/2006/relationships" xmlns:p="http://schemas.openxmlformats.org/presentationml/2006/main">
+  <p:cSld>
+    <p:spTree>
+      <p:nvGrpSpPr>
+        <p:cNvPr id="1" name="">
+          <a:extLst>
+            <a:ext uri="{FF2B5EF4-FFF2-40B4-BE49-F238E27FC236}">
+              <a16:creationId xmlns:a16="http://schemas.microsoft.com/office/drawing/2014/main" id="{8A143773-0653-BD34-E37D-A93C7F5DB6B5}"/>
+            </a:ext>
+          </a:extLst>
+        </p:cNvPr>
+        <p:cNvGrpSpPr/>
+        <p:nvPr/>
+      </p:nvGrpSpPr>
+      <p:grpSpPr>
+        <a:xfrm>
+          <a:off x="0" y="0"/>
+          <a:ext cx="0" cy="0"/>
+          <a:chOff x="0" y="0"/>
+          <a:chExt cx="0" cy="0"/>
+        </a:xfrm>
+      </p:grpSpPr>
+      <p:sp>
+        <p:nvSpPr>
+          <p:cNvPr id="2" name="Titel 1">
+            <a:extLst>
+              <a:ext uri="{FF2B5EF4-FFF2-40B4-BE49-F238E27FC236}">
+                <a16:creationId xmlns:a16="http://schemas.microsoft.com/office/drawing/2014/main" id="{83EB93C1-03AA-1E19-E34A-0A19FCF40AC7}"/>
+              </a:ext>
+            </a:extLst>
+          </p:cNvPr>
+          <p:cNvSpPr>
+            <a:spLocks noGrp="1"/>
+          </p:cNvSpPr>
+          <p:nvPr>
+            <p:ph type="title"/>
+          </p:nvPr>
+        </p:nvSpPr>
+        <p:spPr/>
+        <p:txBody>
+          <a:bodyPr/>
+          <a:lstStyle/>
+          <a:p>
+            <a:pPr algn="ctr"/>
+            <a:r>
+              <a:rPr lang="de-DE" altLang="en-US" dirty="0">
+                <a:solidFill>
+                  <a:srgbClr val="61A5C2"/>
+                </a:solidFill>
+                <a:latin typeface="Calibri" charset="0"/>
+              </a:rPr>
+              <a:t>Tuning </a:t>
+            </a:r>
+            <a:r>
+              <a:rPr lang="de-DE" altLang="en-US" dirty="0" err="1">
+                <a:solidFill>
+                  <a:srgbClr val="61A5C2"/>
+                </a:solidFill>
+                <a:latin typeface="Calibri" charset="0"/>
+              </a:rPr>
+              <a:t>Results</a:t>
+            </a:r>
+            <a:r>
+              <a:rPr lang="de-DE" altLang="en-US" dirty="0">
+                <a:solidFill>
+                  <a:srgbClr val="61A5C2"/>
+                </a:solidFill>
+                <a:latin typeface="Calibri" charset="0"/>
+              </a:rPr>
+              <a:t> - </a:t>
+            </a:r>
+            <a:r>
+              <a:rPr lang="de-DE" altLang="en-US" dirty="0" err="1">
+                <a:solidFill>
+                  <a:srgbClr val="61A5C2"/>
+                </a:solidFill>
+                <a:latin typeface="Calibri" charset="0"/>
+              </a:rPr>
+              <a:t>Superconductivity</a:t>
+            </a:r>
+            <a:r>
+              <a:rPr lang="de-DE" altLang="en-US" dirty="0">
+                <a:solidFill>
+                  <a:srgbClr val="61A5C2"/>
+                </a:solidFill>
+                <a:latin typeface="Calibri" charset="0"/>
+              </a:rPr>
+              <a:t> Dataset</a:t>
+            </a:r>
+            <a:endParaRPr lang="en-AT" dirty="0"/>
+          </a:p>
+        </p:txBody>
+      </p:sp>
+      <p:pic>
+        <p:nvPicPr>
+          <p:cNvPr id="4" name="Grafik 3">
+            <a:extLst>
+              <a:ext uri="{FF2B5EF4-FFF2-40B4-BE49-F238E27FC236}">
+                <a16:creationId xmlns:a16="http://schemas.microsoft.com/office/drawing/2014/main" id="{437A4D12-E074-1FD9-B185-23CECC9C3062}"/>
+              </a:ext>
+            </a:extLst>
+          </p:cNvPr>
+          <p:cNvPicPr>
+            <a:picLocks noChangeAspect="1"/>
+          </p:cNvPicPr>
+          <p:nvPr/>
+        </p:nvPicPr>
+        <p:blipFill>
+          <a:blip r:embed="rId2"/>
+          <a:srcRect r="4290" b="271"/>
+          <a:stretch/>
+        </p:blipFill>
+        <p:spPr>
+          <a:xfrm>
+            <a:off x="880688" y="1518693"/>
+            <a:ext cx="10430624" cy="4816792"/>
+          </a:xfrm>
+          <a:prstGeom prst="rect">
+            <a:avLst/>
+          </a:prstGeom>
+        </p:spPr>
+      </p:pic>
+    </p:spTree>
+    <p:extLst>
+      <p:ext uri="{BB962C8B-B14F-4D97-AF65-F5344CB8AC3E}">
+        <p14:creationId xmlns:p14="http://schemas.microsoft.com/office/powerpoint/2010/main" val="1637101933"/>
+      </p:ext>
+    </p:extLst>
+  </p:cSld>
+  <p:clrMapOvr>
+    <a:masterClrMapping/>
+  </p:clrMapOvr>
+</p:sld>
+</file>
+
+<file path=ppt/slides/slide11.xml><?xml version="1.0" encoding="utf-8"?>
 <p:sld xmlns:a="http://schemas.openxmlformats.org/drawingml/2006/main" xmlns:r="http://schemas.openxmlformats.org/officeDocument/2006/relationships" xmlns:p="http://schemas.openxmlformats.org/presentationml/2006/main">
   <p:cSld>
     <p:spTree>
@@ -3749,27 +3827,24 @@
                 <a:solidFill>
                   <a:srgbClr val="61A5C2"/>
                 </a:solidFill>
-                <a:effectLst/>
-                <a:latin typeface="Calibri" charset="0"/>
-              </a:rPr>
-              <a:t>MSE </a:t>
+                <a:latin typeface="Calibri" charset="0"/>
+              </a:rPr>
+              <a:t>Cross Validation </a:t>
             </a:r>
             <a:r>
               <a:rPr lang="de-DE" altLang="en-US" dirty="0" err="1">
                 <a:solidFill>
                   <a:srgbClr val="61A5C2"/>
                 </a:solidFill>
-                <a:effectLst/>
-                <a:latin typeface="Calibri" charset="0"/>
-              </a:rPr>
-              <a:t>Comparison</a:t>
+                <a:latin typeface="Calibri" charset="0"/>
+              </a:rPr>
+              <a:t>Results</a:t>
             </a:r>
             <a:r>
               <a:rPr lang="de-DE" altLang="en-US" dirty="0">
                 <a:solidFill>
                   <a:srgbClr val="61A5C2"/>
                 </a:solidFill>
-                <a:effectLst/>
                 <a:latin typeface="Calibri" charset="0"/>
               </a:rPr>
               <a:t> - </a:t>
@@ -3779,7 +3854,6 @@
                 <a:solidFill>
                   <a:srgbClr val="61A5C2"/>
                 </a:solidFill>
-                <a:effectLst/>
                 <a:latin typeface="Calibri" charset="0"/>
               </a:rPr>
               <a:t>Concrete</a:t>
@@ -3789,24 +3863,16 @@
                 <a:solidFill>
                   <a:srgbClr val="61A5C2"/>
                 </a:solidFill>
-                <a:effectLst/>
                 <a:latin typeface="Calibri" charset="0"/>
               </a:rPr>
               <a:t> Dataset</a:t>
             </a:r>
-            <a:endParaRPr lang="de-DE" altLang="en-US" dirty="0">
-              <a:solidFill>
-                <a:srgbClr val="61A5C2"/>
-              </a:solidFill>
-              <a:effectLst/>
-              <a:latin typeface="Calibri" charset="0"/>
-            </a:endParaRPr>
           </a:p>
         </p:txBody>
       </p:sp>
       <p:pic>
         <p:nvPicPr>
-          <p:cNvPr id="4" name="Content Placeholder 3"/>
+          <p:cNvPr id="12" name="Content Placeholder 11"/>
           <p:cNvPicPr>
             <a:picLocks noGrp="1" noChangeAspect="1"/>
           </p:cNvPicPr>
@@ -3815,15 +3881,15 @@
           </p:nvPr>
         </p:nvPicPr>
         <p:blipFill>
-          <a:blip r:embed="rId1"/>
+          <a:blip r:embed="rId2"/>
           <a:stretch>
             <a:fillRect/>
           </a:stretch>
         </p:blipFill>
         <p:spPr>
           <a:xfrm>
-            <a:off x="2297430" y="1825625"/>
-            <a:ext cx="7215505" cy="4351655"/>
+            <a:off x="3873500" y="1688465"/>
+            <a:ext cx="4445000" cy="4500880"/>
           </a:xfrm>
           <a:prstGeom prst="rect">
             <a:avLst/>
@@ -3838,7 +3904,265 @@
 </p:sld>
 </file>
 
-<file path=ppt/slides/slide11.xml><?xml version="1.0" encoding="utf-8"?>
+<file path=ppt/slides/slide12.xml><?xml version="1.0" encoding="utf-8"?>
+<p:sld xmlns:a="http://schemas.openxmlformats.org/drawingml/2006/main" xmlns:r="http://schemas.openxmlformats.org/officeDocument/2006/relationships" xmlns:p="http://schemas.openxmlformats.org/presentationml/2006/main">
+  <p:cSld>
+    <p:spTree>
+      <p:nvGrpSpPr>
+        <p:cNvPr id="1" name="">
+          <a:extLst>
+            <a:ext uri="{FF2B5EF4-FFF2-40B4-BE49-F238E27FC236}">
+              <a16:creationId xmlns:a16="http://schemas.microsoft.com/office/drawing/2014/main" id="{1F1F8BC5-BDAC-0E20-C0B9-5DA8AE706598}"/>
+            </a:ext>
+          </a:extLst>
+        </p:cNvPr>
+        <p:cNvGrpSpPr/>
+        <p:nvPr/>
+      </p:nvGrpSpPr>
+      <p:grpSpPr>
+        <a:xfrm>
+          <a:off x="0" y="0"/>
+          <a:ext cx="0" cy="0"/>
+          <a:chOff x="0" y="0"/>
+          <a:chExt cx="0" cy="0"/>
+        </a:xfrm>
+      </p:grpSpPr>
+      <p:sp>
+        <p:nvSpPr>
+          <p:cNvPr id="2" name="Title 1">
+            <a:extLst>
+              <a:ext uri="{FF2B5EF4-FFF2-40B4-BE49-F238E27FC236}">
+                <a16:creationId xmlns:a16="http://schemas.microsoft.com/office/drawing/2014/main" id="{C4BFC3B1-8BA0-B0F1-AC8F-C52A708DAE12}"/>
+              </a:ext>
+            </a:extLst>
+          </p:cNvPr>
+          <p:cNvSpPr>
+            <a:spLocks noGrp="1"/>
+          </p:cNvSpPr>
+          <p:nvPr>
+            <p:ph type="title"/>
+          </p:nvPr>
+        </p:nvSpPr>
+        <p:spPr/>
+        <p:txBody>
+          <a:bodyPr/>
+          <a:lstStyle/>
+          <a:p>
+            <a:pPr algn="ctr" fontAlgn="auto"/>
+            <a:r>
+              <a:rPr lang="de-DE" altLang="en-US" dirty="0">
+                <a:solidFill>
+                  <a:srgbClr val="61A5C2"/>
+                </a:solidFill>
+                <a:latin typeface="Calibri" charset="0"/>
+              </a:rPr>
+              <a:t>Cross Validation </a:t>
+            </a:r>
+            <a:r>
+              <a:rPr lang="de-DE" altLang="en-US" dirty="0" err="1">
+                <a:solidFill>
+                  <a:srgbClr val="61A5C2"/>
+                </a:solidFill>
+                <a:latin typeface="Calibri" charset="0"/>
+              </a:rPr>
+              <a:t>Results</a:t>
+            </a:r>
+            <a:r>
+              <a:rPr lang="de-DE" altLang="en-US" dirty="0">
+                <a:solidFill>
+                  <a:srgbClr val="61A5C2"/>
+                </a:solidFill>
+                <a:latin typeface="Calibri" charset="0"/>
+              </a:rPr>
+              <a:t> - </a:t>
+            </a:r>
+            <a:r>
+              <a:rPr lang="de-DE" altLang="en-US" dirty="0" err="1">
+                <a:solidFill>
+                  <a:srgbClr val="61A5C2"/>
+                </a:solidFill>
+                <a:latin typeface="Calibri" charset="0"/>
+              </a:rPr>
+              <a:t>Concrete</a:t>
+            </a:r>
+            <a:r>
+              <a:rPr lang="de-DE" altLang="en-US" dirty="0">
+                <a:solidFill>
+                  <a:srgbClr val="61A5C2"/>
+                </a:solidFill>
+                <a:latin typeface="Calibri" charset="0"/>
+              </a:rPr>
+              <a:t> Dataset</a:t>
+            </a:r>
+          </a:p>
+        </p:txBody>
+      </p:sp>
+      <p:pic>
+        <p:nvPicPr>
+          <p:cNvPr id="12" name="Content Placeholder 11">
+            <a:extLst>
+              <a:ext uri="{FF2B5EF4-FFF2-40B4-BE49-F238E27FC236}">
+                <a16:creationId xmlns:a16="http://schemas.microsoft.com/office/drawing/2014/main" id="{3FD1D6B7-6DE6-A669-B5DB-17F1251DCD32}"/>
+              </a:ext>
+            </a:extLst>
+          </p:cNvPr>
+          <p:cNvPicPr>
+            <a:picLocks noGrp="1" noChangeAspect="1"/>
+          </p:cNvPicPr>
+          <p:nvPr>
+            <p:ph idx="1"/>
+          </p:nvPr>
+        </p:nvPicPr>
+        <p:blipFill>
+          <a:blip r:embed="rId2"/>
+          <a:stretch>
+            <a:fillRect/>
+          </a:stretch>
+        </p:blipFill>
+        <p:spPr>
+          <a:xfrm>
+            <a:off x="3873500" y="1688465"/>
+            <a:ext cx="4445000" cy="4500880"/>
+          </a:xfrm>
+          <a:prstGeom prst="rect">
+            <a:avLst/>
+          </a:prstGeom>
+        </p:spPr>
+      </p:pic>
+    </p:spTree>
+    <p:extLst>
+      <p:ext uri="{BB962C8B-B14F-4D97-AF65-F5344CB8AC3E}">
+        <p14:creationId xmlns:p14="http://schemas.microsoft.com/office/powerpoint/2010/main" val="1303507187"/>
+      </p:ext>
+    </p:extLst>
+  </p:cSld>
+  <p:clrMapOvr>
+    <a:masterClrMapping/>
+  </p:clrMapOvr>
+</p:sld>
+</file>
+
+<file path=ppt/slides/slide13.xml><?xml version="1.0" encoding="utf-8"?>
+<p:sld xmlns:a="http://schemas.openxmlformats.org/drawingml/2006/main" xmlns:r="http://schemas.openxmlformats.org/officeDocument/2006/relationships" xmlns:p="http://schemas.openxmlformats.org/presentationml/2006/main">
+  <p:cSld>
+    <p:spTree>
+      <p:nvGrpSpPr>
+        <p:cNvPr id="1" name=""/>
+        <p:cNvGrpSpPr/>
+        <p:nvPr/>
+      </p:nvGrpSpPr>
+      <p:grpSpPr>
+        <a:xfrm>
+          <a:off x="0" y="0"/>
+          <a:ext cx="0" cy="0"/>
+          <a:chOff x="0" y="0"/>
+          <a:chExt cx="0" cy="0"/>
+        </a:xfrm>
+      </p:grpSpPr>
+      <p:sp>
+        <p:nvSpPr>
+          <p:cNvPr id="2" name="Title 1"/>
+          <p:cNvSpPr>
+            <a:spLocks noGrp="1"/>
+          </p:cNvSpPr>
+          <p:nvPr>
+            <p:ph type="title"/>
+          </p:nvPr>
+        </p:nvSpPr>
+        <p:spPr/>
+        <p:txBody>
+          <a:bodyPr/>
+          <a:lstStyle/>
+          <a:p>
+            <a:pPr algn="ctr" fontAlgn="auto"/>
+            <a:r>
+              <a:rPr lang="de-DE" altLang="en-US" dirty="0">
+                <a:solidFill>
+                  <a:srgbClr val="61A5C2"/>
+                </a:solidFill>
+                <a:effectLst/>
+                <a:latin typeface="Calibri" charset="0"/>
+              </a:rPr>
+              <a:t>MSE </a:t>
+            </a:r>
+            <a:r>
+              <a:rPr lang="de-DE" altLang="en-US" dirty="0" err="1">
+                <a:solidFill>
+                  <a:srgbClr val="61A5C2"/>
+                </a:solidFill>
+                <a:effectLst/>
+                <a:latin typeface="Calibri" charset="0"/>
+              </a:rPr>
+              <a:t>Comparison</a:t>
+            </a:r>
+            <a:r>
+              <a:rPr lang="de-DE" altLang="en-US" dirty="0">
+                <a:solidFill>
+                  <a:srgbClr val="61A5C2"/>
+                </a:solidFill>
+                <a:effectLst/>
+                <a:latin typeface="Calibri" charset="0"/>
+              </a:rPr>
+              <a:t> - </a:t>
+            </a:r>
+            <a:r>
+              <a:rPr lang="de-DE" altLang="en-US" dirty="0" err="1">
+                <a:solidFill>
+                  <a:srgbClr val="61A5C2"/>
+                </a:solidFill>
+                <a:effectLst/>
+                <a:latin typeface="Calibri" charset="0"/>
+              </a:rPr>
+              <a:t>Concrete</a:t>
+            </a:r>
+            <a:r>
+              <a:rPr lang="de-DE" altLang="en-US" dirty="0">
+                <a:solidFill>
+                  <a:srgbClr val="61A5C2"/>
+                </a:solidFill>
+                <a:effectLst/>
+                <a:latin typeface="Calibri" charset="0"/>
+              </a:rPr>
+              <a:t> Dataset</a:t>
+            </a:r>
+          </a:p>
+        </p:txBody>
+      </p:sp>
+      <p:pic>
+        <p:nvPicPr>
+          <p:cNvPr id="4" name="Content Placeholder 3"/>
+          <p:cNvPicPr>
+            <a:picLocks noGrp="1" noChangeAspect="1"/>
+          </p:cNvPicPr>
+          <p:nvPr>
+            <p:ph idx="1"/>
+          </p:nvPr>
+        </p:nvPicPr>
+        <p:blipFill>
+          <a:blip r:embed="rId2"/>
+          <a:stretch>
+            <a:fillRect/>
+          </a:stretch>
+        </p:blipFill>
+        <p:spPr>
+          <a:xfrm>
+            <a:off x="2297430" y="1825625"/>
+            <a:ext cx="7215505" cy="4351655"/>
+          </a:xfrm>
+          <a:prstGeom prst="rect">
+            <a:avLst/>
+          </a:prstGeom>
+        </p:spPr>
+      </p:pic>
+    </p:spTree>
+  </p:cSld>
+  <p:clrMapOvr>
+    <a:masterClrMapping/>
+  </p:clrMapOvr>
+</p:sld>
+</file>
+
+<file path=ppt/slides/slide14.xml><?xml version="1.0" encoding="utf-8"?>
 <p:sld xmlns:a="http://schemas.openxmlformats.org/drawingml/2006/main" xmlns:r="http://schemas.openxmlformats.org/officeDocument/2006/relationships" xmlns:p="http://schemas.openxmlformats.org/presentationml/2006/main">
   <p:cSld>
     <p:bg>
@@ -3910,7 +4234,7 @@
           <p:nvPr/>
         </p:nvPicPr>
         <p:blipFill>
-          <a:blip r:embed="rId1" cstate="print">
+          <a:blip r:embed="rId2" cstate="print">
             <a:extLst>
               <a:ext uri="{28A0092B-C50C-407E-A947-70E740481C1C}">
                 <a14:useLocalDpi xmlns:a14="http://schemas.microsoft.com/office/drawing/2010/main" val="0"/>
@@ -3935,37 +4259,6 @@
       <p:pic>
         <p:nvPicPr>
           <p:cNvPr id="14" name="Grafik 13" descr="Ein Bild, das Text, Screenshot, Reihe, Diagramm enthält.&#10;&#10;Automatisch generierte Beschreibung"/>
-          <p:cNvPicPr>
-            <a:picLocks noChangeAspect="1"/>
-          </p:cNvPicPr>
-          <p:nvPr/>
-        </p:nvPicPr>
-        <p:blipFill>
-          <a:blip r:embed="rId2" cstate="print">
-            <a:extLst>
-              <a:ext uri="{28A0092B-C50C-407E-A947-70E740481C1C}">
-                <a14:useLocalDpi xmlns:a14="http://schemas.microsoft.com/office/drawing/2010/main" val="0"/>
-              </a:ext>
-            </a:extLst>
-          </a:blip>
-          <a:srcRect t="1953" b="-1"/>
-          <a:stretch>
-            <a:fillRect/>
-          </a:stretch>
-        </p:blipFill>
-        <p:spPr>
-          <a:xfrm>
-            <a:off x="4067452" y="808239"/>
-            <a:ext cx="3988474" cy="2796095"/>
-          </a:xfrm>
-          <a:prstGeom prst="rect">
-            <a:avLst/>
-          </a:prstGeom>
-        </p:spPr>
-      </p:pic>
-      <p:pic>
-        <p:nvPicPr>
-          <p:cNvPr id="18" name="Grafik 17" descr="Ein Bild, das Text, Diagramm, Reihe, Screenshot enthält.&#10;&#10;Automatisch generierte Beschreibung"/>
           <p:cNvPicPr>
             <a:picLocks noChangeAspect="1"/>
           </p:cNvPicPr>
@@ -3979,363 +4272,24 @@
               </a:ext>
             </a:extLst>
           </a:blip>
-          <a:srcRect t="2764" b="-811"/>
+          <a:srcRect t="1953" b="-1"/>
           <a:stretch>
             <a:fillRect/>
           </a:stretch>
         </p:blipFill>
         <p:spPr>
           <a:xfrm>
-            <a:off x="178828" y="3833120"/>
-            <a:ext cx="3988516" cy="2796094"/>
+            <a:off x="4067452" y="808239"/>
+            <a:ext cx="3988474" cy="2796095"/>
           </a:xfrm>
           <a:prstGeom prst="rect">
             <a:avLst/>
           </a:prstGeom>
         </p:spPr>
       </p:pic>
-      <p:sp>
-        <p:nvSpPr>
-          <p:cNvPr id="2" name="Title 1"/>
-          <p:cNvSpPr>
-            <a:spLocks noGrp="1"/>
-          </p:cNvSpPr>
-          <p:nvPr>
-            <p:ph type="ctrTitle"/>
-          </p:nvPr>
-        </p:nvSpPr>
-        <p:spPr>
-          <a:xfrm>
-            <a:off x="8520112" y="2745578"/>
-            <a:ext cx="3334970" cy="1366841"/>
-          </a:xfrm>
-        </p:spPr>
-        <p:txBody>
-          <a:bodyPr vert="horz" lIns="91440" tIns="45720" rIns="91440" bIns="45720" rtlCol="0" anchor="b">
-            <a:normAutofit fontScale="90000"/>
-          </a:bodyPr>
-          <a:lstStyle/>
-          <a:p>
-            <a:pPr fontAlgn="auto"/>
-            <a:r>
-              <a:rPr lang="en-US" altLang="en-US" sz="2400" b="1" dirty="0">
-                <a:solidFill>
-                  <a:srgbClr val="61A5C2"/>
-                </a:solidFill>
-                <a:latin typeface="Calibri" charset="0"/>
-              </a:rPr>
-              <a:t>Sensitivity Plots</a:t>
-            </a:r>
-            <a:br>
-              <a:rPr lang="en-US" altLang="en-US" sz="2400" b="1" dirty="0">
-                <a:solidFill>
-                  <a:srgbClr val="61A5C2"/>
-                </a:solidFill>
-                <a:latin typeface="Calibri" charset="0"/>
-              </a:rPr>
-            </a:br>
-            <a:r>
-              <a:rPr lang="en-US" altLang="en-US" sz="2400" b="1" dirty="0">
-                <a:solidFill>
-                  <a:srgbClr val="61A5C2"/>
-                </a:solidFill>
-                <a:latin typeface="Calibri" charset="0"/>
-              </a:rPr>
-              <a:t> Concrete Dataset</a:t>
-            </a:r>
-            <a:br>
-              <a:rPr lang="en-US" altLang="en-US" sz="2400" b="1" dirty="0">
-                <a:solidFill>
-                  <a:srgbClr val="61A5C2"/>
-                </a:solidFill>
-                <a:latin typeface="Calibri" charset="0"/>
-              </a:rPr>
-            </a:br>
-            <a:r>
-              <a:rPr lang="en-US" altLang="en-US" sz="2400" b="1" dirty="0">
-                <a:solidFill>
-                  <a:srgbClr val="61A5C2"/>
-                </a:solidFill>
-                <a:latin typeface="Calibri" charset="0"/>
-              </a:rPr>
-              <a:t> Our Implementation</a:t>
-            </a:r>
-            <a:endParaRPr lang="en-US" altLang="en-US" sz="2400" b="1" dirty="0">
-              <a:solidFill>
-                <a:srgbClr val="61A5C2"/>
-              </a:solidFill>
-              <a:latin typeface="Calibri" charset="0"/>
-            </a:endParaRPr>
-          </a:p>
-        </p:txBody>
-      </p:sp>
       <p:pic>
         <p:nvPicPr>
-          <p:cNvPr id="8" name="Inhaltsplatzhalter 7" descr="Ein Bild, das Text, Reihe, Diagramm, Zahl enthält.&#10;&#10;Automatisch generierte Beschreibung"/>
-          <p:cNvPicPr>
-            <a:picLocks noGrp="1" noChangeAspect="1"/>
-          </p:cNvPicPr>
-          <p:nvPr>
-            <p:ph idx="4294967295"/>
-          </p:nvPr>
-        </p:nvPicPr>
-        <p:blipFill>
-          <a:blip r:embed="rId4" cstate="print">
-            <a:extLst>
-              <a:ext uri="{28A0092B-C50C-407E-A947-70E740481C1C}">
-                <a14:useLocalDpi xmlns:a14="http://schemas.microsoft.com/office/drawing/2010/main" val="0"/>
-              </a:ext>
-            </a:extLst>
-          </a:blip>
-          <a:srcRect t="2171" b="-1"/>
-          <a:stretch>
-            <a:fillRect/>
-          </a:stretch>
-        </p:blipFill>
-        <p:spPr>
-          <a:xfrm>
-            <a:off x="4067452" y="3879103"/>
-            <a:ext cx="3872001" cy="2706642"/>
-          </a:xfrm>
-          <a:prstGeom prst="rect">
-            <a:avLst/>
-          </a:prstGeom>
-        </p:spPr>
-      </p:pic>
-    </p:spTree>
-  </p:cSld>
-  <p:clrMapOvr>
-    <a:masterClrMapping/>
-  </p:clrMapOvr>
-</p:sld>
-</file>
-
-<file path=ppt/slides/slide12.xml><?xml version="1.0" encoding="utf-8"?>
-<p:sld xmlns:a="http://schemas.openxmlformats.org/drawingml/2006/main" xmlns:r="http://schemas.openxmlformats.org/officeDocument/2006/relationships" xmlns:p="http://schemas.openxmlformats.org/presentationml/2006/main">
-  <p:cSld>
-    <p:spTree>
-      <p:nvGrpSpPr>
-        <p:cNvPr id="1" name=""/>
-        <p:cNvGrpSpPr/>
-        <p:nvPr/>
-      </p:nvGrpSpPr>
-      <p:grpSpPr>
-        <a:xfrm>
-          <a:off x="0" y="0"/>
-          <a:ext cx="0" cy="0"/>
-          <a:chOff x="0" y="0"/>
-          <a:chExt cx="0" cy="0"/>
-        </a:xfrm>
-      </p:grpSpPr>
-      <p:sp>
-        <p:nvSpPr>
-          <p:cNvPr id="20" name="Rechteck 19"/>
-          <p:cNvSpPr/>
-          <p:nvPr/>
-        </p:nvSpPr>
-        <p:spPr>
-          <a:xfrm>
-            <a:off x="0" y="1"/>
-            <a:ext cx="8123068" cy="6858000"/>
-          </a:xfrm>
-          <a:prstGeom prst="rect">
-            <a:avLst/>
-          </a:prstGeom>
-        </p:spPr>
-        <p:style>
-          <a:lnRef idx="2">
-            <a:schemeClr val="dk1"/>
-          </a:lnRef>
-          <a:fillRef idx="1">
-            <a:schemeClr val="lt1"/>
-          </a:fillRef>
-          <a:effectRef idx="0">
-            <a:schemeClr val="dk1"/>
-          </a:effectRef>
-          <a:fontRef idx="minor">
-            <a:schemeClr val="dk1"/>
-          </a:fontRef>
-        </p:style>
-        <p:txBody>
-          <a:bodyPr rtlCol="0" anchor="ctr"/>
-          <a:lstStyle/>
-          <a:p>
-            <a:pPr algn="ctr"/>
-            <a:endParaRPr lang="en-US"/>
-          </a:p>
-        </p:txBody>
-      </p:sp>
-      <p:sp>
-        <p:nvSpPr>
-          <p:cNvPr id="2" name="Title 1"/>
-          <p:cNvSpPr>
-            <a:spLocks noGrp="1"/>
-          </p:cNvSpPr>
-          <p:nvPr>
-            <p:ph type="ctrTitle"/>
-          </p:nvPr>
-        </p:nvSpPr>
-        <p:spPr>
-          <a:xfrm>
-            <a:off x="8520112" y="2745578"/>
-            <a:ext cx="3334970" cy="1366841"/>
-          </a:xfrm>
-        </p:spPr>
-        <p:txBody>
-          <a:bodyPr vert="horz" lIns="91440" tIns="45720" rIns="91440" bIns="45720" rtlCol="0" anchor="b">
-            <a:normAutofit fontScale="90000"/>
-          </a:bodyPr>
-          <a:lstStyle/>
-          <a:p>
-            <a:pPr fontAlgn="auto"/>
-            <a:r>
-              <a:rPr lang="en-US" altLang="en-US" sz="2400" b="1" dirty="0">
-                <a:solidFill>
-                  <a:srgbClr val="61A5C2"/>
-                </a:solidFill>
-                <a:latin typeface="Calibri" charset="0"/>
-              </a:rPr>
-              <a:t>Sensitivity Plots</a:t>
-            </a:r>
-            <a:br>
-              <a:rPr lang="en-US" altLang="en-US" sz="2400" b="1" dirty="0">
-                <a:solidFill>
-                  <a:srgbClr val="61A5C2"/>
-                </a:solidFill>
-                <a:latin typeface="Calibri" charset="0"/>
-              </a:rPr>
-            </a:br>
-            <a:r>
-              <a:rPr lang="en-US" altLang="en-US" sz="2400" b="1" dirty="0">
-                <a:solidFill>
-                  <a:srgbClr val="61A5C2"/>
-                </a:solidFill>
-                <a:latin typeface="Calibri" charset="0"/>
-              </a:rPr>
-              <a:t> Concrete Dataset</a:t>
-            </a:r>
-            <a:br>
-              <a:rPr lang="en-US" altLang="en-US" sz="2400" b="1" dirty="0">
-                <a:solidFill>
-                  <a:srgbClr val="61A5C2"/>
-                </a:solidFill>
-                <a:latin typeface="Calibri" charset="0"/>
-              </a:rPr>
-            </a:br>
-            <a:r>
-              <a:rPr lang="en-US" altLang="en-US" sz="2400" b="1" dirty="0">
-                <a:solidFill>
-                  <a:srgbClr val="61A5C2"/>
-                </a:solidFill>
-                <a:latin typeface="Calibri" charset="0"/>
-              </a:rPr>
-              <a:t> LLM</a:t>
-            </a:r>
-            <a:endParaRPr lang="en-US" altLang="en-US" sz="2400" b="1" dirty="0">
-              <a:solidFill>
-                <a:srgbClr val="61A5C2"/>
-              </a:solidFill>
-              <a:latin typeface="Calibri" charset="0"/>
-            </a:endParaRPr>
-          </a:p>
-        </p:txBody>
-      </p:sp>
-      <p:pic>
-        <p:nvPicPr>
-          <p:cNvPr id="4" name="Grafik 3" descr="Ein Bild, das Text, Diagramm, Reihe, Screenshot enthält.&#10;&#10;Automatisch generierte Beschreibung"/>
-          <p:cNvPicPr>
-            <a:picLocks noChangeAspect="1"/>
-          </p:cNvPicPr>
-          <p:nvPr/>
-        </p:nvPicPr>
-        <p:blipFill>
-          <a:blip r:embed="rId1" cstate="print">
-            <a:extLst>
-              <a:ext uri="{28A0092B-C50C-407E-A947-70E740481C1C}">
-                <a14:useLocalDpi xmlns:a14="http://schemas.microsoft.com/office/drawing/2010/main" val="0"/>
-              </a:ext>
-            </a:extLst>
-          </a:blip>
-          <a:srcRect l="-1793" t="2185" r="1793"/>
-          <a:stretch>
-            <a:fillRect/>
-          </a:stretch>
-        </p:blipFill>
-        <p:spPr>
-          <a:xfrm>
-            <a:off x="3986962" y="665825"/>
-            <a:ext cx="3835227" cy="2677946"/>
-          </a:xfrm>
-          <a:prstGeom prst="rect">
-            <a:avLst/>
-          </a:prstGeom>
-        </p:spPr>
-      </p:pic>
-      <p:pic>
-        <p:nvPicPr>
-          <p:cNvPr id="6" name="Grafik 5"/>
-          <p:cNvPicPr>
-            <a:picLocks noChangeAspect="1"/>
-          </p:cNvPicPr>
-          <p:nvPr/>
-        </p:nvPicPr>
-        <p:blipFill>
-          <a:blip r:embed="rId2" cstate="print">
-            <a:extLst>
-              <a:ext uri="{28A0092B-C50C-407E-A947-70E740481C1C}">
-                <a14:useLocalDpi xmlns:a14="http://schemas.microsoft.com/office/drawing/2010/main" val="0"/>
-              </a:ext>
-            </a:extLst>
-          </a:blip>
-          <a:srcRect t="2379"/>
-          <a:stretch>
-            <a:fillRect/>
-          </a:stretch>
-        </p:blipFill>
-        <p:spPr>
-          <a:xfrm>
-            <a:off x="3907950" y="3781725"/>
-            <a:ext cx="3914239" cy="2729381"/>
-          </a:xfrm>
-          <a:prstGeom prst="rect">
-            <a:avLst/>
-          </a:prstGeom>
-        </p:spPr>
-      </p:pic>
-      <p:pic>
-        <p:nvPicPr>
-          <p:cNvPr id="9" name="Grafik 8" descr="Ein Bild, das Text, Reihe, Diagramm, Screenshot enthält.&#10;&#10;Automatisch generierte Beschreibung"/>
-          <p:cNvPicPr>
-            <a:picLocks noChangeAspect="1"/>
-          </p:cNvPicPr>
-          <p:nvPr/>
-        </p:nvPicPr>
-        <p:blipFill>
-          <a:blip r:embed="rId3" cstate="print">
-            <a:extLst>
-              <a:ext uri="{28A0092B-C50C-407E-A947-70E740481C1C}">
-                <a14:useLocalDpi xmlns:a14="http://schemas.microsoft.com/office/drawing/2010/main" val="0"/>
-              </a:ext>
-            </a:extLst>
-          </a:blip>
-          <a:srcRect t="2379"/>
-          <a:stretch>
-            <a:fillRect/>
-          </a:stretch>
-        </p:blipFill>
-        <p:spPr>
-          <a:xfrm>
-            <a:off x="222152" y="3781725"/>
-            <a:ext cx="3764809" cy="2625184"/>
-          </a:xfrm>
-          <a:prstGeom prst="rect">
-            <a:avLst/>
-          </a:prstGeom>
-        </p:spPr>
-      </p:pic>
-      <p:pic>
-        <p:nvPicPr>
-          <p:cNvPr id="13" name="Grafik 12" descr="Ein Bild, das Text, Reihe, Diagramm, Steigung enthält.&#10;&#10;Automatisch generierte Beschreibung"/>
+          <p:cNvPr id="18" name="Grafik 17" descr="Ein Bild, das Text, Diagramm, Reihe, Screenshot enthält.&#10;&#10;Automatisch generierte Beschreibung"/>
           <p:cNvPicPr>
             <a:picLocks noChangeAspect="1"/>
           </p:cNvPicPr>
@@ -4349,84 +4303,21 @@
               </a:ext>
             </a:extLst>
           </a:blip>
-          <a:srcRect t="2573"/>
+          <a:srcRect t="2764" b="-811"/>
           <a:stretch>
             <a:fillRect/>
           </a:stretch>
         </p:blipFill>
         <p:spPr>
           <a:xfrm>
-            <a:off x="222152" y="665825"/>
-            <a:ext cx="3768855" cy="2622777"/>
+            <a:off x="178828" y="3833120"/>
+            <a:ext cx="3988516" cy="2796094"/>
           </a:xfrm>
           <a:prstGeom prst="rect">
             <a:avLst/>
           </a:prstGeom>
         </p:spPr>
       </p:pic>
-    </p:spTree>
-  </p:cSld>
-  <p:clrMapOvr>
-    <a:masterClrMapping/>
-  </p:clrMapOvr>
-</p:sld>
-</file>
-
-<file path=ppt/slides/slide13.xml><?xml version="1.0" encoding="utf-8"?>
-<p:sld xmlns:a="http://schemas.openxmlformats.org/drawingml/2006/main" xmlns:r="http://schemas.openxmlformats.org/officeDocument/2006/relationships" xmlns:p="http://schemas.openxmlformats.org/presentationml/2006/main">
-  <p:cSld>
-    <p:spTree>
-      <p:nvGrpSpPr>
-        <p:cNvPr id="1" name=""/>
-        <p:cNvGrpSpPr/>
-        <p:nvPr/>
-      </p:nvGrpSpPr>
-      <p:grpSpPr>
-        <a:xfrm>
-          <a:off x="0" y="0"/>
-          <a:ext cx="0" cy="0"/>
-          <a:chOff x="0" y="0"/>
-          <a:chExt cx="0" cy="0"/>
-        </a:xfrm>
-      </p:grpSpPr>
-      <p:sp>
-        <p:nvSpPr>
-          <p:cNvPr id="20" name="Rechteck 19"/>
-          <p:cNvSpPr/>
-          <p:nvPr/>
-        </p:nvSpPr>
-        <p:spPr>
-          <a:xfrm>
-            <a:off x="0" y="1"/>
-            <a:ext cx="8123068" cy="6858000"/>
-          </a:xfrm>
-          <a:prstGeom prst="rect">
-            <a:avLst/>
-          </a:prstGeom>
-        </p:spPr>
-        <p:style>
-          <a:lnRef idx="2">
-            <a:schemeClr val="dk1"/>
-          </a:lnRef>
-          <a:fillRef idx="1">
-            <a:schemeClr val="lt1"/>
-          </a:fillRef>
-          <a:effectRef idx="0">
-            <a:schemeClr val="dk1"/>
-          </a:effectRef>
-          <a:fontRef idx="minor">
-            <a:schemeClr val="dk1"/>
-          </a:fontRef>
-        </p:style>
-        <p:txBody>
-          <a:bodyPr rtlCol="0" anchor="ctr"/>
-          <a:lstStyle/>
-          <a:p>
-            <a:pPr algn="ctr"/>
-            <a:endParaRPr lang="en-US"/>
-          </a:p>
-        </p:txBody>
-      </p:sp>
       <p:sp>
         <p:nvSpPr>
           <p:cNvPr id="2" name="Title 1"/>
@@ -4491,375 +4382,38 @@
                 </a:solidFill>
                 <a:latin typeface="Calibri" charset="0"/>
               </a:rPr>
-              <a:t> scikit-rf</a:t>
-            </a:r>
-            <a:endParaRPr lang="en-US" altLang="en-US" sz="2400" b="1" dirty="0">
-              <a:solidFill>
-                <a:srgbClr val="61A5C2"/>
-              </a:solidFill>
-              <a:latin typeface="Calibri" charset="0"/>
-            </a:endParaRPr>
+              <a:t> Our Implementation</a:t>
+            </a:r>
           </a:p>
         </p:txBody>
       </p:sp>
       <p:pic>
         <p:nvPicPr>
-          <p:cNvPr id="6" name="Grafik 5" descr="Ein Bild, das Text, Screenshot, Reihe, Diagramm enthält.&#10;&#10;Automatisch generierte Beschreibung"/>
+          <p:cNvPr id="8" name="Inhaltsplatzhalter 7" descr="Ein Bild, das Text, Reihe, Diagramm, Zahl enthält.&#10;&#10;Automatisch generierte Beschreibung"/>
           <p:cNvPicPr>
-            <a:picLocks noChangeAspect="1"/>
+            <a:picLocks noGrp="1" noChangeAspect="1"/>
           </p:cNvPicPr>
-          <p:nvPr/>
+          <p:nvPr>
+            <p:ph idx="4294967295"/>
+          </p:nvPr>
         </p:nvPicPr>
         <p:blipFill>
-          <a:blip r:embed="rId1" cstate="print">
+          <a:blip r:embed="rId5" cstate="print">
             <a:extLst>
               <a:ext uri="{28A0092B-C50C-407E-A947-70E740481C1C}">
                 <a14:useLocalDpi xmlns:a14="http://schemas.microsoft.com/office/drawing/2010/main" val="0"/>
               </a:ext>
             </a:extLst>
           </a:blip>
-          <a:srcRect t="3155"/>
+          <a:srcRect t="2171" b="-1"/>
           <a:stretch>
             <a:fillRect/>
           </a:stretch>
         </p:blipFill>
         <p:spPr>
           <a:xfrm>
-            <a:off x="87004" y="3761450"/>
-            <a:ext cx="4041113" cy="2795430"/>
-          </a:xfrm>
-          <a:prstGeom prst="rect">
-            <a:avLst/>
-          </a:prstGeom>
-        </p:spPr>
-      </p:pic>
-      <p:pic>
-        <p:nvPicPr>
-          <p:cNvPr id="9" name="Grafik 8" descr="Ein Bild, das Text, Reihe, Diagramm, Screenshot enthält.&#10;&#10;Automatisch generierte Beschreibung"/>
-          <p:cNvPicPr>
-            <a:picLocks noChangeAspect="1"/>
-          </p:cNvPicPr>
-          <p:nvPr/>
-        </p:nvPicPr>
-        <p:blipFill>
-          <a:blip r:embed="rId2" cstate="print">
-            <a:extLst>
-              <a:ext uri="{28A0092B-C50C-407E-A947-70E740481C1C}">
-                <a14:useLocalDpi xmlns:a14="http://schemas.microsoft.com/office/drawing/2010/main" val="0"/>
-              </a:ext>
-            </a:extLst>
-          </a:blip>
-          <a:srcRect t="2379"/>
-          <a:stretch>
-            <a:fillRect/>
-          </a:stretch>
-        </p:blipFill>
-        <p:spPr>
-          <a:xfrm>
-            <a:off x="4117226" y="3761449"/>
-            <a:ext cx="3946659" cy="2751987"/>
-          </a:xfrm>
-          <a:prstGeom prst="rect">
-            <a:avLst/>
-          </a:prstGeom>
-        </p:spPr>
-      </p:pic>
-      <p:pic>
-        <p:nvPicPr>
-          <p:cNvPr id="13" name="Grafik 12" descr="Ein Bild, das Text, Reihe, Diagramm, Screenshot enthält.&#10;&#10;Automatisch generierte Beschreibung"/>
-          <p:cNvPicPr>
-            <a:picLocks noChangeAspect="1"/>
-          </p:cNvPicPr>
-          <p:nvPr/>
-        </p:nvPicPr>
-        <p:blipFill>
-          <a:blip r:embed="rId3" cstate="print">
-            <a:extLst>
-              <a:ext uri="{28A0092B-C50C-407E-A947-70E740481C1C}">
-                <a14:useLocalDpi xmlns:a14="http://schemas.microsoft.com/office/drawing/2010/main" val="0"/>
-              </a:ext>
-            </a:extLst>
-          </a:blip>
-          <a:srcRect t="3155"/>
-          <a:stretch>
-            <a:fillRect/>
-          </a:stretch>
-        </p:blipFill>
-        <p:spPr>
-          <a:xfrm>
-            <a:off x="4117226" y="481426"/>
-            <a:ext cx="3978312" cy="2751987"/>
-          </a:xfrm>
-          <a:prstGeom prst="rect">
-            <a:avLst/>
-          </a:prstGeom>
-        </p:spPr>
-      </p:pic>
-      <p:pic>
-        <p:nvPicPr>
-          <p:cNvPr id="17" name="Grafik 16" descr="Ein Bild, das Text, Diagramm, Reihe, Screenshot enthält.&#10;&#10;Automatisch generierte Beschreibung"/>
-          <p:cNvPicPr>
-            <a:picLocks noChangeAspect="1"/>
-          </p:cNvPicPr>
-          <p:nvPr/>
-        </p:nvPicPr>
-        <p:blipFill>
-          <a:blip r:embed="rId4" cstate="print">
-            <a:extLst>
-              <a:ext uri="{28A0092B-C50C-407E-A947-70E740481C1C}">
-                <a14:useLocalDpi xmlns:a14="http://schemas.microsoft.com/office/drawing/2010/main" val="0"/>
-              </a:ext>
-            </a:extLst>
-          </a:blip>
-          <a:srcRect t="2185"/>
-          <a:stretch>
-            <a:fillRect/>
-          </a:stretch>
-        </p:blipFill>
-        <p:spPr>
-          <a:xfrm>
-            <a:off x="256005" y="528036"/>
-            <a:ext cx="3872112" cy="2705377"/>
-          </a:xfrm>
-          <a:prstGeom prst="rect">
-            <a:avLst/>
-          </a:prstGeom>
-        </p:spPr>
-      </p:pic>
-    </p:spTree>
-  </p:cSld>
-  <p:clrMapOvr>
-    <a:masterClrMapping/>
-  </p:clrMapOvr>
-</p:sld>
-</file>
-
-<file path=ppt/slides/slide14.xml><?xml version="1.0" encoding="utf-8"?>
-<p:sld xmlns:a="http://schemas.openxmlformats.org/drawingml/2006/main" xmlns:r="http://schemas.openxmlformats.org/officeDocument/2006/relationships" xmlns:p="http://schemas.openxmlformats.org/presentationml/2006/main">
-  <p:cSld>
-    <p:spTree>
-      <p:nvGrpSpPr>
-        <p:cNvPr id="1" name=""/>
-        <p:cNvGrpSpPr/>
-        <p:nvPr/>
-      </p:nvGrpSpPr>
-      <p:grpSpPr>
-        <a:xfrm>
-          <a:off x="0" y="0"/>
-          <a:ext cx="0" cy="0"/>
-          <a:chOff x="0" y="0"/>
-          <a:chExt cx="0" cy="0"/>
-        </a:xfrm>
-      </p:grpSpPr>
-      <p:sp>
-        <p:nvSpPr>
-          <p:cNvPr id="20" name="Rechteck 19"/>
-          <p:cNvSpPr/>
-          <p:nvPr/>
-        </p:nvSpPr>
-        <p:spPr>
-          <a:xfrm>
-            <a:off x="0" y="1"/>
-            <a:ext cx="8123068" cy="6858000"/>
-          </a:xfrm>
-          <a:prstGeom prst="rect">
-            <a:avLst/>
-          </a:prstGeom>
-        </p:spPr>
-        <p:style>
-          <a:lnRef idx="2">
-            <a:schemeClr val="dk1"/>
-          </a:lnRef>
-          <a:fillRef idx="1">
-            <a:schemeClr val="lt1"/>
-          </a:fillRef>
-          <a:effectRef idx="0">
-            <a:schemeClr val="dk1"/>
-          </a:effectRef>
-          <a:fontRef idx="minor">
-            <a:schemeClr val="dk1"/>
-          </a:fontRef>
-        </p:style>
-        <p:txBody>
-          <a:bodyPr rtlCol="0" anchor="ctr"/>
-          <a:lstStyle/>
-          <a:p>
-            <a:pPr algn="ctr"/>
-            <a:endParaRPr lang="en-US"/>
-          </a:p>
-        </p:txBody>
-      </p:sp>
-      <p:sp>
-        <p:nvSpPr>
-          <p:cNvPr id="2" name="Title 1"/>
-          <p:cNvSpPr>
-            <a:spLocks noGrp="1"/>
-          </p:cNvSpPr>
-          <p:nvPr>
-            <p:ph type="ctrTitle"/>
-          </p:nvPr>
-        </p:nvSpPr>
-        <p:spPr>
-          <a:xfrm>
-            <a:off x="8519080" y="2665679"/>
-            <a:ext cx="3334970" cy="1366841"/>
-          </a:xfrm>
-        </p:spPr>
-        <p:txBody>
-          <a:bodyPr vert="horz" lIns="91440" tIns="45720" rIns="91440" bIns="45720" rtlCol="0" anchor="b">
-            <a:normAutofit fontScale="90000"/>
-          </a:bodyPr>
-          <a:lstStyle/>
-          <a:p>
-            <a:pPr fontAlgn="auto"/>
-            <a:r>
-              <a:rPr lang="en-US" altLang="en-US" sz="2400" b="1" dirty="0">
-                <a:solidFill>
-                  <a:srgbClr val="61A5C2"/>
-                </a:solidFill>
-                <a:latin typeface="Calibri" charset="0"/>
-              </a:rPr>
-              <a:t>Sensitivity Plots</a:t>
-            </a:r>
-            <a:br>
-              <a:rPr lang="en-US" altLang="en-US" sz="2400" b="1" dirty="0">
-                <a:solidFill>
-                  <a:srgbClr val="61A5C2"/>
-                </a:solidFill>
-                <a:latin typeface="Calibri" charset="0"/>
-              </a:rPr>
-            </a:br>
-            <a:r>
-              <a:rPr lang="en-US" altLang="en-US" sz="2400" b="1" dirty="0">
-                <a:solidFill>
-                  <a:srgbClr val="61A5C2"/>
-                </a:solidFill>
-                <a:latin typeface="Calibri" charset="0"/>
-              </a:rPr>
-              <a:t> Concrete Dataset</a:t>
-            </a:r>
-            <a:br>
-              <a:rPr lang="en-US" altLang="en-US" sz="2400" b="1" dirty="0">
-                <a:solidFill>
-                  <a:srgbClr val="61A5C2"/>
-                </a:solidFill>
-                <a:latin typeface="Calibri" charset="0"/>
-              </a:rPr>
-            </a:br>
-            <a:r>
-              <a:rPr lang="en-US" altLang="en-US" sz="2400" b="1" dirty="0">
-                <a:solidFill>
-                  <a:srgbClr val="61A5C2"/>
-                </a:solidFill>
-                <a:latin typeface="Calibri" charset="0"/>
-              </a:rPr>
-              <a:t> </a:t>
-            </a:r>
-            <a:r>
-              <a:rPr lang="en-US" altLang="en-US" sz="2400" b="1" dirty="0" err="1">
-                <a:solidFill>
-                  <a:srgbClr val="61A5C2"/>
-                </a:solidFill>
-                <a:latin typeface="Calibri" charset="0"/>
-              </a:rPr>
-              <a:t>kNN</a:t>
-            </a:r>
-            <a:endParaRPr lang="en-US" altLang="en-US" sz="2400" b="1" dirty="0">
-              <a:solidFill>
-                <a:srgbClr val="61A5C2"/>
-              </a:solidFill>
-              <a:latin typeface="Calibri" charset="0"/>
-            </a:endParaRPr>
-          </a:p>
-        </p:txBody>
-      </p:sp>
-      <p:pic>
-        <p:nvPicPr>
-          <p:cNvPr id="17" name="Grafik 16" descr="Ein Bild, das Text, Reihe, Diagramm, Screenshot enthält.&#10;&#10;Automatisch generierte Beschreibung"/>
-          <p:cNvPicPr>
-            <a:picLocks noChangeAspect="1"/>
-          </p:cNvPicPr>
-          <p:nvPr/>
-        </p:nvPicPr>
-        <p:blipFill>
-          <a:blip r:embed="rId1" cstate="print">
-            <a:extLst>
-              <a:ext uri="{28A0092B-C50C-407E-A947-70E740481C1C}">
-                <a14:useLocalDpi xmlns:a14="http://schemas.microsoft.com/office/drawing/2010/main" val="0"/>
-              </a:ext>
-            </a:extLst>
-          </a:blip>
-          <a:srcRect t="2452"/>
-          <a:stretch>
-            <a:fillRect/>
-          </a:stretch>
-        </p:blipFill>
-        <p:spPr>
-          <a:xfrm>
-            <a:off x="4044681" y="730186"/>
-            <a:ext cx="3987964" cy="2778716"/>
-          </a:xfrm>
-          <a:prstGeom prst="rect">
-            <a:avLst/>
-          </a:prstGeom>
-        </p:spPr>
-      </p:pic>
-      <p:pic>
-        <p:nvPicPr>
-          <p:cNvPr id="21" name="Grafik 20" descr="Ein Bild, das Text, Reihe, Screenshot, Diagramm enthält.&#10;&#10;Automatisch generierte Beschreibung"/>
-          <p:cNvPicPr>
-            <a:picLocks noChangeAspect="1"/>
-          </p:cNvPicPr>
-          <p:nvPr/>
-        </p:nvPicPr>
-        <p:blipFill>
-          <a:blip r:embed="rId2" cstate="print">
-            <a:extLst>
-              <a:ext uri="{28A0092B-C50C-407E-A947-70E740481C1C}">
-                <a14:useLocalDpi xmlns:a14="http://schemas.microsoft.com/office/drawing/2010/main" val="0"/>
-              </a:ext>
-            </a:extLst>
-          </a:blip>
-          <a:srcRect t="2452"/>
-          <a:stretch>
-            <a:fillRect/>
-          </a:stretch>
-        </p:blipFill>
-        <p:spPr>
-          <a:xfrm>
-            <a:off x="2088815" y="3826435"/>
-            <a:ext cx="3873290" cy="2698814"/>
-          </a:xfrm>
-          <a:prstGeom prst="rect">
-            <a:avLst/>
-          </a:prstGeom>
-        </p:spPr>
-      </p:pic>
-      <p:pic>
-        <p:nvPicPr>
-          <p:cNvPr id="23" name="Grafik 22" descr="Ein Bild, das Text, Diagramm, Reihe, Screenshot enthält.&#10;&#10;Automatisch generierte Beschreibung"/>
-          <p:cNvPicPr>
-            <a:picLocks noChangeAspect="1"/>
-          </p:cNvPicPr>
-          <p:nvPr/>
-        </p:nvPicPr>
-        <p:blipFill>
-          <a:blip r:embed="rId3" cstate="print">
-            <a:extLst>
-              <a:ext uri="{28A0092B-C50C-407E-A947-70E740481C1C}">
-                <a14:useLocalDpi xmlns:a14="http://schemas.microsoft.com/office/drawing/2010/main" val="0"/>
-              </a:ext>
-            </a:extLst>
-          </a:blip>
-          <a:srcRect t="2452"/>
-          <a:stretch>
-            <a:fillRect/>
-          </a:stretch>
-        </p:blipFill>
-        <p:spPr>
-          <a:xfrm>
-            <a:off x="215569" y="730186"/>
-            <a:ext cx="3873290" cy="2698814"/>
+            <a:off x="4067452" y="3879103"/>
+            <a:ext cx="3872001" cy="2706642"/>
           </a:xfrm>
           <a:prstGeom prst="rect">
             <a:avLst/>
@@ -4893,59 +4447,229 @@
       </p:grpSpPr>
       <p:sp>
         <p:nvSpPr>
+          <p:cNvPr id="20" name="Rechteck 19"/>
+          <p:cNvSpPr/>
+          <p:nvPr/>
+        </p:nvSpPr>
+        <p:spPr>
+          <a:xfrm>
+            <a:off x="0" y="1"/>
+            <a:ext cx="8123068" cy="6858000"/>
+          </a:xfrm>
+          <a:prstGeom prst="rect">
+            <a:avLst/>
+          </a:prstGeom>
+        </p:spPr>
+        <p:style>
+          <a:lnRef idx="2">
+            <a:schemeClr val="dk1"/>
+          </a:lnRef>
+          <a:fillRef idx="1">
+            <a:schemeClr val="lt1"/>
+          </a:fillRef>
+          <a:effectRef idx="0">
+            <a:schemeClr val="dk1"/>
+          </a:effectRef>
+          <a:fontRef idx="minor">
+            <a:schemeClr val="dk1"/>
+          </a:fontRef>
+        </p:style>
+        <p:txBody>
+          <a:bodyPr rtlCol="0" anchor="ctr"/>
+          <a:lstStyle/>
+          <a:p>
+            <a:pPr algn="ctr"/>
+            <a:endParaRPr lang="en-US"/>
+          </a:p>
+        </p:txBody>
+      </p:sp>
+      <p:sp>
+        <p:nvSpPr>
           <p:cNvPr id="2" name="Title 1"/>
           <p:cNvSpPr>
             <a:spLocks noGrp="1"/>
           </p:cNvSpPr>
           <p:nvPr>
-            <p:ph type="title"/>
-          </p:nvPr>
-        </p:nvSpPr>
-        <p:spPr/>
-        <p:txBody>
-          <a:bodyPr/>
+            <p:ph type="ctrTitle"/>
+          </p:nvPr>
+        </p:nvSpPr>
+        <p:spPr>
+          <a:xfrm>
+            <a:off x="8520112" y="2745578"/>
+            <a:ext cx="3334970" cy="1366841"/>
+          </a:xfrm>
+        </p:spPr>
+        <p:txBody>
+          <a:bodyPr vert="horz" lIns="91440" tIns="45720" rIns="91440" bIns="45720" rtlCol="0" anchor="b">
+            <a:normAutofit fontScale="90000"/>
+          </a:bodyPr>
           <a:lstStyle/>
           <a:p>
-            <a:pPr algn="ctr" fontAlgn="auto"/>
-            <a:r>
-              <a:rPr lang="de-DE" altLang="en-US">
-                <a:solidFill>
-                  <a:srgbClr val="61A5C2"/>
-                </a:solidFill>
-                <a:latin typeface="Calibri" charset="0"/>
-              </a:rPr>
-              <a:t>Runtime - Concrete Dataset</a:t>
-            </a:r>
-            <a:endParaRPr lang="de-DE" altLang="en-US">
-              <a:solidFill>
-                <a:srgbClr val="61A5C2"/>
-              </a:solidFill>
-              <a:latin typeface="Calibri" charset="0"/>
-            </a:endParaRPr>
+            <a:pPr fontAlgn="auto"/>
+            <a:r>
+              <a:rPr lang="en-US" altLang="en-US" sz="2400" b="1" dirty="0">
+                <a:solidFill>
+                  <a:srgbClr val="61A5C2"/>
+                </a:solidFill>
+                <a:latin typeface="Calibri" charset="0"/>
+              </a:rPr>
+              <a:t>Sensitivity Plots</a:t>
+            </a:r>
+            <a:br>
+              <a:rPr lang="en-US" altLang="en-US" sz="2400" b="1" dirty="0">
+                <a:solidFill>
+                  <a:srgbClr val="61A5C2"/>
+                </a:solidFill>
+                <a:latin typeface="Calibri" charset="0"/>
+              </a:rPr>
+            </a:br>
+            <a:r>
+              <a:rPr lang="en-US" altLang="en-US" sz="2400" b="1" dirty="0">
+                <a:solidFill>
+                  <a:srgbClr val="61A5C2"/>
+                </a:solidFill>
+                <a:latin typeface="Calibri" charset="0"/>
+              </a:rPr>
+              <a:t> Concrete Dataset</a:t>
+            </a:r>
+            <a:br>
+              <a:rPr lang="en-US" altLang="en-US" sz="2400" b="1" dirty="0">
+                <a:solidFill>
+                  <a:srgbClr val="61A5C2"/>
+                </a:solidFill>
+                <a:latin typeface="Calibri" charset="0"/>
+              </a:rPr>
+            </a:br>
+            <a:r>
+              <a:rPr lang="en-US" altLang="en-US" sz="2400" b="1" dirty="0">
+                <a:solidFill>
+                  <a:srgbClr val="61A5C2"/>
+                </a:solidFill>
+                <a:latin typeface="Calibri" charset="0"/>
+              </a:rPr>
+              <a:t> LLM</a:t>
+            </a:r>
           </a:p>
         </p:txBody>
       </p:sp>
       <p:pic>
         <p:nvPicPr>
-          <p:cNvPr id="4" name="Content Placeholder 3"/>
+          <p:cNvPr id="4" name="Grafik 3" descr="Ein Bild, das Text, Diagramm, Reihe, Screenshot enthält.&#10;&#10;Automatisch generierte Beschreibung"/>
           <p:cNvPicPr>
-            <a:picLocks noGrp="1" noChangeAspect="1"/>
+            <a:picLocks noChangeAspect="1"/>
           </p:cNvPicPr>
-          <p:nvPr>
-            <p:ph idx="1"/>
-          </p:nvPr>
+          <p:nvPr/>
         </p:nvPicPr>
         <p:blipFill>
-          <a:blip r:embed="rId1"/>
-          <a:srcRect l="10783" t="18797"/>
+          <a:blip r:embed="rId2" cstate="print">
+            <a:extLst>
+              <a:ext uri="{28A0092B-C50C-407E-A947-70E740481C1C}">
+                <a14:useLocalDpi xmlns:a14="http://schemas.microsoft.com/office/drawing/2010/main" val="0"/>
+              </a:ext>
+            </a:extLst>
+          </a:blip>
+          <a:srcRect l="-1793" t="2185" r="1793"/>
           <a:stretch>
             <a:fillRect/>
           </a:stretch>
         </p:blipFill>
         <p:spPr>
           <a:xfrm>
-            <a:off x="2538095" y="2538095"/>
-            <a:ext cx="7115175" cy="2453005"/>
+            <a:off x="3986962" y="665825"/>
+            <a:ext cx="3835227" cy="2677946"/>
+          </a:xfrm>
+          <a:prstGeom prst="rect">
+            <a:avLst/>
+          </a:prstGeom>
+        </p:spPr>
+      </p:pic>
+      <p:pic>
+        <p:nvPicPr>
+          <p:cNvPr id="6" name="Grafik 5"/>
+          <p:cNvPicPr>
+            <a:picLocks noChangeAspect="1"/>
+          </p:cNvPicPr>
+          <p:nvPr/>
+        </p:nvPicPr>
+        <p:blipFill>
+          <a:blip r:embed="rId3" cstate="print">
+            <a:extLst>
+              <a:ext uri="{28A0092B-C50C-407E-A947-70E740481C1C}">
+                <a14:useLocalDpi xmlns:a14="http://schemas.microsoft.com/office/drawing/2010/main" val="0"/>
+              </a:ext>
+            </a:extLst>
+          </a:blip>
+          <a:srcRect t="2379"/>
+          <a:stretch>
+            <a:fillRect/>
+          </a:stretch>
+        </p:blipFill>
+        <p:spPr>
+          <a:xfrm>
+            <a:off x="3907950" y="3781725"/>
+            <a:ext cx="3914239" cy="2729381"/>
+          </a:xfrm>
+          <a:prstGeom prst="rect">
+            <a:avLst/>
+          </a:prstGeom>
+        </p:spPr>
+      </p:pic>
+      <p:pic>
+        <p:nvPicPr>
+          <p:cNvPr id="9" name="Grafik 8" descr="Ein Bild, das Text, Reihe, Diagramm, Screenshot enthält.&#10;&#10;Automatisch generierte Beschreibung"/>
+          <p:cNvPicPr>
+            <a:picLocks noChangeAspect="1"/>
+          </p:cNvPicPr>
+          <p:nvPr/>
+        </p:nvPicPr>
+        <p:blipFill>
+          <a:blip r:embed="rId4" cstate="print">
+            <a:extLst>
+              <a:ext uri="{28A0092B-C50C-407E-A947-70E740481C1C}">
+                <a14:useLocalDpi xmlns:a14="http://schemas.microsoft.com/office/drawing/2010/main" val="0"/>
+              </a:ext>
+            </a:extLst>
+          </a:blip>
+          <a:srcRect t="2379"/>
+          <a:stretch>
+            <a:fillRect/>
+          </a:stretch>
+        </p:blipFill>
+        <p:spPr>
+          <a:xfrm>
+            <a:off x="222152" y="3781725"/>
+            <a:ext cx="3764809" cy="2625184"/>
+          </a:xfrm>
+          <a:prstGeom prst="rect">
+            <a:avLst/>
+          </a:prstGeom>
+        </p:spPr>
+      </p:pic>
+      <p:pic>
+        <p:nvPicPr>
+          <p:cNvPr id="13" name="Grafik 12" descr="Ein Bild, das Text, Reihe, Diagramm, Steigung enthält.&#10;&#10;Automatisch generierte Beschreibung"/>
+          <p:cNvPicPr>
+            <a:picLocks noChangeAspect="1"/>
+          </p:cNvPicPr>
+          <p:nvPr/>
+        </p:nvPicPr>
+        <p:blipFill>
+          <a:blip r:embed="rId5" cstate="print">
+            <a:extLst>
+              <a:ext uri="{28A0092B-C50C-407E-A947-70E740481C1C}">
+                <a14:useLocalDpi xmlns:a14="http://schemas.microsoft.com/office/drawing/2010/main" val="0"/>
+              </a:ext>
+            </a:extLst>
+          </a:blip>
+          <a:srcRect t="2573"/>
+          <a:stretch>
+            <a:fillRect/>
+          </a:stretch>
+        </p:blipFill>
+        <p:spPr>
+          <a:xfrm>
+            <a:off x="222152" y="665825"/>
+            <a:ext cx="3768855" cy="2622777"/>
           </a:xfrm>
           <a:prstGeom prst="rect">
             <a:avLst/>
@@ -4979,94 +4703,229 @@
       </p:grpSpPr>
       <p:sp>
         <p:nvSpPr>
+          <p:cNvPr id="20" name="Rechteck 19"/>
+          <p:cNvSpPr/>
+          <p:nvPr/>
+        </p:nvSpPr>
+        <p:spPr>
+          <a:xfrm>
+            <a:off x="0" y="1"/>
+            <a:ext cx="8123068" cy="6858000"/>
+          </a:xfrm>
+          <a:prstGeom prst="rect">
+            <a:avLst/>
+          </a:prstGeom>
+        </p:spPr>
+        <p:style>
+          <a:lnRef idx="2">
+            <a:schemeClr val="dk1"/>
+          </a:lnRef>
+          <a:fillRef idx="1">
+            <a:schemeClr val="lt1"/>
+          </a:fillRef>
+          <a:effectRef idx="0">
+            <a:schemeClr val="dk1"/>
+          </a:effectRef>
+          <a:fontRef idx="minor">
+            <a:schemeClr val="dk1"/>
+          </a:fontRef>
+        </p:style>
+        <p:txBody>
+          <a:bodyPr rtlCol="0" anchor="ctr"/>
+          <a:lstStyle/>
+          <a:p>
+            <a:pPr algn="ctr"/>
+            <a:endParaRPr lang="en-US"/>
+          </a:p>
+        </p:txBody>
+      </p:sp>
+      <p:sp>
+        <p:nvSpPr>
           <p:cNvPr id="2" name="Title 1"/>
           <p:cNvSpPr>
             <a:spLocks noGrp="1"/>
           </p:cNvSpPr>
           <p:nvPr>
-            <p:ph type="title"/>
-          </p:nvPr>
-        </p:nvSpPr>
-        <p:spPr/>
-        <p:txBody>
-          <a:bodyPr/>
+            <p:ph type="ctrTitle"/>
+          </p:nvPr>
+        </p:nvSpPr>
+        <p:spPr>
+          <a:xfrm>
+            <a:off x="8520112" y="2745578"/>
+            <a:ext cx="3334970" cy="1366841"/>
+          </a:xfrm>
+        </p:spPr>
+        <p:txBody>
+          <a:bodyPr vert="horz" lIns="91440" tIns="45720" rIns="91440" bIns="45720" rtlCol="0" anchor="b">
+            <a:normAutofit fontScale="90000"/>
+          </a:bodyPr>
           <a:lstStyle/>
           <a:p>
-            <a:pPr algn="ctr" fontAlgn="auto"/>
-            <a:r>
-              <a:rPr lang="de-DE" altLang="en-US" dirty="0">
-                <a:solidFill>
-                  <a:srgbClr val="61A5C2"/>
-                </a:solidFill>
-                <a:latin typeface="Calibri" charset="0"/>
-              </a:rPr>
-              <a:t>Cross Validation </a:t>
-            </a:r>
-            <a:r>
-              <a:rPr lang="de-DE" altLang="en-US" dirty="0" err="1">
-                <a:solidFill>
-                  <a:srgbClr val="61A5C2"/>
-                </a:solidFill>
-                <a:latin typeface="Calibri" charset="0"/>
-              </a:rPr>
-              <a:t>Results</a:t>
-            </a:r>
-            <a:r>
-              <a:rPr lang="de-DE" altLang="en-US" dirty="0">
-                <a:solidFill>
-                  <a:srgbClr val="61A5C2"/>
-                </a:solidFill>
-                <a:latin typeface="Calibri" charset="0"/>
-              </a:rPr>
-              <a:t> - </a:t>
-            </a:r>
-            <a:r>
-              <a:rPr lang="de-DE" altLang="en-US" dirty="0" err="1">
-                <a:solidFill>
-                  <a:srgbClr val="61A5C2"/>
-                </a:solidFill>
-                <a:latin typeface="Calibri" charset="0"/>
-              </a:rPr>
-              <a:t>Superconductivity</a:t>
-            </a:r>
-            <a:r>
-              <a:rPr lang="de-DE" altLang="en-US" dirty="0">
-                <a:solidFill>
-                  <a:srgbClr val="61A5C2"/>
-                </a:solidFill>
-                <a:latin typeface="Calibri" charset="0"/>
-              </a:rPr>
-              <a:t> Dataset</a:t>
-            </a:r>
-            <a:endParaRPr lang="de-DE" altLang="en-US" dirty="0">
-              <a:solidFill>
-                <a:srgbClr val="61A5C2"/>
-              </a:solidFill>
-              <a:latin typeface="Calibri" charset="0"/>
-            </a:endParaRPr>
+            <a:pPr fontAlgn="auto"/>
+            <a:r>
+              <a:rPr lang="en-US" altLang="en-US" sz="2400" b="1" dirty="0">
+                <a:solidFill>
+                  <a:srgbClr val="61A5C2"/>
+                </a:solidFill>
+                <a:latin typeface="Calibri" charset="0"/>
+              </a:rPr>
+              <a:t>Sensitivity Plots</a:t>
+            </a:r>
+            <a:br>
+              <a:rPr lang="en-US" altLang="en-US" sz="2400" b="1" dirty="0">
+                <a:solidFill>
+                  <a:srgbClr val="61A5C2"/>
+                </a:solidFill>
+                <a:latin typeface="Calibri" charset="0"/>
+              </a:rPr>
+            </a:br>
+            <a:r>
+              <a:rPr lang="en-US" altLang="en-US" sz="2400" b="1" dirty="0">
+                <a:solidFill>
+                  <a:srgbClr val="61A5C2"/>
+                </a:solidFill>
+                <a:latin typeface="Calibri" charset="0"/>
+              </a:rPr>
+              <a:t> Concrete Dataset</a:t>
+            </a:r>
+            <a:br>
+              <a:rPr lang="en-US" altLang="en-US" sz="2400" b="1" dirty="0">
+                <a:solidFill>
+                  <a:srgbClr val="61A5C2"/>
+                </a:solidFill>
+                <a:latin typeface="Calibri" charset="0"/>
+              </a:rPr>
+            </a:br>
+            <a:r>
+              <a:rPr lang="en-US" altLang="en-US" sz="2400" b="1" dirty="0">
+                <a:solidFill>
+                  <a:srgbClr val="61A5C2"/>
+                </a:solidFill>
+                <a:latin typeface="Calibri" charset="0"/>
+              </a:rPr>
+              <a:t> scikit-rf</a:t>
+            </a:r>
           </a:p>
         </p:txBody>
       </p:sp>
       <p:pic>
         <p:nvPicPr>
-          <p:cNvPr id="4" name="Content Placeholder 3"/>
+          <p:cNvPr id="6" name="Grafik 5" descr="Ein Bild, das Text, Screenshot, Reihe, Diagramm enthält.&#10;&#10;Automatisch generierte Beschreibung"/>
           <p:cNvPicPr>
-            <a:picLocks noGrp="1" noChangeAspect="1"/>
+            <a:picLocks noChangeAspect="1"/>
           </p:cNvPicPr>
-          <p:nvPr>
-            <p:ph idx="1"/>
-          </p:nvPr>
+          <p:nvPr/>
         </p:nvPicPr>
         <p:blipFill>
-          <a:blip r:embed="rId1"/>
+          <a:blip r:embed="rId2" cstate="print">
+            <a:extLst>
+              <a:ext uri="{28A0092B-C50C-407E-A947-70E740481C1C}">
+                <a14:useLocalDpi xmlns:a14="http://schemas.microsoft.com/office/drawing/2010/main" val="0"/>
+              </a:ext>
+            </a:extLst>
+          </a:blip>
+          <a:srcRect t="3155"/>
           <a:stretch>
             <a:fillRect/>
           </a:stretch>
         </p:blipFill>
         <p:spPr>
           <a:xfrm>
-            <a:off x="4104640" y="2515235"/>
-            <a:ext cx="3600450" cy="2971800"/>
+            <a:off x="87004" y="3761450"/>
+            <a:ext cx="4041113" cy="2795430"/>
+          </a:xfrm>
+          <a:prstGeom prst="rect">
+            <a:avLst/>
+          </a:prstGeom>
+        </p:spPr>
+      </p:pic>
+      <p:pic>
+        <p:nvPicPr>
+          <p:cNvPr id="9" name="Grafik 8" descr="Ein Bild, das Text, Reihe, Diagramm, Screenshot enthält.&#10;&#10;Automatisch generierte Beschreibung"/>
+          <p:cNvPicPr>
+            <a:picLocks noChangeAspect="1"/>
+          </p:cNvPicPr>
+          <p:nvPr/>
+        </p:nvPicPr>
+        <p:blipFill>
+          <a:blip r:embed="rId3" cstate="print">
+            <a:extLst>
+              <a:ext uri="{28A0092B-C50C-407E-A947-70E740481C1C}">
+                <a14:useLocalDpi xmlns:a14="http://schemas.microsoft.com/office/drawing/2010/main" val="0"/>
+              </a:ext>
+            </a:extLst>
+          </a:blip>
+          <a:srcRect t="2379"/>
+          <a:stretch>
+            <a:fillRect/>
+          </a:stretch>
+        </p:blipFill>
+        <p:spPr>
+          <a:xfrm>
+            <a:off x="4117226" y="3761449"/>
+            <a:ext cx="3946659" cy="2751987"/>
+          </a:xfrm>
+          <a:prstGeom prst="rect">
+            <a:avLst/>
+          </a:prstGeom>
+        </p:spPr>
+      </p:pic>
+      <p:pic>
+        <p:nvPicPr>
+          <p:cNvPr id="13" name="Grafik 12" descr="Ein Bild, das Text, Reihe, Diagramm, Screenshot enthält.&#10;&#10;Automatisch generierte Beschreibung"/>
+          <p:cNvPicPr>
+            <a:picLocks noChangeAspect="1"/>
+          </p:cNvPicPr>
+          <p:nvPr/>
+        </p:nvPicPr>
+        <p:blipFill>
+          <a:blip r:embed="rId4" cstate="print">
+            <a:extLst>
+              <a:ext uri="{28A0092B-C50C-407E-A947-70E740481C1C}">
+                <a14:useLocalDpi xmlns:a14="http://schemas.microsoft.com/office/drawing/2010/main" val="0"/>
+              </a:ext>
+            </a:extLst>
+          </a:blip>
+          <a:srcRect t="3155"/>
+          <a:stretch>
+            <a:fillRect/>
+          </a:stretch>
+        </p:blipFill>
+        <p:spPr>
+          <a:xfrm>
+            <a:off x="4117226" y="481426"/>
+            <a:ext cx="3978312" cy="2751987"/>
+          </a:xfrm>
+          <a:prstGeom prst="rect">
+            <a:avLst/>
+          </a:prstGeom>
+        </p:spPr>
+      </p:pic>
+      <p:pic>
+        <p:nvPicPr>
+          <p:cNvPr id="17" name="Grafik 16" descr="Ein Bild, das Text, Diagramm, Reihe, Screenshot enthält.&#10;&#10;Automatisch generierte Beschreibung"/>
+          <p:cNvPicPr>
+            <a:picLocks noChangeAspect="1"/>
+          </p:cNvPicPr>
+          <p:nvPr/>
+        </p:nvPicPr>
+        <p:blipFill>
+          <a:blip r:embed="rId5" cstate="print">
+            <a:extLst>
+              <a:ext uri="{28A0092B-C50C-407E-A947-70E740481C1C}">
+                <a14:useLocalDpi xmlns:a14="http://schemas.microsoft.com/office/drawing/2010/main" val="0"/>
+              </a:ext>
+            </a:extLst>
+          </a:blip>
+          <a:srcRect t="2185"/>
+          <a:stretch>
+            <a:fillRect/>
+          </a:stretch>
+        </p:blipFill>
+        <p:spPr>
+          <a:xfrm>
+            <a:off x="256005" y="528036"/>
+            <a:ext cx="3872112" cy="2705377"/>
           </a:xfrm>
           <a:prstGeom prst="rect">
             <a:avLst/>
@@ -5090,7 +4949,52 @@
         <p:cNvGrpSpPr/>
         <p:nvPr/>
       </p:nvGrpSpPr>
-      <p:grpSpPr/>
+      <p:grpSpPr>
+        <a:xfrm>
+          <a:off x="0" y="0"/>
+          <a:ext cx="0" cy="0"/>
+          <a:chOff x="0" y="0"/>
+          <a:chExt cx="0" cy="0"/>
+        </a:xfrm>
+      </p:grpSpPr>
+      <p:sp>
+        <p:nvSpPr>
+          <p:cNvPr id="20" name="Rechteck 19"/>
+          <p:cNvSpPr/>
+          <p:nvPr/>
+        </p:nvSpPr>
+        <p:spPr>
+          <a:xfrm>
+            <a:off x="0" y="1"/>
+            <a:ext cx="8123068" cy="6858000"/>
+          </a:xfrm>
+          <a:prstGeom prst="rect">
+            <a:avLst/>
+          </a:prstGeom>
+        </p:spPr>
+        <p:style>
+          <a:lnRef idx="2">
+            <a:schemeClr val="dk1"/>
+          </a:lnRef>
+          <a:fillRef idx="1">
+            <a:schemeClr val="lt1"/>
+          </a:fillRef>
+          <a:effectRef idx="0">
+            <a:schemeClr val="dk1"/>
+          </a:effectRef>
+          <a:fontRef idx="minor">
+            <a:schemeClr val="dk1"/>
+          </a:fontRef>
+        </p:style>
+        <p:txBody>
+          <a:bodyPr rtlCol="0" anchor="ctr"/>
+          <a:lstStyle/>
+          <a:p>
+            <a:pPr algn="ctr"/>
+            <a:endParaRPr lang="en-US"/>
+          </a:p>
+        </p:txBody>
+      </p:sp>
       <p:sp>
         <p:nvSpPr>
           <p:cNvPr id="2" name="Title 1"/>
@@ -5098,24 +5002,75 @@
             <a:spLocks noGrp="1"/>
           </p:cNvSpPr>
           <p:nvPr>
-            <p:ph type="title"/>
-          </p:nvPr>
-        </p:nvSpPr>
-        <p:spPr/>
-        <p:txBody>
-          <a:bodyPr/>
-          <a:p>
-            <a:pPr algn="ctr" fontAlgn="auto"/>
-            <a:r>
-              <a:rPr lang="de-DE" altLang="en-US">
-                <a:solidFill>
-                  <a:srgbClr val="61A5C2"/>
-                </a:solidFill>
-                <a:latin typeface="Calibri" charset="0"/>
-              </a:rPr>
-              <a:t>Cross Validation Results - Superconductivity</a:t>
-            </a:r>
-            <a:endParaRPr lang="de-DE" altLang="en-US">
+            <p:ph type="ctrTitle"/>
+          </p:nvPr>
+        </p:nvSpPr>
+        <p:spPr>
+          <a:xfrm>
+            <a:off x="8519080" y="2665679"/>
+            <a:ext cx="3334970" cy="1366841"/>
+          </a:xfrm>
+        </p:spPr>
+        <p:txBody>
+          <a:bodyPr vert="horz" lIns="91440" tIns="45720" rIns="91440" bIns="45720" rtlCol="0" anchor="b">
+            <a:normAutofit fontScale="90000"/>
+          </a:bodyPr>
+          <a:lstStyle/>
+          <a:p>
+            <a:pPr fontAlgn="auto"/>
+            <a:r>
+              <a:rPr lang="en-US" altLang="en-US" sz="2400" b="1" dirty="0">
+                <a:solidFill>
+                  <a:srgbClr val="61A5C2"/>
+                </a:solidFill>
+                <a:latin typeface="Calibri" charset="0"/>
+              </a:rPr>
+              <a:t>Sensitivity Plots</a:t>
+            </a:r>
+            <a:br>
+              <a:rPr lang="en-US" altLang="en-US" sz="2400" b="1" dirty="0">
+                <a:solidFill>
+                  <a:srgbClr val="61A5C2"/>
+                </a:solidFill>
+                <a:latin typeface="Calibri" charset="0"/>
+              </a:rPr>
+            </a:br>
+            <a:r>
+              <a:rPr lang="en-US" altLang="en-US" sz="2400" b="1" dirty="0">
+                <a:solidFill>
+                  <a:srgbClr val="61A5C2"/>
+                </a:solidFill>
+                <a:latin typeface="Calibri" charset="0"/>
+              </a:rPr>
+              <a:t> Concrete Dataset</a:t>
+            </a:r>
+            <a:br>
+              <a:rPr lang="en-US" altLang="en-US" sz="2400" b="1" dirty="0">
+                <a:solidFill>
+                  <a:srgbClr val="61A5C2"/>
+                </a:solidFill>
+                <a:latin typeface="Calibri" charset="0"/>
+              </a:rPr>
+            </a:br>
+            <a:r>
+              <a:rPr lang="en-US" altLang="en-US" sz="2400" b="1" dirty="0">
+                <a:solidFill>
+                  <a:srgbClr val="61A5C2"/>
+                </a:solidFill>
+                <a:latin typeface="Calibri" charset="0"/>
+              </a:rPr>
+              <a:t> </a:t>
+            </a:r>
+            <a:r>
+              <a:rPr lang="en-US" altLang="en-US" sz="2400" b="1" dirty="0" err="1">
+                <a:solidFill>
+                  <a:srgbClr val="61A5C2"/>
+                </a:solidFill>
+                <a:latin typeface="Calibri" charset="0"/>
+              </a:rPr>
+              <a:t>kNN</a:t>
+            </a:r>
+            <a:endParaRPr lang="en-US" altLang="en-US" sz="2400" b="1" dirty="0">
               <a:solidFill>
                 <a:srgbClr val="61A5C2"/>
               </a:solidFill>
@@ -5124,67 +5079,93 @@
           </a:p>
         </p:txBody>
       </p:sp>
-      <p:sp>
-        <p:nvSpPr>
-          <p:cNvPr id="9" name="Text Box 8"/>
-          <p:cNvSpPr txBox="1"/>
-          <p:nvPr/>
-        </p:nvSpPr>
-        <p:spPr>
-          <a:xfrm>
-            <a:off x="8300085" y="1632585"/>
-            <a:ext cx="2616835" cy="337185"/>
-          </a:xfrm>
-          <a:prstGeom prst="rect">
-            <a:avLst/>
-          </a:prstGeom>
-          <a:noFill/>
-        </p:spPr>
-        <p:txBody>
-          <a:bodyPr wrap="none" rtlCol="0">
-            <a:spAutoFit/>
-          </a:bodyPr>
-          <a:p>
-            <a:pPr algn="l"/>
-            <a:r>
-              <a:rPr lang="de-DE" altLang="en-US" sz="1600">
-                <a:solidFill>
-                  <a:srgbClr val="61A5C2"/>
-                </a:solidFill>
-                <a:latin typeface="Calibri" charset="0"/>
-                <a:sym typeface="+mn-ea"/>
-              </a:rPr>
-              <a:t>(few repetitions and folds)</a:t>
-            </a:r>
-            <a:endParaRPr lang="de-DE" altLang="en-US" sz="1600">
-              <a:solidFill>
-                <a:srgbClr val="61A5C2"/>
-              </a:solidFill>
-              <a:latin typeface="Calibri" charset="0"/>
-            </a:endParaRPr>
-          </a:p>
-        </p:txBody>
-      </p:sp>
       <p:pic>
         <p:nvPicPr>
-          <p:cNvPr id="11" name="Content Placeholder 10"/>
+          <p:cNvPr id="17" name="Grafik 16" descr="Ein Bild, das Text, Reihe, Diagramm, Screenshot enthält.&#10;&#10;Automatisch generierte Beschreibung"/>
           <p:cNvPicPr>
             <a:picLocks noChangeAspect="1"/>
           </p:cNvPicPr>
-          <p:nvPr>
-            <p:ph idx="1"/>
-          </p:nvPr>
+          <p:nvPr/>
         </p:nvPicPr>
         <p:blipFill>
-          <a:blip r:embed="rId1"/>
+          <a:blip r:embed="rId2" cstate="print">
+            <a:extLst>
+              <a:ext uri="{28A0092B-C50C-407E-A947-70E740481C1C}">
+                <a14:useLocalDpi xmlns:a14="http://schemas.microsoft.com/office/drawing/2010/main" val="0"/>
+              </a:ext>
+            </a:extLst>
+          </a:blip>
+          <a:srcRect t="2452"/>
           <a:stretch>
             <a:fillRect/>
           </a:stretch>
         </p:blipFill>
         <p:spPr>
           <a:xfrm>
-            <a:off x="4213860" y="1459865"/>
-            <a:ext cx="3763645" cy="4437380"/>
+            <a:off x="4044681" y="730186"/>
+            <a:ext cx="3987964" cy="2778716"/>
+          </a:xfrm>
+          <a:prstGeom prst="rect">
+            <a:avLst/>
+          </a:prstGeom>
+        </p:spPr>
+      </p:pic>
+      <p:pic>
+        <p:nvPicPr>
+          <p:cNvPr id="21" name="Grafik 20" descr="Ein Bild, das Text, Reihe, Screenshot, Diagramm enthält.&#10;&#10;Automatisch generierte Beschreibung"/>
+          <p:cNvPicPr>
+            <a:picLocks noChangeAspect="1"/>
+          </p:cNvPicPr>
+          <p:nvPr/>
+        </p:nvPicPr>
+        <p:blipFill>
+          <a:blip r:embed="rId3" cstate="print">
+            <a:extLst>
+              <a:ext uri="{28A0092B-C50C-407E-A947-70E740481C1C}">
+                <a14:useLocalDpi xmlns:a14="http://schemas.microsoft.com/office/drawing/2010/main" val="0"/>
+              </a:ext>
+            </a:extLst>
+          </a:blip>
+          <a:srcRect t="2452"/>
+          <a:stretch>
+            <a:fillRect/>
+          </a:stretch>
+        </p:blipFill>
+        <p:spPr>
+          <a:xfrm>
+            <a:off x="2088815" y="3826435"/>
+            <a:ext cx="3873290" cy="2698814"/>
+          </a:xfrm>
+          <a:prstGeom prst="rect">
+            <a:avLst/>
+          </a:prstGeom>
+        </p:spPr>
+      </p:pic>
+      <p:pic>
+        <p:nvPicPr>
+          <p:cNvPr id="23" name="Grafik 22" descr="Ein Bild, das Text, Diagramm, Reihe, Screenshot enthält.&#10;&#10;Automatisch generierte Beschreibung"/>
+          <p:cNvPicPr>
+            <a:picLocks noChangeAspect="1"/>
+          </p:cNvPicPr>
+          <p:nvPr/>
+        </p:nvPicPr>
+        <p:blipFill>
+          <a:blip r:embed="rId4" cstate="print">
+            <a:extLst>
+              <a:ext uri="{28A0092B-C50C-407E-A947-70E740481C1C}">
+                <a14:useLocalDpi xmlns:a14="http://schemas.microsoft.com/office/drawing/2010/main" val="0"/>
+              </a:ext>
+            </a:extLst>
+          </a:blip>
+          <a:srcRect t="2452"/>
+          <a:stretch>
+            <a:fillRect/>
+          </a:stretch>
+        </p:blipFill>
+        <p:spPr>
+          <a:xfrm>
+            <a:off x="215569" y="730186"/>
+            <a:ext cx="3873290" cy="2698814"/>
           </a:xfrm>
           <a:prstGeom prst="rect">
             <a:avLst/>
@@ -5239,14 +5220,8 @@
                 </a:solidFill>
                 <a:latin typeface="Calibri" charset="0"/>
               </a:rPr>
-              <a:t>Relative Squared Error - Superconductivity Dataset</a:t>
-            </a:r>
-            <a:endParaRPr lang="de-DE" altLang="en-US">
-              <a:solidFill>
-                <a:srgbClr val="61A5C2"/>
-              </a:solidFill>
-              <a:latin typeface="Calibri" charset="0"/>
-            </a:endParaRPr>
+              <a:t>Runtime - Concrete Dataset</a:t>
+            </a:r>
           </a:p>
         </p:txBody>
       </p:sp>
@@ -5261,15 +5236,16 @@
           </p:nvPr>
         </p:nvPicPr>
         <p:blipFill>
-          <a:blip r:embed="rId1"/>
+          <a:blip r:embed="rId2"/>
+          <a:srcRect l="10783" t="18797"/>
           <a:stretch>
             <a:fillRect/>
           </a:stretch>
         </p:blipFill>
         <p:spPr>
           <a:xfrm>
-            <a:off x="2270125" y="1825625"/>
-            <a:ext cx="7270115" cy="4351655"/>
+            <a:off x="2538095" y="2538095"/>
+            <a:ext cx="7115175" cy="2453005"/>
           </a:xfrm>
           <a:prstGeom prst="rect">
             <a:avLst/>
@@ -5318,13 +5294,22 @@
           <a:p>
             <a:pPr algn="ctr" fontAlgn="auto"/>
             <a:r>
+              <a:rPr lang="de-DE" altLang="en-US" dirty="0">
+                <a:solidFill>
+                  <a:srgbClr val="61A5C2"/>
+                </a:solidFill>
+                <a:latin typeface="Calibri" charset="0"/>
+              </a:rPr>
+              <a:t>Cross Validation </a:t>
+            </a:r>
+            <a:r>
               <a:rPr lang="de-DE" altLang="en-US" dirty="0" err="1">
                 <a:solidFill>
                   <a:srgbClr val="61A5C2"/>
                 </a:solidFill>
                 <a:latin typeface="Calibri" charset="0"/>
               </a:rPr>
-              <a:t>Runtime</a:t>
+              <a:t>Results</a:t>
             </a:r>
             <a:r>
               <a:rPr lang="de-DE" altLang="en-US" dirty="0">
@@ -5333,7 +5318,7 @@
                 </a:solidFill>
                 <a:latin typeface="Calibri" charset="0"/>
               </a:rPr>
-              <a:t> – </a:t>
+              <a:t> - </a:t>
             </a:r>
             <a:r>
               <a:rPr lang="de-DE" altLang="en-US" dirty="0" err="1">
@@ -5353,12 +5338,6 @@
               </a:rPr>
               <a:t> Dataset</a:t>
             </a:r>
-            <a:endParaRPr lang="de-DE" altLang="en-US" dirty="0">
-              <a:solidFill>
-                <a:srgbClr val="61A5C2"/>
-              </a:solidFill>
-              <a:latin typeface="Calibri" charset="0"/>
-            </a:endParaRPr>
           </a:p>
         </p:txBody>
       </p:sp>
@@ -5373,15 +5352,15 @@
           </p:nvPr>
         </p:nvPicPr>
         <p:blipFill>
-          <a:blip r:embed="rId1"/>
+          <a:blip r:embed="rId2"/>
           <a:stretch>
             <a:fillRect/>
           </a:stretch>
         </p:blipFill>
         <p:spPr>
           <a:xfrm>
-            <a:off x="3442970" y="3067685"/>
-            <a:ext cx="4924425" cy="1866900"/>
+            <a:off x="4104640" y="2515235"/>
+            <a:ext cx="3600450" cy="2971800"/>
           </a:xfrm>
           <a:prstGeom prst="rect">
             <a:avLst/>
@@ -5439,13 +5418,6 @@
               </a:rPr>
               <a:t>Regression Tree Code Overview</a:t>
             </a:r>
-            <a:endParaRPr lang="de-DE" altLang="en-US">
-              <a:solidFill>
-                <a:srgbClr val="61A5C2"/>
-              </a:solidFill>
-              <a:effectLst/>
-              <a:latin typeface="Calibri" charset="0"/>
-            </a:endParaRPr>
           </a:p>
         </p:txBody>
       </p:sp>
@@ -5460,7 +5432,7 @@
           </p:nvPr>
         </p:nvPicPr>
         <p:blipFill>
-          <a:blip r:embed="rId1"/>
+          <a:blip r:embed="rId2"/>
           <a:stretch>
             <a:fillRect/>
           </a:stretch>
@@ -5502,6 +5474,286 @@
       </p:grpSpPr>
       <p:sp>
         <p:nvSpPr>
+          <p:cNvPr id="2" name="Title 1"/>
+          <p:cNvSpPr>
+            <a:spLocks noGrp="1"/>
+          </p:cNvSpPr>
+          <p:nvPr>
+            <p:ph type="title"/>
+          </p:nvPr>
+        </p:nvSpPr>
+        <p:spPr/>
+        <p:txBody>
+          <a:bodyPr/>
+          <a:lstStyle/>
+          <a:p>
+            <a:pPr algn="ctr" fontAlgn="auto"/>
+            <a:r>
+              <a:rPr lang="de-DE" altLang="en-US">
+                <a:solidFill>
+                  <a:srgbClr val="61A5C2"/>
+                </a:solidFill>
+                <a:latin typeface="Calibri" charset="0"/>
+              </a:rPr>
+              <a:t>Cross Validation Results - Superconductivity</a:t>
+            </a:r>
+          </a:p>
+        </p:txBody>
+      </p:sp>
+      <p:sp>
+        <p:nvSpPr>
+          <p:cNvPr id="9" name="Text Box 8"/>
+          <p:cNvSpPr txBox="1"/>
+          <p:nvPr/>
+        </p:nvSpPr>
+        <p:spPr>
+          <a:xfrm>
+            <a:off x="8300085" y="1632585"/>
+            <a:ext cx="2640659" cy="338554"/>
+          </a:xfrm>
+          <a:prstGeom prst="rect">
+            <a:avLst/>
+          </a:prstGeom>
+          <a:noFill/>
+        </p:spPr>
+        <p:txBody>
+          <a:bodyPr wrap="none" rtlCol="0">
+            <a:spAutoFit/>
+          </a:bodyPr>
+          <a:lstStyle/>
+          <a:p>
+            <a:pPr algn="l"/>
+            <a:r>
+              <a:rPr lang="de-DE" altLang="en-US" sz="1600" dirty="0">
+                <a:solidFill>
+                  <a:srgbClr val="61A5C2"/>
+                </a:solidFill>
+                <a:latin typeface="Calibri" charset="0"/>
+                <a:sym typeface="+mn-ea"/>
+              </a:rPr>
+              <a:t>(</a:t>
+            </a:r>
+            <a:r>
+              <a:rPr lang="de-DE" altLang="en-US" sz="1600" dirty="0" err="1">
+                <a:solidFill>
+                  <a:srgbClr val="61A5C2"/>
+                </a:solidFill>
+                <a:latin typeface="Calibri" charset="0"/>
+                <a:sym typeface="+mn-ea"/>
+              </a:rPr>
+              <a:t>no</a:t>
+            </a:r>
+            <a:r>
+              <a:rPr lang="de-DE" altLang="en-US" sz="1600" dirty="0">
+                <a:solidFill>
+                  <a:srgbClr val="61A5C2"/>
+                </a:solidFill>
+                <a:latin typeface="Calibri" charset="0"/>
+                <a:sym typeface="+mn-ea"/>
+              </a:rPr>
+              <a:t> </a:t>
+            </a:r>
+            <a:r>
+              <a:rPr lang="de-DE" altLang="en-US" sz="1600" dirty="0" err="1">
+                <a:solidFill>
+                  <a:srgbClr val="61A5C2"/>
+                </a:solidFill>
+                <a:latin typeface="Calibri" charset="0"/>
+                <a:sym typeface="+mn-ea"/>
+              </a:rPr>
+              <a:t>repetitions</a:t>
+            </a:r>
+            <a:r>
+              <a:rPr lang="de-DE" altLang="en-US" sz="1600" dirty="0">
+                <a:solidFill>
+                  <a:srgbClr val="61A5C2"/>
+                </a:solidFill>
+                <a:latin typeface="Calibri" charset="0"/>
+                <a:sym typeface="+mn-ea"/>
+              </a:rPr>
+              <a:t> and </a:t>
+            </a:r>
+            <a:r>
+              <a:rPr lang="de-DE" altLang="en-US" sz="1600" dirty="0" err="1">
+                <a:solidFill>
+                  <a:srgbClr val="61A5C2"/>
+                </a:solidFill>
+                <a:latin typeface="Calibri" charset="0"/>
+                <a:sym typeface="+mn-ea"/>
+              </a:rPr>
+              <a:t>few</a:t>
+            </a:r>
+            <a:r>
+              <a:rPr lang="de-DE" altLang="en-US" sz="1600" dirty="0">
+                <a:solidFill>
+                  <a:srgbClr val="61A5C2"/>
+                </a:solidFill>
+                <a:latin typeface="Calibri" charset="0"/>
+                <a:sym typeface="+mn-ea"/>
+              </a:rPr>
+              <a:t> </a:t>
+            </a:r>
+            <a:r>
+              <a:rPr lang="de-DE" altLang="en-US" sz="1600" dirty="0" err="1">
+                <a:solidFill>
+                  <a:srgbClr val="61A5C2"/>
+                </a:solidFill>
+                <a:latin typeface="Calibri" charset="0"/>
+                <a:sym typeface="+mn-ea"/>
+              </a:rPr>
+              <a:t>folds</a:t>
+            </a:r>
+            <a:r>
+              <a:rPr lang="de-DE" altLang="en-US" sz="1600" dirty="0">
+                <a:solidFill>
+                  <a:srgbClr val="61A5C2"/>
+                </a:solidFill>
+                <a:latin typeface="Calibri" charset="0"/>
+                <a:sym typeface="+mn-ea"/>
+              </a:rPr>
+              <a:t>)</a:t>
+            </a:r>
+            <a:endParaRPr lang="de-DE" altLang="en-US" sz="1600" dirty="0">
+              <a:solidFill>
+                <a:srgbClr val="61A5C2"/>
+              </a:solidFill>
+              <a:latin typeface="Calibri" charset="0"/>
+            </a:endParaRPr>
+          </a:p>
+        </p:txBody>
+      </p:sp>
+      <p:pic>
+        <p:nvPicPr>
+          <p:cNvPr id="11" name="Content Placeholder 10"/>
+          <p:cNvPicPr>
+            <a:picLocks noGrp="1" noChangeAspect="1"/>
+          </p:cNvPicPr>
+          <p:nvPr>
+            <p:ph idx="1"/>
+          </p:nvPr>
+        </p:nvPicPr>
+        <p:blipFill>
+          <a:blip r:embed="rId2"/>
+          <a:stretch>
+            <a:fillRect/>
+          </a:stretch>
+        </p:blipFill>
+        <p:spPr>
+          <a:xfrm>
+            <a:off x="4213860" y="1459865"/>
+            <a:ext cx="3763645" cy="4437380"/>
+          </a:xfrm>
+          <a:prstGeom prst="rect">
+            <a:avLst/>
+          </a:prstGeom>
+        </p:spPr>
+      </p:pic>
+    </p:spTree>
+  </p:cSld>
+  <p:clrMapOvr>
+    <a:masterClrMapping/>
+  </p:clrMapOvr>
+</p:sld>
+</file>
+
+<file path=ppt/slides/slide21.xml><?xml version="1.0" encoding="utf-8"?>
+<p:sld xmlns:a="http://schemas.openxmlformats.org/drawingml/2006/main" xmlns:r="http://schemas.openxmlformats.org/officeDocument/2006/relationships" xmlns:p="http://schemas.openxmlformats.org/presentationml/2006/main">
+  <p:cSld>
+    <p:spTree>
+      <p:nvGrpSpPr>
+        <p:cNvPr id="1" name=""/>
+        <p:cNvGrpSpPr/>
+        <p:nvPr/>
+      </p:nvGrpSpPr>
+      <p:grpSpPr>
+        <a:xfrm>
+          <a:off x="0" y="0"/>
+          <a:ext cx="0" cy="0"/>
+          <a:chOff x="0" y="0"/>
+          <a:chExt cx="0" cy="0"/>
+        </a:xfrm>
+      </p:grpSpPr>
+      <p:sp>
+        <p:nvSpPr>
+          <p:cNvPr id="2" name="Title 1"/>
+          <p:cNvSpPr>
+            <a:spLocks noGrp="1"/>
+          </p:cNvSpPr>
+          <p:nvPr>
+            <p:ph type="title"/>
+          </p:nvPr>
+        </p:nvSpPr>
+        <p:spPr/>
+        <p:txBody>
+          <a:bodyPr/>
+          <a:lstStyle/>
+          <a:p>
+            <a:pPr algn="ctr" fontAlgn="auto"/>
+            <a:r>
+              <a:rPr lang="de-DE" altLang="en-US">
+                <a:solidFill>
+                  <a:srgbClr val="61A5C2"/>
+                </a:solidFill>
+                <a:latin typeface="Calibri" charset="0"/>
+              </a:rPr>
+              <a:t>Relative Squared Error - Superconductivity Dataset</a:t>
+            </a:r>
+          </a:p>
+        </p:txBody>
+      </p:sp>
+      <p:pic>
+        <p:nvPicPr>
+          <p:cNvPr id="4" name="Content Placeholder 3"/>
+          <p:cNvPicPr>
+            <a:picLocks noGrp="1" noChangeAspect="1"/>
+          </p:cNvPicPr>
+          <p:nvPr>
+            <p:ph idx="1"/>
+          </p:nvPr>
+        </p:nvPicPr>
+        <p:blipFill>
+          <a:blip r:embed="rId2"/>
+          <a:stretch>
+            <a:fillRect/>
+          </a:stretch>
+        </p:blipFill>
+        <p:spPr>
+          <a:xfrm>
+            <a:off x="2270125" y="1825625"/>
+            <a:ext cx="7270115" cy="4351655"/>
+          </a:xfrm>
+          <a:prstGeom prst="rect">
+            <a:avLst/>
+          </a:prstGeom>
+        </p:spPr>
+      </p:pic>
+    </p:spTree>
+  </p:cSld>
+  <p:clrMapOvr>
+    <a:masterClrMapping/>
+  </p:clrMapOvr>
+</p:sld>
+</file>
+
+<file path=ppt/slides/slide22.xml><?xml version="1.0" encoding="utf-8"?>
+<p:sld xmlns:a="http://schemas.openxmlformats.org/drawingml/2006/main" xmlns:r="http://schemas.openxmlformats.org/officeDocument/2006/relationships" xmlns:p="http://schemas.openxmlformats.org/presentationml/2006/main">
+  <p:cSld>
+    <p:spTree>
+      <p:nvGrpSpPr>
+        <p:cNvPr id="1" name=""/>
+        <p:cNvGrpSpPr/>
+        <p:nvPr/>
+      </p:nvGrpSpPr>
+      <p:grpSpPr>
+        <a:xfrm>
+          <a:off x="0" y="0"/>
+          <a:ext cx="0" cy="0"/>
+          <a:chOff x="0" y="0"/>
+          <a:chExt cx="0" cy="0"/>
+        </a:xfrm>
+      </p:grpSpPr>
+      <p:sp>
+        <p:nvSpPr>
           <p:cNvPr id="2" name="Titel 1"/>
           <p:cNvSpPr>
             <a:spLocks noGrp="1"/>
@@ -5537,8 +5789,34 @@
                 </a:solidFill>
                 <a:latin typeface="Calibri" charset="0"/>
               </a:rPr>
-              <a:t> </a:t>
-            </a:r>
+              <a:t> Plots – </a:t>
+            </a:r>
+            <a:r>
+              <a:rPr lang="de-AT" dirty="0" err="1">
+                <a:solidFill>
+                  <a:srgbClr val="61A5C2"/>
+                </a:solidFill>
+                <a:latin typeface="Calibri" charset="0"/>
+              </a:rPr>
+              <a:t>Superconductivity</a:t>
+            </a:r>
+            <a:r>
+              <a:rPr lang="de-AT" dirty="0">
+                <a:solidFill>
+                  <a:srgbClr val="61A5C2"/>
+                </a:solidFill>
+                <a:latin typeface="Calibri" charset="0"/>
+              </a:rPr>
+              <a:t> Dataset </a:t>
+            </a:r>
+            <a:br>
+              <a:rPr lang="de-AT" dirty="0">
+                <a:solidFill>
+                  <a:srgbClr val="61A5C2"/>
+                </a:solidFill>
+                <a:latin typeface="Calibri" charset="0"/>
+              </a:rPr>
+            </a:br>
             <a:r>
               <a:rPr lang="de-AT" dirty="0" err="1">
                 <a:solidFill>
@@ -5601,7 +5879,7 @@
         </p:nvSpPr>
         <p:spPr>
           <a:xfrm>
-            <a:off x="1544715" y="1275054"/>
+            <a:off x="1764660" y="1256885"/>
             <a:ext cx="2432845" cy="400110"/>
           </a:xfrm>
           <a:prstGeom prst="rect">
@@ -5615,6 +5893,7 @@
           </a:bodyPr>
           <a:lstStyle/>
           <a:p>
+            <a:pPr algn="ctr"/>
             <a:r>
               <a:rPr lang="de-AT" sz="2000" b="1" dirty="0" err="1">
                 <a:solidFill>
@@ -5649,23 +5928,8 @@
                 <a:ea typeface="+mj-ea"/>
                 <a:cs typeface="+mj-cs"/>
               </a:rPr>
-              <a:t> Implementation:</a:t>
-            </a:r>
-            <a:endParaRPr lang="de-AT" sz="2000" b="1" dirty="0">
-              <a:solidFill>
-                <a:srgbClr val="61A5C2"/>
-              </a:solidFill>
-              <a:effectLst>
-                <a:outerShdw blurRad="38100" dist="38100" dir="2700000" algn="tl">
-                  <a:srgbClr val="000000">
-                    <a:alpha val="43137"/>
-                  </a:srgbClr>
-                </a:outerShdw>
-              </a:effectLst>
-              <a:latin typeface="Calibri" charset="0"/>
-              <a:ea typeface="+mj-ea"/>
-              <a:cs typeface="+mj-cs"/>
-            </a:endParaRPr>
+              <a:t> Implementation</a:t>
+            </a:r>
           </a:p>
         </p:txBody>
       </p:sp>
@@ -5677,8 +5941,8 @@
         </p:nvSpPr>
         <p:spPr>
           <a:xfrm>
-            <a:off x="8052487" y="1275054"/>
-            <a:ext cx="1032655" cy="400110"/>
+            <a:off x="8067700" y="1256885"/>
+            <a:ext cx="1069524" cy="400110"/>
           </a:xfrm>
           <a:prstGeom prst="rect">
             <a:avLst/>
@@ -5691,6 +5955,7 @@
           </a:bodyPr>
           <a:lstStyle/>
           <a:p>
+            <a:pPr algn="ctr"/>
             <a:r>
               <a:rPr lang="de-AT" sz="2000" b="1" dirty="0" err="1">
                 <a:solidFill>
@@ -5707,7 +5972,7 @@
                 <a:ea typeface="+mj-ea"/>
                 <a:cs typeface="+mj-cs"/>
               </a:rPr>
-              <a:t>scikit</a:t>
+              <a:t>Scikit</a:t>
             </a:r>
             <a:r>
               <a:rPr lang="de-AT" sz="2000" b="1" dirty="0">
@@ -5725,59 +5990,8 @@
                 <a:ea typeface="+mj-ea"/>
                 <a:cs typeface="+mj-cs"/>
               </a:rPr>
-              <a:t> </a:t>
-            </a:r>
-            <a:r>
-              <a:rPr lang="de-AT" sz="2000" b="1" dirty="0" err="1">
-                <a:solidFill>
-                  <a:srgbClr val="61A5C2"/>
-                </a:solidFill>
-                <a:effectLst>
-                  <a:outerShdw blurRad="38100" dist="38100" dir="2700000" algn="tl">
-                    <a:srgbClr val="000000">
-                      <a:alpha val="43137"/>
-                    </a:srgbClr>
-                  </a:outerShdw>
-                </a:effectLst>
-                <a:latin typeface="Calibri" charset="0"/>
-                <a:ea typeface="+mj-ea"/>
-                <a:cs typeface="+mj-cs"/>
-              </a:rPr>
-              <a:t>rf</a:t>
-            </a:r>
-            <a:r>
-              <a:rPr lang="de-AT" sz="2000" b="1" dirty="0">
-                <a:solidFill>
-                  <a:srgbClr val="61A5C2"/>
-                </a:solidFill>
-                <a:effectLst>
-                  <a:outerShdw blurRad="38100" dist="38100" dir="2700000" algn="tl">
-                    <a:srgbClr val="000000">
-                      <a:alpha val="43137"/>
-                    </a:srgbClr>
-                  </a:outerShdw>
-                </a:effectLst>
-                <a:latin typeface="Calibri" charset="0"/>
-                <a:ea typeface="+mj-ea"/>
-                <a:cs typeface="+mj-cs"/>
-              </a:rPr>
-              <a:t>:</a:t>
-            </a:r>
-            <a:endParaRPr lang="de-AT" sz="2000" b="1" dirty="0">
-              <a:solidFill>
-                <a:srgbClr val="61A5C2"/>
-              </a:solidFill>
-              <a:effectLst>
-                <a:outerShdw blurRad="38100" dist="38100" dir="2700000" algn="tl">
-                  <a:srgbClr val="000000">
-                    <a:alpha val="43137"/>
-                  </a:srgbClr>
-                </a:outerShdw>
-              </a:effectLst>
-              <a:latin typeface="Calibri" charset="0"/>
-              <a:ea typeface="+mj-ea"/>
-              <a:cs typeface="+mj-cs"/>
-            </a:endParaRPr>
+              <a:t> RF</a:t>
+            </a:r>
           </a:p>
         </p:txBody>
       </p:sp>
@@ -5866,30 +6080,6 @@
           <p:nvPr/>
         </p:nvPicPr>
         <p:blipFill>
-          <a:blip r:embed="rId1"/>
-          <a:stretch>
-            <a:fillRect/>
-          </a:stretch>
-        </p:blipFill>
-        <p:spPr>
-          <a:xfrm>
-            <a:off x="1265878" y="1812381"/>
-            <a:ext cx="3430410" cy="2385575"/>
-          </a:xfrm>
-          <a:prstGeom prst="rect">
-            <a:avLst/>
-          </a:prstGeom>
-        </p:spPr>
-      </p:pic>
-      <p:pic>
-        <p:nvPicPr>
-          <p:cNvPr id="13" name="Grafik 12"/>
-          <p:cNvPicPr>
-            <a:picLocks noChangeAspect="1"/>
-          </p:cNvPicPr>
-          <p:nvPr/>
-        </p:nvPicPr>
-        <p:blipFill>
           <a:blip r:embed="rId2"/>
           <a:stretch>
             <a:fillRect/>
@@ -5897,8 +6087,8 @@
         </p:blipFill>
         <p:spPr>
           <a:xfrm>
-            <a:off x="1266530" y="4197956"/>
-            <a:ext cx="3429758" cy="2385575"/>
+            <a:off x="1265878" y="1812381"/>
+            <a:ext cx="3430410" cy="2385575"/>
           </a:xfrm>
           <a:prstGeom prst="rect">
             <a:avLst/>
@@ -5907,7 +6097,7 @@
       </p:pic>
       <p:pic>
         <p:nvPicPr>
-          <p:cNvPr id="15" name="Grafik 14"/>
+          <p:cNvPr id="13" name="Grafik 12"/>
           <p:cNvPicPr>
             <a:picLocks noChangeAspect="1"/>
           </p:cNvPicPr>
@@ -5921,8 +6111,8 @@
         </p:blipFill>
         <p:spPr>
           <a:xfrm>
-            <a:off x="6848153" y="1831844"/>
-            <a:ext cx="3489176" cy="2433381"/>
+            <a:off x="1266530" y="4197956"/>
+            <a:ext cx="3429758" cy="2385575"/>
           </a:xfrm>
           <a:prstGeom prst="rect">
             <a:avLst/>
@@ -5931,7 +6121,7 @@
       </p:pic>
       <p:pic>
         <p:nvPicPr>
-          <p:cNvPr id="17" name="Grafik 16"/>
+          <p:cNvPr id="15" name="Grafik 14"/>
           <p:cNvPicPr>
             <a:picLocks noChangeAspect="1"/>
           </p:cNvPicPr>
@@ -5945,15 +6135,463 @@
         </p:blipFill>
         <p:spPr>
           <a:xfrm>
-            <a:off x="6872081" y="4320214"/>
-            <a:ext cx="3441319" cy="2403629"/>
+            <a:off x="6848153" y="1831844"/>
+            <a:ext cx="3489176" cy="2433381"/>
           </a:xfrm>
           <a:prstGeom prst="rect">
             <a:avLst/>
           </a:prstGeom>
         </p:spPr>
       </p:pic>
+      <p:pic>
+        <p:nvPicPr>
+          <p:cNvPr id="17" name="Grafik 16"/>
+          <p:cNvPicPr>
+            <a:picLocks noChangeAspect="1"/>
+          </p:cNvPicPr>
+          <p:nvPr/>
+        </p:nvPicPr>
+        <p:blipFill>
+          <a:blip r:embed="rId5"/>
+          <a:stretch>
+            <a:fillRect/>
+          </a:stretch>
+        </p:blipFill>
+        <p:spPr>
+          <a:xfrm>
+            <a:off x="6872081" y="4320214"/>
+            <a:ext cx="3441319" cy="2403629"/>
+          </a:xfrm>
+          <a:prstGeom prst="rect">
+            <a:avLst/>
+          </a:prstGeom>
+        </p:spPr>
+      </p:pic>
     </p:spTree>
+  </p:cSld>
+  <p:clrMapOvr>
+    <a:masterClrMapping/>
+  </p:clrMapOvr>
+</p:sld>
+</file>
+
+<file path=ppt/slides/slide23.xml><?xml version="1.0" encoding="utf-8"?>
+<p:sld xmlns:a="http://schemas.openxmlformats.org/drawingml/2006/main" xmlns:r="http://schemas.openxmlformats.org/officeDocument/2006/relationships" xmlns:p="http://schemas.openxmlformats.org/presentationml/2006/main">
+  <p:cSld>
+    <p:spTree>
+      <p:nvGrpSpPr>
+        <p:cNvPr id="1" name=""/>
+        <p:cNvGrpSpPr/>
+        <p:nvPr/>
+      </p:nvGrpSpPr>
+      <p:grpSpPr>
+        <a:xfrm>
+          <a:off x="0" y="0"/>
+          <a:ext cx="0" cy="0"/>
+          <a:chOff x="0" y="0"/>
+          <a:chExt cx="0" cy="0"/>
+        </a:xfrm>
+      </p:grpSpPr>
+      <p:sp>
+        <p:nvSpPr>
+          <p:cNvPr id="2" name="Title 1"/>
+          <p:cNvSpPr>
+            <a:spLocks noGrp="1"/>
+          </p:cNvSpPr>
+          <p:nvPr>
+            <p:ph type="title"/>
+          </p:nvPr>
+        </p:nvSpPr>
+        <p:spPr/>
+        <p:txBody>
+          <a:bodyPr/>
+          <a:lstStyle/>
+          <a:p>
+            <a:pPr algn="ctr" fontAlgn="auto"/>
+            <a:r>
+              <a:rPr lang="de-DE" altLang="en-US" dirty="0" err="1">
+                <a:solidFill>
+                  <a:srgbClr val="61A5C2"/>
+                </a:solidFill>
+                <a:latin typeface="Calibri" charset="0"/>
+              </a:rPr>
+              <a:t>Runtime</a:t>
+            </a:r>
+            <a:r>
+              <a:rPr lang="de-DE" altLang="en-US" dirty="0">
+                <a:solidFill>
+                  <a:srgbClr val="61A5C2"/>
+                </a:solidFill>
+                <a:latin typeface="Calibri" charset="0"/>
+              </a:rPr>
+              <a:t> – </a:t>
+            </a:r>
+            <a:r>
+              <a:rPr lang="de-DE" altLang="en-US" dirty="0" err="1">
+                <a:solidFill>
+                  <a:srgbClr val="61A5C2"/>
+                </a:solidFill>
+                <a:latin typeface="Calibri" charset="0"/>
+              </a:rPr>
+              <a:t>Superconductivity</a:t>
+            </a:r>
+            <a:r>
+              <a:rPr lang="de-DE" altLang="en-US" dirty="0">
+                <a:solidFill>
+                  <a:srgbClr val="61A5C2"/>
+                </a:solidFill>
+                <a:latin typeface="Calibri" charset="0"/>
+              </a:rPr>
+              <a:t> Dataset</a:t>
+            </a:r>
+          </a:p>
+        </p:txBody>
+      </p:sp>
+      <p:pic>
+        <p:nvPicPr>
+          <p:cNvPr id="4" name="Content Placeholder 3"/>
+          <p:cNvPicPr>
+            <a:picLocks noGrp="1" noChangeAspect="1"/>
+          </p:cNvPicPr>
+          <p:nvPr>
+            <p:ph idx="1"/>
+          </p:nvPr>
+        </p:nvPicPr>
+        <p:blipFill>
+          <a:blip r:embed="rId2"/>
+          <a:stretch>
+            <a:fillRect/>
+          </a:stretch>
+        </p:blipFill>
+        <p:spPr>
+          <a:xfrm>
+            <a:off x="3442970" y="3067685"/>
+            <a:ext cx="4924425" cy="1866900"/>
+          </a:xfrm>
+          <a:prstGeom prst="rect">
+            <a:avLst/>
+          </a:prstGeom>
+        </p:spPr>
+      </p:pic>
+    </p:spTree>
+  </p:cSld>
+  <p:clrMapOvr>
+    <a:masterClrMapping/>
+  </p:clrMapOvr>
+</p:sld>
+</file>
+
+<file path=ppt/slides/slide24.xml><?xml version="1.0" encoding="utf-8"?>
+<p:sld xmlns:a="http://schemas.openxmlformats.org/drawingml/2006/main" xmlns:r="http://schemas.openxmlformats.org/officeDocument/2006/relationships" xmlns:p="http://schemas.openxmlformats.org/presentationml/2006/main">
+  <p:cSld>
+    <p:spTree>
+      <p:nvGrpSpPr>
+        <p:cNvPr id="1" name="">
+          <a:extLst>
+            <a:ext uri="{FF2B5EF4-FFF2-40B4-BE49-F238E27FC236}">
+              <a16:creationId xmlns:a16="http://schemas.microsoft.com/office/drawing/2014/main" id="{9E93301C-F36B-6ECA-8D1D-62A89FA7A359}"/>
+            </a:ext>
+          </a:extLst>
+        </p:cNvPr>
+        <p:cNvGrpSpPr/>
+        <p:nvPr/>
+      </p:nvGrpSpPr>
+      <p:grpSpPr>
+        <a:xfrm>
+          <a:off x="0" y="0"/>
+          <a:ext cx="0" cy="0"/>
+          <a:chOff x="0" y="0"/>
+          <a:chExt cx="0" cy="0"/>
+        </a:xfrm>
+      </p:grpSpPr>
+      <p:sp>
+        <p:nvSpPr>
+          <p:cNvPr id="2" name="Titel 1">
+            <a:extLst>
+              <a:ext uri="{FF2B5EF4-FFF2-40B4-BE49-F238E27FC236}">
+                <a16:creationId xmlns:a16="http://schemas.microsoft.com/office/drawing/2014/main" id="{0906D398-1A48-055F-E330-9ED83DB6DE95}"/>
+              </a:ext>
+            </a:extLst>
+          </p:cNvPr>
+          <p:cNvSpPr>
+            <a:spLocks noGrp="1"/>
+          </p:cNvSpPr>
+          <p:nvPr>
+            <p:ph type="title"/>
+          </p:nvPr>
+        </p:nvSpPr>
+        <p:spPr>
+          <a:xfrm>
+            <a:off x="647700" y="283845"/>
+            <a:ext cx="10515600" cy="1325563"/>
+          </a:xfrm>
+        </p:spPr>
+        <p:txBody>
+          <a:bodyPr/>
+          <a:lstStyle/>
+          <a:p>
+            <a:pPr algn="ctr"/>
+            <a:r>
+              <a:rPr lang="de-DE" altLang="en-US" dirty="0" err="1">
+                <a:solidFill>
+                  <a:srgbClr val="61A5C2"/>
+                </a:solidFill>
+                <a:latin typeface="Calibri" charset="0"/>
+              </a:rPr>
+              <a:t>Conclusion</a:t>
+            </a:r>
+            <a:r>
+              <a:rPr lang="de-DE" altLang="en-US" dirty="0">
+                <a:solidFill>
+                  <a:srgbClr val="61A5C2"/>
+                </a:solidFill>
+                <a:latin typeface="Calibri" charset="0"/>
+              </a:rPr>
+              <a:t> – Key Takeaways</a:t>
+            </a:r>
+            <a:endParaRPr lang="en-AT" dirty="0"/>
+          </a:p>
+        </p:txBody>
+      </p:sp>
+      <p:sp>
+        <p:nvSpPr>
+          <p:cNvPr id="3" name="Inhaltsplatzhalter 2">
+            <a:extLst>
+              <a:ext uri="{FF2B5EF4-FFF2-40B4-BE49-F238E27FC236}">
+                <a16:creationId xmlns:a16="http://schemas.microsoft.com/office/drawing/2014/main" id="{92AECB86-0977-EB92-9AF0-B0A5B11A3974}"/>
+              </a:ext>
+            </a:extLst>
+          </p:cNvPr>
+          <p:cNvSpPr>
+            <a:spLocks noGrp="1"/>
+          </p:cNvSpPr>
+          <p:nvPr>
+            <p:ph idx="1"/>
+          </p:nvPr>
+        </p:nvSpPr>
+        <p:spPr>
+          <a:xfrm>
+            <a:off x="1877483" y="1859492"/>
+            <a:ext cx="8056033" cy="4351338"/>
+          </a:xfrm>
+        </p:spPr>
+        <p:txBody>
+          <a:bodyPr/>
+          <a:lstStyle/>
+          <a:p>
+            <a:pPr marL="457200" lvl="1" indent="0">
+              <a:buNone/>
+            </a:pPr>
+            <a:endParaRPr lang="en-GB" sz="1400" dirty="0">
+              <a:solidFill>
+                <a:srgbClr val="61A5C2"/>
+              </a:solidFill>
+              <a:latin typeface="Calibri" charset="0"/>
+            </a:endParaRPr>
+          </a:p>
+          <a:p>
+            <a:r>
+              <a:rPr lang="en-GB" sz="1600" dirty="0">
+                <a:solidFill>
+                  <a:srgbClr val="61A5C2"/>
+                </a:solidFill>
+                <a:latin typeface="Calibri" charset="0"/>
+              </a:rPr>
+              <a:t>Performance:</a:t>
+            </a:r>
+          </a:p>
+          <a:p>
+            <a:pPr lvl="1"/>
+            <a:r>
+              <a:rPr lang="en-GB" sz="1400" dirty="0">
+                <a:solidFill>
+                  <a:srgbClr val="61A5C2"/>
+                </a:solidFill>
+                <a:latin typeface="Calibri" charset="0"/>
+              </a:rPr>
+              <a:t>implementing the </a:t>
+            </a:r>
+            <a:r>
+              <a:rPr lang="en-GB" sz="1400" dirty="0" err="1">
+                <a:solidFill>
+                  <a:srgbClr val="61A5C2"/>
+                </a:solidFill>
+                <a:latin typeface="Calibri" charset="0"/>
+              </a:rPr>
+              <a:t>max_features</a:t>
+            </a:r>
+            <a:r>
+              <a:rPr lang="en-GB" sz="1400" dirty="0">
+                <a:solidFill>
+                  <a:srgbClr val="61A5C2"/>
+                </a:solidFill>
+                <a:latin typeface="Calibri" charset="0"/>
+              </a:rPr>
+              <a:t> functionality boosts both efficiency and effectiveness</a:t>
+            </a:r>
+          </a:p>
+          <a:p>
+            <a:pPr lvl="2"/>
+            <a:r>
+              <a:rPr lang="en-GB" sz="1400" dirty="0">
+                <a:solidFill>
+                  <a:srgbClr val="61A5C2"/>
+                </a:solidFill>
+                <a:latin typeface="Calibri" charset="0"/>
+              </a:rPr>
+              <a:t>especially choosing a random subset at every node</a:t>
+            </a:r>
+          </a:p>
+          <a:p>
+            <a:pPr lvl="2"/>
+            <a:r>
+              <a:rPr lang="en-GB" sz="1400" dirty="0">
+                <a:solidFill>
+                  <a:srgbClr val="61A5C2"/>
+                </a:solidFill>
+                <a:latin typeface="Calibri" charset="0"/>
+              </a:rPr>
+              <a:t>Biggest difference between LLM  and our/Scikit’s RF</a:t>
+            </a:r>
+          </a:p>
+          <a:p>
+            <a:pPr lvl="1"/>
+            <a:r>
+              <a:rPr lang="en-GB" sz="1400" dirty="0">
+                <a:solidFill>
+                  <a:srgbClr val="61A5C2"/>
+                </a:solidFill>
+                <a:latin typeface="Calibri" charset="0"/>
+              </a:rPr>
+              <a:t>randomising the subsets of instances for each tree improves performance</a:t>
+            </a:r>
+          </a:p>
+          <a:p>
+            <a:pPr lvl="1"/>
+            <a:r>
+              <a:rPr lang="en-GB" sz="1400" dirty="0" err="1">
+                <a:solidFill>
+                  <a:srgbClr val="61A5C2"/>
+                </a:solidFill>
+                <a:latin typeface="Calibri" charset="0"/>
+              </a:rPr>
+              <a:t>min_samples_split</a:t>
+            </a:r>
+            <a:r>
+              <a:rPr lang="en-GB" sz="1400" dirty="0">
+                <a:solidFill>
+                  <a:srgbClr val="61A5C2"/>
+                </a:solidFill>
+                <a:latin typeface="Calibri" charset="0"/>
+              </a:rPr>
+              <a:t> can have a big influence depending on the implementation</a:t>
+            </a:r>
+          </a:p>
+          <a:p>
+            <a:pPr marL="457200" lvl="1" indent="0">
+              <a:buNone/>
+            </a:pPr>
+            <a:endParaRPr lang="en-GB" sz="1400" dirty="0">
+              <a:solidFill>
+                <a:srgbClr val="61A5C2"/>
+              </a:solidFill>
+              <a:latin typeface="Calibri" charset="0"/>
+            </a:endParaRPr>
+          </a:p>
+          <a:p>
+            <a:r>
+              <a:rPr lang="en-GB" sz="1600" dirty="0">
+                <a:solidFill>
+                  <a:srgbClr val="61A5C2"/>
+                </a:solidFill>
+                <a:latin typeface="Calibri" charset="0"/>
+              </a:rPr>
+              <a:t>Efficiency:</a:t>
+            </a:r>
+          </a:p>
+          <a:p>
+            <a:pPr lvl="1"/>
+            <a:r>
+              <a:rPr lang="en-GB" sz="1400" dirty="0">
+                <a:solidFill>
+                  <a:srgbClr val="61A5C2"/>
+                </a:solidFill>
+                <a:latin typeface="Calibri" charset="0"/>
+              </a:rPr>
+              <a:t>parallelisation is necessary for application on bigger datasets</a:t>
+            </a:r>
+            <a:endParaRPr lang="en-GB" sz="1200" dirty="0">
+              <a:solidFill>
+                <a:srgbClr val="61A5C2"/>
+              </a:solidFill>
+              <a:latin typeface="Calibri" charset="0"/>
+            </a:endParaRPr>
+          </a:p>
+          <a:p>
+            <a:pPr lvl="1"/>
+            <a:r>
+              <a:rPr lang="en-GB" sz="1400" dirty="0">
+                <a:solidFill>
+                  <a:srgbClr val="61A5C2"/>
+                </a:solidFill>
+                <a:latin typeface="Calibri" charset="0"/>
+              </a:rPr>
+              <a:t>Scikit-Learn is very efficient; bigger difference in efficiency, not effectiveness</a:t>
+            </a:r>
+          </a:p>
+          <a:p>
+            <a:pPr lvl="1"/>
+            <a:r>
+              <a:rPr lang="en-GB" sz="1400" dirty="0" err="1">
+                <a:solidFill>
+                  <a:srgbClr val="61A5C2"/>
+                </a:solidFill>
+                <a:latin typeface="Calibri" charset="0"/>
+              </a:rPr>
+              <a:t>kNN</a:t>
+            </a:r>
+            <a:r>
+              <a:rPr lang="en-GB" sz="1400" dirty="0">
+                <a:solidFill>
+                  <a:srgbClr val="61A5C2"/>
+                </a:solidFill>
+                <a:latin typeface="Calibri" charset="0"/>
+              </a:rPr>
+              <a:t> is very fast, but lacks in effectiveness</a:t>
+            </a:r>
+          </a:p>
+          <a:p>
+            <a:pPr lvl="2"/>
+            <a:r>
+              <a:rPr lang="en-GB" sz="1400" dirty="0">
+                <a:solidFill>
+                  <a:srgbClr val="61A5C2"/>
+                </a:solidFill>
+                <a:latin typeface="Calibri" charset="0"/>
+              </a:rPr>
+              <a:t>even a single regression tree outperforms it</a:t>
+            </a:r>
+          </a:p>
+          <a:p>
+            <a:pPr lvl="2"/>
+            <a:r>
+              <a:rPr lang="en-GB" sz="1400" dirty="0">
+                <a:solidFill>
+                  <a:srgbClr val="61A5C2"/>
+                </a:solidFill>
+                <a:latin typeface="Calibri" charset="0"/>
+              </a:rPr>
+              <a:t>Interestingly the metric had a very big influence</a:t>
+            </a:r>
+          </a:p>
+        </p:txBody>
+      </p:sp>
+    </p:spTree>
+    <p:extLst>
+      <p:ext uri="{BB962C8B-B14F-4D97-AF65-F5344CB8AC3E}">
+        <p14:creationId xmlns:p14="http://schemas.microsoft.com/office/powerpoint/2010/main" val="2885314201"/>
+      </p:ext>
+    </p:extLst>
   </p:cSld>
   <p:clrMapOvr>
     <a:masterClrMapping/>
@@ -6009,9 +6647,6 @@
               </a:rPr>
               <a:t> </a:t>
             </a:r>
-            <a:endParaRPr lang="de-DE" altLang="en-US">
-              <a:latin typeface="Calibri" charset="0"/>
-            </a:endParaRPr>
           </a:p>
         </p:txBody>
       </p:sp>
@@ -6026,7 +6661,7 @@
           </p:nvPr>
         </p:nvPicPr>
         <p:blipFill>
-          <a:blip r:embed="rId1"/>
+          <a:blip r:embed="rId2"/>
           <a:stretch>
             <a:fillRect/>
           </a:stretch>
@@ -6091,12 +6726,6 @@
               </a:rPr>
               <a:t>Random Forest Code Overview</a:t>
             </a:r>
-            <a:endParaRPr lang="de-DE" altLang="en-US">
-              <a:solidFill>
-                <a:srgbClr val="61A5C2"/>
-              </a:solidFill>
-              <a:latin typeface="Calibri" charset="0"/>
-            </a:endParaRPr>
           </a:p>
         </p:txBody>
       </p:sp>
@@ -6111,7 +6740,7 @@
           </p:nvPr>
         </p:nvPicPr>
         <p:blipFill>
-          <a:blip r:embed="rId1"/>
+          <a:blip r:embed="rId2"/>
           <a:stretch>
             <a:fillRect/>
           </a:stretch>
@@ -6176,12 +6805,6 @@
               </a:rPr>
               <a:t>Random Forest - fit function</a:t>
             </a:r>
-            <a:endParaRPr lang="de-DE" altLang="en-US">
-              <a:solidFill>
-                <a:srgbClr val="61A5C2"/>
-              </a:solidFill>
-              <a:latin typeface="Calibri" charset="0"/>
-            </a:endParaRPr>
           </a:p>
         </p:txBody>
       </p:sp>
@@ -6196,7 +6819,7 @@
           </p:nvPr>
         </p:nvPicPr>
         <p:blipFill>
-          <a:blip r:embed="rId1"/>
+          <a:blip r:embed="rId2"/>
           <a:stretch>
             <a:fillRect/>
           </a:stretch>
@@ -6261,12 +6884,6 @@
               </a:rPr>
               <a:t>LLM Tree - _build_tree function</a:t>
             </a:r>
-            <a:endParaRPr lang="de-DE" altLang="en-US">
-              <a:solidFill>
-                <a:srgbClr val="61A5C2"/>
-              </a:solidFill>
-              <a:latin typeface="Calibri" charset="0"/>
-            </a:endParaRPr>
           </a:p>
         </p:txBody>
       </p:sp>
@@ -6281,7 +6898,7 @@
           </p:nvPr>
         </p:nvPicPr>
         <p:blipFill>
-          <a:blip r:embed="rId1"/>
+          <a:blip r:embed="rId2"/>
           <a:stretch>
             <a:fillRect/>
           </a:stretch>
@@ -6305,7 +6922,7 @@
           <p:nvPr/>
         </p:nvPicPr>
         <p:blipFill>
-          <a:blip r:embed="rId2"/>
+          <a:blip r:embed="rId3"/>
           <a:stretch>
             <a:fillRect/>
           </a:stretch>
@@ -6370,12 +6987,6 @@
               </a:rPr>
               <a:t>LLM - Random_Forest fit function</a:t>
             </a:r>
-            <a:endParaRPr lang="de-DE" altLang="en-US">
-              <a:solidFill>
-                <a:srgbClr val="61A5C2"/>
-              </a:solidFill>
-              <a:latin typeface="Calibri" charset="0"/>
-            </a:endParaRPr>
           </a:p>
         </p:txBody>
       </p:sp>
@@ -6390,7 +7001,7 @@
           </p:nvPr>
         </p:nvPicPr>
         <p:blipFill>
-          <a:blip r:embed="rId1"/>
+          <a:blip r:embed="rId2"/>
           <a:stretch>
             <a:fillRect/>
           </a:stretch>
@@ -6524,6 +7135,126 @@
               </a:rPr>
               <a:t>: </a:t>
             </a:r>
+          </a:p>
+          <a:p>
+            <a:pPr lvl="1"/>
+            <a:r>
+              <a:rPr lang="de-DE" altLang="en-US" dirty="0" err="1">
+                <a:solidFill>
+                  <a:srgbClr val="61A5C2"/>
+                </a:solidFill>
+                <a:latin typeface="Calibri" charset="0"/>
+              </a:rPr>
+              <a:t>we</a:t>
+            </a:r>
+            <a:r>
+              <a:rPr lang="de-DE" altLang="en-US" dirty="0">
+                <a:solidFill>
+                  <a:srgbClr val="61A5C2"/>
+                </a:solidFill>
+                <a:latin typeface="Calibri" charset="0"/>
+              </a:rPr>
+              <a:t> </a:t>
+            </a:r>
+            <a:r>
+              <a:rPr lang="de-DE" altLang="en-US" dirty="0" err="1">
+                <a:solidFill>
+                  <a:srgbClr val="61A5C2"/>
+                </a:solidFill>
+                <a:latin typeface="Calibri" charset="0"/>
+              </a:rPr>
+              <a:t>select</a:t>
+            </a:r>
+            <a:r>
+              <a:rPr lang="de-DE" altLang="en-US" dirty="0">
+                <a:solidFill>
+                  <a:srgbClr val="61A5C2"/>
+                </a:solidFill>
+                <a:latin typeface="Calibri" charset="0"/>
+              </a:rPr>
+              <a:t> a </a:t>
+            </a:r>
+            <a:r>
+              <a:rPr lang="de-DE" altLang="en-US" dirty="0" err="1">
+                <a:solidFill>
+                  <a:srgbClr val="61A5C2"/>
+                </a:solidFill>
+                <a:latin typeface="Calibri" charset="0"/>
+              </a:rPr>
+              <a:t>random</a:t>
+            </a:r>
+            <a:r>
+              <a:rPr lang="de-DE" altLang="en-US" dirty="0">
+                <a:solidFill>
+                  <a:srgbClr val="61A5C2"/>
+                </a:solidFill>
+                <a:latin typeface="Calibri" charset="0"/>
+              </a:rPr>
+              <a:t> feature </a:t>
+            </a:r>
+            <a:r>
+              <a:rPr lang="de-DE" altLang="en-US" dirty="0" err="1">
+                <a:solidFill>
+                  <a:srgbClr val="61A5C2"/>
+                </a:solidFill>
+                <a:latin typeface="Calibri" charset="0"/>
+              </a:rPr>
+              <a:t>subset</a:t>
+            </a:r>
+            <a:r>
+              <a:rPr lang="de-DE" altLang="en-US" dirty="0">
+                <a:solidFill>
+                  <a:srgbClr val="61A5C2"/>
+                </a:solidFill>
+                <a:latin typeface="Calibri" charset="0"/>
+              </a:rPr>
+              <a:t> at </a:t>
+            </a:r>
+            <a:r>
+              <a:rPr lang="de-DE" altLang="en-US" dirty="0" err="1">
+                <a:solidFill>
+                  <a:srgbClr val="61A5C2"/>
+                </a:solidFill>
+                <a:latin typeface="Calibri" charset="0"/>
+              </a:rPr>
+              <a:t>each</a:t>
+            </a:r>
+            <a:r>
+              <a:rPr lang="de-DE" altLang="en-US" dirty="0">
+                <a:solidFill>
+                  <a:srgbClr val="61A5C2"/>
+                </a:solidFill>
+                <a:latin typeface="Calibri" charset="0"/>
+              </a:rPr>
+              <a:t> </a:t>
+            </a:r>
+            <a:r>
+              <a:rPr lang="de-DE" altLang="en-US" dirty="0" err="1">
+                <a:solidFill>
+                  <a:srgbClr val="61A5C2"/>
+                </a:solidFill>
+                <a:latin typeface="Calibri" charset="0"/>
+              </a:rPr>
+              <a:t>tree</a:t>
+            </a:r>
+            <a:r>
+              <a:rPr lang="de-DE" altLang="en-US" dirty="0">
+                <a:solidFill>
+                  <a:srgbClr val="61A5C2"/>
+                </a:solidFill>
+                <a:latin typeface="Calibri" charset="0"/>
+              </a:rPr>
+              <a:t> </a:t>
+            </a:r>
+            <a:r>
+              <a:rPr lang="de-DE" altLang="en-US" dirty="0" err="1">
+                <a:solidFill>
+                  <a:srgbClr val="61A5C2"/>
+                </a:solidFill>
+                <a:latin typeface="Calibri" charset="0"/>
+              </a:rPr>
+              <a:t>node</a:t>
+            </a:r>
             <a:endParaRPr lang="de-DE" altLang="en-US" dirty="0">
               <a:solidFill>
                 <a:srgbClr val="61A5C2"/>
@@ -6534,13 +7265,22 @@
           <a:p>
             <a:pPr lvl="1"/>
             <a:r>
+              <a:rPr lang="de-DE" altLang="en-US" dirty="0">
+                <a:solidFill>
+                  <a:srgbClr val="61A5C2"/>
+                </a:solidFill>
+                <a:latin typeface="Calibri" charset="0"/>
+              </a:rPr>
+              <a:t>LLM </a:t>
+            </a:r>
+            <a:r>
               <a:rPr lang="de-DE" altLang="en-US" dirty="0" err="1">
                 <a:solidFill>
                   <a:srgbClr val="61A5C2"/>
                 </a:solidFill>
                 <a:latin typeface="Calibri" charset="0"/>
               </a:rPr>
-              <a:t>we</a:t>
+              <a:t>selects</a:t>
             </a:r>
             <a:r>
               <a:rPr lang="de-DE" altLang="en-US" dirty="0">
@@ -6558,7 +7298,7 @@
                 </a:solidFill>
                 <a:latin typeface="Calibri" charset="0"/>
               </a:rPr>
-              <a:t>select</a:t>
+              <a:t>the</a:t>
             </a:r>
             <a:r>
               <a:rPr lang="de-DE" altLang="en-US" dirty="0">
@@ -6567,7 +7307,7 @@
                 </a:solidFill>
                 <a:latin typeface="Calibri" charset="0"/>
               </a:rPr>
-              <a:t> a </a:t>
+              <a:t> </a:t>
             </a:r>
             <a:r>
               <a:rPr lang="de-DE" altLang="en-US" dirty="0" err="1">
@@ -6585,7 +7325,7 @@
                 </a:solidFill>
                 <a:latin typeface="Calibri" charset="0"/>
               </a:rPr>
-              <a:t> feature </a:t>
+              <a:t> </a:t>
             </a:r>
             <a:r>
               <a:rPr lang="de-DE" altLang="en-US" dirty="0" err="1">
@@ -6603,7 +7343,7 @@
                 </a:solidFill>
                 <a:latin typeface="Calibri" charset="0"/>
               </a:rPr>
-              <a:t> at </a:t>
+              <a:t> </a:t>
             </a:r>
             <a:r>
               <a:rPr lang="de-DE" altLang="en-US" dirty="0" err="1">
@@ -6612,7 +7352,7 @@
                 </a:solidFill>
                 <a:latin typeface="Calibri" charset="0"/>
               </a:rPr>
-              <a:t>each</a:t>
+              <a:t>once</a:t>
             </a:r>
             <a:r>
               <a:rPr lang="de-DE" altLang="en-US" dirty="0">
@@ -6630,25 +7370,61 @@
                 </a:solidFill>
                 <a:latin typeface="Calibri" charset="0"/>
               </a:rPr>
+              <a:t>for</a:t>
+            </a:r>
+            <a:r>
+              <a:rPr lang="de-DE" altLang="en-US" dirty="0">
+                <a:solidFill>
+                  <a:srgbClr val="61A5C2"/>
+                </a:solidFill>
+                <a:latin typeface="Calibri" charset="0"/>
+              </a:rPr>
+              <a:t> </a:t>
+            </a:r>
+            <a:r>
+              <a:rPr lang="de-DE" altLang="en-US" dirty="0" err="1">
+                <a:solidFill>
+                  <a:srgbClr val="61A5C2"/>
+                </a:solidFill>
+                <a:latin typeface="Calibri" charset="0"/>
+              </a:rPr>
+              <a:t>the</a:t>
+            </a:r>
+            <a:r>
+              <a:rPr lang="de-DE" altLang="en-US" dirty="0">
+                <a:solidFill>
+                  <a:srgbClr val="61A5C2"/>
+                </a:solidFill>
+                <a:latin typeface="Calibri" charset="0"/>
+              </a:rPr>
+              <a:t> </a:t>
+            </a:r>
+            <a:r>
+              <a:rPr lang="de-DE" altLang="en-US" dirty="0" err="1">
+                <a:solidFill>
+                  <a:srgbClr val="61A5C2"/>
+                </a:solidFill>
+                <a:latin typeface="Calibri" charset="0"/>
+              </a:rPr>
+              <a:t>whole</a:t>
+            </a:r>
+            <a:r>
+              <a:rPr lang="de-DE" altLang="en-US" dirty="0">
+                <a:solidFill>
+                  <a:srgbClr val="61A5C2"/>
+                </a:solidFill>
+                <a:latin typeface="Calibri" charset="0"/>
+              </a:rPr>
+              <a:t> </a:t>
+            </a:r>
+            <a:r>
+              <a:rPr lang="de-DE" altLang="en-US" dirty="0" err="1">
+                <a:solidFill>
+                  <a:srgbClr val="61A5C2"/>
+                </a:solidFill>
+                <a:latin typeface="Calibri" charset="0"/>
+              </a:rPr>
               <a:t>tree</a:t>
-            </a:r>
-            <a:r>
-              <a:rPr lang="de-DE" altLang="en-US" dirty="0">
-                <a:solidFill>
-                  <a:srgbClr val="61A5C2"/>
-                </a:solidFill>
-                <a:latin typeface="Calibri" charset="0"/>
-              </a:rPr>
-              <a:t> </a:t>
-            </a:r>
-            <a:r>
-              <a:rPr lang="de-DE" altLang="en-US" dirty="0" err="1">
-                <a:solidFill>
-                  <a:srgbClr val="61A5C2"/>
-                </a:solidFill>
-                <a:latin typeface="Calibri" charset="0"/>
-              </a:rPr>
-              <a:t>node</a:t>
             </a:r>
             <a:endParaRPr lang="de-DE" altLang="en-US" dirty="0">
               <a:solidFill>
@@ -6658,7 +7434,7 @@
             </a:endParaRPr>
           </a:p>
           <a:p>
-            <a:pPr lvl="1"/>
+            <a:pPr lvl="0"/>
             <a:r>
               <a:rPr lang="de-DE" altLang="en-US" dirty="0">
                 <a:solidFill>
@@ -6675,7 +7451,7 @@
                 </a:solidFill>
                 <a:latin typeface="Calibri" charset="0"/>
               </a:rPr>
-              <a:t>selects</a:t>
+              <a:t>did</a:t>
             </a:r>
             <a:r>
               <a:rPr lang="de-DE" altLang="en-US" dirty="0">
@@ -6684,6 +7460,42 @@
                 </a:solidFill>
                 <a:latin typeface="Calibri" charset="0"/>
               </a:rPr>
+              <a:t> not </a:t>
+            </a:r>
+            <a:r>
+              <a:rPr lang="de-DE" altLang="en-US" dirty="0" err="1">
+                <a:solidFill>
+                  <a:srgbClr val="61A5C2"/>
+                </a:solidFill>
+                <a:latin typeface="Calibri" charset="0"/>
+              </a:rPr>
+              <a:t>parallelize</a:t>
+            </a:r>
+            <a:r>
+              <a:rPr lang="de-DE" altLang="en-US" dirty="0">
+                <a:solidFill>
+                  <a:srgbClr val="61A5C2"/>
+                </a:solidFill>
+                <a:latin typeface="Calibri" charset="0"/>
+              </a:rPr>
+              <a:t>, </a:t>
+            </a:r>
+            <a:r>
+              <a:rPr lang="de-DE" altLang="en-US" dirty="0" err="1">
+                <a:solidFill>
+                  <a:srgbClr val="61A5C2"/>
+                </a:solidFill>
+                <a:latin typeface="Calibri" charset="0"/>
+              </a:rPr>
+              <a:t>leading</a:t>
+            </a:r>
+            <a:r>
+              <a:rPr lang="de-DE" altLang="en-US" dirty="0">
+                <a:solidFill>
+                  <a:srgbClr val="61A5C2"/>
+                </a:solidFill>
+                <a:latin typeface="Calibri" charset="0"/>
+              </a:rPr>
               <a:t> </a:t>
             </a:r>
             <a:r>
@@ -6693,7 +7505,7 @@
                 </a:solidFill>
                 <a:latin typeface="Calibri" charset="0"/>
               </a:rPr>
-              <a:t>the</a:t>
+              <a:t>to</a:t>
             </a:r>
             <a:r>
               <a:rPr lang="de-DE" altLang="en-US" dirty="0">
@@ -6711,7 +7523,7 @@
                 </a:solidFill>
                 <a:latin typeface="Calibri" charset="0"/>
               </a:rPr>
-              <a:t>random</a:t>
+              <a:t>worse</a:t>
             </a:r>
             <a:r>
               <a:rPr lang="de-DE" altLang="en-US" dirty="0">
@@ -6729,97 +7541,7 @@
                 </a:solidFill>
                 <a:latin typeface="Calibri" charset="0"/>
               </a:rPr>
-              <a:t>subset</a:t>
-            </a:r>
-            <a:r>
-              <a:rPr lang="de-DE" altLang="en-US" dirty="0">
-                <a:solidFill>
-                  <a:srgbClr val="61A5C2"/>
-                </a:solidFill>
-                <a:latin typeface="Calibri" charset="0"/>
-              </a:rPr>
-              <a:t> </a:t>
-            </a:r>
-            <a:r>
-              <a:rPr lang="de-DE" altLang="en-US" dirty="0" err="1">
-                <a:solidFill>
-                  <a:srgbClr val="61A5C2"/>
-                </a:solidFill>
-                <a:latin typeface="Calibri" charset="0"/>
-              </a:rPr>
-              <a:t>once</a:t>
-            </a:r>
-            <a:r>
-              <a:rPr lang="de-DE" altLang="en-US" dirty="0">
-                <a:solidFill>
-                  <a:srgbClr val="61A5C2"/>
-                </a:solidFill>
-                <a:latin typeface="Calibri" charset="0"/>
-              </a:rPr>
-              <a:t> </a:t>
-            </a:r>
-            <a:r>
-              <a:rPr lang="de-DE" altLang="en-US" dirty="0" err="1">
-                <a:solidFill>
-                  <a:srgbClr val="61A5C2"/>
-                </a:solidFill>
-                <a:latin typeface="Calibri" charset="0"/>
-              </a:rPr>
-              <a:t>for</a:t>
-            </a:r>
-            <a:r>
-              <a:rPr lang="de-DE" altLang="en-US" dirty="0">
-                <a:solidFill>
-                  <a:srgbClr val="61A5C2"/>
-                </a:solidFill>
-                <a:latin typeface="Calibri" charset="0"/>
-              </a:rPr>
-              <a:t> </a:t>
-            </a:r>
-            <a:r>
-              <a:rPr lang="de-DE" altLang="en-US" dirty="0" err="1">
-                <a:solidFill>
-                  <a:srgbClr val="61A5C2"/>
-                </a:solidFill>
-                <a:latin typeface="Calibri" charset="0"/>
-              </a:rPr>
-              <a:t>the</a:t>
-            </a:r>
-            <a:r>
-              <a:rPr lang="de-DE" altLang="en-US" dirty="0">
-                <a:solidFill>
-                  <a:srgbClr val="61A5C2"/>
-                </a:solidFill>
-                <a:latin typeface="Calibri" charset="0"/>
-              </a:rPr>
-              <a:t> </a:t>
-            </a:r>
-            <a:r>
-              <a:rPr lang="de-DE" altLang="en-US" dirty="0" err="1">
-                <a:solidFill>
-                  <a:srgbClr val="61A5C2"/>
-                </a:solidFill>
-                <a:latin typeface="Calibri" charset="0"/>
-              </a:rPr>
-              <a:t>whole</a:t>
-            </a:r>
-            <a:r>
-              <a:rPr lang="de-DE" altLang="en-US" dirty="0">
-                <a:solidFill>
-                  <a:srgbClr val="61A5C2"/>
-                </a:solidFill>
-                <a:latin typeface="Calibri" charset="0"/>
-              </a:rPr>
-              <a:t> </a:t>
-            </a:r>
-            <a:r>
-              <a:rPr lang="de-DE" altLang="en-US" dirty="0" err="1">
-                <a:solidFill>
-                  <a:srgbClr val="61A5C2"/>
-                </a:solidFill>
-                <a:latin typeface="Calibri" charset="0"/>
-              </a:rPr>
-              <a:t>tree</a:t>
+              <a:t>performance</a:t>
             </a:r>
             <a:endParaRPr lang="de-DE" altLang="en-US" dirty="0">
               <a:solidFill>
@@ -6837,6 +7559,147 @@
                 </a:solidFill>
                 <a:latin typeface="Calibri" charset="0"/>
               </a:rPr>
+              <a:t>bootstrapping </a:t>
+            </a:r>
+            <a:r>
+              <a:rPr lang="de-DE" altLang="en-US" dirty="0" err="1">
+                <a:solidFill>
+                  <a:srgbClr val="61A5C2"/>
+                </a:solidFill>
+                <a:latin typeface="Calibri" charset="0"/>
+              </a:rPr>
+              <a:t>samples</a:t>
+            </a:r>
+            <a:r>
+              <a:rPr lang="de-DE" altLang="en-US" dirty="0">
+                <a:solidFill>
+                  <a:srgbClr val="61A5C2"/>
+                </a:solidFill>
+                <a:latin typeface="Calibri" charset="0"/>
+              </a:rPr>
+              <a:t>:</a:t>
+            </a:r>
+          </a:p>
+          <a:p>
+            <a:pPr lvl="1"/>
+            <a:r>
+              <a:rPr lang="de-DE" altLang="en-US" dirty="0" err="1">
+                <a:solidFill>
+                  <a:srgbClr val="61A5C2"/>
+                </a:solidFill>
+                <a:latin typeface="Calibri" charset="0"/>
+              </a:rPr>
+              <a:t>we</a:t>
+            </a:r>
+            <a:r>
+              <a:rPr lang="de-DE" altLang="en-US" dirty="0">
+                <a:solidFill>
+                  <a:srgbClr val="61A5C2"/>
+                </a:solidFill>
+                <a:latin typeface="Calibri" charset="0"/>
+              </a:rPr>
+              <a:t> </a:t>
+            </a:r>
+            <a:r>
+              <a:rPr lang="de-DE" altLang="en-US" dirty="0" err="1">
+                <a:solidFill>
+                  <a:srgbClr val="61A5C2"/>
+                </a:solidFill>
+                <a:latin typeface="Calibri" charset="0"/>
+              </a:rPr>
+              <a:t>always</a:t>
+            </a:r>
+            <a:r>
+              <a:rPr lang="de-DE" altLang="en-US" dirty="0">
+                <a:solidFill>
+                  <a:srgbClr val="61A5C2"/>
+                </a:solidFill>
+                <a:latin typeface="Calibri" charset="0"/>
+              </a:rPr>
+              <a:t> </a:t>
+            </a:r>
+            <a:r>
+              <a:rPr lang="de-DE" altLang="en-US" dirty="0" err="1">
+                <a:solidFill>
+                  <a:srgbClr val="61A5C2"/>
+                </a:solidFill>
+                <a:latin typeface="Calibri" charset="0"/>
+              </a:rPr>
+              <a:t>bootstrap</a:t>
+            </a:r>
+            <a:r>
+              <a:rPr lang="de-DE" altLang="en-US" dirty="0">
+                <a:solidFill>
+                  <a:srgbClr val="61A5C2"/>
+                </a:solidFill>
+                <a:latin typeface="Calibri" charset="0"/>
+              </a:rPr>
+              <a:t> and </a:t>
+            </a:r>
+            <a:r>
+              <a:rPr lang="de-DE" altLang="en-US" dirty="0" err="1">
+                <a:solidFill>
+                  <a:srgbClr val="61A5C2"/>
+                </a:solidFill>
+                <a:latin typeface="Calibri" charset="0"/>
+              </a:rPr>
+              <a:t>control</a:t>
+            </a:r>
+            <a:r>
+              <a:rPr lang="de-DE" altLang="en-US" dirty="0">
+                <a:solidFill>
+                  <a:srgbClr val="61A5C2"/>
+                </a:solidFill>
+                <a:latin typeface="Calibri" charset="0"/>
+              </a:rPr>
+              <a:t> </a:t>
+            </a:r>
+            <a:r>
+              <a:rPr lang="de-DE" altLang="en-US" dirty="0" err="1">
+                <a:solidFill>
+                  <a:srgbClr val="61A5C2"/>
+                </a:solidFill>
+                <a:latin typeface="Calibri" charset="0"/>
+              </a:rPr>
+              <a:t>replacement</a:t>
+            </a:r>
+            <a:r>
+              <a:rPr lang="de-DE" altLang="en-US" dirty="0">
+                <a:solidFill>
+                  <a:srgbClr val="61A5C2"/>
+                </a:solidFill>
+                <a:latin typeface="Calibri" charset="0"/>
+              </a:rPr>
+              <a:t> via </a:t>
+            </a:r>
+            <a:r>
+              <a:rPr lang="de-DE" altLang="en-US" dirty="0" err="1">
+                <a:solidFill>
+                  <a:srgbClr val="61A5C2"/>
+                </a:solidFill>
+                <a:latin typeface="Calibri" charset="0"/>
+              </a:rPr>
+              <a:t>boot_type</a:t>
+            </a:r>
+            <a:r>
+              <a:rPr lang="de-DE" altLang="en-US" dirty="0">
+                <a:solidFill>
+                  <a:srgbClr val="61A5C2"/>
+                </a:solidFill>
+                <a:latin typeface="Calibri" charset="0"/>
+              </a:rPr>
+              <a:t> = TRUE/FALSE</a:t>
+            </a:r>
+          </a:p>
+          <a:p>
+            <a:pPr lvl="1"/>
+            <a:r>
+              <a:rPr lang="de-DE" altLang="en-US" dirty="0">
+                <a:solidFill>
+                  <a:srgbClr val="61A5C2"/>
+                </a:solidFill>
+                <a:latin typeface="Calibri" charset="0"/>
+              </a:rPr>
               <a:t>LLM </a:t>
             </a:r>
             <a:r>
@@ -6846,7 +7709,7 @@
                 </a:solidFill>
                 <a:latin typeface="Calibri" charset="0"/>
               </a:rPr>
-              <a:t>did</a:t>
+              <a:t>does</a:t>
             </a:r>
             <a:r>
               <a:rPr lang="de-DE" altLang="en-US" dirty="0">
@@ -6864,7 +7727,7 @@
                 </a:solidFill>
                 <a:latin typeface="Calibri" charset="0"/>
               </a:rPr>
-              <a:t>parallelize</a:t>
+              <a:t>bootstrap</a:t>
             </a:r>
             <a:r>
               <a:rPr lang="de-DE" altLang="en-US" dirty="0">
@@ -6873,284 +7736,8 @@
                 </a:solidFill>
                 <a:latin typeface="Calibri" charset="0"/>
               </a:rPr>
-              <a:t>, </a:t>
-            </a:r>
-            <a:r>
-              <a:rPr lang="de-DE" altLang="en-US" dirty="0" err="1">
-                <a:solidFill>
-                  <a:srgbClr val="61A5C2"/>
-                </a:solidFill>
-                <a:latin typeface="Calibri" charset="0"/>
-              </a:rPr>
-              <a:t>leading</a:t>
-            </a:r>
-            <a:r>
-              <a:rPr lang="de-DE" altLang="en-US" dirty="0">
-                <a:solidFill>
-                  <a:srgbClr val="61A5C2"/>
-                </a:solidFill>
-                <a:latin typeface="Calibri" charset="0"/>
-              </a:rPr>
-              <a:t> </a:t>
-            </a:r>
-            <a:r>
-              <a:rPr lang="de-DE" altLang="en-US" dirty="0" err="1">
-                <a:solidFill>
-                  <a:srgbClr val="61A5C2"/>
-                </a:solidFill>
-                <a:latin typeface="Calibri" charset="0"/>
-              </a:rPr>
-              <a:t>to</a:t>
-            </a:r>
-            <a:r>
-              <a:rPr lang="de-DE" altLang="en-US" dirty="0">
-                <a:solidFill>
-                  <a:srgbClr val="61A5C2"/>
-                </a:solidFill>
-                <a:latin typeface="Calibri" charset="0"/>
-              </a:rPr>
-              <a:t> </a:t>
-            </a:r>
-            <a:r>
-              <a:rPr lang="de-DE" altLang="en-US" dirty="0" err="1">
-                <a:solidFill>
-                  <a:srgbClr val="61A5C2"/>
-                </a:solidFill>
-                <a:latin typeface="Calibri" charset="0"/>
-              </a:rPr>
-              <a:t>worse</a:t>
-            </a:r>
-            <a:r>
-              <a:rPr lang="de-DE" altLang="en-US" dirty="0">
-                <a:solidFill>
-                  <a:srgbClr val="61A5C2"/>
-                </a:solidFill>
-                <a:latin typeface="Calibri" charset="0"/>
-              </a:rPr>
-              <a:t> </a:t>
-            </a:r>
-            <a:r>
-              <a:rPr lang="de-DE" altLang="en-US" dirty="0" err="1">
-                <a:solidFill>
-                  <a:srgbClr val="61A5C2"/>
-                </a:solidFill>
-                <a:latin typeface="Calibri" charset="0"/>
-              </a:rPr>
-              <a:t>performance</a:t>
-            </a:r>
-            <a:endParaRPr lang="de-DE" altLang="en-US" dirty="0">
-              <a:solidFill>
-                <a:srgbClr val="61A5C2"/>
-              </a:solidFill>
-              <a:latin typeface="Calibri" charset="0"/>
-            </a:endParaRPr>
-          </a:p>
-          <a:p>
-            <a:pPr lvl="0"/>
-            <a:r>
-              <a:rPr lang="de-DE" altLang="en-US" dirty="0">
-                <a:solidFill>
-                  <a:srgbClr val="61A5C2"/>
-                </a:solidFill>
-                <a:latin typeface="Calibri" charset="0"/>
-              </a:rPr>
-              <a:t>bootstrapping </a:t>
-            </a:r>
-            <a:r>
-              <a:rPr lang="de-DE" altLang="en-US" dirty="0" err="1">
-                <a:solidFill>
-                  <a:srgbClr val="61A5C2"/>
-                </a:solidFill>
-                <a:latin typeface="Calibri" charset="0"/>
-              </a:rPr>
-              <a:t>samples</a:t>
-            </a:r>
-            <a:r>
-              <a:rPr lang="de-DE" altLang="en-US" dirty="0">
-                <a:solidFill>
-                  <a:srgbClr val="61A5C2"/>
-                </a:solidFill>
-                <a:latin typeface="Calibri" charset="0"/>
-              </a:rPr>
-              <a:t>:</a:t>
-            </a:r>
-            <a:endParaRPr lang="de-DE" altLang="en-US" dirty="0">
-              <a:solidFill>
-                <a:srgbClr val="61A5C2"/>
-              </a:solidFill>
-              <a:latin typeface="Calibri" charset="0"/>
-            </a:endParaRPr>
-          </a:p>
-          <a:p>
-            <a:pPr lvl="1"/>
-            <a:r>
-              <a:rPr lang="de-DE" altLang="en-US" dirty="0" err="1">
-                <a:solidFill>
-                  <a:srgbClr val="61A5C2"/>
-                </a:solidFill>
-                <a:latin typeface="Calibri" charset="0"/>
-              </a:rPr>
-              <a:t>we</a:t>
-            </a:r>
-            <a:r>
-              <a:rPr lang="de-DE" altLang="en-US" dirty="0">
-                <a:solidFill>
-                  <a:srgbClr val="61A5C2"/>
-                </a:solidFill>
-                <a:latin typeface="Calibri" charset="0"/>
-              </a:rPr>
-              <a:t> </a:t>
-            </a:r>
-            <a:r>
-              <a:rPr lang="de-DE" altLang="en-US" dirty="0" err="1">
-                <a:solidFill>
-                  <a:srgbClr val="61A5C2"/>
-                </a:solidFill>
-                <a:latin typeface="Calibri" charset="0"/>
-              </a:rPr>
-              <a:t>always</a:t>
-            </a:r>
-            <a:r>
-              <a:rPr lang="de-DE" altLang="en-US" dirty="0">
-                <a:solidFill>
-                  <a:srgbClr val="61A5C2"/>
-                </a:solidFill>
-                <a:latin typeface="Calibri" charset="0"/>
-              </a:rPr>
-              <a:t> </a:t>
-            </a:r>
-            <a:r>
-              <a:rPr lang="de-DE" altLang="en-US" dirty="0" err="1">
-                <a:solidFill>
-                  <a:srgbClr val="61A5C2"/>
-                </a:solidFill>
-                <a:latin typeface="Calibri" charset="0"/>
-              </a:rPr>
-              <a:t>bootstrap</a:t>
-            </a:r>
-            <a:r>
-              <a:rPr lang="de-DE" altLang="en-US" dirty="0">
-                <a:solidFill>
-                  <a:srgbClr val="61A5C2"/>
-                </a:solidFill>
-                <a:latin typeface="Calibri" charset="0"/>
-              </a:rPr>
-              <a:t> and </a:t>
-            </a:r>
-            <a:r>
-              <a:rPr lang="de-DE" altLang="en-US" dirty="0" err="1">
-                <a:solidFill>
-                  <a:srgbClr val="61A5C2"/>
-                </a:solidFill>
-                <a:latin typeface="Calibri" charset="0"/>
-              </a:rPr>
-              <a:t>control</a:t>
-            </a:r>
-            <a:r>
-              <a:rPr lang="de-DE" altLang="en-US" dirty="0">
-                <a:solidFill>
-                  <a:srgbClr val="61A5C2"/>
-                </a:solidFill>
-                <a:latin typeface="Calibri" charset="0"/>
-              </a:rPr>
-              <a:t> </a:t>
-            </a:r>
-            <a:r>
-              <a:rPr lang="de-DE" altLang="en-US" dirty="0" err="1">
-                <a:solidFill>
-                  <a:srgbClr val="61A5C2"/>
-                </a:solidFill>
-                <a:latin typeface="Calibri" charset="0"/>
-              </a:rPr>
-              <a:t>replacement</a:t>
-            </a:r>
-            <a:r>
-              <a:rPr lang="de-DE" altLang="en-US" dirty="0">
-                <a:solidFill>
-                  <a:srgbClr val="61A5C2"/>
-                </a:solidFill>
-                <a:latin typeface="Calibri" charset="0"/>
-              </a:rPr>
-              <a:t> via </a:t>
-            </a:r>
-            <a:r>
-              <a:rPr lang="de-DE" altLang="en-US" dirty="0" err="1">
-                <a:solidFill>
-                  <a:srgbClr val="61A5C2"/>
-                </a:solidFill>
-                <a:latin typeface="Calibri" charset="0"/>
-              </a:rPr>
-              <a:t>boot_type</a:t>
-            </a:r>
-            <a:r>
-              <a:rPr lang="de-DE" altLang="en-US" dirty="0">
-                <a:solidFill>
-                  <a:srgbClr val="61A5C2"/>
-                </a:solidFill>
-                <a:latin typeface="Calibri" charset="0"/>
-              </a:rPr>
-              <a:t> = TRUE/FALSE</a:t>
-            </a:r>
-            <a:endParaRPr lang="de-DE" altLang="en-US" dirty="0">
-              <a:solidFill>
-                <a:srgbClr val="61A5C2"/>
-              </a:solidFill>
-              <a:latin typeface="Calibri" charset="0"/>
-            </a:endParaRPr>
-          </a:p>
-          <a:p>
-            <a:pPr lvl="1"/>
-            <a:r>
-              <a:rPr lang="de-DE" altLang="en-US" dirty="0">
-                <a:solidFill>
-                  <a:srgbClr val="61A5C2"/>
-                </a:solidFill>
-                <a:latin typeface="Calibri" charset="0"/>
-              </a:rPr>
-              <a:t>LLM </a:t>
-            </a:r>
-            <a:r>
-              <a:rPr lang="de-DE" altLang="en-US" dirty="0" err="1">
-                <a:solidFill>
-                  <a:srgbClr val="61A5C2"/>
-                </a:solidFill>
-                <a:latin typeface="Calibri" charset="0"/>
-              </a:rPr>
-              <a:t>does</a:t>
-            </a:r>
-            <a:r>
-              <a:rPr lang="de-DE" altLang="en-US" dirty="0">
-                <a:solidFill>
-                  <a:srgbClr val="61A5C2"/>
-                </a:solidFill>
-                <a:latin typeface="Calibri" charset="0"/>
-              </a:rPr>
-              <a:t> not </a:t>
-            </a:r>
-            <a:r>
-              <a:rPr lang="de-DE" altLang="en-US" dirty="0" err="1">
-                <a:solidFill>
-                  <a:srgbClr val="61A5C2"/>
-                </a:solidFill>
-                <a:latin typeface="Calibri" charset="0"/>
-              </a:rPr>
-              <a:t>bootstrap</a:t>
-            </a:r>
-            <a:r>
-              <a:rPr lang="de-DE" altLang="en-US" dirty="0">
-                <a:solidFill>
-                  <a:srgbClr val="61A5C2"/>
-                </a:solidFill>
-                <a:latin typeface="Calibri" charset="0"/>
-              </a:rPr>
               <a:t> at all</a:t>
             </a:r>
-            <a:endParaRPr lang="de-DE" altLang="en-US" dirty="0">
-              <a:solidFill>
-                <a:srgbClr val="61A5C2"/>
-              </a:solidFill>
-              <a:latin typeface="Calibri" charset="0"/>
-            </a:endParaRPr>
           </a:p>
           <a:p>
             <a:pPr lvl="1"/>
@@ -7307,7 +7894,13 @@
       </p:grpSpPr>
       <p:sp>
         <p:nvSpPr>
-          <p:cNvPr id="2" name="Title 1"/>
+          <p:cNvPr id="2" name="Titel 1">
+            <a:extLst>
+              <a:ext uri="{FF2B5EF4-FFF2-40B4-BE49-F238E27FC236}">
+                <a16:creationId xmlns:a16="http://schemas.microsoft.com/office/drawing/2014/main" id="{A6BA2BA2-7F6A-B0F9-2777-435C42DBDF04}"/>
+              </a:ext>
+            </a:extLst>
+          </p:cNvPr>
           <p:cNvSpPr>
             <a:spLocks noGrp="1"/>
           </p:cNvSpPr>
@@ -7320,7 +7913,7 @@
           <a:bodyPr/>
           <a:lstStyle/>
           <a:p>
-            <a:pPr algn="ctr" fontAlgn="auto"/>
+            <a:pPr algn="ctr"/>
             <a:r>
               <a:rPr lang="de-DE" altLang="en-US" dirty="0">
                 <a:solidFill>
@@ -7328,7 +7921,7 @@
                 </a:solidFill>
                 <a:latin typeface="Calibri" charset="0"/>
               </a:rPr>
-              <a:t>Cross Validation </a:t>
+              <a:t>Tuning </a:t>
             </a:r>
             <a:r>
               <a:rPr lang="de-DE" altLang="en-US" dirty="0" err="1">
@@ -7366,35 +7959,33 @@
               </a:rPr>
               <a:t> Dataset</a:t>
             </a:r>
-            <a:endParaRPr lang="de-DE" altLang="en-US" dirty="0">
-              <a:solidFill>
-                <a:srgbClr val="61A5C2"/>
-              </a:solidFill>
-              <a:latin typeface="Calibri" charset="0"/>
-            </a:endParaRPr>
+            <a:endParaRPr lang="en-AT" dirty="0"/>
           </a:p>
         </p:txBody>
       </p:sp>
       <p:pic>
         <p:nvPicPr>
-          <p:cNvPr id="12" name="Content Placeholder 11"/>
+          <p:cNvPr id="7" name="Grafik 6">
+            <a:extLst>
+              <a:ext uri="{FF2B5EF4-FFF2-40B4-BE49-F238E27FC236}">
+                <a16:creationId xmlns:a16="http://schemas.microsoft.com/office/drawing/2014/main" id="{CCFCDF9D-1395-2780-11E9-2DC9F3EBA668}"/>
+              </a:ext>
+            </a:extLst>
+          </p:cNvPr>
           <p:cNvPicPr>
-            <a:picLocks noGrp="1" noChangeAspect="1"/>
+            <a:picLocks noChangeAspect="1"/>
           </p:cNvPicPr>
-          <p:nvPr>
-            <p:ph idx="1"/>
-          </p:nvPr>
+          <p:nvPr/>
         </p:nvPicPr>
         <p:blipFill>
-          <a:blip r:embed="rId1"/>
-          <a:stretch>
-            <a:fillRect/>
-          </a:stretch>
+          <a:blip r:embed="rId2"/>
+          <a:srcRect r="5772" b="9630"/>
+          <a:stretch/>
         </p:blipFill>
         <p:spPr>
           <a:xfrm>
-            <a:off x="3873500" y="1688465"/>
-            <a:ext cx="4445000" cy="4500880"/>
+            <a:off x="880687" y="1584008"/>
+            <a:ext cx="10430624" cy="4648841"/>
           </a:xfrm>
           <a:prstGeom prst="rect">
             <a:avLst/>
@@ -7402,6 +7993,11 @@
         </p:spPr>
       </p:pic>
     </p:spTree>
+    <p:extLst>
+      <p:ext uri="{BB962C8B-B14F-4D97-AF65-F5344CB8AC3E}">
+        <p14:creationId xmlns:p14="http://schemas.microsoft.com/office/powerpoint/2010/main" val="83508161"/>
+      </p:ext>
+    </p:extLst>
   </p:cSld>
   <p:clrMapOvr>
     <a:masterClrMapping/>
@@ -7660,6 +8256,8 @@
       </a:bgFillStyleLst>
     </a:fmtScheme>
   </a:themeElements>
+  <a:objectDefaults/>
+  <a:extraClrSchemeLst/>
   <a:extLst>
     <a:ext uri="{05A4C25C-085E-4340-85A3-A5531E510DB2}">
       <thm15:themeFamily xmlns:thm15="http://schemas.microsoft.com/office/thememl/2012/main" name="Office Theme" id="{62F939B6-93AF-4DB8-9C6B-D6C7DFDC589F}" vid="{4A3C46E8-61CC-4603-A589-7422A47A8E4A}"/>
@@ -7919,6 +8517,8 @@
       </a:bgFillStyleLst>
     </a:fmtScheme>
   </a:themeElements>
+  <a:objectDefaults/>
+  <a:extraClrSchemeLst/>
   <a:extLst>
     <a:ext uri="{05A4C25C-085E-4340-85A3-A5531E510DB2}">
       <thm15:themeFamily xmlns:thm15="http://schemas.microsoft.com/office/thememl/2012/main" name="Office Theme" id="{62F939B6-93AF-4DB8-9C6B-D6C7DFDC589F}" vid="{4A3C46E8-61CC-4603-A589-7422A47A8E4A}"/>
@@ -8178,6 +8778,8 @@
       </a:bgFillStyleLst>
     </a:fmtScheme>
   </a:themeElements>
+  <a:objectDefaults/>
+  <a:extraClrSchemeLst/>
   <a:extLst>
     <a:ext uri="{05A4C25C-085E-4340-85A3-A5531E510DB2}">
       <thm15:themeFamily xmlns:thm15="http://schemas.microsoft.com/office/thememl/2012/main" name="Office Theme" id="{62F939B6-93AF-4DB8-9C6B-D6C7DFDC589F}" vid="{4A3C46E8-61CC-4603-A589-7422A47A8E4A}"/>

--- a/Exercise_2/Exercie2_slides.pptx
+++ b/Exercise_2/Exercie2_slides.pptx
@@ -6371,7 +6371,7 @@
         </p:nvSpPr>
         <p:spPr>
           <a:xfrm>
-            <a:off x="1877483" y="1859492"/>
+            <a:off x="1877483" y="1765488"/>
             <a:ext cx="8056033" cy="4351338"/>
           </a:xfrm>
         </p:spPr>
@@ -6391,85 +6391,85 @@
           </a:p>
           <a:p>
             <a:r>
+              <a:rPr lang="en-GB" sz="1800" dirty="0">
+                <a:solidFill>
+                  <a:srgbClr val="61A5C2"/>
+                </a:solidFill>
+                <a:latin typeface="Calibri" charset="0"/>
+              </a:rPr>
+              <a:t>Performance:</a:t>
+            </a:r>
+          </a:p>
+          <a:p>
+            <a:pPr lvl="1"/>
+            <a:r>
               <a:rPr lang="en-GB" sz="1600" dirty="0">
                 <a:solidFill>
                   <a:srgbClr val="61A5C2"/>
                 </a:solidFill>
                 <a:latin typeface="Calibri" charset="0"/>
               </a:rPr>
-              <a:t>Performance:</a:t>
+              <a:t>implementing the </a:t>
+            </a:r>
+            <a:r>
+              <a:rPr lang="en-GB" sz="1600" dirty="0" err="1">
+                <a:solidFill>
+                  <a:srgbClr val="61A5C2"/>
+                </a:solidFill>
+                <a:latin typeface="Calibri" charset="0"/>
+              </a:rPr>
+              <a:t>max_features</a:t>
+            </a:r>
+            <a:r>
+              <a:rPr lang="en-GB" sz="1600" dirty="0">
+                <a:solidFill>
+                  <a:srgbClr val="61A5C2"/>
+                </a:solidFill>
+                <a:latin typeface="Calibri" charset="0"/>
+              </a:rPr>
+              <a:t> functionality boosts both efficiency and effectiveness</a:t>
+            </a:r>
+          </a:p>
+          <a:p>
+            <a:pPr lvl="2"/>
+            <a:r>
+              <a:rPr lang="en-GB" dirty="0">
+                <a:solidFill>
+                  <a:srgbClr val="61A5C2"/>
+                </a:solidFill>
+                <a:latin typeface="Calibri" charset="0"/>
+              </a:rPr>
+              <a:t>especially choosing a random subset at every node</a:t>
+            </a:r>
+          </a:p>
+          <a:p>
+            <a:pPr lvl="2"/>
+            <a:r>
+              <a:rPr lang="en-GB" dirty="0">
+                <a:solidFill>
+                  <a:srgbClr val="61A5C2"/>
+                </a:solidFill>
+                <a:latin typeface="Calibri" charset="0"/>
+              </a:rPr>
+              <a:t>biggest difference between LLM  and our/Scikit’s RF</a:t>
             </a:r>
           </a:p>
           <a:p>
             <a:pPr lvl="1"/>
             <a:r>
-              <a:rPr lang="en-GB" sz="1400" dirty="0">
-                <a:solidFill>
-                  <a:srgbClr val="61A5C2"/>
-                </a:solidFill>
-                <a:latin typeface="Calibri" charset="0"/>
-              </a:rPr>
-              <a:t>implementing the </a:t>
-            </a:r>
-            <a:r>
-              <a:rPr lang="en-GB" sz="1400" dirty="0" err="1">
-                <a:solidFill>
-                  <a:srgbClr val="61A5C2"/>
-                </a:solidFill>
-                <a:latin typeface="Calibri" charset="0"/>
-              </a:rPr>
-              <a:t>max_features</a:t>
-            </a:r>
-            <a:r>
-              <a:rPr lang="en-GB" sz="1400" dirty="0">
-                <a:solidFill>
-                  <a:srgbClr val="61A5C2"/>
-                </a:solidFill>
-                <a:latin typeface="Calibri" charset="0"/>
-              </a:rPr>
-              <a:t> functionality boosts both efficiency and effectiveness</a:t>
-            </a:r>
-          </a:p>
-          <a:p>
-            <a:pPr lvl="2"/>
-            <a:r>
-              <a:rPr lang="en-GB" sz="1400" dirty="0">
-                <a:solidFill>
-                  <a:srgbClr val="61A5C2"/>
-                </a:solidFill>
-                <a:latin typeface="Calibri" charset="0"/>
-              </a:rPr>
-              <a:t>especially choosing a random subset at every node</a:t>
-            </a:r>
-          </a:p>
-          <a:p>
-            <a:pPr lvl="2"/>
-            <a:r>
-              <a:rPr lang="en-GB" sz="1400" dirty="0">
-                <a:solidFill>
-                  <a:srgbClr val="61A5C2"/>
-                </a:solidFill>
-                <a:latin typeface="Calibri" charset="0"/>
-              </a:rPr>
-              <a:t>Biggest difference between LLM  and our/Scikit’s RF</a:t>
+              <a:rPr lang="en-GB" sz="1600" dirty="0">
+                <a:solidFill>
+                  <a:srgbClr val="61A5C2"/>
+                </a:solidFill>
+                <a:latin typeface="Calibri" charset="0"/>
+              </a:rPr>
+              <a:t>randomising the subsets of instances for each tree improves performance</a:t>
             </a:r>
           </a:p>
           <a:p>
             <a:pPr lvl="1"/>
             <a:r>
-              <a:rPr lang="en-GB" sz="1400" dirty="0">
-                <a:solidFill>
-                  <a:srgbClr val="61A5C2"/>
-                </a:solidFill>
-                <a:latin typeface="Calibri" charset="0"/>
-              </a:rPr>
-              <a:t>randomising the subsets of instances for each tree improves performance</a:t>
-            </a:r>
-          </a:p>
-          <a:p>
-            <a:pPr lvl="1"/>
-            <a:r>
-              <a:rPr lang="en-GB" sz="1400" dirty="0" err="1">
+              <a:rPr lang="en-GB" sz="1600" dirty="0" err="1">
                 <a:solidFill>
                   <a:srgbClr val="61A5C2"/>
                 </a:solidFill>
@@ -6478,7 +6478,7 @@
               <a:t>min_samples_split</a:t>
             </a:r>
             <a:r>
-              <a:rPr lang="en-GB" sz="1400" dirty="0">
+              <a:rPr lang="en-GB" sz="1600" dirty="0">
                 <a:solidFill>
                   <a:srgbClr val="61A5C2"/>
                 </a:solidFill>
@@ -6491,6 +6491,35 @@
             <a:pPr marL="457200" lvl="1" indent="0">
               <a:buNone/>
             </a:pPr>
+            <a:endParaRPr lang="en-GB" sz="1600" dirty="0">
+              <a:solidFill>
+                <a:srgbClr val="61A5C2"/>
+              </a:solidFill>
+              <a:latin typeface="Calibri" charset="0"/>
+            </a:endParaRPr>
+          </a:p>
+          <a:p>
+            <a:r>
+              <a:rPr lang="en-GB" sz="1800" dirty="0">
+                <a:solidFill>
+                  <a:srgbClr val="61A5C2"/>
+                </a:solidFill>
+                <a:latin typeface="Calibri" charset="0"/>
+              </a:rPr>
+              <a:t>Efficiency:</a:t>
+            </a:r>
+          </a:p>
+          <a:p>
+            <a:pPr lvl="1"/>
+            <a:r>
+              <a:rPr lang="en-GB" sz="1600" dirty="0">
+                <a:solidFill>
+                  <a:srgbClr val="61A5C2"/>
+                </a:solidFill>
+                <a:latin typeface="Calibri" charset="0"/>
+              </a:rPr>
+              <a:t>parallelisation is necessary for application on bigger datasets</a:t>
+            </a:r>
             <a:endParaRPr lang="en-GB" sz="1400" dirty="0">
               <a:solidFill>
                 <a:srgbClr val="61A5C2"/>
@@ -6499,6 +6528,7 @@
             </a:endParaRPr>
           </a:p>
           <a:p>
+            <a:pPr lvl="1"/>
             <a:r>
               <a:rPr lang="en-GB" sz="1600" dirty="0">
                 <a:solidFill>
@@ -6506,43 +6536,13 @@
                 </a:solidFill>
                 <a:latin typeface="Calibri" charset="0"/>
               </a:rPr>
-              <a:t>Efficiency:</a:t>
+              <a:t>Scikit-Learn is very efficient; bigger difference in efficiency, not effectiveness</a:t>
             </a:r>
           </a:p>
           <a:p>
             <a:pPr lvl="1"/>
             <a:r>
-              <a:rPr lang="en-GB" sz="1400" dirty="0">
-                <a:solidFill>
-                  <a:srgbClr val="61A5C2"/>
-                </a:solidFill>
-                <a:latin typeface="Calibri" charset="0"/>
-              </a:rPr>
-              <a:t>parallelisation is necessary for application on bigger datasets</a:t>
-            </a:r>
-            <a:endParaRPr lang="en-GB" sz="1200" dirty="0">
-              <a:solidFill>
-                <a:srgbClr val="61A5C2"/>
-              </a:solidFill>
-              <a:latin typeface="Calibri" charset="0"/>
-            </a:endParaRPr>
-          </a:p>
-          <a:p>
-            <a:pPr lvl="1"/>
-            <a:r>
-              <a:rPr lang="en-GB" sz="1400" dirty="0">
-                <a:solidFill>
-                  <a:srgbClr val="61A5C2"/>
-                </a:solidFill>
-                <a:latin typeface="Calibri" charset="0"/>
-              </a:rPr>
-              <a:t>Scikit-Learn is very efficient; bigger difference in efficiency, not effectiveness</a:t>
-            </a:r>
-          </a:p>
-          <a:p>
-            <a:pPr lvl="1"/>
-            <a:r>
-              <a:rPr lang="en-GB" sz="1400" dirty="0" err="1">
+              <a:rPr lang="en-GB" sz="1600" dirty="0" err="1">
                 <a:solidFill>
                   <a:srgbClr val="61A5C2"/>
                 </a:solidFill>
@@ -6551,7 +6551,7 @@
               <a:t>kNN</a:t>
             </a:r>
             <a:r>
-              <a:rPr lang="en-GB" sz="1400" dirty="0">
+              <a:rPr lang="en-GB" sz="1600" dirty="0">
                 <a:solidFill>
                   <a:srgbClr val="61A5C2"/>
                 </a:solidFill>
@@ -6563,7 +6563,7 @@
           <a:p>
             <a:pPr lvl="2"/>
             <a:r>
-              <a:rPr lang="en-GB" sz="1400" dirty="0">
+              <a:rPr lang="en-GB" dirty="0">
                 <a:solidFill>
                   <a:srgbClr val="61A5C2"/>
                 </a:solidFill>
@@ -6575,7 +6575,7 @@
           <a:p>
             <a:pPr lvl="2"/>
             <a:r>
-              <a:rPr lang="en-GB" sz="1400" dirty="0">
+              <a:rPr lang="en-GB" dirty="0">
                 <a:solidFill>
                   <a:srgbClr val="61A5C2"/>
                 </a:solidFill>
